--- a/Doxygen/physics/8. Box2D Joint Toy/figures.pptx
+++ b/Doxygen/physics/8. Box2D Joint Toy/figures.pptx
@@ -5,11 +5,17 @@
     <p:sldMasterId id="2147483672" r:id="rId1"/>
   </p:sldMasterIdLst>
   <p:notesMasterIdLst>
-    <p:notesMasterId r:id="rId4"/>
+    <p:notesMasterId r:id="rId10"/>
   </p:notesMasterIdLst>
   <p:sldIdLst>
     <p:sldId id="545" r:id="rId2"/>
     <p:sldId id="497" r:id="rId3"/>
+    <p:sldId id="500" r:id="rId4"/>
+    <p:sldId id="582" r:id="rId5"/>
+    <p:sldId id="585" r:id="rId6"/>
+    <p:sldId id="583" r:id="rId7"/>
+    <p:sldId id="494" r:id="rId8"/>
+    <p:sldId id="584" r:id="rId9"/>
   </p:sldIdLst>
   <p:sldSz cx="9144000" cy="6858000" type="screen4x3"/>
   <p:notesSz cx="6858000" cy="9144000"/>
@@ -198,7 +204,7 @@
           <a:p>
             <a:fld id="{E54D3832-E819-4F21-A702-2A3BF11FDE4B}" type="datetimeFigureOut">
               <a:rPr lang="en-US" smtClean="0"/>
-              <a:t>4/3/2024</a:t>
+              <a:t>4/8/2024</a:t>
             </a:fld>
             <a:endParaRPr lang="en-US"/>
           </a:p>
@@ -3733,1375 +3739,6 @@
       </p:grpSpPr>
       <p:sp>
         <p:nvSpPr>
-          <p:cNvPr id="2" name="Title 1"/>
-          <p:cNvSpPr>
-            <a:spLocks noGrp="1"/>
-          </p:cNvSpPr>
-          <p:nvPr>
-            <p:ph type="title"/>
-          </p:nvPr>
-        </p:nvSpPr>
-        <p:spPr/>
-        <p:txBody>
-          <a:bodyPr>
-            <a:normAutofit/>
-          </a:bodyPr>
-          <a:lstStyle/>
-          <a:p>
-            <a:pPr algn="l"/>
-            <a:r>
-              <a:rPr lang="en-US" sz="3200" dirty="0">
-                <a:cs typeface="Consolas" panose="020B0609020204030204" pitchFamily="49" charset="0"/>
-              </a:rPr>
-              <a:t>The Gear Class Constructor</a:t>
-            </a:r>
-            <a:br>
-              <a:rPr lang="en-US" sz="3200" dirty="0">
-                <a:cs typeface="Consolas" panose="020B0609020204030204" pitchFamily="49" charset="0"/>
-              </a:rPr>
-            </a:br>
-            <a:r>
-              <a:rPr lang="en-US" sz="2400" dirty="0">
-                <a:solidFill>
-                  <a:prstClr val="black"/>
-                </a:solidFill>
-                <a:cs typeface="Consolas" panose="020B0609020204030204" pitchFamily="49" charset="0"/>
-              </a:rPr>
-              <a:t>Create Gear Joints</a:t>
-            </a:r>
-            <a:endParaRPr lang="en-US" sz="3200" dirty="0">
-              <a:cs typeface="Consolas" panose="020B0609020204030204" pitchFamily="49" charset="0"/>
-            </a:endParaRPr>
-          </a:p>
-        </p:txBody>
-      </p:sp>
-      <p:sp>
-        <p:nvSpPr>
-          <p:cNvPr id="7" name="Content Placeholder 2"/>
-          <p:cNvSpPr txBox="1">
-            <a:spLocks/>
-          </p:cNvSpPr>
-          <p:nvPr/>
-        </p:nvSpPr>
-        <p:spPr>
-          <a:xfrm>
-            <a:off x="457199" y="1447800"/>
-            <a:ext cx="5081069" cy="2971800"/>
-          </a:xfrm>
-          <a:prstGeom prst="rect">
-            <a:avLst/>
-          </a:prstGeom>
-          <a:solidFill>
-            <a:srgbClr val="E5FCFF"/>
-          </a:solidFill>
-          <a:ln w="19050">
-            <a:solidFill>
-              <a:schemeClr val="tx1"/>
-            </a:solidFill>
-          </a:ln>
-        </p:spPr>
-        <p:txBody>
-          <a:bodyPr vert="horz" lIns="91440" tIns="45720" rIns="91440" bIns="45720" rtlCol="0" anchor="ctr">
-            <a:noAutofit/>
-          </a:bodyPr>
-          <a:lstStyle>
-            <a:lvl1pPr marL="342900" indent="-342900" algn="l" defTabSz="914400" rtl="0" eaLnBrk="1" latinLnBrk="0" hangingPunct="1">
-              <a:spcBef>
-                <a:spcPct val="20000"/>
-              </a:spcBef>
-              <a:buFont typeface="Arial" pitchFamily="34" charset="0"/>
-              <a:buChar char="•"/>
-              <a:defRPr sz="3200" kern="1200">
-                <a:solidFill>
-                  <a:schemeClr val="tx1"/>
-                </a:solidFill>
-                <a:latin typeface="+mn-lt"/>
-                <a:ea typeface="+mn-ea"/>
-                <a:cs typeface="+mn-cs"/>
-              </a:defRPr>
-            </a:lvl1pPr>
-            <a:lvl2pPr marL="742950" indent="-285750" algn="l" defTabSz="914400" rtl="0" eaLnBrk="1" latinLnBrk="0" hangingPunct="1">
-              <a:spcBef>
-                <a:spcPct val="20000"/>
-              </a:spcBef>
-              <a:buFont typeface="Arial" pitchFamily="34" charset="0"/>
-              <a:buChar char="–"/>
-              <a:defRPr sz="2800" kern="1200">
-                <a:solidFill>
-                  <a:schemeClr val="tx1"/>
-                </a:solidFill>
-                <a:latin typeface="+mn-lt"/>
-                <a:ea typeface="+mn-ea"/>
-                <a:cs typeface="+mn-cs"/>
-              </a:defRPr>
-            </a:lvl2pPr>
-            <a:lvl3pPr marL="1143000" indent="-228600" algn="l" defTabSz="914400" rtl="0" eaLnBrk="1" latinLnBrk="0" hangingPunct="1">
-              <a:spcBef>
-                <a:spcPct val="20000"/>
-              </a:spcBef>
-              <a:buFont typeface="Arial" pitchFamily="34" charset="0"/>
-              <a:buChar char="•"/>
-              <a:defRPr sz="2400" kern="1200">
-                <a:solidFill>
-                  <a:schemeClr val="tx1"/>
-                </a:solidFill>
-                <a:latin typeface="+mn-lt"/>
-                <a:ea typeface="+mn-ea"/>
-                <a:cs typeface="+mn-cs"/>
-              </a:defRPr>
-            </a:lvl3pPr>
-            <a:lvl4pPr marL="1600200" indent="-228600" algn="l" defTabSz="914400" rtl="0" eaLnBrk="1" latinLnBrk="0" hangingPunct="1">
-              <a:spcBef>
-                <a:spcPct val="20000"/>
-              </a:spcBef>
-              <a:buFont typeface="Arial" pitchFamily="34" charset="0"/>
-              <a:buChar char="–"/>
-              <a:defRPr sz="2000" kern="1200">
-                <a:solidFill>
-                  <a:schemeClr val="tx1"/>
-                </a:solidFill>
-                <a:latin typeface="+mn-lt"/>
-                <a:ea typeface="+mn-ea"/>
-                <a:cs typeface="+mn-cs"/>
-              </a:defRPr>
-            </a:lvl4pPr>
-            <a:lvl5pPr marL="2057400" indent="-228600" algn="l" defTabSz="914400" rtl="0" eaLnBrk="1" latinLnBrk="0" hangingPunct="1">
-              <a:spcBef>
-                <a:spcPct val="20000"/>
-              </a:spcBef>
-              <a:buFont typeface="Arial" pitchFamily="34" charset="0"/>
-              <a:buChar char="»"/>
-              <a:defRPr sz="2000" kern="1200">
-                <a:solidFill>
-                  <a:schemeClr val="tx1"/>
-                </a:solidFill>
-                <a:latin typeface="+mn-lt"/>
-                <a:ea typeface="+mn-ea"/>
-                <a:cs typeface="+mn-cs"/>
-              </a:defRPr>
-            </a:lvl5pPr>
-            <a:lvl6pPr marL="2514600" indent="-228600" algn="l" defTabSz="914400" rtl="0" eaLnBrk="1" latinLnBrk="0" hangingPunct="1">
-              <a:spcBef>
-                <a:spcPct val="20000"/>
-              </a:spcBef>
-              <a:buFont typeface="Arial" pitchFamily="34" charset="0"/>
-              <a:buChar char="•"/>
-              <a:defRPr sz="2000" kern="1200">
-                <a:solidFill>
-                  <a:schemeClr val="tx1"/>
-                </a:solidFill>
-                <a:latin typeface="+mn-lt"/>
-                <a:ea typeface="+mn-ea"/>
-                <a:cs typeface="+mn-cs"/>
-              </a:defRPr>
-            </a:lvl6pPr>
-            <a:lvl7pPr marL="2971800" indent="-228600" algn="l" defTabSz="914400" rtl="0" eaLnBrk="1" latinLnBrk="0" hangingPunct="1">
-              <a:spcBef>
-                <a:spcPct val="20000"/>
-              </a:spcBef>
-              <a:buFont typeface="Arial" pitchFamily="34" charset="0"/>
-              <a:buChar char="•"/>
-              <a:defRPr sz="2000" kern="1200">
-                <a:solidFill>
-                  <a:schemeClr val="tx1"/>
-                </a:solidFill>
-                <a:latin typeface="+mn-lt"/>
-                <a:ea typeface="+mn-ea"/>
-                <a:cs typeface="+mn-cs"/>
-              </a:defRPr>
-            </a:lvl7pPr>
-            <a:lvl8pPr marL="3429000" indent="-228600" algn="l" defTabSz="914400" rtl="0" eaLnBrk="1" latinLnBrk="0" hangingPunct="1">
-              <a:spcBef>
-                <a:spcPct val="20000"/>
-              </a:spcBef>
-              <a:buFont typeface="Arial" pitchFamily="34" charset="0"/>
-              <a:buChar char="•"/>
-              <a:defRPr sz="2000" kern="1200">
-                <a:solidFill>
-                  <a:schemeClr val="tx1"/>
-                </a:solidFill>
-                <a:latin typeface="+mn-lt"/>
-                <a:ea typeface="+mn-ea"/>
-                <a:cs typeface="+mn-cs"/>
-              </a:defRPr>
-            </a:lvl8pPr>
-            <a:lvl9pPr marL="3886200" indent="-228600" algn="l" defTabSz="914400" rtl="0" eaLnBrk="1" latinLnBrk="0" hangingPunct="1">
-              <a:spcBef>
-                <a:spcPct val="20000"/>
-              </a:spcBef>
-              <a:buFont typeface="Arial" pitchFamily="34" charset="0"/>
-              <a:buChar char="•"/>
-              <a:defRPr sz="2000" kern="1200">
-                <a:solidFill>
-                  <a:schemeClr val="tx1"/>
-                </a:solidFill>
-                <a:latin typeface="+mn-lt"/>
-                <a:ea typeface="+mn-ea"/>
-                <a:cs typeface="+mn-cs"/>
-              </a:defRPr>
-            </a:lvl9pPr>
-          </a:lstStyle>
-          <a:p>
-            <a:pPr marL="91440" marR="0" lvl="0" indent="0" algn="l" defTabSz="914400" rtl="0" eaLnBrk="1" fontAlgn="auto" latinLnBrk="0" hangingPunct="1">
-              <a:lnSpc>
-                <a:spcPct val="100000"/>
-              </a:lnSpc>
-              <a:spcBef>
-                <a:spcPts val="0"/>
-              </a:spcBef>
-              <a:spcAft>
-                <a:spcPts val="0"/>
-              </a:spcAft>
-              <a:buClrTx/>
-              <a:buSzTx/>
-              <a:buFont typeface="Arial" pitchFamily="34" charset="0"/>
-              <a:buNone/>
-              <a:tabLst/>
-              <a:defRPr/>
-            </a:pPr>
-            <a:r>
-              <a:rPr kumimoji="0" lang="en-US" sz="1800" b="0" i="0" u="none" strike="noStrike" kern="1200" cap="none" spc="0" normalizeH="0" baseline="0" noProof="0" dirty="0">
-                <a:ln>
-                  <a:noFill/>
-                </a:ln>
-                <a:solidFill>
-                  <a:prstClr val="black"/>
-                </a:solidFill>
-                <a:effectLst/>
-                <a:uLnTx/>
-                <a:uFillTx/>
-                <a:latin typeface="Consolas" panose="020B0609020204030204" pitchFamily="49" charset="0"/>
-                <a:ea typeface="+mn-ea"/>
-                <a:cs typeface="Consolas" panose="020B0609020204030204" pitchFamily="49" charset="0"/>
-              </a:rPr>
-              <a:t>  </a:t>
-            </a:r>
-            <a:r>
-              <a:rPr kumimoji="0" lang="en-US" sz="1800" b="0" i="0" u="none" strike="noStrike" kern="1200" cap="none" spc="0" normalizeH="0" baseline="0" noProof="0" dirty="0" err="1">
-                <a:ln>
-                  <a:noFill/>
-                </a:ln>
-                <a:solidFill>
-                  <a:prstClr val="black"/>
-                </a:solidFill>
-                <a:effectLst/>
-                <a:uLnTx/>
-                <a:uFillTx/>
-                <a:latin typeface="Consolas" panose="020B0609020204030204" pitchFamily="49" charset="0"/>
-                <a:ea typeface="+mn-ea"/>
-                <a:cs typeface="Consolas" panose="020B0609020204030204" pitchFamily="49" charset="0"/>
-              </a:rPr>
-              <a:t>CreateGearJoint</a:t>
-            </a:r>
-            <a:r>
-              <a:rPr kumimoji="0" lang="en-US" sz="1800" b="0" i="0" u="none" strike="noStrike" kern="1200" cap="none" spc="0" normalizeH="0" baseline="0" noProof="0" dirty="0">
-                <a:ln>
-                  <a:noFill/>
-                </a:ln>
-                <a:solidFill>
-                  <a:prstClr val="black"/>
-                </a:solidFill>
-                <a:effectLst/>
-                <a:uLnTx/>
-                <a:uFillTx/>
-                <a:latin typeface="Consolas" panose="020B0609020204030204" pitchFamily="49" charset="0"/>
-                <a:ea typeface="+mn-ea"/>
-                <a:cs typeface="Consolas" panose="020B0609020204030204" pitchFamily="49" charset="0"/>
-              </a:rPr>
-              <a:t>(</a:t>
-            </a:r>
-            <a:r>
-              <a:rPr kumimoji="0" lang="en-US" sz="1800" b="0" i="0" u="none" strike="noStrike" kern="1200" cap="none" spc="0" normalizeH="0" baseline="0" noProof="0" dirty="0">
-                <a:ln>
-                  <a:noFill/>
-                </a:ln>
-                <a:solidFill>
-                  <a:srgbClr val="C00000"/>
-                </a:solidFill>
-                <a:effectLst/>
-                <a:uLnTx/>
-                <a:uFillTx/>
-                <a:latin typeface="Consolas" panose="020B0609020204030204" pitchFamily="49" charset="0"/>
-                <a:ea typeface="+mn-ea"/>
-                <a:cs typeface="Consolas" panose="020B0609020204030204" pitchFamily="49" charset="0"/>
-              </a:rPr>
-              <a:t>0</a:t>
-            </a:r>
-            <a:r>
-              <a:rPr kumimoji="0" lang="en-US" sz="1800" b="0" i="0" u="none" strike="noStrike" kern="1200" cap="none" spc="0" normalizeH="0" baseline="0" noProof="0" dirty="0">
-                <a:ln>
-                  <a:noFill/>
-                </a:ln>
-                <a:solidFill>
-                  <a:prstClr val="black"/>
-                </a:solidFill>
-                <a:effectLst/>
-                <a:uLnTx/>
-                <a:uFillTx/>
-                <a:latin typeface="Consolas" panose="020B0609020204030204" pitchFamily="49" charset="0"/>
-                <a:ea typeface="+mn-ea"/>
-                <a:cs typeface="Consolas" panose="020B0609020204030204" pitchFamily="49" charset="0"/>
-              </a:rPr>
-              <a:t>, </a:t>
-            </a:r>
-            <a:r>
-              <a:rPr kumimoji="0" lang="en-US" sz="1800" b="0" i="0" u="none" strike="noStrike" kern="1200" cap="none" spc="0" normalizeH="0" baseline="0" noProof="0" dirty="0">
-                <a:ln>
-                  <a:noFill/>
-                </a:ln>
-                <a:solidFill>
-                  <a:srgbClr val="006CFF"/>
-                </a:solidFill>
-                <a:effectLst/>
-                <a:uLnTx/>
-                <a:uFillTx/>
-                <a:latin typeface="Consolas" panose="020B0609020204030204" pitchFamily="49" charset="0"/>
-                <a:ea typeface="+mn-ea"/>
-                <a:cs typeface="Consolas" panose="020B0609020204030204" pitchFamily="49" charset="0"/>
-              </a:rPr>
-              <a:t>1</a:t>
-            </a:r>
-            <a:r>
-              <a:rPr kumimoji="0" lang="en-US" sz="1800" b="0" i="0" u="none" strike="noStrike" kern="1200" cap="none" spc="0" normalizeH="0" baseline="0" noProof="0" dirty="0">
-                <a:ln>
-                  <a:noFill/>
-                </a:ln>
-                <a:solidFill>
-                  <a:prstClr val="black"/>
-                </a:solidFill>
-                <a:effectLst/>
-                <a:uLnTx/>
-                <a:uFillTx/>
-                <a:latin typeface="Consolas" panose="020B0609020204030204" pitchFamily="49" charset="0"/>
-                <a:ea typeface="+mn-ea"/>
-                <a:cs typeface="Consolas" panose="020B0609020204030204" pitchFamily="49" charset="0"/>
-              </a:rPr>
-              <a:t>, </a:t>
-            </a:r>
-            <a:r>
-              <a:rPr kumimoji="0" lang="en-US" sz="1800" b="0" i="0" u="none" strike="noStrike" kern="1200" cap="none" spc="0" normalizeH="0" baseline="0" noProof="0" dirty="0">
-                <a:ln>
-                  <a:noFill/>
-                </a:ln>
-                <a:solidFill>
-                  <a:srgbClr val="006CFF"/>
-                </a:solidFill>
-                <a:effectLst/>
-                <a:uLnTx/>
-                <a:uFillTx/>
-                <a:latin typeface="Consolas" panose="020B0609020204030204" pitchFamily="49" charset="0"/>
-                <a:ea typeface="+mn-ea"/>
-                <a:cs typeface="Consolas" panose="020B0609020204030204" pitchFamily="49" charset="0"/>
-              </a:rPr>
-              <a:t>18.0f</a:t>
-            </a:r>
-            <a:r>
-              <a:rPr kumimoji="0" lang="en-US" sz="1800" b="0" i="0" u="none" strike="noStrike" kern="1200" cap="none" spc="0" normalizeH="0" baseline="0" noProof="0" dirty="0">
-                <a:ln>
-                  <a:noFill/>
-                </a:ln>
-                <a:solidFill>
-                  <a:prstClr val="black"/>
-                </a:solidFill>
-                <a:effectLst/>
-                <a:uLnTx/>
-                <a:uFillTx/>
-                <a:latin typeface="Consolas" panose="020B0609020204030204" pitchFamily="49" charset="0"/>
-                <a:ea typeface="+mn-ea"/>
-                <a:cs typeface="Consolas" panose="020B0609020204030204" pitchFamily="49" charset="0"/>
-              </a:rPr>
-              <a:t>/</a:t>
-            </a:r>
-            <a:r>
-              <a:rPr kumimoji="0" lang="en-US" sz="1800" b="0" i="0" u="none" strike="noStrike" kern="1200" cap="none" spc="0" normalizeH="0" baseline="0" noProof="0" dirty="0">
-                <a:ln>
-                  <a:noFill/>
-                </a:ln>
-                <a:solidFill>
-                  <a:srgbClr val="C00000"/>
-                </a:solidFill>
-                <a:effectLst/>
-                <a:uLnTx/>
-                <a:uFillTx/>
-                <a:latin typeface="Consolas" panose="020B0609020204030204" pitchFamily="49" charset="0"/>
-                <a:ea typeface="+mn-ea"/>
-                <a:cs typeface="Consolas" panose="020B0609020204030204" pitchFamily="49" charset="0"/>
-              </a:rPr>
-              <a:t>33.0f</a:t>
-            </a:r>
-            <a:r>
-              <a:rPr kumimoji="0" lang="en-US" sz="1800" b="0" i="0" u="none" strike="noStrike" kern="1200" cap="none" spc="0" normalizeH="0" baseline="0" noProof="0" dirty="0">
-                <a:ln>
-                  <a:noFill/>
-                </a:ln>
-                <a:solidFill>
-                  <a:prstClr val="black"/>
-                </a:solidFill>
-                <a:effectLst/>
-                <a:uLnTx/>
-                <a:uFillTx/>
-                <a:latin typeface="Consolas" panose="020B0609020204030204" pitchFamily="49" charset="0"/>
-                <a:ea typeface="+mn-ea"/>
-                <a:cs typeface="Consolas" panose="020B0609020204030204" pitchFamily="49" charset="0"/>
-              </a:rPr>
-              <a:t>); </a:t>
-            </a:r>
-          </a:p>
-          <a:p>
-            <a:pPr marL="91440" marR="0" lvl="0" indent="0" algn="l" defTabSz="914400" rtl="0" eaLnBrk="1" fontAlgn="auto" latinLnBrk="0" hangingPunct="1">
-              <a:lnSpc>
-                <a:spcPct val="100000"/>
-              </a:lnSpc>
-              <a:spcBef>
-                <a:spcPts val="0"/>
-              </a:spcBef>
-              <a:spcAft>
-                <a:spcPts val="0"/>
-              </a:spcAft>
-              <a:buClrTx/>
-              <a:buSzTx/>
-              <a:buFont typeface="Arial" pitchFamily="34" charset="0"/>
-              <a:buNone/>
-              <a:tabLst/>
-              <a:defRPr/>
-            </a:pPr>
-            <a:r>
-              <a:rPr kumimoji="0" lang="en-US" sz="1800" b="0" i="0" u="none" strike="noStrike" kern="1200" cap="none" spc="0" normalizeH="0" baseline="0" noProof="0" dirty="0">
-                <a:ln>
-                  <a:noFill/>
-                </a:ln>
-                <a:solidFill>
-                  <a:prstClr val="black"/>
-                </a:solidFill>
-                <a:effectLst/>
-                <a:uLnTx/>
-                <a:uFillTx/>
-                <a:latin typeface="Consolas" panose="020B0609020204030204" pitchFamily="49" charset="0"/>
-                <a:ea typeface="+mn-ea"/>
-                <a:cs typeface="Consolas" panose="020B0609020204030204" pitchFamily="49" charset="0"/>
-              </a:rPr>
-              <a:t>  </a:t>
-            </a:r>
-            <a:r>
-              <a:rPr kumimoji="0" lang="en-US" sz="1800" b="0" i="0" u="none" strike="noStrike" kern="1200" cap="none" spc="0" normalizeH="0" baseline="0" noProof="0" dirty="0" err="1">
-                <a:ln>
-                  <a:noFill/>
-                </a:ln>
-                <a:solidFill>
-                  <a:prstClr val="black"/>
-                </a:solidFill>
-                <a:effectLst/>
-                <a:uLnTx/>
-                <a:uFillTx/>
-                <a:latin typeface="Consolas" panose="020B0609020204030204" pitchFamily="49" charset="0"/>
-                <a:ea typeface="+mn-ea"/>
-                <a:cs typeface="Consolas" panose="020B0609020204030204" pitchFamily="49" charset="0"/>
-              </a:rPr>
-              <a:t>CreateGearJoint</a:t>
-            </a:r>
-            <a:r>
-              <a:rPr kumimoji="0" lang="en-US" sz="1800" b="0" i="0" u="none" strike="noStrike" kern="1200" cap="none" spc="0" normalizeH="0" baseline="0" noProof="0" dirty="0">
-                <a:ln>
-                  <a:noFill/>
-                </a:ln>
-                <a:solidFill>
-                  <a:prstClr val="black"/>
-                </a:solidFill>
-                <a:effectLst/>
-                <a:uLnTx/>
-                <a:uFillTx/>
-                <a:latin typeface="Consolas" panose="020B0609020204030204" pitchFamily="49" charset="0"/>
-                <a:ea typeface="+mn-ea"/>
-                <a:cs typeface="Consolas" panose="020B0609020204030204" pitchFamily="49" charset="0"/>
-              </a:rPr>
-              <a:t>(</a:t>
-            </a:r>
-            <a:r>
-              <a:rPr kumimoji="0" lang="en-US" sz="1800" b="0" i="0" u="none" strike="noStrike" kern="1200" cap="none" spc="0" normalizeH="0" baseline="0" noProof="0" dirty="0">
-                <a:ln>
-                  <a:noFill/>
-                </a:ln>
-                <a:solidFill>
-                  <a:srgbClr val="006CFF"/>
-                </a:solidFill>
-                <a:effectLst/>
-                <a:uLnTx/>
-                <a:uFillTx/>
-                <a:latin typeface="Consolas" panose="020B0609020204030204" pitchFamily="49" charset="0"/>
-                <a:ea typeface="+mn-ea"/>
-                <a:cs typeface="Consolas" panose="020B0609020204030204" pitchFamily="49" charset="0"/>
-              </a:rPr>
-              <a:t>1</a:t>
-            </a:r>
-            <a:r>
-              <a:rPr kumimoji="0" lang="en-US" sz="1800" b="0" i="0" u="none" strike="noStrike" kern="1200" cap="none" spc="0" normalizeH="0" baseline="0" noProof="0" dirty="0">
-                <a:ln>
-                  <a:noFill/>
-                </a:ln>
-                <a:solidFill>
-                  <a:prstClr val="black"/>
-                </a:solidFill>
-                <a:effectLst/>
-                <a:uLnTx/>
-                <a:uFillTx/>
-                <a:latin typeface="Consolas" panose="020B0609020204030204" pitchFamily="49" charset="0"/>
-                <a:ea typeface="+mn-ea"/>
-                <a:cs typeface="Consolas" panose="020B0609020204030204" pitchFamily="49" charset="0"/>
-              </a:rPr>
-              <a:t>, </a:t>
-            </a:r>
-            <a:r>
-              <a:rPr kumimoji="0" lang="en-US" sz="1800" b="0" i="0" u="none" strike="noStrike" kern="1200" cap="none" spc="0" normalizeH="0" baseline="0" noProof="0" dirty="0">
-                <a:ln>
-                  <a:noFill/>
-                </a:ln>
-                <a:solidFill>
-                  <a:srgbClr val="FA06DD"/>
-                </a:solidFill>
-                <a:effectLst/>
-                <a:uLnTx/>
-                <a:uFillTx/>
-                <a:latin typeface="Consolas" panose="020B0609020204030204" pitchFamily="49" charset="0"/>
-                <a:ea typeface="+mn-ea"/>
-                <a:cs typeface="Consolas" panose="020B0609020204030204" pitchFamily="49" charset="0"/>
-              </a:rPr>
-              <a:t>2</a:t>
-            </a:r>
-            <a:r>
-              <a:rPr kumimoji="0" lang="en-US" sz="1800" b="0" i="0" u="none" strike="noStrike" kern="1200" cap="none" spc="0" normalizeH="0" baseline="0" noProof="0" dirty="0">
-                <a:ln>
-                  <a:noFill/>
-                </a:ln>
-                <a:solidFill>
-                  <a:prstClr val="black"/>
-                </a:solidFill>
-                <a:effectLst/>
-                <a:uLnTx/>
-                <a:uFillTx/>
-                <a:latin typeface="Consolas" panose="020B0609020204030204" pitchFamily="49" charset="0"/>
-                <a:ea typeface="+mn-ea"/>
-                <a:cs typeface="Consolas" panose="020B0609020204030204" pitchFamily="49" charset="0"/>
-              </a:rPr>
-              <a:t>, </a:t>
-            </a:r>
-            <a:r>
-              <a:rPr kumimoji="0" lang="en-US" sz="1800" b="0" i="0" u="none" strike="noStrike" kern="1200" cap="none" spc="0" normalizeH="0" baseline="0" noProof="0" dirty="0">
-                <a:ln>
-                  <a:noFill/>
-                </a:ln>
-                <a:solidFill>
-                  <a:srgbClr val="FA06DD"/>
-                </a:solidFill>
-                <a:effectLst/>
-                <a:uLnTx/>
-                <a:uFillTx/>
-                <a:latin typeface="Consolas" panose="020B0609020204030204" pitchFamily="49" charset="0"/>
-                <a:ea typeface="+mn-ea"/>
-                <a:cs typeface="Consolas" panose="020B0609020204030204" pitchFamily="49" charset="0"/>
-              </a:rPr>
-              <a:t>12.0f</a:t>
-            </a:r>
-            <a:r>
-              <a:rPr kumimoji="0" lang="en-US" sz="1800" b="0" i="0" u="none" strike="noStrike" kern="1200" cap="none" spc="0" normalizeH="0" baseline="0" noProof="0" dirty="0">
-                <a:ln>
-                  <a:noFill/>
-                </a:ln>
-                <a:solidFill>
-                  <a:prstClr val="black"/>
-                </a:solidFill>
-                <a:effectLst/>
-                <a:uLnTx/>
-                <a:uFillTx/>
-                <a:latin typeface="Consolas" panose="020B0609020204030204" pitchFamily="49" charset="0"/>
-                <a:ea typeface="+mn-ea"/>
-                <a:cs typeface="Consolas" panose="020B0609020204030204" pitchFamily="49" charset="0"/>
-              </a:rPr>
-              <a:t>/</a:t>
-            </a:r>
-            <a:r>
-              <a:rPr kumimoji="0" lang="en-US" sz="1800" b="0" i="0" u="none" strike="noStrike" kern="1200" cap="none" spc="0" normalizeH="0" baseline="0" noProof="0" dirty="0">
-                <a:ln>
-                  <a:noFill/>
-                </a:ln>
-                <a:solidFill>
-                  <a:srgbClr val="006CFF"/>
-                </a:solidFill>
-                <a:effectLst/>
-                <a:uLnTx/>
-                <a:uFillTx/>
-                <a:latin typeface="Consolas" panose="020B0609020204030204" pitchFamily="49" charset="0"/>
-                <a:ea typeface="+mn-ea"/>
-                <a:cs typeface="Consolas" panose="020B0609020204030204" pitchFamily="49" charset="0"/>
-              </a:rPr>
-              <a:t>18.0f</a:t>
-            </a:r>
-            <a:r>
-              <a:rPr kumimoji="0" lang="en-US" sz="1800" b="0" i="0" u="none" strike="noStrike" kern="1200" cap="none" spc="0" normalizeH="0" baseline="0" noProof="0" dirty="0">
-                <a:ln>
-                  <a:noFill/>
-                </a:ln>
-                <a:solidFill>
-                  <a:prstClr val="black"/>
-                </a:solidFill>
-                <a:effectLst/>
-                <a:uLnTx/>
-                <a:uFillTx/>
-                <a:latin typeface="Consolas" panose="020B0609020204030204" pitchFamily="49" charset="0"/>
-                <a:ea typeface="+mn-ea"/>
-                <a:cs typeface="Consolas" panose="020B0609020204030204" pitchFamily="49" charset="0"/>
-              </a:rPr>
-              <a:t>);</a:t>
-            </a:r>
-          </a:p>
-          <a:p>
-            <a:pPr marL="91440" marR="0" lvl="0" indent="0" algn="l" defTabSz="914400" rtl="0" eaLnBrk="1" fontAlgn="auto" latinLnBrk="0" hangingPunct="1">
-              <a:lnSpc>
-                <a:spcPct val="100000"/>
-              </a:lnSpc>
-              <a:spcBef>
-                <a:spcPts val="0"/>
-              </a:spcBef>
-              <a:spcAft>
-                <a:spcPts val="0"/>
-              </a:spcAft>
-              <a:buClrTx/>
-              <a:buSzTx/>
-              <a:buFont typeface="Arial" pitchFamily="34" charset="0"/>
-              <a:buNone/>
-              <a:tabLst/>
-              <a:defRPr/>
-            </a:pPr>
-            <a:r>
-              <a:rPr kumimoji="0" lang="en-US" sz="1800" b="0" i="0" u="none" strike="noStrike" kern="1200" cap="none" spc="0" normalizeH="0" baseline="0" noProof="0" dirty="0">
-                <a:ln>
-                  <a:noFill/>
-                </a:ln>
-                <a:solidFill>
-                  <a:prstClr val="black"/>
-                </a:solidFill>
-                <a:effectLst/>
-                <a:uLnTx/>
-                <a:uFillTx/>
-                <a:latin typeface="Consolas" panose="020B0609020204030204" pitchFamily="49" charset="0"/>
-                <a:ea typeface="+mn-ea"/>
-                <a:cs typeface="Consolas" panose="020B0609020204030204" pitchFamily="49" charset="0"/>
-              </a:rPr>
-              <a:t>  </a:t>
-            </a:r>
-            <a:r>
-              <a:rPr kumimoji="0" lang="en-US" sz="1800" b="0" i="0" u="none" strike="noStrike" kern="1200" cap="none" spc="0" normalizeH="0" baseline="0" noProof="0" dirty="0" err="1">
-                <a:ln>
-                  <a:noFill/>
-                </a:ln>
-                <a:solidFill>
-                  <a:prstClr val="black"/>
-                </a:solidFill>
-                <a:effectLst/>
-                <a:uLnTx/>
-                <a:uFillTx/>
-                <a:latin typeface="Consolas" panose="020B0609020204030204" pitchFamily="49" charset="0"/>
-                <a:ea typeface="+mn-ea"/>
-                <a:cs typeface="Consolas" panose="020B0609020204030204" pitchFamily="49" charset="0"/>
-              </a:rPr>
-              <a:t>CreateGearJoint</a:t>
-            </a:r>
-            <a:r>
-              <a:rPr kumimoji="0" lang="en-US" sz="1800" b="0" i="0" u="none" strike="noStrike" kern="1200" cap="none" spc="0" normalizeH="0" baseline="0" noProof="0" dirty="0">
-                <a:ln>
-                  <a:noFill/>
-                </a:ln>
-                <a:solidFill>
-                  <a:prstClr val="black"/>
-                </a:solidFill>
-                <a:effectLst/>
-                <a:uLnTx/>
-                <a:uFillTx/>
-                <a:latin typeface="Consolas" panose="020B0609020204030204" pitchFamily="49" charset="0"/>
-                <a:ea typeface="+mn-ea"/>
-                <a:cs typeface="Consolas" panose="020B0609020204030204" pitchFamily="49" charset="0"/>
-              </a:rPr>
-              <a:t>(</a:t>
-            </a:r>
-            <a:r>
-              <a:rPr kumimoji="0" lang="en-US" sz="1800" b="0" i="0" u="none" strike="noStrike" kern="1200" cap="none" spc="0" normalizeH="0" baseline="0" noProof="0" dirty="0">
-                <a:ln>
-                  <a:noFill/>
-                </a:ln>
-                <a:solidFill>
-                  <a:srgbClr val="006CFF"/>
-                </a:solidFill>
-                <a:effectLst/>
-                <a:uLnTx/>
-                <a:uFillTx/>
-                <a:latin typeface="Consolas" panose="020B0609020204030204" pitchFamily="49" charset="0"/>
-                <a:ea typeface="+mn-ea"/>
-                <a:cs typeface="Consolas" panose="020B0609020204030204" pitchFamily="49" charset="0"/>
-              </a:rPr>
-              <a:t>1</a:t>
-            </a:r>
-            <a:r>
-              <a:rPr kumimoji="0" lang="en-US" sz="1800" b="0" i="0" u="none" strike="noStrike" kern="1200" cap="none" spc="0" normalizeH="0" baseline="0" noProof="0" dirty="0">
-                <a:ln>
-                  <a:noFill/>
-                </a:ln>
-                <a:solidFill>
-                  <a:prstClr val="black"/>
-                </a:solidFill>
-                <a:effectLst/>
-                <a:uLnTx/>
-                <a:uFillTx/>
-                <a:latin typeface="Consolas" panose="020B0609020204030204" pitchFamily="49" charset="0"/>
-                <a:ea typeface="+mn-ea"/>
-                <a:cs typeface="Consolas" panose="020B0609020204030204" pitchFamily="49" charset="0"/>
-              </a:rPr>
-              <a:t>, </a:t>
-            </a:r>
-            <a:r>
-              <a:rPr kumimoji="0" lang="en-US" sz="1800" b="0" i="0" u="none" strike="noStrike" kern="1200" cap="none" spc="0" normalizeH="0" baseline="0" noProof="0" dirty="0">
-                <a:ln>
-                  <a:noFill/>
-                </a:ln>
-                <a:solidFill>
-                  <a:srgbClr val="FA06DD"/>
-                </a:solidFill>
-                <a:effectLst/>
-                <a:uLnTx/>
-                <a:uFillTx/>
-                <a:latin typeface="Consolas" panose="020B0609020204030204" pitchFamily="49" charset="0"/>
-                <a:ea typeface="+mn-ea"/>
-                <a:cs typeface="Consolas" panose="020B0609020204030204" pitchFamily="49" charset="0"/>
-              </a:rPr>
-              <a:t>3</a:t>
-            </a:r>
-            <a:r>
-              <a:rPr kumimoji="0" lang="en-US" sz="1800" b="0" i="0" u="none" strike="noStrike" kern="1200" cap="none" spc="0" normalizeH="0" baseline="0" noProof="0" dirty="0">
-                <a:ln>
-                  <a:noFill/>
-                </a:ln>
-                <a:solidFill>
-                  <a:prstClr val="black"/>
-                </a:solidFill>
-                <a:effectLst/>
-                <a:uLnTx/>
-                <a:uFillTx/>
-                <a:latin typeface="Consolas" panose="020B0609020204030204" pitchFamily="49" charset="0"/>
-                <a:ea typeface="+mn-ea"/>
-                <a:cs typeface="Consolas" panose="020B0609020204030204" pitchFamily="49" charset="0"/>
-              </a:rPr>
-              <a:t>, </a:t>
-            </a:r>
-            <a:r>
-              <a:rPr kumimoji="0" lang="en-US" sz="1800" b="0" i="0" u="none" strike="noStrike" kern="1200" cap="none" spc="0" normalizeH="0" baseline="0" noProof="0" dirty="0">
-                <a:ln>
-                  <a:noFill/>
-                </a:ln>
-                <a:solidFill>
-                  <a:srgbClr val="FA06DD"/>
-                </a:solidFill>
-                <a:effectLst/>
-                <a:uLnTx/>
-                <a:uFillTx/>
-                <a:latin typeface="Consolas" panose="020B0609020204030204" pitchFamily="49" charset="0"/>
-                <a:ea typeface="+mn-ea"/>
-                <a:cs typeface="Consolas" panose="020B0609020204030204" pitchFamily="49" charset="0"/>
-              </a:rPr>
-              <a:t>12.0f</a:t>
-            </a:r>
-            <a:r>
-              <a:rPr kumimoji="0" lang="en-US" sz="1800" b="0" i="0" u="none" strike="noStrike" kern="1200" cap="none" spc="0" normalizeH="0" baseline="0" noProof="0" dirty="0">
-                <a:ln>
-                  <a:noFill/>
-                </a:ln>
-                <a:solidFill>
-                  <a:prstClr val="black"/>
-                </a:solidFill>
-                <a:effectLst/>
-                <a:uLnTx/>
-                <a:uFillTx/>
-                <a:latin typeface="Consolas" panose="020B0609020204030204" pitchFamily="49" charset="0"/>
-                <a:ea typeface="+mn-ea"/>
-                <a:cs typeface="Consolas" panose="020B0609020204030204" pitchFamily="49" charset="0"/>
-              </a:rPr>
-              <a:t>/</a:t>
-            </a:r>
-            <a:r>
-              <a:rPr kumimoji="0" lang="en-US" sz="1800" b="0" i="0" u="none" strike="noStrike" kern="1200" cap="none" spc="0" normalizeH="0" baseline="0" noProof="0" dirty="0">
-                <a:ln>
-                  <a:noFill/>
-                </a:ln>
-                <a:solidFill>
-                  <a:srgbClr val="006CFF"/>
-                </a:solidFill>
-                <a:effectLst/>
-                <a:uLnTx/>
-                <a:uFillTx/>
-                <a:latin typeface="Consolas" panose="020B0609020204030204" pitchFamily="49" charset="0"/>
-                <a:ea typeface="+mn-ea"/>
-                <a:cs typeface="Consolas" panose="020B0609020204030204" pitchFamily="49" charset="0"/>
-              </a:rPr>
-              <a:t>18.0f</a:t>
-            </a:r>
-            <a:r>
-              <a:rPr kumimoji="0" lang="en-US" sz="1800" b="0" i="0" u="none" strike="noStrike" kern="1200" cap="none" spc="0" normalizeH="0" baseline="0" noProof="0" dirty="0">
-                <a:ln>
-                  <a:noFill/>
-                </a:ln>
-                <a:solidFill>
-                  <a:prstClr val="black"/>
-                </a:solidFill>
-                <a:effectLst/>
-                <a:uLnTx/>
-                <a:uFillTx/>
-                <a:latin typeface="Consolas" panose="020B0609020204030204" pitchFamily="49" charset="0"/>
-                <a:ea typeface="+mn-ea"/>
-                <a:cs typeface="Consolas" panose="020B0609020204030204" pitchFamily="49" charset="0"/>
-              </a:rPr>
-              <a:t>);</a:t>
-            </a:r>
-          </a:p>
-          <a:p>
-            <a:pPr marL="91440" marR="0" lvl="0" indent="0" algn="l" defTabSz="914400" rtl="0" eaLnBrk="1" fontAlgn="auto" latinLnBrk="0" hangingPunct="1">
-              <a:lnSpc>
-                <a:spcPct val="100000"/>
-              </a:lnSpc>
-              <a:spcBef>
-                <a:spcPts val="0"/>
-              </a:spcBef>
-              <a:spcAft>
-                <a:spcPts val="0"/>
-              </a:spcAft>
-              <a:buClrTx/>
-              <a:buSzTx/>
-              <a:buFont typeface="Arial" pitchFamily="34" charset="0"/>
-              <a:buNone/>
-              <a:tabLst/>
-              <a:defRPr/>
-            </a:pPr>
-            <a:r>
-              <a:rPr kumimoji="0" lang="en-US" sz="1800" b="0" i="0" u="none" strike="noStrike" kern="1200" cap="none" spc="0" normalizeH="0" baseline="0" noProof="0" dirty="0">
-                <a:ln>
-                  <a:noFill/>
-                </a:ln>
-                <a:solidFill>
-                  <a:prstClr val="black"/>
-                </a:solidFill>
-                <a:effectLst/>
-                <a:uLnTx/>
-                <a:uFillTx/>
-                <a:latin typeface="Consolas" panose="020B0609020204030204" pitchFamily="49" charset="0"/>
-                <a:ea typeface="+mn-ea"/>
-                <a:cs typeface="Consolas" panose="020B0609020204030204" pitchFamily="49" charset="0"/>
-              </a:rPr>
-              <a:t>  </a:t>
-            </a:r>
-            <a:r>
-              <a:rPr kumimoji="0" lang="en-US" sz="1800" b="0" i="0" u="none" strike="noStrike" kern="1200" cap="none" spc="0" normalizeH="0" baseline="0" noProof="0" dirty="0" err="1">
-                <a:ln>
-                  <a:noFill/>
-                </a:ln>
-                <a:solidFill>
-                  <a:prstClr val="black"/>
-                </a:solidFill>
-                <a:effectLst/>
-                <a:uLnTx/>
-                <a:uFillTx/>
-                <a:latin typeface="Consolas" panose="020B0609020204030204" pitchFamily="49" charset="0"/>
-                <a:ea typeface="+mn-ea"/>
-                <a:cs typeface="Consolas" panose="020B0609020204030204" pitchFamily="49" charset="0"/>
-              </a:rPr>
-              <a:t>CreateGearJoint</a:t>
-            </a:r>
-            <a:r>
-              <a:rPr kumimoji="0" lang="en-US" sz="1800" b="0" i="0" u="none" strike="noStrike" kern="1200" cap="none" spc="0" normalizeH="0" baseline="0" noProof="0" dirty="0">
-                <a:ln>
-                  <a:noFill/>
-                </a:ln>
-                <a:solidFill>
-                  <a:prstClr val="black"/>
-                </a:solidFill>
-                <a:effectLst/>
-                <a:uLnTx/>
-                <a:uFillTx/>
-                <a:latin typeface="Consolas" panose="020B0609020204030204" pitchFamily="49" charset="0"/>
-                <a:ea typeface="+mn-ea"/>
-                <a:cs typeface="Consolas" panose="020B0609020204030204" pitchFamily="49" charset="0"/>
-              </a:rPr>
-              <a:t>(</a:t>
-            </a:r>
-            <a:r>
-              <a:rPr kumimoji="0" lang="en-US" sz="1800" b="0" i="0" u="none" strike="noStrike" kern="1200" cap="none" spc="0" normalizeH="0" baseline="0" noProof="0" dirty="0">
-                <a:ln>
-                  <a:noFill/>
-                </a:ln>
-                <a:solidFill>
-                  <a:srgbClr val="FA06DD"/>
-                </a:solidFill>
-                <a:effectLst/>
-                <a:uLnTx/>
-                <a:uFillTx/>
-                <a:latin typeface="Consolas" panose="020B0609020204030204" pitchFamily="49" charset="0"/>
-                <a:ea typeface="+mn-ea"/>
-                <a:cs typeface="Consolas" panose="020B0609020204030204" pitchFamily="49" charset="0"/>
-              </a:rPr>
-              <a:t>3</a:t>
-            </a:r>
-            <a:r>
-              <a:rPr kumimoji="0" lang="en-US" sz="1800" b="0" i="0" u="none" strike="noStrike" kern="1200" cap="none" spc="0" normalizeH="0" baseline="0" noProof="0" dirty="0">
-                <a:ln>
-                  <a:noFill/>
-                </a:ln>
-                <a:solidFill>
-                  <a:prstClr val="black"/>
-                </a:solidFill>
-                <a:effectLst/>
-                <a:uLnTx/>
-                <a:uFillTx/>
-                <a:latin typeface="Consolas" panose="020B0609020204030204" pitchFamily="49" charset="0"/>
-                <a:ea typeface="+mn-ea"/>
-                <a:cs typeface="Consolas" panose="020B0609020204030204" pitchFamily="49" charset="0"/>
-              </a:rPr>
-              <a:t>, </a:t>
-            </a:r>
-            <a:r>
-              <a:rPr kumimoji="0" lang="en-US" sz="1800" b="0" i="0" u="none" strike="noStrike" kern="1200" cap="none" spc="0" normalizeH="0" baseline="0" noProof="0" dirty="0">
-                <a:ln>
-                  <a:noFill/>
-                </a:ln>
-                <a:solidFill>
-                  <a:srgbClr val="006CFF"/>
-                </a:solidFill>
-                <a:effectLst/>
-                <a:uLnTx/>
-                <a:uFillTx/>
-                <a:latin typeface="Consolas" panose="020B0609020204030204" pitchFamily="49" charset="0"/>
-                <a:ea typeface="+mn-ea"/>
-                <a:cs typeface="Consolas" panose="020B0609020204030204" pitchFamily="49" charset="0"/>
-              </a:rPr>
-              <a:t>4</a:t>
-            </a:r>
-            <a:r>
-              <a:rPr kumimoji="0" lang="en-US" sz="1800" b="0" i="0" u="none" strike="noStrike" kern="1200" cap="none" spc="0" normalizeH="0" baseline="0" noProof="0" dirty="0">
-                <a:ln>
-                  <a:noFill/>
-                </a:ln>
-                <a:solidFill>
-                  <a:prstClr val="black"/>
-                </a:solidFill>
-                <a:effectLst/>
-                <a:uLnTx/>
-                <a:uFillTx/>
-                <a:latin typeface="Consolas" panose="020B0609020204030204" pitchFamily="49" charset="0"/>
-                <a:ea typeface="+mn-ea"/>
-                <a:cs typeface="Consolas" panose="020B0609020204030204" pitchFamily="49" charset="0"/>
-              </a:rPr>
-              <a:t>, </a:t>
-            </a:r>
-            <a:r>
-              <a:rPr kumimoji="0" lang="en-US" sz="1800" b="0" i="0" u="none" strike="noStrike" kern="1200" cap="none" spc="0" normalizeH="0" baseline="0" noProof="0" dirty="0">
-                <a:ln>
-                  <a:noFill/>
-                </a:ln>
-                <a:solidFill>
-                  <a:srgbClr val="006CFF"/>
-                </a:solidFill>
-                <a:effectLst/>
-                <a:uLnTx/>
-                <a:uFillTx/>
-                <a:latin typeface="Consolas" panose="020B0609020204030204" pitchFamily="49" charset="0"/>
-                <a:ea typeface="+mn-ea"/>
-                <a:cs typeface="Consolas" panose="020B0609020204030204" pitchFamily="49" charset="0"/>
-              </a:rPr>
-              <a:t>18.0f</a:t>
-            </a:r>
-            <a:r>
-              <a:rPr kumimoji="0" lang="en-US" sz="1800" b="0" i="0" u="none" strike="noStrike" kern="1200" cap="none" spc="0" normalizeH="0" baseline="0" noProof="0" dirty="0">
-                <a:ln>
-                  <a:noFill/>
-                </a:ln>
-                <a:solidFill>
-                  <a:prstClr val="black"/>
-                </a:solidFill>
-                <a:effectLst/>
-                <a:uLnTx/>
-                <a:uFillTx/>
-                <a:latin typeface="Consolas" panose="020B0609020204030204" pitchFamily="49" charset="0"/>
-                <a:ea typeface="+mn-ea"/>
-                <a:cs typeface="Consolas" panose="020B0609020204030204" pitchFamily="49" charset="0"/>
-              </a:rPr>
-              <a:t>/</a:t>
-            </a:r>
-            <a:r>
-              <a:rPr kumimoji="0" lang="en-US" sz="1800" b="0" i="0" u="none" strike="noStrike" kern="1200" cap="none" spc="0" normalizeH="0" baseline="0" noProof="0" dirty="0">
-                <a:ln>
-                  <a:noFill/>
-                </a:ln>
-                <a:solidFill>
-                  <a:srgbClr val="FA06DD"/>
-                </a:solidFill>
-                <a:effectLst/>
-                <a:uLnTx/>
-                <a:uFillTx/>
-                <a:latin typeface="Consolas" panose="020B0609020204030204" pitchFamily="49" charset="0"/>
-                <a:ea typeface="+mn-ea"/>
-                <a:cs typeface="Consolas" panose="020B0609020204030204" pitchFamily="49" charset="0"/>
-              </a:rPr>
-              <a:t>12.0f</a:t>
-            </a:r>
-            <a:r>
-              <a:rPr kumimoji="0" lang="en-US" sz="1800" b="0" i="0" u="none" strike="noStrike" kern="1200" cap="none" spc="0" normalizeH="0" baseline="0" noProof="0" dirty="0">
-                <a:ln>
-                  <a:noFill/>
-                </a:ln>
-                <a:solidFill>
-                  <a:prstClr val="black"/>
-                </a:solidFill>
-                <a:effectLst/>
-                <a:uLnTx/>
-                <a:uFillTx/>
-                <a:latin typeface="Consolas" panose="020B0609020204030204" pitchFamily="49" charset="0"/>
-                <a:ea typeface="+mn-ea"/>
-                <a:cs typeface="Consolas" panose="020B0609020204030204" pitchFamily="49" charset="0"/>
-              </a:rPr>
-              <a:t>);</a:t>
-            </a:r>
-          </a:p>
-          <a:p>
-            <a:pPr marL="91440" marR="0" lvl="0" indent="0" algn="l" defTabSz="914400" rtl="0" eaLnBrk="1" fontAlgn="auto" latinLnBrk="0" hangingPunct="1">
-              <a:lnSpc>
-                <a:spcPct val="100000"/>
-              </a:lnSpc>
-              <a:spcBef>
-                <a:spcPts val="1200"/>
-              </a:spcBef>
-              <a:spcAft>
-                <a:spcPts val="0"/>
-              </a:spcAft>
-              <a:buClrTx/>
-              <a:buSzTx/>
-              <a:buFont typeface="Arial" pitchFamily="34" charset="0"/>
-              <a:buNone/>
-              <a:tabLst/>
-              <a:defRPr/>
-            </a:pPr>
-            <a:r>
-              <a:rPr kumimoji="0" lang="en-US" sz="1800" b="0" i="0" u="none" strike="noStrike" kern="1200" cap="none" spc="0" normalizeH="0" baseline="0" noProof="0" dirty="0">
-                <a:ln>
-                  <a:noFill/>
-                </a:ln>
-                <a:solidFill>
-                  <a:prstClr val="black"/>
-                </a:solidFill>
-                <a:effectLst/>
-                <a:uLnTx/>
-                <a:uFillTx/>
-                <a:latin typeface="Consolas" panose="020B0609020204030204" pitchFamily="49" charset="0"/>
-                <a:ea typeface="+mn-ea"/>
-                <a:cs typeface="Consolas" panose="020B0609020204030204" pitchFamily="49" charset="0"/>
-              </a:rPr>
-              <a:t>  </a:t>
-            </a:r>
-            <a:r>
-              <a:rPr kumimoji="0" lang="en-US" sz="1800" b="0" i="0" u="none" strike="noStrike" kern="1200" cap="none" spc="0" normalizeH="0" baseline="0" noProof="0" dirty="0" err="1">
-                <a:ln>
-                  <a:noFill/>
-                </a:ln>
-                <a:solidFill>
-                  <a:prstClr val="black"/>
-                </a:solidFill>
-                <a:effectLst/>
-                <a:uLnTx/>
-                <a:uFillTx/>
-                <a:latin typeface="Consolas" panose="020B0609020204030204" pitchFamily="49" charset="0"/>
-                <a:ea typeface="+mn-ea"/>
-                <a:cs typeface="Consolas" panose="020B0609020204030204" pitchFamily="49" charset="0"/>
-              </a:rPr>
-              <a:t>CreateGearJoint</a:t>
-            </a:r>
-            <a:r>
-              <a:rPr kumimoji="0" lang="en-US" sz="1800" b="0" i="0" u="none" strike="noStrike" kern="1200" cap="none" spc="0" normalizeH="0" baseline="0" noProof="0" dirty="0">
-                <a:ln>
-                  <a:noFill/>
-                </a:ln>
-                <a:solidFill>
-                  <a:prstClr val="black"/>
-                </a:solidFill>
-                <a:effectLst/>
-                <a:uLnTx/>
-                <a:uFillTx/>
-                <a:latin typeface="Consolas" panose="020B0609020204030204" pitchFamily="49" charset="0"/>
-                <a:ea typeface="+mn-ea"/>
-                <a:cs typeface="Consolas" panose="020B0609020204030204" pitchFamily="49" charset="0"/>
-              </a:rPr>
-              <a:t>(0, 5, 18.0f/33.0f);</a:t>
-            </a:r>
-          </a:p>
-          <a:p>
-            <a:pPr marL="91440" marR="0" lvl="0" indent="0" algn="l" defTabSz="914400" rtl="0" eaLnBrk="1" fontAlgn="auto" latinLnBrk="0" hangingPunct="1">
-              <a:lnSpc>
-                <a:spcPct val="100000"/>
-              </a:lnSpc>
-              <a:spcBef>
-                <a:spcPts val="1200"/>
-              </a:spcBef>
-              <a:spcAft>
-                <a:spcPts val="0"/>
-              </a:spcAft>
-              <a:buClrTx/>
-              <a:buSzTx/>
-              <a:buFont typeface="Arial" pitchFamily="34" charset="0"/>
-              <a:buNone/>
-              <a:tabLst/>
-              <a:defRPr/>
-            </a:pPr>
-            <a:r>
-              <a:rPr kumimoji="0" lang="en-US" sz="1800" b="0" i="0" u="none" strike="noStrike" kern="1200" cap="none" spc="0" normalizeH="0" baseline="0" noProof="0" dirty="0">
-                <a:ln>
-                  <a:noFill/>
-                </a:ln>
-                <a:solidFill>
-                  <a:prstClr val="black"/>
-                </a:solidFill>
-                <a:effectLst/>
-                <a:uLnTx/>
-                <a:uFillTx/>
-                <a:latin typeface="Consolas" panose="020B0609020204030204" pitchFamily="49" charset="0"/>
-                <a:ea typeface="+mn-ea"/>
-                <a:cs typeface="Consolas" panose="020B0609020204030204" pitchFamily="49" charset="0"/>
-              </a:rPr>
-              <a:t>  </a:t>
-            </a:r>
-            <a:r>
-              <a:rPr kumimoji="0" lang="en-US" sz="1800" b="0" i="0" u="none" strike="noStrike" kern="1200" cap="none" spc="0" normalizeH="0" baseline="0" noProof="0" dirty="0" err="1">
-                <a:ln>
-                  <a:noFill/>
-                </a:ln>
-                <a:solidFill>
-                  <a:prstClr val="black"/>
-                </a:solidFill>
-                <a:effectLst/>
-                <a:uLnTx/>
-                <a:uFillTx/>
-                <a:latin typeface="Consolas" panose="020B0609020204030204" pitchFamily="49" charset="0"/>
-                <a:ea typeface="+mn-ea"/>
-                <a:cs typeface="Consolas" panose="020B0609020204030204" pitchFamily="49" charset="0"/>
-              </a:rPr>
-              <a:t>CreateGearJoint</a:t>
-            </a:r>
-            <a:r>
-              <a:rPr kumimoji="0" lang="en-US" sz="1800" b="0" i="0" u="none" strike="noStrike" kern="1200" cap="none" spc="0" normalizeH="0" baseline="0" noProof="0" dirty="0">
-                <a:ln>
-                  <a:noFill/>
-                </a:ln>
-                <a:solidFill>
-                  <a:prstClr val="black"/>
-                </a:solidFill>
-                <a:effectLst/>
-                <a:uLnTx/>
-                <a:uFillTx/>
-                <a:latin typeface="Consolas" panose="020B0609020204030204" pitchFamily="49" charset="0"/>
-                <a:ea typeface="+mn-ea"/>
-                <a:cs typeface="Consolas" panose="020B0609020204030204" pitchFamily="49" charset="0"/>
-              </a:rPr>
-              <a:t>(5, 6, 1.0f);</a:t>
-            </a:r>
-          </a:p>
-          <a:p>
-            <a:pPr marL="91440" marR="0" lvl="0" indent="0" algn="l" defTabSz="914400" rtl="0" eaLnBrk="1" fontAlgn="auto" latinLnBrk="0" hangingPunct="1">
-              <a:lnSpc>
-                <a:spcPct val="100000"/>
-              </a:lnSpc>
-              <a:spcBef>
-                <a:spcPts val="0"/>
-              </a:spcBef>
-              <a:spcAft>
-                <a:spcPts val="0"/>
-              </a:spcAft>
-              <a:buClrTx/>
-              <a:buSzTx/>
-              <a:buFont typeface="Arial" pitchFamily="34" charset="0"/>
-              <a:buNone/>
-              <a:tabLst/>
-              <a:defRPr/>
-            </a:pPr>
-            <a:r>
-              <a:rPr kumimoji="0" lang="en-US" sz="1800" b="0" i="0" u="none" strike="noStrike" kern="1200" cap="none" spc="0" normalizeH="0" baseline="0" noProof="0" dirty="0">
-                <a:ln>
-                  <a:noFill/>
-                </a:ln>
-                <a:solidFill>
-                  <a:prstClr val="black"/>
-                </a:solidFill>
-                <a:effectLst/>
-                <a:uLnTx/>
-                <a:uFillTx/>
-                <a:latin typeface="Consolas" panose="020B0609020204030204" pitchFamily="49" charset="0"/>
-                <a:ea typeface="+mn-ea"/>
-                <a:cs typeface="Consolas" panose="020B0609020204030204" pitchFamily="49" charset="0"/>
-              </a:rPr>
-              <a:t>  </a:t>
-            </a:r>
-            <a:r>
-              <a:rPr kumimoji="0" lang="en-US" sz="1800" b="0" i="0" u="none" strike="noStrike" kern="1200" cap="none" spc="0" normalizeH="0" baseline="0" noProof="0" dirty="0" err="1">
-                <a:ln>
-                  <a:noFill/>
-                </a:ln>
-                <a:solidFill>
-                  <a:prstClr val="black"/>
-                </a:solidFill>
-                <a:effectLst/>
-                <a:uLnTx/>
-                <a:uFillTx/>
-                <a:latin typeface="Consolas" panose="020B0609020204030204" pitchFamily="49" charset="0"/>
-                <a:ea typeface="+mn-ea"/>
-                <a:cs typeface="Consolas" panose="020B0609020204030204" pitchFamily="49" charset="0"/>
-              </a:rPr>
-              <a:t>CreateGearJoint</a:t>
-            </a:r>
-            <a:r>
-              <a:rPr kumimoji="0" lang="en-US" sz="1800" b="0" i="0" u="none" strike="noStrike" kern="1200" cap="none" spc="0" normalizeH="0" baseline="0" noProof="0" dirty="0">
-                <a:ln>
-                  <a:noFill/>
-                </a:ln>
-                <a:solidFill>
-                  <a:prstClr val="black"/>
-                </a:solidFill>
-                <a:effectLst/>
-                <a:uLnTx/>
-                <a:uFillTx/>
-                <a:latin typeface="Consolas" panose="020B0609020204030204" pitchFamily="49" charset="0"/>
-                <a:ea typeface="+mn-ea"/>
-                <a:cs typeface="Consolas" panose="020B0609020204030204" pitchFamily="49" charset="0"/>
-              </a:rPr>
-              <a:t>(5, 7, 1.0f);</a:t>
-            </a:r>
-          </a:p>
-          <a:p>
-            <a:pPr marL="91440" marR="0" lvl="0" indent="0" algn="l" defTabSz="914400" rtl="0" eaLnBrk="1" fontAlgn="auto" latinLnBrk="0" hangingPunct="1">
-              <a:lnSpc>
-                <a:spcPct val="100000"/>
-              </a:lnSpc>
-              <a:spcBef>
-                <a:spcPts val="0"/>
-              </a:spcBef>
-              <a:spcAft>
-                <a:spcPts val="0"/>
-              </a:spcAft>
-              <a:buClrTx/>
-              <a:buSzTx/>
-              <a:buFont typeface="Arial" pitchFamily="34" charset="0"/>
-              <a:buNone/>
-              <a:tabLst/>
-              <a:defRPr/>
-            </a:pPr>
-            <a:r>
-              <a:rPr kumimoji="0" lang="en-US" sz="1800" b="0" i="0" u="none" strike="noStrike" kern="1200" cap="none" spc="0" normalizeH="0" baseline="0" noProof="0" dirty="0">
-                <a:ln>
-                  <a:noFill/>
-                </a:ln>
-                <a:solidFill>
-                  <a:prstClr val="black"/>
-                </a:solidFill>
-                <a:effectLst/>
-                <a:uLnTx/>
-                <a:uFillTx/>
-                <a:latin typeface="Consolas" panose="020B0609020204030204" pitchFamily="49" charset="0"/>
-                <a:ea typeface="+mn-ea"/>
-                <a:cs typeface="Consolas" panose="020B0609020204030204" pitchFamily="49" charset="0"/>
-              </a:rPr>
-              <a:t>  </a:t>
-            </a:r>
-            <a:r>
-              <a:rPr kumimoji="0" lang="en-US" sz="1800" b="0" i="0" u="none" strike="noStrike" kern="1200" cap="none" spc="0" normalizeH="0" baseline="0" noProof="0" dirty="0" err="1">
-                <a:ln>
-                  <a:noFill/>
-                </a:ln>
-                <a:solidFill>
-                  <a:prstClr val="black"/>
-                </a:solidFill>
-                <a:effectLst/>
-                <a:uLnTx/>
-                <a:uFillTx/>
-                <a:latin typeface="Consolas" panose="020B0609020204030204" pitchFamily="49" charset="0"/>
-                <a:ea typeface="+mn-ea"/>
-                <a:cs typeface="Consolas" panose="020B0609020204030204" pitchFamily="49" charset="0"/>
-              </a:rPr>
-              <a:t>CreateGearJoint</a:t>
-            </a:r>
-            <a:r>
-              <a:rPr kumimoji="0" lang="en-US" sz="1800" b="0" i="0" u="none" strike="noStrike" kern="1200" cap="none" spc="0" normalizeH="0" baseline="0" noProof="0" dirty="0">
-                <a:ln>
-                  <a:noFill/>
-                </a:ln>
-                <a:solidFill>
-                  <a:prstClr val="black"/>
-                </a:solidFill>
-                <a:effectLst/>
-                <a:uLnTx/>
-                <a:uFillTx/>
-                <a:latin typeface="Consolas" panose="020B0609020204030204" pitchFamily="49" charset="0"/>
-                <a:ea typeface="+mn-ea"/>
-                <a:cs typeface="Consolas" panose="020B0609020204030204" pitchFamily="49" charset="0"/>
-              </a:rPr>
-              <a:t>(7, 8, 1.0f);</a:t>
-            </a:r>
-          </a:p>
-          <a:p>
-            <a:pPr marL="91440" marR="0" lvl="0" indent="0" algn="l" defTabSz="914400" rtl="0" eaLnBrk="1" fontAlgn="auto" latinLnBrk="0" hangingPunct="1">
-              <a:lnSpc>
-                <a:spcPct val="100000"/>
-              </a:lnSpc>
-              <a:spcBef>
-                <a:spcPts val="0"/>
-              </a:spcBef>
-              <a:spcAft>
-                <a:spcPts val="0"/>
-              </a:spcAft>
-              <a:buClrTx/>
-              <a:buSzTx/>
-              <a:buFont typeface="Arial" pitchFamily="34" charset="0"/>
-              <a:buNone/>
-              <a:tabLst/>
-              <a:defRPr/>
-            </a:pPr>
-            <a:r>
-              <a:rPr kumimoji="0" lang="en-US" sz="1800" b="0" i="0" u="none" strike="noStrike" kern="1200" cap="none" spc="0" normalizeH="0" baseline="0" noProof="0" dirty="0">
-                <a:ln>
-                  <a:noFill/>
-                </a:ln>
-                <a:solidFill>
-                  <a:prstClr val="black"/>
-                </a:solidFill>
-                <a:effectLst/>
-                <a:uLnTx/>
-                <a:uFillTx/>
-                <a:latin typeface="Consolas" panose="020B0609020204030204" pitchFamily="49" charset="0"/>
-                <a:ea typeface="+mn-ea"/>
-                <a:cs typeface="Consolas" panose="020B0609020204030204" pitchFamily="49" charset="0"/>
-              </a:rPr>
-              <a:t>} </a:t>
-            </a:r>
-            <a:r>
-              <a:rPr kumimoji="0" lang="en-US" sz="1800" b="0" i="0" u="none" strike="noStrike" kern="1200" cap="none" spc="0" normalizeH="0" baseline="0" noProof="0" dirty="0">
-                <a:ln>
-                  <a:noFill/>
-                </a:ln>
-                <a:solidFill>
-                  <a:srgbClr val="00B050"/>
-                </a:solidFill>
-                <a:effectLst/>
-                <a:uLnTx/>
-                <a:uFillTx/>
-                <a:latin typeface="Consolas" panose="020B0609020204030204" pitchFamily="49" charset="0"/>
-                <a:ea typeface="+mn-ea"/>
-                <a:cs typeface="Consolas" panose="020B0609020204030204" pitchFamily="49" charset="0"/>
-              </a:rPr>
-              <a:t>//constructor</a:t>
-            </a:r>
-          </a:p>
-        </p:txBody>
-      </p:sp>
-      <p:sp>
-        <p:nvSpPr>
           <p:cNvPr id="3" name="TextBox 2"/>
           <p:cNvSpPr txBox="1"/>
           <p:nvPr/>
@@ -6014,7 +4651,7 @@
         </p:nvGrpSpPr>
         <p:grpSpPr>
           <a:xfrm>
-            <a:off x="6483091" y="4563952"/>
+            <a:off x="1038255" y="901596"/>
             <a:ext cx="1602870" cy="1569441"/>
             <a:chOff x="6483091" y="4563952"/>
             <a:chExt cx="1602870" cy="1569441"/>
@@ -7707,6 +6344,7327 @@
 </p:sld>
 </file>
 
+<file path=ppt/slides/slide3.xml><?xml version="1.0" encoding="utf-8"?>
+<p:sld xmlns:a="http://schemas.openxmlformats.org/drawingml/2006/main" xmlns:r="http://schemas.openxmlformats.org/officeDocument/2006/relationships" xmlns:p="http://schemas.openxmlformats.org/presentationml/2006/main">
+  <p:cSld>
+    <p:spTree>
+      <p:nvGrpSpPr>
+        <p:cNvPr id="1" name=""/>
+        <p:cNvGrpSpPr/>
+        <p:nvPr/>
+      </p:nvGrpSpPr>
+      <p:grpSpPr>
+        <a:xfrm>
+          <a:off x="0" y="0"/>
+          <a:ext cx="0" cy="0"/>
+          <a:chOff x="0" y="0"/>
+          <a:chExt cx="0" cy="0"/>
+        </a:xfrm>
+      </p:grpSpPr>
+      <p:grpSp>
+        <p:nvGrpSpPr>
+          <p:cNvPr id="59" name="Group 58">
+            <a:extLst>
+              <a:ext uri="{FF2B5EF4-FFF2-40B4-BE49-F238E27FC236}">
+                <a16:creationId xmlns:a16="http://schemas.microsoft.com/office/drawing/2014/main" id="{37FCF5A8-A4D7-D1D3-7594-9D2EFEDFFFC3}"/>
+              </a:ext>
+            </a:extLst>
+          </p:cNvPr>
+          <p:cNvGrpSpPr/>
+          <p:nvPr/>
+        </p:nvGrpSpPr>
+        <p:grpSpPr>
+          <a:xfrm>
+            <a:off x="1078930" y="24154"/>
+            <a:ext cx="6608780" cy="3160061"/>
+            <a:chOff x="1078930" y="24154"/>
+            <a:chExt cx="6608780" cy="3160061"/>
+          </a:xfrm>
+        </p:grpSpPr>
+        <p:grpSp>
+          <p:nvGrpSpPr>
+            <p:cNvPr id="10" name="Group 9"/>
+            <p:cNvGrpSpPr/>
+            <p:nvPr/>
+          </p:nvGrpSpPr>
+          <p:grpSpPr>
+            <a:xfrm>
+              <a:off x="1078930" y="24154"/>
+              <a:ext cx="6608780" cy="3160061"/>
+              <a:chOff x="949363" y="597047"/>
+              <a:chExt cx="6608780" cy="3160061"/>
+            </a:xfrm>
+          </p:grpSpPr>
+          <p:grpSp>
+            <p:nvGrpSpPr>
+              <p:cNvPr id="11" name="Group 10"/>
+              <p:cNvGrpSpPr/>
+              <p:nvPr/>
+            </p:nvGrpSpPr>
+            <p:grpSpPr>
+              <a:xfrm>
+                <a:off x="949363" y="597049"/>
+                <a:ext cx="3229983" cy="3160059"/>
+                <a:chOff x="949363" y="597049"/>
+                <a:chExt cx="3229983" cy="3160059"/>
+              </a:xfrm>
+            </p:grpSpPr>
+            <p:pic>
+              <p:nvPicPr>
+                <p:cNvPr id="21" name="Picture 20"/>
+                <p:cNvPicPr>
+                  <a:picLocks noChangeAspect="1"/>
+                </p:cNvPicPr>
+                <p:nvPr/>
+              </p:nvPicPr>
+              <p:blipFill>
+                <a:blip r:embed="rId2">
+                  <a:extLst>
+                    <a:ext uri="{28A0092B-C50C-407E-A947-70E740481C1C}">
+                      <a14:useLocalDpi xmlns:a14="http://schemas.microsoft.com/office/drawing/2010/main" val="0"/>
+                    </a:ext>
+                  </a:extLst>
+                </a:blip>
+                <a:stretch>
+                  <a:fillRect/>
+                </a:stretch>
+              </p:blipFill>
+              <p:spPr>
+                <a:xfrm>
+                  <a:off x="949363" y="597049"/>
+                  <a:ext cx="3160059" cy="3160059"/>
+                </a:xfrm>
+                <a:prstGeom prst="rect">
+                  <a:avLst/>
+                </a:prstGeom>
+              </p:spPr>
+            </p:pic>
+            <p:sp>
+              <p:nvSpPr>
+                <p:cNvPr id="22" name="Rectangle 21"/>
+                <p:cNvSpPr/>
+                <p:nvPr/>
+              </p:nvSpPr>
+              <p:spPr>
+                <a:xfrm>
+                  <a:off x="1404770" y="1365314"/>
+                  <a:ext cx="2774576" cy="2391794"/>
+                </a:xfrm>
+                <a:prstGeom prst="rect">
+                  <a:avLst/>
+                </a:prstGeom>
+                <a:solidFill>
+                  <a:schemeClr val="bg1">
+                    <a:alpha val="68000"/>
+                  </a:schemeClr>
+                </a:solidFill>
+                <a:ln>
+                  <a:noFill/>
+                </a:ln>
+              </p:spPr>
+              <p:style>
+                <a:lnRef idx="2">
+                  <a:schemeClr val="accent1">
+                    <a:shade val="50000"/>
+                  </a:schemeClr>
+                </a:lnRef>
+                <a:fillRef idx="1">
+                  <a:schemeClr val="accent1"/>
+                </a:fillRef>
+                <a:effectRef idx="0">
+                  <a:schemeClr val="accent1"/>
+                </a:effectRef>
+                <a:fontRef idx="minor">
+                  <a:schemeClr val="lt1"/>
+                </a:fontRef>
+              </p:style>
+              <p:txBody>
+                <a:bodyPr rtlCol="0" anchor="ctr"/>
+                <a:lstStyle/>
+                <a:p>
+                  <a:pPr marL="0" marR="0" lvl="0" indent="0" algn="ctr" defTabSz="914400" rtl="0" eaLnBrk="1" fontAlgn="auto" latinLnBrk="0" hangingPunct="1">
+                    <a:lnSpc>
+                      <a:spcPct val="100000"/>
+                    </a:lnSpc>
+                    <a:spcBef>
+                      <a:spcPts val="0"/>
+                    </a:spcBef>
+                    <a:spcAft>
+                      <a:spcPts val="0"/>
+                    </a:spcAft>
+                    <a:buClrTx/>
+                    <a:buSzTx/>
+                    <a:buFontTx/>
+                    <a:buNone/>
+                    <a:tabLst/>
+                    <a:defRPr/>
+                  </a:pPr>
+                  <a:endParaRPr kumimoji="0" lang="en-US" sz="1800" b="0" i="0" u="none" strike="noStrike" kern="1200" cap="none" spc="0" normalizeH="0" baseline="0" noProof="0">
+                    <a:ln>
+                      <a:noFill/>
+                    </a:ln>
+                    <a:solidFill>
+                      <a:prstClr val="white"/>
+                    </a:solidFill>
+                    <a:effectLst/>
+                    <a:uLnTx/>
+                    <a:uFillTx/>
+                    <a:latin typeface="Calibri"/>
+                    <a:ea typeface="+mn-ea"/>
+                    <a:cs typeface="+mn-cs"/>
+                  </a:endParaRPr>
+                </a:p>
+              </p:txBody>
+            </p:sp>
+            <p:cxnSp>
+              <p:nvCxnSpPr>
+                <p:cNvPr id="23" name="Straight Connector 22"/>
+                <p:cNvCxnSpPr/>
+                <p:nvPr/>
+              </p:nvCxnSpPr>
+              <p:spPr>
+                <a:xfrm flipV="1">
+                  <a:off x="2527936" y="2177078"/>
+                  <a:ext cx="478827" cy="8068"/>
+                </a:xfrm>
+                <a:prstGeom prst="line">
+                  <a:avLst/>
+                </a:prstGeom>
+                <a:ln w="38100" cap="rnd">
+                  <a:solidFill>
+                    <a:schemeClr val="tx1"/>
+                  </a:solidFill>
+                  <a:prstDash val="solid"/>
+                  <a:headEnd type="none" w="lg" len="lg"/>
+                  <a:tailEnd type="none" w="lg" len="lg"/>
+                </a:ln>
+              </p:spPr>
+              <p:style>
+                <a:lnRef idx="1">
+                  <a:schemeClr val="accent1"/>
+                </a:lnRef>
+                <a:fillRef idx="0">
+                  <a:schemeClr val="accent1"/>
+                </a:fillRef>
+                <a:effectRef idx="0">
+                  <a:schemeClr val="accent1"/>
+                </a:effectRef>
+                <a:fontRef idx="minor">
+                  <a:schemeClr val="tx1"/>
+                </a:fontRef>
+              </p:style>
+            </p:cxnSp>
+            <p:cxnSp>
+              <p:nvCxnSpPr>
+                <p:cNvPr id="24" name="Straight Connector 23"/>
+                <p:cNvCxnSpPr/>
+                <p:nvPr/>
+              </p:nvCxnSpPr>
+              <p:spPr>
+                <a:xfrm>
+                  <a:off x="3006763" y="2177077"/>
+                  <a:ext cx="1000238" cy="1"/>
+                </a:xfrm>
+                <a:prstGeom prst="line">
+                  <a:avLst/>
+                </a:prstGeom>
+                <a:ln w="38100" cap="rnd">
+                  <a:solidFill>
+                    <a:schemeClr val="tx1"/>
+                  </a:solidFill>
+                  <a:prstDash val="solid"/>
+                  <a:headEnd type="none" w="lg" len="lg"/>
+                  <a:tailEnd type="none" w="lg" len="lg"/>
+                </a:ln>
+              </p:spPr>
+              <p:style>
+                <a:lnRef idx="1">
+                  <a:schemeClr val="accent1"/>
+                </a:lnRef>
+                <a:fillRef idx="0">
+                  <a:schemeClr val="accent1"/>
+                </a:fillRef>
+                <a:effectRef idx="0">
+                  <a:schemeClr val="accent1"/>
+                </a:effectRef>
+                <a:fontRef idx="minor">
+                  <a:schemeClr val="tx1"/>
+                </a:fontRef>
+              </p:style>
+            </p:cxnSp>
+            <p:sp>
+              <p:nvSpPr>
+                <p:cNvPr id="25" name="Left Brace 24"/>
+                <p:cNvSpPr/>
+                <p:nvPr/>
+              </p:nvSpPr>
+              <p:spPr>
+                <a:xfrm rot="16200000">
+                  <a:off x="3195518" y="1647539"/>
+                  <a:ext cx="143904" cy="1479067"/>
+                </a:xfrm>
+                <a:prstGeom prst="leftBrace">
+                  <a:avLst>
+                    <a:gd name="adj1" fmla="val 65857"/>
+                    <a:gd name="adj2" fmla="val 50000"/>
+                  </a:avLst>
+                </a:prstGeom>
+                <a:ln w="25400">
+                  <a:solidFill>
+                    <a:schemeClr val="tx2"/>
+                  </a:solidFill>
+                </a:ln>
+              </p:spPr>
+              <p:style>
+                <a:lnRef idx="1">
+                  <a:schemeClr val="accent1"/>
+                </a:lnRef>
+                <a:fillRef idx="0">
+                  <a:schemeClr val="accent1"/>
+                </a:fillRef>
+                <a:effectRef idx="0">
+                  <a:schemeClr val="accent1"/>
+                </a:effectRef>
+                <a:fontRef idx="minor">
+                  <a:schemeClr val="tx1"/>
+                </a:fontRef>
+              </p:style>
+              <p:txBody>
+                <a:bodyPr rtlCol="0" anchor="ctr"/>
+                <a:lstStyle/>
+                <a:p>
+                  <a:pPr marL="0" marR="0" lvl="0" indent="0" algn="ctr" defTabSz="914400" rtl="0" eaLnBrk="1" fontAlgn="auto" latinLnBrk="0" hangingPunct="1">
+                    <a:lnSpc>
+                      <a:spcPct val="100000"/>
+                    </a:lnSpc>
+                    <a:spcBef>
+                      <a:spcPts val="0"/>
+                    </a:spcBef>
+                    <a:spcAft>
+                      <a:spcPts val="0"/>
+                    </a:spcAft>
+                    <a:buClrTx/>
+                    <a:buSzTx/>
+                    <a:buFontTx/>
+                    <a:buNone/>
+                    <a:tabLst/>
+                    <a:defRPr/>
+                  </a:pPr>
+                  <a:endParaRPr kumimoji="0" lang="en-US" sz="1800" b="0" i="0" u="none" strike="noStrike" kern="1200" cap="none" spc="0" normalizeH="0" baseline="0" noProof="0">
+                    <a:ln>
+                      <a:noFill/>
+                    </a:ln>
+                    <a:solidFill>
+                      <a:prstClr val="black"/>
+                    </a:solidFill>
+                    <a:effectLst/>
+                    <a:uLnTx/>
+                    <a:uFillTx/>
+                    <a:latin typeface="Calibri"/>
+                    <a:ea typeface="+mn-ea"/>
+                    <a:cs typeface="+mn-cs"/>
+                  </a:endParaRPr>
+                </a:p>
+              </p:txBody>
+            </p:sp>
+            <p:sp>
+              <p:nvSpPr>
+                <p:cNvPr id="26" name="Left Brace 25"/>
+                <p:cNvSpPr/>
+                <p:nvPr/>
+              </p:nvSpPr>
+              <p:spPr>
+                <a:xfrm rot="5400000">
+                  <a:off x="2687780" y="1728122"/>
+                  <a:ext cx="159137" cy="478827"/>
+                </a:xfrm>
+                <a:prstGeom prst="leftBrace">
+                  <a:avLst>
+                    <a:gd name="adj1" fmla="val 65857"/>
+                    <a:gd name="adj2" fmla="val 50000"/>
+                  </a:avLst>
+                </a:prstGeom>
+                <a:ln w="25400">
+                  <a:solidFill>
+                    <a:schemeClr val="tx2"/>
+                  </a:solidFill>
+                </a:ln>
+              </p:spPr>
+              <p:style>
+                <a:lnRef idx="1">
+                  <a:schemeClr val="accent1"/>
+                </a:lnRef>
+                <a:fillRef idx="0">
+                  <a:schemeClr val="accent1"/>
+                </a:fillRef>
+                <a:effectRef idx="0">
+                  <a:schemeClr val="accent1"/>
+                </a:effectRef>
+                <a:fontRef idx="minor">
+                  <a:schemeClr val="tx1"/>
+                </a:fontRef>
+              </p:style>
+              <p:txBody>
+                <a:bodyPr rtlCol="0" anchor="ctr"/>
+                <a:lstStyle/>
+                <a:p>
+                  <a:pPr marL="0" marR="0" lvl="0" indent="0" algn="ctr" defTabSz="914400" rtl="0" eaLnBrk="1" fontAlgn="auto" latinLnBrk="0" hangingPunct="1">
+                    <a:lnSpc>
+                      <a:spcPct val="100000"/>
+                    </a:lnSpc>
+                    <a:spcBef>
+                      <a:spcPts val="0"/>
+                    </a:spcBef>
+                    <a:spcAft>
+                      <a:spcPts val="0"/>
+                    </a:spcAft>
+                    <a:buClrTx/>
+                    <a:buSzTx/>
+                    <a:buFontTx/>
+                    <a:buNone/>
+                    <a:tabLst/>
+                    <a:defRPr/>
+                  </a:pPr>
+                  <a:endParaRPr kumimoji="0" lang="en-US" sz="1800" b="0" i="0" u="none" strike="noStrike" kern="1200" cap="none" spc="0" normalizeH="0" baseline="0" noProof="0">
+                    <a:ln>
+                      <a:noFill/>
+                    </a:ln>
+                    <a:solidFill>
+                      <a:prstClr val="black"/>
+                    </a:solidFill>
+                    <a:effectLst/>
+                    <a:uLnTx/>
+                    <a:uFillTx/>
+                    <a:latin typeface="Calibri"/>
+                    <a:ea typeface="+mn-ea"/>
+                    <a:cs typeface="+mn-cs"/>
+                  </a:endParaRPr>
+                </a:p>
+              </p:txBody>
+            </p:sp>
+            <mc:AlternateContent xmlns:mc="http://schemas.openxmlformats.org/markup-compatibility/2006" xmlns:a14="http://schemas.microsoft.com/office/drawing/2010/main">
+              <mc:Choice Requires="a14">
+                <p:sp>
+                  <p:nvSpPr>
+                    <p:cNvPr id="27" name="TextBox 26"/>
+                    <p:cNvSpPr txBox="1"/>
+                    <p:nvPr/>
+                  </p:nvSpPr>
+                  <p:spPr>
+                    <a:xfrm>
+                      <a:off x="3022788" y="2328920"/>
+                      <a:ext cx="484094" cy="523220"/>
+                    </a:xfrm>
+                    <a:prstGeom prst="rect">
+                      <a:avLst/>
+                    </a:prstGeom>
+                    <a:noFill/>
+                  </p:spPr>
+                  <p:txBody>
+                    <a:bodyPr wrap="square" rtlCol="0">
+                      <a:spAutoFit/>
+                    </a:bodyPr>
+                    <a:lstStyle/>
+                    <a:p>
+                      <a:pPr marL="0" marR="0" lvl="0" indent="0" algn="l" defTabSz="914400" rtl="0" eaLnBrk="1" fontAlgn="auto" latinLnBrk="0" hangingPunct="1">
+                        <a:lnSpc>
+                          <a:spcPct val="100000"/>
+                        </a:lnSpc>
+                        <a:spcBef>
+                          <a:spcPts val="0"/>
+                        </a:spcBef>
+                        <a:spcAft>
+                          <a:spcPts val="0"/>
+                        </a:spcAft>
+                        <a:buClrTx/>
+                        <a:buSzTx/>
+                        <a:buFontTx/>
+                        <a:buNone/>
+                        <a:tabLst/>
+                        <a:defRPr/>
+                      </a:pPr>
+                      <a14:m>
+                        <m:oMathPara xmlns:m="http://schemas.openxmlformats.org/officeDocument/2006/math">
+                          <m:oMathParaPr>
+                            <m:jc m:val="centerGroup"/>
+                          </m:oMathParaPr>
+                          <m:oMath xmlns:m="http://schemas.openxmlformats.org/officeDocument/2006/math">
+                            <m:r>
+                              <a:rPr kumimoji="0" lang="en-US" sz="2800" b="0" i="1" u="none" strike="noStrike" kern="1200" cap="none" spc="0" normalizeH="0" baseline="0" noProof="0" smtClean="0">
+                                <a:ln>
+                                  <a:noFill/>
+                                </a:ln>
+                                <a:solidFill>
+                                  <a:prstClr val="black"/>
+                                </a:solidFill>
+                                <a:effectLst/>
+                                <a:uLnTx/>
+                                <a:uFillTx/>
+                                <a:latin typeface="Cambria Math" panose="02040503050406030204" pitchFamily="18" charset="0"/>
+                                <a:ea typeface="+mn-ea"/>
+                                <a:cs typeface="+mn-cs"/>
+                              </a:rPr>
+                              <m:t>𝑎</m:t>
+                            </m:r>
+                          </m:oMath>
+                        </m:oMathPara>
+                      </a14:m>
+                      <a:endParaRPr kumimoji="0" lang="en-US" sz="1800" b="0" i="0" u="none" strike="noStrike" kern="1200" cap="none" spc="0" normalizeH="0" baseline="0" noProof="0" dirty="0">
+                        <a:ln>
+                          <a:noFill/>
+                        </a:ln>
+                        <a:solidFill>
+                          <a:prstClr val="black"/>
+                        </a:solidFill>
+                        <a:effectLst/>
+                        <a:uLnTx/>
+                        <a:uFillTx/>
+                        <a:latin typeface="Calibri"/>
+                        <a:ea typeface="+mn-ea"/>
+                        <a:cs typeface="+mn-cs"/>
+                      </a:endParaRPr>
+                    </a:p>
+                  </p:txBody>
+                </p:sp>
+              </mc:Choice>
+              <mc:Fallback xmlns="">
+                <p:sp>
+                  <p:nvSpPr>
+                    <p:cNvPr id="27" name="TextBox 26"/>
+                    <p:cNvSpPr txBox="1">
+                      <a:spLocks noRot="1" noChangeAspect="1" noMove="1" noResize="1" noEditPoints="1" noAdjustHandles="1" noChangeArrowheads="1" noChangeShapeType="1" noTextEdit="1"/>
+                    </p:cNvSpPr>
+                    <p:nvPr/>
+                  </p:nvSpPr>
+                  <p:spPr>
+                    <a:xfrm>
+                      <a:off x="3022788" y="2328920"/>
+                      <a:ext cx="484094" cy="523220"/>
+                    </a:xfrm>
+                    <a:prstGeom prst="rect">
+                      <a:avLst/>
+                    </a:prstGeom>
+                    <a:blipFill>
+                      <a:blip r:embed="rId3"/>
+                      <a:stretch>
+                        <a:fillRect/>
+                      </a:stretch>
+                    </a:blipFill>
+                  </p:spPr>
+                  <p:txBody>
+                    <a:bodyPr/>
+                    <a:lstStyle/>
+                    <a:p>
+                      <a:r>
+                        <a:rPr lang="en-US">
+                          <a:noFill/>
+                        </a:rPr>
+                        <a:t> </a:t>
+                      </a:r>
+                    </a:p>
+                  </p:txBody>
+                </p:sp>
+              </mc:Fallback>
+            </mc:AlternateContent>
+            <mc:AlternateContent xmlns:mc="http://schemas.openxmlformats.org/markup-compatibility/2006" xmlns:a14="http://schemas.microsoft.com/office/drawing/2010/main">
+              <mc:Choice Requires="a14">
+                <p:sp>
+                  <p:nvSpPr>
+                    <p:cNvPr id="28" name="TextBox 27"/>
+                    <p:cNvSpPr txBox="1"/>
+                    <p:nvPr/>
+                  </p:nvSpPr>
+                  <p:spPr>
+                    <a:xfrm>
+                      <a:off x="2512254" y="1407767"/>
+                      <a:ext cx="484094" cy="523220"/>
+                    </a:xfrm>
+                    <a:prstGeom prst="rect">
+                      <a:avLst/>
+                    </a:prstGeom>
+                    <a:noFill/>
+                  </p:spPr>
+                  <p:txBody>
+                    <a:bodyPr wrap="square" rtlCol="0">
+                      <a:spAutoFit/>
+                    </a:bodyPr>
+                    <a:lstStyle/>
+                    <a:p>
+                      <a:pPr marL="0" marR="0" lvl="0" indent="0" algn="l" defTabSz="914400" rtl="0" eaLnBrk="1" fontAlgn="auto" latinLnBrk="0" hangingPunct="1">
+                        <a:lnSpc>
+                          <a:spcPct val="100000"/>
+                        </a:lnSpc>
+                        <a:spcBef>
+                          <a:spcPts val="0"/>
+                        </a:spcBef>
+                        <a:spcAft>
+                          <a:spcPts val="0"/>
+                        </a:spcAft>
+                        <a:buClrTx/>
+                        <a:buSzTx/>
+                        <a:buFontTx/>
+                        <a:buNone/>
+                        <a:tabLst/>
+                        <a:defRPr/>
+                      </a:pPr>
+                      <a14:m>
+                        <m:oMathPara xmlns:m="http://schemas.openxmlformats.org/officeDocument/2006/math">
+                          <m:oMathParaPr>
+                            <m:jc m:val="centerGroup"/>
+                          </m:oMathParaPr>
+                          <m:oMath xmlns:m="http://schemas.openxmlformats.org/officeDocument/2006/math">
+                            <m:r>
+                              <a:rPr kumimoji="0" lang="en-US" sz="2800" b="0" i="1" u="none" strike="noStrike" kern="1200" cap="none" spc="0" normalizeH="0" baseline="0" noProof="0" smtClean="0">
+                                <a:ln>
+                                  <a:noFill/>
+                                </a:ln>
+                                <a:solidFill>
+                                  <a:prstClr val="black"/>
+                                </a:solidFill>
+                                <a:effectLst/>
+                                <a:uLnTx/>
+                                <a:uFillTx/>
+                                <a:latin typeface="Cambria Math" panose="02040503050406030204" pitchFamily="18" charset="0"/>
+                                <a:ea typeface="+mn-ea"/>
+                                <a:cs typeface="+mn-cs"/>
+                              </a:rPr>
+                              <m:t>𝑏</m:t>
+                            </m:r>
+                          </m:oMath>
+                        </m:oMathPara>
+                      </a14:m>
+                      <a:endParaRPr kumimoji="0" lang="en-US" sz="1800" b="0" i="0" u="none" strike="noStrike" kern="1200" cap="none" spc="0" normalizeH="0" baseline="0" noProof="0" dirty="0">
+                        <a:ln>
+                          <a:noFill/>
+                        </a:ln>
+                        <a:solidFill>
+                          <a:prstClr val="black"/>
+                        </a:solidFill>
+                        <a:effectLst/>
+                        <a:uLnTx/>
+                        <a:uFillTx/>
+                        <a:latin typeface="Calibri"/>
+                        <a:ea typeface="+mn-ea"/>
+                        <a:cs typeface="+mn-cs"/>
+                      </a:endParaRPr>
+                    </a:p>
+                  </p:txBody>
+                </p:sp>
+              </mc:Choice>
+              <mc:Fallback xmlns="">
+                <p:sp>
+                  <p:nvSpPr>
+                    <p:cNvPr id="28" name="TextBox 27"/>
+                    <p:cNvSpPr txBox="1">
+                      <a:spLocks noRot="1" noChangeAspect="1" noMove="1" noResize="1" noEditPoints="1" noAdjustHandles="1" noChangeArrowheads="1" noChangeShapeType="1" noTextEdit="1"/>
+                    </p:cNvSpPr>
+                    <p:nvPr/>
+                  </p:nvSpPr>
+                  <p:spPr>
+                    <a:xfrm>
+                      <a:off x="2512254" y="1407767"/>
+                      <a:ext cx="484094" cy="523220"/>
+                    </a:xfrm>
+                    <a:prstGeom prst="rect">
+                      <a:avLst/>
+                    </a:prstGeom>
+                    <a:blipFill>
+                      <a:blip r:embed="rId4"/>
+                      <a:stretch>
+                        <a:fillRect/>
+                      </a:stretch>
+                    </a:blipFill>
+                  </p:spPr>
+                  <p:txBody>
+                    <a:bodyPr/>
+                    <a:lstStyle/>
+                    <a:p>
+                      <a:r>
+                        <a:rPr lang="en-US">
+                          <a:noFill/>
+                        </a:rPr>
+                        <a:t> </a:t>
+                      </a:r>
+                    </a:p>
+                  </p:txBody>
+                </p:sp>
+              </mc:Fallback>
+            </mc:AlternateContent>
+          </p:grpSp>
+          <p:grpSp>
+            <p:nvGrpSpPr>
+              <p:cNvPr id="12" name="Group 11"/>
+              <p:cNvGrpSpPr/>
+              <p:nvPr/>
+            </p:nvGrpSpPr>
+            <p:grpSpPr>
+              <a:xfrm>
+                <a:off x="4179346" y="597047"/>
+                <a:ext cx="3378797" cy="3160059"/>
+                <a:chOff x="5001410" y="597049"/>
+                <a:chExt cx="3378797" cy="3160059"/>
+              </a:xfrm>
+            </p:grpSpPr>
+            <p:pic>
+              <p:nvPicPr>
+                <p:cNvPr id="13" name="Picture 12"/>
+                <p:cNvPicPr>
+                  <a:picLocks noChangeAspect="1"/>
+                </p:cNvPicPr>
+                <p:nvPr/>
+              </p:nvPicPr>
+              <p:blipFill>
+                <a:blip r:embed="rId2">
+                  <a:extLst>
+                    <a:ext uri="{28A0092B-C50C-407E-A947-70E740481C1C}">
+                      <a14:useLocalDpi xmlns:a14="http://schemas.microsoft.com/office/drawing/2010/main" val="0"/>
+                    </a:ext>
+                  </a:extLst>
+                </a:blip>
+                <a:stretch>
+                  <a:fillRect/>
+                </a:stretch>
+              </p:blipFill>
+              <p:spPr>
+                <a:xfrm>
+                  <a:off x="5001410" y="597049"/>
+                  <a:ext cx="3160059" cy="3160059"/>
+                </a:xfrm>
+                <a:prstGeom prst="rect">
+                  <a:avLst/>
+                </a:prstGeom>
+              </p:spPr>
+            </p:pic>
+            <p:sp>
+              <p:nvSpPr>
+                <p:cNvPr id="14" name="Rectangle 13"/>
+                <p:cNvSpPr/>
+                <p:nvPr/>
+              </p:nvSpPr>
+              <p:spPr>
+                <a:xfrm>
+                  <a:off x="5456817" y="1365314"/>
+                  <a:ext cx="2774576" cy="2391794"/>
+                </a:xfrm>
+                <a:prstGeom prst="rect">
+                  <a:avLst/>
+                </a:prstGeom>
+                <a:solidFill>
+                  <a:schemeClr val="bg1">
+                    <a:alpha val="68000"/>
+                  </a:schemeClr>
+                </a:solidFill>
+                <a:ln>
+                  <a:noFill/>
+                </a:ln>
+              </p:spPr>
+              <p:style>
+                <a:lnRef idx="2">
+                  <a:schemeClr val="accent1">
+                    <a:shade val="50000"/>
+                  </a:schemeClr>
+                </a:lnRef>
+                <a:fillRef idx="1">
+                  <a:schemeClr val="accent1"/>
+                </a:fillRef>
+                <a:effectRef idx="0">
+                  <a:schemeClr val="accent1"/>
+                </a:effectRef>
+                <a:fontRef idx="minor">
+                  <a:schemeClr val="lt1"/>
+                </a:fontRef>
+              </p:style>
+              <p:txBody>
+                <a:bodyPr rtlCol="0" anchor="ctr"/>
+                <a:lstStyle/>
+                <a:p>
+                  <a:pPr marL="0" marR="0" lvl="0" indent="0" algn="ctr" defTabSz="914400" rtl="0" eaLnBrk="1" fontAlgn="auto" latinLnBrk="0" hangingPunct="1">
+                    <a:lnSpc>
+                      <a:spcPct val="100000"/>
+                    </a:lnSpc>
+                    <a:spcBef>
+                      <a:spcPts val="0"/>
+                    </a:spcBef>
+                    <a:spcAft>
+                      <a:spcPts val="0"/>
+                    </a:spcAft>
+                    <a:buClrTx/>
+                    <a:buSzTx/>
+                    <a:buFontTx/>
+                    <a:buNone/>
+                    <a:tabLst/>
+                    <a:defRPr/>
+                  </a:pPr>
+                  <a:endParaRPr kumimoji="0" lang="en-US" sz="1800" b="0" i="0" u="none" strike="noStrike" kern="1200" cap="none" spc="0" normalizeH="0" baseline="0" noProof="0">
+                    <a:ln>
+                      <a:noFill/>
+                    </a:ln>
+                    <a:solidFill>
+                      <a:prstClr val="white"/>
+                    </a:solidFill>
+                    <a:effectLst/>
+                    <a:uLnTx/>
+                    <a:uFillTx/>
+                    <a:latin typeface="Calibri"/>
+                    <a:ea typeface="+mn-ea"/>
+                    <a:cs typeface="+mn-cs"/>
+                  </a:endParaRPr>
+                </a:p>
+              </p:txBody>
+            </p:sp>
+            <p:cxnSp>
+              <p:nvCxnSpPr>
+                <p:cNvPr id="15" name="Straight Connector 14"/>
+                <p:cNvCxnSpPr/>
+                <p:nvPr/>
+              </p:nvCxnSpPr>
+              <p:spPr>
+                <a:xfrm>
+                  <a:off x="5361940" y="2185146"/>
+                  <a:ext cx="3018267" cy="0"/>
+                </a:xfrm>
+                <a:prstGeom prst="line">
+                  <a:avLst/>
+                </a:prstGeom>
+                <a:ln w="38100" cap="rnd">
+                  <a:solidFill>
+                    <a:schemeClr val="tx1"/>
+                  </a:solidFill>
+                  <a:prstDash val="solid"/>
+                  <a:headEnd type="none"/>
+                  <a:tailEnd type="none"/>
+                </a:ln>
+              </p:spPr>
+              <p:style>
+                <a:lnRef idx="1">
+                  <a:schemeClr val="accent1"/>
+                </a:lnRef>
+                <a:fillRef idx="0">
+                  <a:schemeClr val="accent1"/>
+                </a:fillRef>
+                <a:effectRef idx="0">
+                  <a:schemeClr val="accent1"/>
+                </a:effectRef>
+                <a:fontRef idx="minor">
+                  <a:schemeClr val="tx1"/>
+                </a:fontRef>
+              </p:style>
+            </p:cxnSp>
+            <p:cxnSp>
+              <p:nvCxnSpPr>
+                <p:cNvPr id="16" name="Straight Connector 15"/>
+                <p:cNvCxnSpPr/>
+                <p:nvPr/>
+              </p:nvCxnSpPr>
+              <p:spPr>
+                <a:xfrm flipV="1">
+                  <a:off x="6579983" y="1715845"/>
+                  <a:ext cx="337184" cy="469302"/>
+                </a:xfrm>
+                <a:prstGeom prst="line">
+                  <a:avLst/>
+                </a:prstGeom>
+                <a:ln w="38100" cap="rnd">
+                  <a:solidFill>
+                    <a:schemeClr val="tx1"/>
+                  </a:solidFill>
+                  <a:prstDash val="solid"/>
+                  <a:headEnd type="none" w="lg" len="lg"/>
+                  <a:tailEnd type="none" w="lg" len="lg"/>
+                </a:ln>
+              </p:spPr>
+              <p:style>
+                <a:lnRef idx="1">
+                  <a:schemeClr val="accent1"/>
+                </a:lnRef>
+                <a:fillRef idx="0">
+                  <a:schemeClr val="accent1"/>
+                </a:fillRef>
+                <a:effectRef idx="0">
+                  <a:schemeClr val="accent1"/>
+                </a:effectRef>
+                <a:fontRef idx="minor">
+                  <a:schemeClr val="tx1"/>
+                </a:fontRef>
+              </p:style>
+            </p:cxnSp>
+            <mc:AlternateContent xmlns:mc="http://schemas.openxmlformats.org/markup-compatibility/2006" xmlns:a14="http://schemas.microsoft.com/office/drawing/2010/main">
+              <mc:Choice Requires="a14">
+                <p:sp>
+                  <p:nvSpPr>
+                    <p:cNvPr id="17" name="TextBox 16"/>
+                    <p:cNvSpPr txBox="1"/>
+                    <p:nvPr/>
+                  </p:nvSpPr>
+                  <p:spPr>
+                    <a:xfrm>
+                      <a:off x="6661781" y="1734424"/>
+                      <a:ext cx="576868" cy="523220"/>
+                    </a:xfrm>
+                    <a:prstGeom prst="rect">
+                      <a:avLst/>
+                    </a:prstGeom>
+                    <a:noFill/>
+                  </p:spPr>
+                  <p:txBody>
+                    <a:bodyPr wrap="square" rtlCol="0">
+                      <a:spAutoFit/>
+                    </a:bodyPr>
+                    <a:lstStyle/>
+                    <a:p>
+                      <a:pPr marL="0" marR="0" lvl="0" indent="0" algn="l" defTabSz="914400" rtl="0" eaLnBrk="1" fontAlgn="auto" latinLnBrk="0" hangingPunct="1">
+                        <a:lnSpc>
+                          <a:spcPct val="100000"/>
+                        </a:lnSpc>
+                        <a:spcBef>
+                          <a:spcPts val="0"/>
+                        </a:spcBef>
+                        <a:spcAft>
+                          <a:spcPts val="0"/>
+                        </a:spcAft>
+                        <a:buClrTx/>
+                        <a:buSzTx/>
+                        <a:buFontTx/>
+                        <a:buNone/>
+                        <a:tabLst/>
+                        <a:defRPr/>
+                      </a:pPr>
+                      <a14:m>
+                        <m:oMathPara xmlns:m="http://schemas.openxmlformats.org/officeDocument/2006/math">
+                          <m:oMathParaPr>
+                            <m:jc m:val="centerGroup"/>
+                          </m:oMathParaPr>
+                          <m:oMath xmlns:m="http://schemas.openxmlformats.org/officeDocument/2006/math">
+                            <m:r>
+                              <a:rPr kumimoji="0" lang="en-US" sz="2800" b="0" i="1" u="none" strike="noStrike" kern="1200" cap="none" spc="0" normalizeH="0" baseline="0" noProof="0">
+                                <a:ln>
+                                  <a:noFill/>
+                                </a:ln>
+                                <a:solidFill>
+                                  <a:prstClr val="black"/>
+                                </a:solidFill>
+                                <a:effectLst/>
+                                <a:uLnTx/>
+                                <a:uFillTx/>
+                                <a:latin typeface="Cambria Math" panose="02040503050406030204" pitchFamily="18" charset="0"/>
+                                <a:ea typeface="Cambria Math" panose="02040503050406030204" pitchFamily="18" charset="0"/>
+                                <a:cs typeface="+mn-cs"/>
+                              </a:rPr>
+                              <m:t>𝜃</m:t>
+                            </m:r>
+                          </m:oMath>
+                        </m:oMathPara>
+                      </a14:m>
+                      <a:endParaRPr kumimoji="0" lang="en-US" sz="1800" b="0" i="0" u="none" strike="noStrike" kern="1200" cap="none" spc="0" normalizeH="0" baseline="0" noProof="0" dirty="0">
+                        <a:ln>
+                          <a:noFill/>
+                        </a:ln>
+                        <a:solidFill>
+                          <a:prstClr val="black"/>
+                        </a:solidFill>
+                        <a:effectLst/>
+                        <a:uLnTx/>
+                        <a:uFillTx/>
+                        <a:latin typeface="Calibri"/>
+                        <a:ea typeface="+mn-ea"/>
+                        <a:cs typeface="+mn-cs"/>
+                      </a:endParaRPr>
+                    </a:p>
+                  </p:txBody>
+                </p:sp>
+              </mc:Choice>
+              <mc:Fallback xmlns="">
+                <p:sp>
+                  <p:nvSpPr>
+                    <p:cNvPr id="17" name="TextBox 16"/>
+                    <p:cNvSpPr txBox="1">
+                      <a:spLocks noRot="1" noChangeAspect="1" noMove="1" noResize="1" noEditPoints="1" noAdjustHandles="1" noChangeArrowheads="1" noChangeShapeType="1" noTextEdit="1"/>
+                    </p:cNvSpPr>
+                    <p:nvPr/>
+                  </p:nvSpPr>
+                  <p:spPr>
+                    <a:xfrm>
+                      <a:off x="6661781" y="1734424"/>
+                      <a:ext cx="576868" cy="523220"/>
+                    </a:xfrm>
+                    <a:prstGeom prst="rect">
+                      <a:avLst/>
+                    </a:prstGeom>
+                    <a:blipFill>
+                      <a:blip r:embed="rId5"/>
+                      <a:stretch>
+                        <a:fillRect/>
+                      </a:stretch>
+                    </a:blipFill>
+                  </p:spPr>
+                  <p:txBody>
+                    <a:bodyPr/>
+                    <a:lstStyle/>
+                    <a:p>
+                      <a:r>
+                        <a:rPr lang="en-US">
+                          <a:noFill/>
+                        </a:rPr>
+                        <a:t> </a:t>
+                      </a:r>
+                    </a:p>
+                  </p:txBody>
+                </p:sp>
+              </mc:Fallback>
+            </mc:AlternateContent>
+            <p:sp>
+              <p:nvSpPr>
+                <p:cNvPr id="18" name="Arc 17"/>
+                <p:cNvSpPr/>
+                <p:nvPr/>
+              </p:nvSpPr>
+              <p:spPr>
+                <a:xfrm>
+                  <a:off x="6307615" y="1922035"/>
+                  <a:ext cx="517607" cy="526664"/>
+                </a:xfrm>
+                <a:prstGeom prst="arc">
+                  <a:avLst>
+                    <a:gd name="adj1" fmla="val 18495604"/>
+                    <a:gd name="adj2" fmla="val 0"/>
+                  </a:avLst>
+                </a:prstGeom>
+                <a:ln w="25400" cap="rnd">
+                  <a:solidFill>
+                    <a:schemeClr val="tx1"/>
+                  </a:solidFill>
+                  <a:headEnd type="none"/>
+                  <a:tailEnd type="none" w="med" len="lg"/>
+                </a:ln>
+              </p:spPr>
+              <p:style>
+                <a:lnRef idx="1">
+                  <a:schemeClr val="accent1"/>
+                </a:lnRef>
+                <a:fillRef idx="0">
+                  <a:schemeClr val="accent1"/>
+                </a:fillRef>
+                <a:effectRef idx="0">
+                  <a:schemeClr val="accent1"/>
+                </a:effectRef>
+                <a:fontRef idx="minor">
+                  <a:schemeClr val="tx1"/>
+                </a:fontRef>
+              </p:style>
+              <p:txBody>
+                <a:bodyPr rtlCol="0" anchor="ctr"/>
+                <a:lstStyle/>
+                <a:p>
+                  <a:pPr marL="0" marR="0" lvl="0" indent="0" algn="ctr" defTabSz="914400" rtl="0" eaLnBrk="1" fontAlgn="auto" latinLnBrk="0" hangingPunct="1">
+                    <a:lnSpc>
+                      <a:spcPct val="100000"/>
+                    </a:lnSpc>
+                    <a:spcBef>
+                      <a:spcPts val="0"/>
+                    </a:spcBef>
+                    <a:spcAft>
+                      <a:spcPts val="0"/>
+                    </a:spcAft>
+                    <a:buClrTx/>
+                    <a:buSzTx/>
+                    <a:buFontTx/>
+                    <a:buNone/>
+                    <a:tabLst/>
+                    <a:defRPr/>
+                  </a:pPr>
+                  <a:endParaRPr kumimoji="0" lang="en-US" sz="1800" b="0" i="0" u="none" strike="noStrike" kern="1200" cap="none" spc="0" normalizeH="0" baseline="0" noProof="0">
+                    <a:ln>
+                      <a:noFill/>
+                    </a:ln>
+                    <a:solidFill>
+                      <a:prstClr val="black"/>
+                    </a:solidFill>
+                    <a:effectLst/>
+                    <a:uLnTx/>
+                    <a:uFillTx/>
+                    <a:latin typeface="Calibri"/>
+                    <a:ea typeface="+mn-ea"/>
+                    <a:cs typeface="+mn-cs"/>
+                  </a:endParaRPr>
+                </a:p>
+              </p:txBody>
+            </p:sp>
+            <p:sp>
+              <p:nvSpPr>
+                <p:cNvPr id="19" name="Left Brace 18"/>
+                <p:cNvSpPr/>
+                <p:nvPr/>
+              </p:nvSpPr>
+              <p:spPr>
+                <a:xfrm rot="2241982">
+                  <a:off x="6492968" y="1514793"/>
+                  <a:ext cx="159137" cy="588792"/>
+                </a:xfrm>
+                <a:prstGeom prst="leftBrace">
+                  <a:avLst>
+                    <a:gd name="adj1" fmla="val 65857"/>
+                    <a:gd name="adj2" fmla="val 50000"/>
+                  </a:avLst>
+                </a:prstGeom>
+                <a:ln w="25400">
+                  <a:solidFill>
+                    <a:schemeClr val="tx2"/>
+                  </a:solidFill>
+                </a:ln>
+              </p:spPr>
+              <p:style>
+                <a:lnRef idx="1">
+                  <a:schemeClr val="accent1"/>
+                </a:lnRef>
+                <a:fillRef idx="0">
+                  <a:schemeClr val="accent1"/>
+                </a:fillRef>
+                <a:effectRef idx="0">
+                  <a:schemeClr val="accent1"/>
+                </a:effectRef>
+                <a:fontRef idx="minor">
+                  <a:schemeClr val="tx1"/>
+                </a:fontRef>
+              </p:style>
+              <p:txBody>
+                <a:bodyPr rtlCol="0" anchor="ctr"/>
+                <a:lstStyle/>
+                <a:p>
+                  <a:pPr marL="0" marR="0" lvl="0" indent="0" algn="ctr" defTabSz="914400" rtl="0" eaLnBrk="1" fontAlgn="auto" latinLnBrk="0" hangingPunct="1">
+                    <a:lnSpc>
+                      <a:spcPct val="100000"/>
+                    </a:lnSpc>
+                    <a:spcBef>
+                      <a:spcPts val="0"/>
+                    </a:spcBef>
+                    <a:spcAft>
+                      <a:spcPts val="0"/>
+                    </a:spcAft>
+                    <a:buClrTx/>
+                    <a:buSzTx/>
+                    <a:buFontTx/>
+                    <a:buNone/>
+                    <a:tabLst/>
+                    <a:defRPr/>
+                  </a:pPr>
+                  <a:endParaRPr kumimoji="0" lang="en-US" sz="1800" b="0" i="0" u="none" strike="noStrike" kern="1200" cap="none" spc="0" normalizeH="0" baseline="0" noProof="0">
+                    <a:ln>
+                      <a:noFill/>
+                    </a:ln>
+                    <a:solidFill>
+                      <a:prstClr val="black"/>
+                    </a:solidFill>
+                    <a:effectLst/>
+                    <a:uLnTx/>
+                    <a:uFillTx/>
+                    <a:latin typeface="Calibri"/>
+                    <a:ea typeface="+mn-ea"/>
+                    <a:cs typeface="+mn-cs"/>
+                  </a:endParaRPr>
+                </a:p>
+              </p:txBody>
+            </p:sp>
+            <mc:AlternateContent xmlns:mc="http://schemas.openxmlformats.org/markup-compatibility/2006" xmlns:a14="http://schemas.microsoft.com/office/drawing/2010/main">
+              <mc:Choice Requires="a14">
+                <p:sp>
+                  <p:nvSpPr>
+                    <p:cNvPr id="20" name="TextBox 19"/>
+                    <p:cNvSpPr txBox="1"/>
+                    <p:nvPr/>
+                  </p:nvSpPr>
+                  <p:spPr>
+                    <a:xfrm>
+                      <a:off x="5731246" y="1340193"/>
+                      <a:ext cx="1294254" cy="542136"/>
+                    </a:xfrm>
+                    <a:prstGeom prst="rect">
+                      <a:avLst/>
+                    </a:prstGeom>
+                    <a:noFill/>
+                  </p:spPr>
+                  <p:txBody>
+                    <a:bodyPr wrap="square" rtlCol="0">
+                      <a:spAutoFit/>
+                    </a:bodyPr>
+                    <a:lstStyle/>
+                    <a:p>
+                      <a:pPr marL="0" marR="0" lvl="0" indent="0" algn="l" defTabSz="914400" rtl="0" eaLnBrk="1" fontAlgn="auto" latinLnBrk="0" hangingPunct="1">
+                        <a:lnSpc>
+                          <a:spcPct val="100000"/>
+                        </a:lnSpc>
+                        <a:spcBef>
+                          <a:spcPts val="0"/>
+                        </a:spcBef>
+                        <a:spcAft>
+                          <a:spcPts val="0"/>
+                        </a:spcAft>
+                        <a:buClrTx/>
+                        <a:buSzTx/>
+                        <a:buFontTx/>
+                        <a:buNone/>
+                        <a:tabLst/>
+                        <a:defRPr/>
+                      </a:pPr>
+                      <a14:m>
+                        <m:oMathPara xmlns:m="http://schemas.openxmlformats.org/officeDocument/2006/math">
+                          <m:oMathParaPr>
+                            <m:jc m:val="centerGroup"/>
+                          </m:oMathParaPr>
+                          <m:oMath xmlns:m="http://schemas.openxmlformats.org/officeDocument/2006/math">
+                            <m:r>
+                              <a:rPr kumimoji="0" lang="en-US" sz="2800" b="0" i="1" u="none" strike="noStrike" kern="1200" cap="none" spc="0" normalizeH="0" baseline="0" noProof="0" smtClean="0">
+                                <a:ln>
+                                  <a:noFill/>
+                                </a:ln>
+                                <a:solidFill>
+                                  <a:prstClr val="black"/>
+                                </a:solidFill>
+                                <a:effectLst/>
+                                <a:uLnTx/>
+                                <a:uFillTx/>
+                                <a:latin typeface="Cambria Math" panose="02040503050406030204" pitchFamily="18" charset="0"/>
+                                <a:cs typeface="+mn-cs"/>
+                              </a:rPr>
+                              <m:t>𝑐</m:t>
+                            </m:r>
+                            <m:sSup>
+                              <m:sSupPr>
+                                <m:ctrlPr>
+                                  <a:rPr kumimoji="0" lang="en-US" sz="2800" b="0" i="1" u="none" strike="noStrike" kern="1200" cap="none" spc="0" normalizeH="0" baseline="0" noProof="0">
+                                    <a:ln>
+                                      <a:noFill/>
+                                    </a:ln>
+                                    <a:solidFill>
+                                      <a:prstClr val="black"/>
+                                    </a:solidFill>
+                                    <a:effectLst/>
+                                    <a:uLnTx/>
+                                    <a:uFillTx/>
+                                    <a:latin typeface="Cambria Math" panose="02040503050406030204" pitchFamily="18" charset="0"/>
+                                    <a:cs typeface="+mn-cs"/>
+                                  </a:rPr>
+                                </m:ctrlPr>
+                              </m:sSupPr>
+                              <m:e>
+                                <m:r>
+                                  <a:rPr kumimoji="0" lang="en-US" sz="2800" b="0" i="1" u="none" strike="noStrike" kern="1200" cap="none" spc="0" normalizeH="0" baseline="0" noProof="0">
+                                    <a:ln>
+                                      <a:noFill/>
+                                    </a:ln>
+                                    <a:solidFill>
+                                      <a:prstClr val="black"/>
+                                    </a:solidFill>
+                                    <a:effectLst/>
+                                    <a:uLnTx/>
+                                    <a:uFillTx/>
+                                    <a:latin typeface="Cambria Math" panose="02040503050406030204" pitchFamily="18" charset="0"/>
+                                    <a:cs typeface="+mn-cs"/>
+                                  </a:rPr>
+                                  <m:t>𝑒</m:t>
+                                </m:r>
+                              </m:e>
+                              <m:sup>
+                                <m:r>
+                                  <a:rPr kumimoji="0" lang="en-US" sz="2800" b="0" i="1" u="none" strike="noStrike" kern="1200" cap="none" spc="0" normalizeH="0" baseline="0" noProof="0" smtClean="0">
+                                    <a:ln>
+                                      <a:noFill/>
+                                    </a:ln>
+                                    <a:solidFill>
+                                      <a:prstClr val="black"/>
+                                    </a:solidFill>
+                                    <a:effectLst/>
+                                    <a:uLnTx/>
+                                    <a:uFillTx/>
+                                    <a:latin typeface="Cambria Math" panose="02040503050406030204" pitchFamily="18" charset="0"/>
+                                    <a:cs typeface="+mn-cs"/>
+                                  </a:rPr>
+                                  <m:t>𝑑</m:t>
+                                </m:r>
+                                <m:r>
+                                  <a:rPr kumimoji="0" lang="en-US" sz="2800" b="0" i="1" u="none" strike="noStrike" kern="1200" cap="none" spc="0" normalizeH="0" baseline="0" noProof="0">
+                                    <a:ln>
+                                      <a:noFill/>
+                                    </a:ln>
+                                    <a:solidFill>
+                                      <a:prstClr val="black"/>
+                                    </a:solidFill>
+                                    <a:effectLst/>
+                                    <a:uLnTx/>
+                                    <a:uFillTx/>
+                                    <a:latin typeface="Cambria Math" panose="02040503050406030204" pitchFamily="18" charset="0"/>
+                                    <a:ea typeface="Cambria Math" panose="02040503050406030204" pitchFamily="18" charset="0"/>
+                                    <a:cs typeface="+mn-cs"/>
+                                  </a:rPr>
+                                  <m:t>𝜃</m:t>
+                                </m:r>
+                              </m:sup>
+                            </m:sSup>
+                          </m:oMath>
+                        </m:oMathPara>
+                      </a14:m>
+                      <a:endParaRPr kumimoji="0" lang="en-US" sz="2800" b="0" i="0" u="none" strike="noStrike" kern="1200" cap="none" spc="0" normalizeH="0" baseline="0" noProof="0" dirty="0">
+                        <a:ln>
+                          <a:noFill/>
+                        </a:ln>
+                        <a:solidFill>
+                          <a:prstClr val="black"/>
+                        </a:solidFill>
+                        <a:effectLst/>
+                        <a:uLnTx/>
+                        <a:uFillTx/>
+                        <a:latin typeface="Calibri"/>
+                        <a:cs typeface="+mn-cs"/>
+                      </a:endParaRPr>
+                    </a:p>
+                  </p:txBody>
+                </p:sp>
+              </mc:Choice>
+              <mc:Fallback xmlns="">
+                <p:sp>
+                  <p:nvSpPr>
+                    <p:cNvPr id="20" name="TextBox 19"/>
+                    <p:cNvSpPr txBox="1">
+                      <a:spLocks noRot="1" noChangeAspect="1" noMove="1" noResize="1" noEditPoints="1" noAdjustHandles="1" noChangeArrowheads="1" noChangeShapeType="1" noTextEdit="1"/>
+                    </p:cNvSpPr>
+                    <p:nvPr/>
+                  </p:nvSpPr>
+                  <p:spPr>
+                    <a:xfrm>
+                      <a:off x="5731246" y="1340193"/>
+                      <a:ext cx="1294254" cy="542136"/>
+                    </a:xfrm>
+                    <a:prstGeom prst="rect">
+                      <a:avLst/>
+                    </a:prstGeom>
+                    <a:blipFill>
+                      <a:blip r:embed="rId6"/>
+                      <a:stretch>
+                        <a:fillRect/>
+                      </a:stretch>
+                    </a:blipFill>
+                  </p:spPr>
+                  <p:txBody>
+                    <a:bodyPr/>
+                    <a:lstStyle/>
+                    <a:p>
+                      <a:r>
+                        <a:rPr lang="en-US">
+                          <a:noFill/>
+                        </a:rPr>
+                        <a:t> </a:t>
+                      </a:r>
+                    </a:p>
+                  </p:txBody>
+                </p:sp>
+              </mc:Fallback>
+            </mc:AlternateContent>
+          </p:grpSp>
+        </p:grpSp>
+        <p:sp>
+          <p:nvSpPr>
+            <p:cNvPr id="2" name="Oval 1">
+              <a:extLst>
+                <a:ext uri="{FF2B5EF4-FFF2-40B4-BE49-F238E27FC236}">
+                  <a16:creationId xmlns:a16="http://schemas.microsoft.com/office/drawing/2014/main" id="{E3AFD896-9E31-763B-D08F-59D15EA8F878}"/>
+                </a:ext>
+              </a:extLst>
+            </p:cNvPr>
+            <p:cNvSpPr/>
+            <p:nvPr/>
+          </p:nvSpPr>
+          <p:spPr>
+            <a:xfrm>
+              <a:off x="5853176" y="1548910"/>
+              <a:ext cx="116837" cy="116837"/>
+            </a:xfrm>
+            <a:prstGeom prst="ellipse">
+              <a:avLst/>
+            </a:prstGeom>
+            <a:solidFill>
+              <a:schemeClr val="tx1"/>
+            </a:solidFill>
+            <a:ln w="19050">
+              <a:noFill/>
+            </a:ln>
+          </p:spPr>
+          <p:style>
+            <a:lnRef idx="1">
+              <a:schemeClr val="accent1"/>
+            </a:lnRef>
+            <a:fillRef idx="0">
+              <a:schemeClr val="accent1"/>
+            </a:fillRef>
+            <a:effectRef idx="0">
+              <a:schemeClr val="accent1"/>
+            </a:effectRef>
+            <a:fontRef idx="minor">
+              <a:schemeClr val="tx1"/>
+            </a:fontRef>
+          </p:style>
+          <p:txBody>
+            <a:bodyPr rtlCol="0" anchor="ctr"/>
+            <a:lstStyle/>
+            <a:p>
+              <a:pPr algn="ctr"/>
+              <a:endParaRPr lang="en-US"/>
+            </a:p>
+          </p:txBody>
+        </p:sp>
+        <p:sp>
+          <p:nvSpPr>
+            <p:cNvPr id="5" name="Oval 4">
+              <a:extLst>
+                <a:ext uri="{FF2B5EF4-FFF2-40B4-BE49-F238E27FC236}">
+                  <a16:creationId xmlns:a16="http://schemas.microsoft.com/office/drawing/2014/main" id="{282AF807-9F19-B9A9-BBF3-C6AF4BC8ECAA}"/>
+                </a:ext>
+              </a:extLst>
+            </p:cNvPr>
+            <p:cNvSpPr/>
+            <p:nvPr/>
+          </p:nvSpPr>
+          <p:spPr>
+            <a:xfrm>
+              <a:off x="7322198" y="1547157"/>
+              <a:ext cx="116837" cy="116837"/>
+            </a:xfrm>
+            <a:prstGeom prst="ellipse">
+              <a:avLst/>
+            </a:prstGeom>
+            <a:solidFill>
+              <a:schemeClr val="tx1"/>
+            </a:solidFill>
+            <a:ln w="19050">
+              <a:noFill/>
+            </a:ln>
+          </p:spPr>
+          <p:style>
+            <a:lnRef idx="1">
+              <a:schemeClr val="accent1"/>
+            </a:lnRef>
+            <a:fillRef idx="0">
+              <a:schemeClr val="accent1"/>
+            </a:fillRef>
+            <a:effectRef idx="0">
+              <a:schemeClr val="accent1"/>
+            </a:effectRef>
+            <a:fontRef idx="minor">
+              <a:schemeClr val="tx1"/>
+            </a:fontRef>
+          </p:style>
+          <p:txBody>
+            <a:bodyPr rtlCol="0" anchor="ctr"/>
+            <a:lstStyle/>
+            <a:p>
+              <a:pPr algn="ctr"/>
+              <a:endParaRPr lang="en-US"/>
+            </a:p>
+          </p:txBody>
+        </p:sp>
+        <p:sp>
+          <p:nvSpPr>
+            <p:cNvPr id="29" name="Oval 28">
+              <a:extLst>
+                <a:ext uri="{FF2B5EF4-FFF2-40B4-BE49-F238E27FC236}">
+                  <a16:creationId xmlns:a16="http://schemas.microsoft.com/office/drawing/2014/main" id="{D943C890-1C19-7D3C-7420-0629BAC7B635}"/>
+                </a:ext>
+              </a:extLst>
+            </p:cNvPr>
+            <p:cNvSpPr/>
+            <p:nvPr/>
+          </p:nvSpPr>
+          <p:spPr>
+            <a:xfrm>
+              <a:off x="6165305" y="1079495"/>
+              <a:ext cx="116837" cy="116837"/>
+            </a:xfrm>
+            <a:prstGeom prst="ellipse">
+              <a:avLst/>
+            </a:prstGeom>
+            <a:solidFill>
+              <a:schemeClr val="tx1"/>
+            </a:solidFill>
+            <a:ln w="19050">
+              <a:noFill/>
+            </a:ln>
+          </p:spPr>
+          <p:style>
+            <a:lnRef idx="1">
+              <a:schemeClr val="accent1"/>
+            </a:lnRef>
+            <a:fillRef idx="0">
+              <a:schemeClr val="accent1"/>
+            </a:fillRef>
+            <a:effectRef idx="0">
+              <a:schemeClr val="accent1"/>
+            </a:effectRef>
+            <a:fontRef idx="minor">
+              <a:schemeClr val="tx1"/>
+            </a:fontRef>
+          </p:style>
+          <p:txBody>
+            <a:bodyPr rtlCol="0" anchor="ctr"/>
+            <a:lstStyle/>
+            <a:p>
+              <a:pPr algn="ctr"/>
+              <a:endParaRPr lang="en-US"/>
+            </a:p>
+          </p:txBody>
+        </p:sp>
+        <p:sp>
+          <p:nvSpPr>
+            <p:cNvPr id="30" name="Oval 29">
+              <a:extLst>
+                <a:ext uri="{FF2B5EF4-FFF2-40B4-BE49-F238E27FC236}">
+                  <a16:creationId xmlns:a16="http://schemas.microsoft.com/office/drawing/2014/main" id="{E73A7947-1F28-AB45-6410-17BD9F3F02D9}"/>
+                </a:ext>
+              </a:extLst>
+            </p:cNvPr>
+            <p:cNvSpPr/>
+            <p:nvPr/>
+          </p:nvSpPr>
+          <p:spPr>
+            <a:xfrm>
+              <a:off x="2587579" y="1548910"/>
+              <a:ext cx="116837" cy="116837"/>
+            </a:xfrm>
+            <a:prstGeom prst="ellipse">
+              <a:avLst/>
+            </a:prstGeom>
+            <a:solidFill>
+              <a:schemeClr val="tx1"/>
+            </a:solidFill>
+            <a:ln w="19050">
+              <a:noFill/>
+            </a:ln>
+          </p:spPr>
+          <p:style>
+            <a:lnRef idx="1">
+              <a:schemeClr val="accent1"/>
+            </a:lnRef>
+            <a:fillRef idx="0">
+              <a:schemeClr val="accent1"/>
+            </a:fillRef>
+            <a:effectRef idx="0">
+              <a:schemeClr val="accent1"/>
+            </a:effectRef>
+            <a:fontRef idx="minor">
+              <a:schemeClr val="tx1"/>
+            </a:fontRef>
+          </p:style>
+          <p:txBody>
+            <a:bodyPr rtlCol="0" anchor="ctr"/>
+            <a:lstStyle/>
+            <a:p>
+              <a:pPr algn="ctr"/>
+              <a:endParaRPr lang="en-US"/>
+            </a:p>
+          </p:txBody>
+        </p:sp>
+        <p:sp>
+          <p:nvSpPr>
+            <p:cNvPr id="31" name="Oval 30">
+              <a:extLst>
+                <a:ext uri="{FF2B5EF4-FFF2-40B4-BE49-F238E27FC236}">
+                  <a16:creationId xmlns:a16="http://schemas.microsoft.com/office/drawing/2014/main" id="{D22A9ECF-255E-31DD-758A-553A5C66868F}"/>
+                </a:ext>
+              </a:extLst>
+            </p:cNvPr>
+            <p:cNvSpPr/>
+            <p:nvPr/>
+          </p:nvSpPr>
+          <p:spPr>
+            <a:xfrm>
+              <a:off x="4070230" y="1535726"/>
+              <a:ext cx="116837" cy="116837"/>
+            </a:xfrm>
+            <a:prstGeom prst="ellipse">
+              <a:avLst/>
+            </a:prstGeom>
+            <a:solidFill>
+              <a:schemeClr val="tx1"/>
+            </a:solidFill>
+            <a:ln w="19050">
+              <a:noFill/>
+            </a:ln>
+          </p:spPr>
+          <p:style>
+            <a:lnRef idx="1">
+              <a:schemeClr val="accent1"/>
+            </a:lnRef>
+            <a:fillRef idx="0">
+              <a:schemeClr val="accent1"/>
+            </a:fillRef>
+            <a:effectRef idx="0">
+              <a:schemeClr val="accent1"/>
+            </a:effectRef>
+            <a:fontRef idx="minor">
+              <a:schemeClr val="tx1"/>
+            </a:fontRef>
+          </p:style>
+          <p:txBody>
+            <a:bodyPr rtlCol="0" anchor="ctr"/>
+            <a:lstStyle/>
+            <a:p>
+              <a:pPr algn="ctr"/>
+              <a:endParaRPr lang="en-US"/>
+            </a:p>
+          </p:txBody>
+        </p:sp>
+        <p:sp>
+          <p:nvSpPr>
+            <p:cNvPr id="32" name="Oval 31">
+              <a:extLst>
+                <a:ext uri="{FF2B5EF4-FFF2-40B4-BE49-F238E27FC236}">
+                  <a16:creationId xmlns:a16="http://schemas.microsoft.com/office/drawing/2014/main" id="{5FBBAA51-5874-65B8-186D-54C2B05E06C9}"/>
+                </a:ext>
+              </a:extLst>
+            </p:cNvPr>
+            <p:cNvSpPr/>
+            <p:nvPr/>
+          </p:nvSpPr>
+          <p:spPr>
+            <a:xfrm>
+              <a:off x="3093138" y="1545447"/>
+              <a:ext cx="116837" cy="116837"/>
+            </a:xfrm>
+            <a:prstGeom prst="ellipse">
+              <a:avLst/>
+            </a:prstGeom>
+            <a:solidFill>
+              <a:schemeClr val="tx1"/>
+            </a:solidFill>
+            <a:ln w="19050">
+              <a:noFill/>
+            </a:ln>
+          </p:spPr>
+          <p:style>
+            <a:lnRef idx="1">
+              <a:schemeClr val="accent1"/>
+            </a:lnRef>
+            <a:fillRef idx="0">
+              <a:schemeClr val="accent1"/>
+            </a:fillRef>
+            <a:effectRef idx="0">
+              <a:schemeClr val="accent1"/>
+            </a:effectRef>
+            <a:fontRef idx="minor">
+              <a:schemeClr val="tx1"/>
+            </a:fontRef>
+          </p:style>
+          <p:txBody>
+            <a:bodyPr rtlCol="0" anchor="ctr"/>
+            <a:lstStyle/>
+            <a:p>
+              <a:pPr algn="ctr"/>
+              <a:endParaRPr lang="en-US"/>
+            </a:p>
+          </p:txBody>
+        </p:sp>
+      </p:grpSp>
+      <p:grpSp>
+        <p:nvGrpSpPr>
+          <p:cNvPr id="33" name="Group 32">
+            <a:extLst>
+              <a:ext uri="{FF2B5EF4-FFF2-40B4-BE49-F238E27FC236}">
+                <a16:creationId xmlns:a16="http://schemas.microsoft.com/office/drawing/2014/main" id="{13632399-8029-159E-3999-91519F1657D4}"/>
+              </a:ext>
+            </a:extLst>
+          </p:cNvPr>
+          <p:cNvGrpSpPr/>
+          <p:nvPr/>
+        </p:nvGrpSpPr>
+        <p:grpSpPr>
+          <a:xfrm>
+            <a:off x="271630" y="3631908"/>
+            <a:ext cx="8600739" cy="2668210"/>
+            <a:chOff x="78148" y="1866920"/>
+            <a:chExt cx="8600739" cy="2668210"/>
+          </a:xfrm>
+        </p:grpSpPr>
+        <p:pic>
+          <p:nvPicPr>
+            <p:cNvPr id="34" name="Picture 33">
+              <a:extLst>
+                <a:ext uri="{FF2B5EF4-FFF2-40B4-BE49-F238E27FC236}">
+                  <a16:creationId xmlns:a16="http://schemas.microsoft.com/office/drawing/2014/main" id="{FDC0C529-E343-1DA3-ACD7-FCCF6C19E2E6}"/>
+                </a:ext>
+              </a:extLst>
+            </p:cNvPr>
+            <p:cNvPicPr>
+              <a:picLocks noChangeAspect="1"/>
+            </p:cNvPicPr>
+            <p:nvPr/>
+          </p:nvPicPr>
+          <p:blipFill>
+            <a:blip r:embed="rId7"/>
+            <a:stretch>
+              <a:fillRect/>
+            </a:stretch>
+          </p:blipFill>
+          <p:spPr>
+            <a:xfrm>
+              <a:off x="234969" y="1887020"/>
+              <a:ext cx="3874452" cy="2476153"/>
+            </a:xfrm>
+            <a:prstGeom prst="rect">
+              <a:avLst/>
+            </a:prstGeom>
+          </p:spPr>
+        </p:pic>
+        <p:pic>
+          <p:nvPicPr>
+            <p:cNvPr id="35" name="Picture 34">
+              <a:extLst>
+                <a:ext uri="{FF2B5EF4-FFF2-40B4-BE49-F238E27FC236}">
+                  <a16:creationId xmlns:a16="http://schemas.microsoft.com/office/drawing/2014/main" id="{8A4BEF28-B3E0-2E24-B281-B8780D58A610}"/>
+                </a:ext>
+              </a:extLst>
+            </p:cNvPr>
+            <p:cNvPicPr>
+              <a:picLocks noChangeAspect="1"/>
+            </p:cNvPicPr>
+            <p:nvPr/>
+          </p:nvPicPr>
+          <p:blipFill>
+            <a:blip r:embed="rId8"/>
+            <a:stretch>
+              <a:fillRect/>
+            </a:stretch>
+          </p:blipFill>
+          <p:spPr>
+            <a:xfrm>
+              <a:off x="4595289" y="1887020"/>
+              <a:ext cx="3901480" cy="2577255"/>
+            </a:xfrm>
+            <a:prstGeom prst="rect">
+              <a:avLst/>
+            </a:prstGeom>
+          </p:spPr>
+        </p:pic>
+        <p:sp>
+          <p:nvSpPr>
+            <p:cNvPr id="36" name="Rectangle 35">
+              <a:extLst>
+                <a:ext uri="{FF2B5EF4-FFF2-40B4-BE49-F238E27FC236}">
+                  <a16:creationId xmlns:a16="http://schemas.microsoft.com/office/drawing/2014/main" id="{865EFBD7-E484-5328-0C76-631E27C4905E}"/>
+                </a:ext>
+              </a:extLst>
+            </p:cNvPr>
+            <p:cNvSpPr/>
+            <p:nvPr/>
+          </p:nvSpPr>
+          <p:spPr>
+            <a:xfrm>
+              <a:off x="78148" y="1866920"/>
+              <a:ext cx="8600739" cy="2668210"/>
+            </a:xfrm>
+            <a:prstGeom prst="rect">
+              <a:avLst/>
+            </a:prstGeom>
+            <a:solidFill>
+              <a:schemeClr val="bg1">
+                <a:alpha val="68000"/>
+              </a:schemeClr>
+            </a:solidFill>
+            <a:ln>
+              <a:noFill/>
+            </a:ln>
+          </p:spPr>
+          <p:style>
+            <a:lnRef idx="2">
+              <a:schemeClr val="accent1">
+                <a:shade val="50000"/>
+              </a:schemeClr>
+            </a:lnRef>
+            <a:fillRef idx="1">
+              <a:schemeClr val="accent1"/>
+            </a:fillRef>
+            <a:effectRef idx="0">
+              <a:schemeClr val="accent1"/>
+            </a:effectRef>
+            <a:fontRef idx="minor">
+              <a:schemeClr val="lt1"/>
+            </a:fontRef>
+          </p:style>
+          <p:txBody>
+            <a:bodyPr rtlCol="0" anchor="ctr"/>
+            <a:lstStyle/>
+            <a:p>
+              <a:pPr algn="ctr"/>
+              <a:endParaRPr lang="en-US"/>
+            </a:p>
+          </p:txBody>
+        </p:sp>
+        <p:cxnSp>
+          <p:nvCxnSpPr>
+            <p:cNvPr id="37" name="Straight Connector 36">
+              <a:extLst>
+                <a:ext uri="{FF2B5EF4-FFF2-40B4-BE49-F238E27FC236}">
+                  <a16:creationId xmlns:a16="http://schemas.microsoft.com/office/drawing/2014/main" id="{790CA257-8335-B6DB-7C5F-9A2DD2182509}"/>
+                </a:ext>
+              </a:extLst>
+            </p:cNvPr>
+            <p:cNvCxnSpPr/>
+            <p:nvPr/>
+          </p:nvCxnSpPr>
+          <p:spPr>
+            <a:xfrm>
+              <a:off x="4623845" y="2973986"/>
+              <a:ext cx="1688546" cy="7013"/>
+            </a:xfrm>
+            <a:prstGeom prst="line">
+              <a:avLst/>
+            </a:prstGeom>
+            <a:ln w="38100" cap="rnd">
+              <a:solidFill>
+                <a:schemeClr val="tx1"/>
+              </a:solidFill>
+              <a:prstDash val="solid"/>
+              <a:headEnd type="none" w="lg" len="lg"/>
+              <a:tailEnd type="none" w="lg" len="lg"/>
+            </a:ln>
+          </p:spPr>
+          <p:style>
+            <a:lnRef idx="1">
+              <a:schemeClr val="accent1"/>
+            </a:lnRef>
+            <a:fillRef idx="0">
+              <a:schemeClr val="accent1"/>
+            </a:fillRef>
+            <a:effectRef idx="0">
+              <a:schemeClr val="accent1"/>
+            </a:effectRef>
+            <a:fontRef idx="minor">
+              <a:schemeClr val="tx1"/>
+            </a:fontRef>
+          </p:style>
+        </p:cxnSp>
+        <p:cxnSp>
+          <p:nvCxnSpPr>
+            <p:cNvPr id="38" name="Straight Connector 37">
+              <a:extLst>
+                <a:ext uri="{FF2B5EF4-FFF2-40B4-BE49-F238E27FC236}">
+                  <a16:creationId xmlns:a16="http://schemas.microsoft.com/office/drawing/2014/main" id="{11AB62E7-AEBD-913F-A442-AC2BA40FAC10}"/>
+                </a:ext>
+              </a:extLst>
+            </p:cNvPr>
+            <p:cNvCxnSpPr/>
+            <p:nvPr/>
+          </p:nvCxnSpPr>
+          <p:spPr>
+            <a:xfrm flipV="1">
+              <a:off x="6312391" y="2977553"/>
+              <a:ext cx="2184378" cy="3446"/>
+            </a:xfrm>
+            <a:prstGeom prst="line">
+              <a:avLst/>
+            </a:prstGeom>
+            <a:ln w="38100" cap="rnd">
+              <a:solidFill>
+                <a:schemeClr val="tx1"/>
+              </a:solidFill>
+              <a:prstDash val="solid"/>
+              <a:headEnd type="none" w="lg" len="lg"/>
+              <a:tailEnd type="none" w="lg" len="lg"/>
+            </a:ln>
+          </p:spPr>
+          <p:style>
+            <a:lnRef idx="1">
+              <a:schemeClr val="accent1"/>
+            </a:lnRef>
+            <a:fillRef idx="0">
+              <a:schemeClr val="accent1"/>
+            </a:fillRef>
+            <a:effectRef idx="0">
+              <a:schemeClr val="accent1"/>
+            </a:effectRef>
+            <a:fontRef idx="minor">
+              <a:schemeClr val="tx1"/>
+            </a:fontRef>
+          </p:style>
+        </p:cxnSp>
+        <p:sp>
+          <p:nvSpPr>
+            <p:cNvPr id="39" name="Arc 38">
+              <a:extLst>
+                <a:ext uri="{FF2B5EF4-FFF2-40B4-BE49-F238E27FC236}">
+                  <a16:creationId xmlns:a16="http://schemas.microsoft.com/office/drawing/2014/main" id="{F406E2FD-49D0-54AB-DFE0-A98603985909}"/>
+                </a:ext>
+              </a:extLst>
+            </p:cNvPr>
+            <p:cNvSpPr/>
+            <p:nvPr/>
+          </p:nvSpPr>
+          <p:spPr>
+            <a:xfrm rot="4222413">
+              <a:off x="5428774" y="2723493"/>
+              <a:ext cx="518050" cy="527115"/>
+            </a:xfrm>
+            <a:prstGeom prst="arc">
+              <a:avLst>
+                <a:gd name="adj1" fmla="val 17252573"/>
+                <a:gd name="adj2" fmla="val 21199434"/>
+              </a:avLst>
+            </a:prstGeom>
+            <a:ln w="25400" cap="rnd">
+              <a:solidFill>
+                <a:schemeClr val="tx1"/>
+              </a:solidFill>
+              <a:headEnd type="none"/>
+              <a:tailEnd type="none" w="med" len="lg"/>
+            </a:ln>
+          </p:spPr>
+          <p:style>
+            <a:lnRef idx="1">
+              <a:schemeClr val="accent1"/>
+            </a:lnRef>
+            <a:fillRef idx="0">
+              <a:schemeClr val="accent1"/>
+            </a:fillRef>
+            <a:effectRef idx="0">
+              <a:schemeClr val="accent1"/>
+            </a:effectRef>
+            <a:fontRef idx="minor">
+              <a:schemeClr val="tx1"/>
+            </a:fontRef>
+          </p:style>
+          <p:txBody>
+            <a:bodyPr rtlCol="0" anchor="ctr"/>
+            <a:lstStyle/>
+            <a:p>
+              <a:pPr algn="ctr"/>
+              <a:endParaRPr lang="en-US"/>
+            </a:p>
+          </p:txBody>
+        </p:sp>
+        <mc:AlternateContent xmlns:mc="http://schemas.openxmlformats.org/markup-compatibility/2006" xmlns:a14="http://schemas.microsoft.com/office/drawing/2010/main">
+          <mc:Choice Requires="a14">
+            <p:sp>
+              <p:nvSpPr>
+                <p:cNvPr id="40" name="TextBox 39">
+                  <a:extLst>
+                    <a:ext uri="{FF2B5EF4-FFF2-40B4-BE49-F238E27FC236}">
+                      <a16:creationId xmlns:a16="http://schemas.microsoft.com/office/drawing/2014/main" id="{34B9EA9C-3415-0AE5-9B44-C8B2F80FA9DA}"/>
+                    </a:ext>
+                  </a:extLst>
+                </p:cNvPr>
+                <p:cNvSpPr txBox="1"/>
+                <p:nvPr/>
+              </p:nvSpPr>
+              <p:spPr>
+                <a:xfrm>
+                  <a:off x="5810611" y="2980999"/>
+                  <a:ext cx="576868" cy="523220"/>
+                </a:xfrm>
+                <a:prstGeom prst="rect">
+                  <a:avLst/>
+                </a:prstGeom>
+                <a:noFill/>
+              </p:spPr>
+              <p:txBody>
+                <a:bodyPr wrap="square" rtlCol="0">
+                  <a:spAutoFit/>
+                </a:bodyPr>
+                <a:lstStyle/>
+                <a:p>
+                  <a:pPr/>
+                  <a14:m>
+                    <m:oMathPara xmlns:m="http://schemas.openxmlformats.org/officeDocument/2006/math">
+                      <m:oMathParaPr>
+                        <m:jc m:val="centerGroup"/>
+                      </m:oMathParaPr>
+                      <m:oMath xmlns:m="http://schemas.openxmlformats.org/officeDocument/2006/math">
+                        <m:sSub>
+                          <m:sSubPr>
+                            <m:ctrlPr>
+                              <a:rPr lang="en-US" sz="2800" i="1" smtClean="0">
+                                <a:latin typeface="Cambria Math" panose="02040503050406030204" pitchFamily="18" charset="0"/>
+                                <a:ea typeface="Cambria Math" panose="02040503050406030204" pitchFamily="18" charset="0"/>
+                              </a:rPr>
+                            </m:ctrlPr>
+                          </m:sSubPr>
+                          <m:e>
+                            <m:r>
+                              <a:rPr lang="en-US" sz="2800" i="1">
+                                <a:latin typeface="Cambria Math" panose="02040503050406030204" pitchFamily="18" charset="0"/>
+                                <a:ea typeface="Cambria Math" panose="02040503050406030204" pitchFamily="18" charset="0"/>
+                              </a:rPr>
+                              <m:t>𝜃</m:t>
+                            </m:r>
+                          </m:e>
+                          <m:sub>
+                            <m:r>
+                              <a:rPr lang="en-US" sz="2800" b="0" i="1" smtClean="0">
+                                <a:latin typeface="Cambria Math" panose="02040503050406030204" pitchFamily="18" charset="0"/>
+                                <a:ea typeface="Cambria Math" panose="02040503050406030204" pitchFamily="18" charset="0"/>
+                              </a:rPr>
+                              <m:t>0</m:t>
+                            </m:r>
+                          </m:sub>
+                        </m:sSub>
+                      </m:oMath>
+                    </m:oMathPara>
+                  </a14:m>
+                  <a:endParaRPr lang="en-US" sz="2800" dirty="0"/>
+                </a:p>
+              </p:txBody>
+            </p:sp>
+          </mc:Choice>
+          <mc:Fallback xmlns="">
+            <p:sp>
+              <p:nvSpPr>
+                <p:cNvPr id="40" name="TextBox 39">
+                  <a:extLst>
+                    <a:ext uri="{FF2B5EF4-FFF2-40B4-BE49-F238E27FC236}">
+                      <a16:creationId xmlns:a16="http://schemas.microsoft.com/office/drawing/2014/main" id="{34B9EA9C-3415-0AE5-9B44-C8B2F80FA9DA}"/>
+                    </a:ext>
+                  </a:extLst>
+                </p:cNvPr>
+                <p:cNvSpPr txBox="1">
+                  <a:spLocks noRot="1" noChangeAspect="1" noMove="1" noResize="1" noEditPoints="1" noAdjustHandles="1" noChangeArrowheads="1" noChangeShapeType="1" noTextEdit="1"/>
+                </p:cNvSpPr>
+                <p:nvPr/>
+              </p:nvSpPr>
+              <p:spPr>
+                <a:xfrm>
+                  <a:off x="5810611" y="2980999"/>
+                  <a:ext cx="576868" cy="523220"/>
+                </a:xfrm>
+                <a:prstGeom prst="rect">
+                  <a:avLst/>
+                </a:prstGeom>
+                <a:blipFill>
+                  <a:blip r:embed="rId9"/>
+                  <a:stretch>
+                    <a:fillRect/>
+                  </a:stretch>
+                </a:blipFill>
+              </p:spPr>
+              <p:txBody>
+                <a:bodyPr/>
+                <a:lstStyle/>
+                <a:p>
+                  <a:r>
+                    <a:rPr lang="en-US">
+                      <a:noFill/>
+                    </a:rPr>
+                    <a:t> </a:t>
+                  </a:r>
+                </a:p>
+              </p:txBody>
+            </p:sp>
+          </mc:Fallback>
+        </mc:AlternateContent>
+        <mc:AlternateContent xmlns:mc="http://schemas.openxmlformats.org/markup-compatibility/2006" xmlns:a14="http://schemas.microsoft.com/office/drawing/2010/main">
+          <mc:Choice Requires="a14">
+            <p:sp>
+              <p:nvSpPr>
+                <p:cNvPr id="41" name="TextBox 40">
+                  <a:extLst>
+                    <a:ext uri="{FF2B5EF4-FFF2-40B4-BE49-F238E27FC236}">
+                      <a16:creationId xmlns:a16="http://schemas.microsoft.com/office/drawing/2014/main" id="{B6EFAA06-960A-802A-25AD-1524E7238CA2}"/>
+                    </a:ext>
+                  </a:extLst>
+                </p:cNvPr>
+                <p:cNvSpPr txBox="1"/>
+                <p:nvPr/>
+              </p:nvSpPr>
+              <p:spPr>
+                <a:xfrm>
+                  <a:off x="7806085" y="2930203"/>
+                  <a:ext cx="576868" cy="523220"/>
+                </a:xfrm>
+                <a:prstGeom prst="rect">
+                  <a:avLst/>
+                </a:prstGeom>
+                <a:noFill/>
+              </p:spPr>
+              <p:txBody>
+                <a:bodyPr wrap="square" rtlCol="0">
+                  <a:spAutoFit/>
+                </a:bodyPr>
+                <a:lstStyle/>
+                <a:p>
+                  <a:pPr/>
+                  <a14:m>
+                    <m:oMathPara xmlns:m="http://schemas.openxmlformats.org/officeDocument/2006/math">
+                      <m:oMathParaPr>
+                        <m:jc m:val="centerGroup"/>
+                      </m:oMathParaPr>
+                      <m:oMath xmlns:m="http://schemas.openxmlformats.org/officeDocument/2006/math">
+                        <m:sSub>
+                          <m:sSubPr>
+                            <m:ctrlPr>
+                              <a:rPr lang="en-US" sz="2800" i="1" smtClean="0">
+                                <a:latin typeface="Cambria Math" panose="02040503050406030204" pitchFamily="18" charset="0"/>
+                                <a:ea typeface="Cambria Math" panose="02040503050406030204" pitchFamily="18" charset="0"/>
+                              </a:rPr>
+                            </m:ctrlPr>
+                          </m:sSubPr>
+                          <m:e>
+                            <m:r>
+                              <a:rPr lang="en-US" sz="2800" i="1">
+                                <a:latin typeface="Cambria Math" panose="02040503050406030204" pitchFamily="18" charset="0"/>
+                                <a:ea typeface="Cambria Math" panose="02040503050406030204" pitchFamily="18" charset="0"/>
+                              </a:rPr>
+                              <m:t>𝜃</m:t>
+                            </m:r>
+                          </m:e>
+                          <m:sub>
+                            <m:r>
+                              <a:rPr lang="en-US" sz="2800" b="0" i="1" smtClean="0">
+                                <a:latin typeface="Cambria Math" panose="02040503050406030204" pitchFamily="18" charset="0"/>
+                                <a:ea typeface="Cambria Math" panose="02040503050406030204" pitchFamily="18" charset="0"/>
+                              </a:rPr>
+                              <m:t>1</m:t>
+                            </m:r>
+                          </m:sub>
+                        </m:sSub>
+                      </m:oMath>
+                    </m:oMathPara>
+                  </a14:m>
+                  <a:endParaRPr lang="en-US" sz="2800" dirty="0"/>
+                </a:p>
+              </p:txBody>
+            </p:sp>
+          </mc:Choice>
+          <mc:Fallback xmlns="">
+            <p:sp>
+              <p:nvSpPr>
+                <p:cNvPr id="41" name="TextBox 40">
+                  <a:extLst>
+                    <a:ext uri="{FF2B5EF4-FFF2-40B4-BE49-F238E27FC236}">
+                      <a16:creationId xmlns:a16="http://schemas.microsoft.com/office/drawing/2014/main" id="{B6EFAA06-960A-802A-25AD-1524E7238CA2}"/>
+                    </a:ext>
+                  </a:extLst>
+                </p:cNvPr>
+                <p:cNvSpPr txBox="1">
+                  <a:spLocks noRot="1" noChangeAspect="1" noMove="1" noResize="1" noEditPoints="1" noAdjustHandles="1" noChangeArrowheads="1" noChangeShapeType="1" noTextEdit="1"/>
+                </p:cNvSpPr>
+                <p:nvPr/>
+              </p:nvSpPr>
+              <p:spPr>
+                <a:xfrm>
+                  <a:off x="7806085" y="2930203"/>
+                  <a:ext cx="576868" cy="523220"/>
+                </a:xfrm>
+                <a:prstGeom prst="rect">
+                  <a:avLst/>
+                </a:prstGeom>
+                <a:blipFill>
+                  <a:blip r:embed="rId10"/>
+                  <a:stretch>
+                    <a:fillRect/>
+                  </a:stretch>
+                </a:blipFill>
+              </p:spPr>
+              <p:txBody>
+                <a:bodyPr/>
+                <a:lstStyle/>
+                <a:p>
+                  <a:r>
+                    <a:rPr lang="en-US">
+                      <a:noFill/>
+                    </a:rPr>
+                    <a:t> </a:t>
+                  </a:r>
+                </a:p>
+              </p:txBody>
+            </p:sp>
+          </mc:Fallback>
+        </mc:AlternateContent>
+        <p:sp>
+          <p:nvSpPr>
+            <p:cNvPr id="42" name="Arc 41">
+              <a:extLst>
+                <a:ext uri="{FF2B5EF4-FFF2-40B4-BE49-F238E27FC236}">
+                  <a16:creationId xmlns:a16="http://schemas.microsoft.com/office/drawing/2014/main" id="{F37A1606-EF66-1A5F-FC69-4AA29DE0E624}"/>
+                </a:ext>
+              </a:extLst>
+            </p:cNvPr>
+            <p:cNvSpPr/>
+            <p:nvPr/>
+          </p:nvSpPr>
+          <p:spPr>
+            <a:xfrm>
+              <a:off x="7392047" y="2723492"/>
+              <a:ext cx="518050" cy="527115"/>
+            </a:xfrm>
+            <a:prstGeom prst="arc">
+              <a:avLst>
+                <a:gd name="adj1" fmla="val 11106382"/>
+                <a:gd name="adj2" fmla="val 9254704"/>
+              </a:avLst>
+            </a:prstGeom>
+            <a:ln w="25400" cap="rnd">
+              <a:solidFill>
+                <a:schemeClr val="tx1"/>
+              </a:solidFill>
+              <a:headEnd type="none"/>
+              <a:tailEnd type="none" w="med" len="lg"/>
+            </a:ln>
+          </p:spPr>
+          <p:style>
+            <a:lnRef idx="1">
+              <a:schemeClr val="accent1"/>
+            </a:lnRef>
+            <a:fillRef idx="0">
+              <a:schemeClr val="accent1"/>
+            </a:fillRef>
+            <a:effectRef idx="0">
+              <a:schemeClr val="accent1"/>
+            </a:effectRef>
+            <a:fontRef idx="minor">
+              <a:schemeClr val="tx1"/>
+            </a:fontRef>
+          </p:style>
+          <p:txBody>
+            <a:bodyPr rtlCol="0" anchor="ctr"/>
+            <a:lstStyle/>
+            <a:p>
+              <a:pPr algn="ctr"/>
+              <a:endParaRPr lang="en-US"/>
+            </a:p>
+          </p:txBody>
+        </p:sp>
+        <p:cxnSp>
+          <p:nvCxnSpPr>
+            <p:cNvPr id="43" name="Straight Connector 42">
+              <a:extLst>
+                <a:ext uri="{FF2B5EF4-FFF2-40B4-BE49-F238E27FC236}">
+                  <a16:creationId xmlns:a16="http://schemas.microsoft.com/office/drawing/2014/main" id="{93AC01C7-50E4-7F30-CC9B-4C3C9CDCDA4C}"/>
+                </a:ext>
+              </a:extLst>
+            </p:cNvPr>
+            <p:cNvCxnSpPr/>
+            <p:nvPr/>
+          </p:nvCxnSpPr>
+          <p:spPr>
+            <a:xfrm flipV="1">
+              <a:off x="1207548" y="3125097"/>
+              <a:ext cx="545948" cy="2"/>
+            </a:xfrm>
+            <a:prstGeom prst="line">
+              <a:avLst/>
+            </a:prstGeom>
+            <a:ln w="38100" cap="rnd">
+              <a:solidFill>
+                <a:schemeClr val="tx1"/>
+              </a:solidFill>
+              <a:prstDash val="solid"/>
+              <a:headEnd type="none" w="lg" len="lg"/>
+              <a:tailEnd type="none" w="lg" len="lg"/>
+            </a:ln>
+          </p:spPr>
+          <p:style>
+            <a:lnRef idx="1">
+              <a:schemeClr val="accent1"/>
+            </a:lnRef>
+            <a:fillRef idx="0">
+              <a:schemeClr val="accent1"/>
+            </a:fillRef>
+            <a:effectRef idx="0">
+              <a:schemeClr val="accent1"/>
+            </a:effectRef>
+            <a:fontRef idx="minor">
+              <a:schemeClr val="tx1"/>
+            </a:fontRef>
+          </p:style>
+        </p:cxnSp>
+        <p:cxnSp>
+          <p:nvCxnSpPr>
+            <p:cNvPr id="44" name="Straight Connector 43">
+              <a:extLst>
+                <a:ext uri="{FF2B5EF4-FFF2-40B4-BE49-F238E27FC236}">
+                  <a16:creationId xmlns:a16="http://schemas.microsoft.com/office/drawing/2014/main" id="{EDC0E036-C393-B29D-3C08-5D8D6A8A241E}"/>
+                </a:ext>
+              </a:extLst>
+            </p:cNvPr>
+            <p:cNvCxnSpPr/>
+            <p:nvPr/>
+          </p:nvCxnSpPr>
+          <p:spPr>
+            <a:xfrm>
+              <a:off x="1758875" y="3125097"/>
+              <a:ext cx="1411944" cy="0"/>
+            </a:xfrm>
+            <a:prstGeom prst="line">
+              <a:avLst/>
+            </a:prstGeom>
+            <a:ln w="38100" cap="rnd">
+              <a:solidFill>
+                <a:schemeClr val="tx1"/>
+              </a:solidFill>
+              <a:prstDash val="solid"/>
+              <a:headEnd type="none" w="lg" len="lg"/>
+              <a:tailEnd type="none" w="lg" len="lg"/>
+            </a:ln>
+          </p:spPr>
+          <p:style>
+            <a:lnRef idx="1">
+              <a:schemeClr val="accent1"/>
+            </a:lnRef>
+            <a:fillRef idx="0">
+              <a:schemeClr val="accent1"/>
+            </a:fillRef>
+            <a:effectRef idx="0">
+              <a:schemeClr val="accent1"/>
+            </a:effectRef>
+            <a:fontRef idx="minor">
+              <a:schemeClr val="tx1"/>
+            </a:fontRef>
+          </p:style>
+        </p:cxnSp>
+        <p:sp>
+          <p:nvSpPr>
+            <p:cNvPr id="45" name="Left Brace 44">
+              <a:extLst>
+                <a:ext uri="{FF2B5EF4-FFF2-40B4-BE49-F238E27FC236}">
+                  <a16:creationId xmlns:a16="http://schemas.microsoft.com/office/drawing/2014/main" id="{1837EDC2-6DE3-7F75-91A9-0C194DF8D3C5}"/>
+                </a:ext>
+              </a:extLst>
+            </p:cNvPr>
+            <p:cNvSpPr/>
+            <p:nvPr/>
+          </p:nvSpPr>
+          <p:spPr>
+            <a:xfrm rot="16200000" flipH="1">
+              <a:off x="2400890" y="2182036"/>
+              <a:ext cx="152252" cy="1387607"/>
+            </a:xfrm>
+            <a:prstGeom prst="leftBrace">
+              <a:avLst>
+                <a:gd name="adj1" fmla="val 65857"/>
+                <a:gd name="adj2" fmla="val 50000"/>
+              </a:avLst>
+            </a:prstGeom>
+            <a:ln w="25400">
+              <a:solidFill>
+                <a:schemeClr val="tx2"/>
+              </a:solidFill>
+            </a:ln>
+          </p:spPr>
+          <p:style>
+            <a:lnRef idx="1">
+              <a:schemeClr val="accent1"/>
+            </a:lnRef>
+            <a:fillRef idx="0">
+              <a:schemeClr val="accent1"/>
+            </a:fillRef>
+            <a:effectRef idx="0">
+              <a:schemeClr val="accent1"/>
+            </a:effectRef>
+            <a:fontRef idx="minor">
+              <a:schemeClr val="tx1"/>
+            </a:fontRef>
+          </p:style>
+          <p:txBody>
+            <a:bodyPr rtlCol="0" anchor="ctr"/>
+            <a:lstStyle/>
+            <a:p>
+              <a:pPr algn="ctr"/>
+              <a:endParaRPr lang="en-US"/>
+            </a:p>
+          </p:txBody>
+        </p:sp>
+        <p:sp>
+          <p:nvSpPr>
+            <p:cNvPr id="46" name="Left Brace 45">
+              <a:extLst>
+                <a:ext uri="{FF2B5EF4-FFF2-40B4-BE49-F238E27FC236}">
+                  <a16:creationId xmlns:a16="http://schemas.microsoft.com/office/drawing/2014/main" id="{1BE0D47B-E835-01D8-3697-D93C14892754}"/>
+                </a:ext>
+              </a:extLst>
+            </p:cNvPr>
+            <p:cNvSpPr/>
+            <p:nvPr/>
+          </p:nvSpPr>
+          <p:spPr>
+            <a:xfrm rot="5400000">
+              <a:off x="1398748" y="2613782"/>
+              <a:ext cx="152250" cy="524117"/>
+            </a:xfrm>
+            <a:prstGeom prst="leftBrace">
+              <a:avLst>
+                <a:gd name="adj1" fmla="val 65857"/>
+                <a:gd name="adj2" fmla="val 50000"/>
+              </a:avLst>
+            </a:prstGeom>
+            <a:ln w="25400">
+              <a:solidFill>
+                <a:schemeClr val="tx2"/>
+              </a:solidFill>
+            </a:ln>
+          </p:spPr>
+          <p:style>
+            <a:lnRef idx="1">
+              <a:schemeClr val="accent1"/>
+            </a:lnRef>
+            <a:fillRef idx="0">
+              <a:schemeClr val="accent1"/>
+            </a:fillRef>
+            <a:effectRef idx="0">
+              <a:schemeClr val="accent1"/>
+            </a:effectRef>
+            <a:fontRef idx="minor">
+              <a:schemeClr val="tx1"/>
+            </a:fontRef>
+          </p:style>
+          <p:txBody>
+            <a:bodyPr rtlCol="0" anchor="ctr"/>
+            <a:lstStyle/>
+            <a:p>
+              <a:pPr algn="ctr"/>
+              <a:endParaRPr lang="en-US"/>
+            </a:p>
+          </p:txBody>
+        </p:sp>
+        <mc:AlternateContent xmlns:mc="http://schemas.openxmlformats.org/markup-compatibility/2006" xmlns:a14="http://schemas.microsoft.com/office/drawing/2010/main">
+          <mc:Choice Requires="a14">
+            <p:sp>
+              <p:nvSpPr>
+                <p:cNvPr id="47" name="TextBox 46">
+                  <a:extLst>
+                    <a:ext uri="{FF2B5EF4-FFF2-40B4-BE49-F238E27FC236}">
+                      <a16:creationId xmlns:a16="http://schemas.microsoft.com/office/drawing/2014/main" id="{FD4ED50E-DF6C-65EE-77C1-4EE685DC96E9}"/>
+                    </a:ext>
+                  </a:extLst>
+                </p:cNvPr>
+                <p:cNvSpPr txBox="1"/>
+                <p:nvPr/>
+              </p:nvSpPr>
+              <p:spPr>
+                <a:xfrm>
+                  <a:off x="2230683" y="2350584"/>
+                  <a:ext cx="484094" cy="523220"/>
+                </a:xfrm>
+                <a:prstGeom prst="rect">
+                  <a:avLst/>
+                </a:prstGeom>
+                <a:noFill/>
+              </p:spPr>
+              <p:txBody>
+                <a:bodyPr wrap="square" rtlCol="0">
+                  <a:spAutoFit/>
+                </a:bodyPr>
+                <a:lstStyle/>
+                <a:p>
+                  <a:pPr/>
+                  <a14:m>
+                    <m:oMathPara xmlns:m="http://schemas.openxmlformats.org/officeDocument/2006/math">
+                      <m:oMathParaPr>
+                        <m:jc m:val="centerGroup"/>
+                      </m:oMathParaPr>
+                      <m:oMath xmlns:m="http://schemas.openxmlformats.org/officeDocument/2006/math">
+                        <m:r>
+                          <a:rPr lang="en-US" sz="2800" b="0" i="1" smtClean="0">
+                            <a:latin typeface="Cambria Math" panose="02040503050406030204" pitchFamily="18" charset="0"/>
+                          </a:rPr>
+                          <m:t>𝑎</m:t>
+                        </m:r>
+                      </m:oMath>
+                    </m:oMathPara>
+                  </a14:m>
+                  <a:endParaRPr lang="en-US" dirty="0"/>
+                </a:p>
+              </p:txBody>
+            </p:sp>
+          </mc:Choice>
+          <mc:Fallback xmlns="">
+            <p:sp>
+              <p:nvSpPr>
+                <p:cNvPr id="47" name="TextBox 46">
+                  <a:extLst>
+                    <a:ext uri="{FF2B5EF4-FFF2-40B4-BE49-F238E27FC236}">
+                      <a16:creationId xmlns:a16="http://schemas.microsoft.com/office/drawing/2014/main" id="{FD4ED50E-DF6C-65EE-77C1-4EE685DC96E9}"/>
+                    </a:ext>
+                  </a:extLst>
+                </p:cNvPr>
+                <p:cNvSpPr txBox="1">
+                  <a:spLocks noRot="1" noChangeAspect="1" noMove="1" noResize="1" noEditPoints="1" noAdjustHandles="1" noChangeArrowheads="1" noChangeShapeType="1" noTextEdit="1"/>
+                </p:cNvSpPr>
+                <p:nvPr/>
+              </p:nvSpPr>
+              <p:spPr>
+                <a:xfrm>
+                  <a:off x="2230683" y="2350584"/>
+                  <a:ext cx="484094" cy="523220"/>
+                </a:xfrm>
+                <a:prstGeom prst="rect">
+                  <a:avLst/>
+                </a:prstGeom>
+                <a:blipFill>
+                  <a:blip r:embed="rId11"/>
+                  <a:stretch>
+                    <a:fillRect/>
+                  </a:stretch>
+                </a:blipFill>
+              </p:spPr>
+              <p:txBody>
+                <a:bodyPr/>
+                <a:lstStyle/>
+                <a:p>
+                  <a:r>
+                    <a:rPr lang="en-US">
+                      <a:noFill/>
+                    </a:rPr>
+                    <a:t> </a:t>
+                  </a:r>
+                </a:p>
+              </p:txBody>
+            </p:sp>
+          </mc:Fallback>
+        </mc:AlternateContent>
+        <mc:AlternateContent xmlns:mc="http://schemas.openxmlformats.org/markup-compatibility/2006" xmlns:a14="http://schemas.microsoft.com/office/drawing/2010/main">
+          <mc:Choice Requires="a14">
+            <p:sp>
+              <p:nvSpPr>
+                <p:cNvPr id="48" name="TextBox 47">
+                  <a:extLst>
+                    <a:ext uri="{FF2B5EF4-FFF2-40B4-BE49-F238E27FC236}">
+                      <a16:creationId xmlns:a16="http://schemas.microsoft.com/office/drawing/2014/main" id="{218A4F06-5A43-9384-9C4F-EF82EE7CB435}"/>
+                    </a:ext>
+                  </a:extLst>
+                </p:cNvPr>
+                <p:cNvSpPr txBox="1"/>
+                <p:nvPr/>
+              </p:nvSpPr>
+              <p:spPr>
+                <a:xfrm>
+                  <a:off x="1252838" y="2344342"/>
+                  <a:ext cx="484094" cy="523220"/>
+                </a:xfrm>
+                <a:prstGeom prst="rect">
+                  <a:avLst/>
+                </a:prstGeom>
+                <a:noFill/>
+              </p:spPr>
+              <p:txBody>
+                <a:bodyPr wrap="square" rtlCol="0">
+                  <a:spAutoFit/>
+                </a:bodyPr>
+                <a:lstStyle/>
+                <a:p>
+                  <a:pPr/>
+                  <a14:m>
+                    <m:oMathPara xmlns:m="http://schemas.openxmlformats.org/officeDocument/2006/math">
+                      <m:oMathParaPr>
+                        <m:jc m:val="centerGroup"/>
+                      </m:oMathParaPr>
+                      <m:oMath xmlns:m="http://schemas.openxmlformats.org/officeDocument/2006/math">
+                        <m:r>
+                          <a:rPr lang="en-US" sz="2800" b="0" i="1" smtClean="0">
+                            <a:latin typeface="Cambria Math" panose="02040503050406030204" pitchFamily="18" charset="0"/>
+                          </a:rPr>
+                          <m:t>𝑏</m:t>
+                        </m:r>
+                      </m:oMath>
+                    </m:oMathPara>
+                  </a14:m>
+                  <a:endParaRPr lang="en-US" dirty="0"/>
+                </a:p>
+              </p:txBody>
+            </p:sp>
+          </mc:Choice>
+          <mc:Fallback xmlns="">
+            <p:sp>
+              <p:nvSpPr>
+                <p:cNvPr id="48" name="TextBox 47">
+                  <a:extLst>
+                    <a:ext uri="{FF2B5EF4-FFF2-40B4-BE49-F238E27FC236}">
+                      <a16:creationId xmlns:a16="http://schemas.microsoft.com/office/drawing/2014/main" id="{218A4F06-5A43-9384-9C4F-EF82EE7CB435}"/>
+                    </a:ext>
+                  </a:extLst>
+                </p:cNvPr>
+                <p:cNvSpPr txBox="1">
+                  <a:spLocks noRot="1" noChangeAspect="1" noMove="1" noResize="1" noEditPoints="1" noAdjustHandles="1" noChangeArrowheads="1" noChangeShapeType="1" noTextEdit="1"/>
+                </p:cNvSpPr>
+                <p:nvPr/>
+              </p:nvSpPr>
+              <p:spPr>
+                <a:xfrm>
+                  <a:off x="1252838" y="2344342"/>
+                  <a:ext cx="484094" cy="523220"/>
+                </a:xfrm>
+                <a:prstGeom prst="rect">
+                  <a:avLst/>
+                </a:prstGeom>
+                <a:blipFill>
+                  <a:blip r:embed="rId12"/>
+                  <a:stretch>
+                    <a:fillRect/>
+                  </a:stretch>
+                </a:blipFill>
+              </p:spPr>
+              <p:txBody>
+                <a:bodyPr/>
+                <a:lstStyle/>
+                <a:p>
+                  <a:r>
+                    <a:rPr lang="en-US">
+                      <a:noFill/>
+                    </a:rPr>
+                    <a:t> </a:t>
+                  </a:r>
+                </a:p>
+              </p:txBody>
+            </p:sp>
+          </mc:Fallback>
+        </mc:AlternateContent>
+        <p:sp>
+          <p:nvSpPr>
+            <p:cNvPr id="49" name="Left Brace 48">
+              <a:extLst>
+                <a:ext uri="{FF2B5EF4-FFF2-40B4-BE49-F238E27FC236}">
+                  <a16:creationId xmlns:a16="http://schemas.microsoft.com/office/drawing/2014/main" id="{B8D2F619-F42A-0DB6-7DA7-7803B71AE2E7}"/>
+                </a:ext>
+              </a:extLst>
+            </p:cNvPr>
+            <p:cNvSpPr/>
+            <p:nvPr/>
+          </p:nvSpPr>
+          <p:spPr>
+            <a:xfrm rot="16200000">
+              <a:off x="6588526" y="2888016"/>
+              <a:ext cx="161824" cy="1963274"/>
+            </a:xfrm>
+            <a:prstGeom prst="leftBrace">
+              <a:avLst>
+                <a:gd name="adj1" fmla="val 65857"/>
+                <a:gd name="adj2" fmla="val 50000"/>
+              </a:avLst>
+            </a:prstGeom>
+            <a:ln w="25400">
+              <a:solidFill>
+                <a:schemeClr val="tx2"/>
+              </a:solidFill>
+            </a:ln>
+          </p:spPr>
+          <p:style>
+            <a:lnRef idx="1">
+              <a:schemeClr val="accent1"/>
+            </a:lnRef>
+            <a:fillRef idx="0">
+              <a:schemeClr val="accent1"/>
+            </a:fillRef>
+            <a:effectRef idx="0">
+              <a:schemeClr val="accent1"/>
+            </a:effectRef>
+            <a:fontRef idx="minor">
+              <a:schemeClr val="tx1"/>
+            </a:fontRef>
+          </p:style>
+          <p:txBody>
+            <a:bodyPr rtlCol="0" anchor="ctr"/>
+            <a:lstStyle/>
+            <a:p>
+              <a:pPr algn="ctr"/>
+              <a:endParaRPr lang="en-US"/>
+            </a:p>
+          </p:txBody>
+        </p:sp>
+        <mc:AlternateContent xmlns:mc="http://schemas.openxmlformats.org/markup-compatibility/2006" xmlns:a14="http://schemas.microsoft.com/office/drawing/2010/main">
+          <mc:Choice Requires="a14">
+            <p:sp>
+              <p:nvSpPr>
+                <p:cNvPr id="50" name="TextBox 49">
+                  <a:extLst>
+                    <a:ext uri="{FF2B5EF4-FFF2-40B4-BE49-F238E27FC236}">
+                      <a16:creationId xmlns:a16="http://schemas.microsoft.com/office/drawing/2014/main" id="{26CAD390-4F40-FCF4-0CB4-011D7E842C3C}"/>
+                    </a:ext>
+                  </a:extLst>
+                </p:cNvPr>
+                <p:cNvSpPr txBox="1"/>
+                <p:nvPr/>
+              </p:nvSpPr>
+              <p:spPr>
+                <a:xfrm>
+                  <a:off x="6002819" y="3865684"/>
+                  <a:ext cx="1321034" cy="523220"/>
+                </a:xfrm>
+                <a:prstGeom prst="rect">
+                  <a:avLst/>
+                </a:prstGeom>
+                <a:noFill/>
+              </p:spPr>
+              <p:txBody>
+                <a:bodyPr wrap="square" rtlCol="0">
+                  <a:spAutoFit/>
+                </a:bodyPr>
+                <a:lstStyle/>
+                <a:p>
+                  <a:pPr/>
+                  <a14:m>
+                    <m:oMathPara xmlns:m="http://schemas.openxmlformats.org/officeDocument/2006/math">
+                      <m:oMathParaPr>
+                        <m:jc m:val="centerGroup"/>
+                      </m:oMathParaPr>
+                      <m:oMath xmlns:m="http://schemas.openxmlformats.org/officeDocument/2006/math">
+                        <m:r>
+                          <a:rPr lang="en-US" sz="2800" b="0" i="1" smtClean="0">
+                            <a:latin typeface="Cambria Math" panose="02040503050406030204" pitchFamily="18" charset="0"/>
+                          </a:rPr>
+                          <m:t>𝑎</m:t>
+                        </m:r>
+                        <m:r>
+                          <a:rPr lang="en-US" sz="2800" b="0" i="1" smtClean="0">
+                            <a:latin typeface="Cambria Math" panose="02040503050406030204" pitchFamily="18" charset="0"/>
+                          </a:rPr>
+                          <m:t>+</m:t>
+                        </m:r>
+                        <m:r>
+                          <a:rPr lang="en-US" sz="2800" b="0" i="1" smtClean="0">
+                            <a:latin typeface="Cambria Math" panose="02040503050406030204" pitchFamily="18" charset="0"/>
+                          </a:rPr>
+                          <m:t>𝑏</m:t>
+                        </m:r>
+                      </m:oMath>
+                    </m:oMathPara>
+                  </a14:m>
+                  <a:endParaRPr lang="en-US" sz="2800" dirty="0"/>
+                </a:p>
+              </p:txBody>
+            </p:sp>
+          </mc:Choice>
+          <mc:Fallback xmlns="">
+            <p:sp>
+              <p:nvSpPr>
+                <p:cNvPr id="50" name="TextBox 49">
+                  <a:extLst>
+                    <a:ext uri="{FF2B5EF4-FFF2-40B4-BE49-F238E27FC236}">
+                      <a16:creationId xmlns:a16="http://schemas.microsoft.com/office/drawing/2014/main" id="{26CAD390-4F40-FCF4-0CB4-011D7E842C3C}"/>
+                    </a:ext>
+                  </a:extLst>
+                </p:cNvPr>
+                <p:cNvSpPr txBox="1">
+                  <a:spLocks noRot="1" noChangeAspect="1" noMove="1" noResize="1" noEditPoints="1" noAdjustHandles="1" noChangeArrowheads="1" noChangeShapeType="1" noTextEdit="1"/>
+                </p:cNvSpPr>
+                <p:nvPr/>
+              </p:nvSpPr>
+              <p:spPr>
+                <a:xfrm>
+                  <a:off x="6002819" y="3865684"/>
+                  <a:ext cx="1321034" cy="523220"/>
+                </a:xfrm>
+                <a:prstGeom prst="rect">
+                  <a:avLst/>
+                </a:prstGeom>
+                <a:blipFill>
+                  <a:blip r:embed="rId13"/>
+                  <a:stretch>
+                    <a:fillRect/>
+                  </a:stretch>
+                </a:blipFill>
+              </p:spPr>
+              <p:txBody>
+                <a:bodyPr/>
+                <a:lstStyle/>
+                <a:p>
+                  <a:r>
+                    <a:rPr lang="en-US">
+                      <a:noFill/>
+                    </a:rPr>
+                    <a:t> </a:t>
+                  </a:r>
+                </a:p>
+              </p:txBody>
+            </p:sp>
+          </mc:Fallback>
+        </mc:AlternateContent>
+        <p:sp>
+          <p:nvSpPr>
+            <p:cNvPr id="51" name="Left Brace 50">
+              <a:extLst>
+                <a:ext uri="{FF2B5EF4-FFF2-40B4-BE49-F238E27FC236}">
+                  <a16:creationId xmlns:a16="http://schemas.microsoft.com/office/drawing/2014/main" id="{B8EF5D1C-34A0-DC7B-4403-828F72F21A30}"/>
+                </a:ext>
+              </a:extLst>
+            </p:cNvPr>
+            <p:cNvSpPr/>
+            <p:nvPr/>
+          </p:nvSpPr>
+          <p:spPr>
+            <a:xfrm rot="5400000">
+              <a:off x="5921554" y="2250778"/>
+              <a:ext cx="162531" cy="619141"/>
+            </a:xfrm>
+            <a:prstGeom prst="leftBrace">
+              <a:avLst>
+                <a:gd name="adj1" fmla="val 65857"/>
+                <a:gd name="adj2" fmla="val 50000"/>
+              </a:avLst>
+            </a:prstGeom>
+            <a:ln w="25400">
+              <a:solidFill>
+                <a:schemeClr val="tx2"/>
+              </a:solidFill>
+            </a:ln>
+          </p:spPr>
+          <p:style>
+            <a:lnRef idx="1">
+              <a:schemeClr val="accent1"/>
+            </a:lnRef>
+            <a:fillRef idx="0">
+              <a:schemeClr val="accent1"/>
+            </a:fillRef>
+            <a:effectRef idx="0">
+              <a:schemeClr val="accent1"/>
+            </a:effectRef>
+            <a:fontRef idx="minor">
+              <a:schemeClr val="tx1"/>
+            </a:fontRef>
+          </p:style>
+          <p:txBody>
+            <a:bodyPr rtlCol="0" anchor="ctr"/>
+            <a:lstStyle/>
+            <a:p>
+              <a:pPr algn="ctr"/>
+              <a:endParaRPr lang="en-US"/>
+            </a:p>
+          </p:txBody>
+        </p:sp>
+        <mc:AlternateContent xmlns:mc="http://schemas.openxmlformats.org/markup-compatibility/2006" xmlns:a14="http://schemas.microsoft.com/office/drawing/2010/main">
+          <mc:Choice Requires="a14">
+            <p:sp>
+              <p:nvSpPr>
+                <p:cNvPr id="52" name="TextBox 51">
+                  <a:extLst>
+                    <a:ext uri="{FF2B5EF4-FFF2-40B4-BE49-F238E27FC236}">
+                      <a16:creationId xmlns:a16="http://schemas.microsoft.com/office/drawing/2014/main" id="{B74501AC-23EC-5CB3-BB36-87E9A0A67006}"/>
+                    </a:ext>
+                  </a:extLst>
+                </p:cNvPr>
+                <p:cNvSpPr txBox="1"/>
+                <p:nvPr/>
+              </p:nvSpPr>
+              <p:spPr>
+                <a:xfrm>
+                  <a:off x="5616798" y="1930480"/>
+                  <a:ext cx="812499" cy="542136"/>
+                </a:xfrm>
+                <a:prstGeom prst="rect">
+                  <a:avLst/>
+                </a:prstGeom>
+                <a:noFill/>
+              </p:spPr>
+              <p:txBody>
+                <a:bodyPr wrap="square" rtlCol="0">
+                  <a:spAutoFit/>
+                </a:bodyPr>
+                <a:lstStyle/>
+                <a:p>
+                  <a:pPr/>
+                  <a14:m>
+                    <m:oMathPara xmlns:m="http://schemas.openxmlformats.org/officeDocument/2006/math">
+                      <m:oMathParaPr>
+                        <m:jc m:val="centerGroup"/>
+                      </m:oMathParaPr>
+                      <m:oMath xmlns:m="http://schemas.openxmlformats.org/officeDocument/2006/math">
+                        <m:r>
+                          <a:rPr lang="en-US" sz="2800" b="0" i="1" smtClean="0">
+                            <a:latin typeface="Cambria Math" panose="02040503050406030204" pitchFamily="18" charset="0"/>
+                          </a:rPr>
+                          <m:t>𝑏</m:t>
+                        </m:r>
+                        <m:sSup>
+                          <m:sSupPr>
+                            <m:ctrlPr>
+                              <a:rPr lang="en-US" sz="2800" b="0" i="1" smtClean="0">
+                                <a:latin typeface="Cambria Math" panose="02040503050406030204" pitchFamily="18" charset="0"/>
+                              </a:rPr>
+                            </m:ctrlPr>
+                          </m:sSupPr>
+                          <m:e>
+                            <m:r>
+                              <a:rPr lang="en-US" sz="2800" b="0" i="1" smtClean="0">
+                                <a:latin typeface="Cambria Math" panose="02040503050406030204" pitchFamily="18" charset="0"/>
+                              </a:rPr>
+                              <m:t>𝑒</m:t>
+                            </m:r>
+                          </m:e>
+                          <m:sup>
+                            <m:sSub>
+                              <m:sSubPr>
+                                <m:ctrlPr>
+                                  <a:rPr lang="en-US" sz="2800" i="1" smtClean="0">
+                                    <a:latin typeface="Cambria Math" panose="02040503050406030204" pitchFamily="18" charset="0"/>
+                                    <a:ea typeface="Cambria Math" panose="02040503050406030204" pitchFamily="18" charset="0"/>
+                                  </a:rPr>
+                                </m:ctrlPr>
+                              </m:sSubPr>
+                              <m:e>
+                                <m:r>
+                                  <a:rPr lang="en-US" sz="2800" b="0" i="1" smtClean="0">
+                                    <a:latin typeface="Cambria Math" panose="02040503050406030204" pitchFamily="18" charset="0"/>
+                                    <a:ea typeface="Cambria Math" panose="02040503050406030204" pitchFamily="18" charset="0"/>
+                                  </a:rPr>
+                                  <m:t>𝑑</m:t>
+                                </m:r>
+                                <m:r>
+                                  <a:rPr lang="en-US" sz="2800" i="1">
+                                    <a:latin typeface="Cambria Math" panose="02040503050406030204" pitchFamily="18" charset="0"/>
+                                    <a:ea typeface="Cambria Math" panose="02040503050406030204" pitchFamily="18" charset="0"/>
+                                  </a:rPr>
+                                  <m:t>𝜃</m:t>
+                                </m:r>
+                              </m:e>
+                              <m:sub>
+                                <m:r>
+                                  <a:rPr lang="en-US" sz="2800" i="1">
+                                    <a:latin typeface="Cambria Math" panose="02040503050406030204" pitchFamily="18" charset="0"/>
+                                    <a:ea typeface="Cambria Math" panose="02040503050406030204" pitchFamily="18" charset="0"/>
+                                  </a:rPr>
+                                  <m:t>0</m:t>
+                                </m:r>
+                              </m:sub>
+                            </m:sSub>
+                          </m:sup>
+                        </m:sSup>
+                      </m:oMath>
+                    </m:oMathPara>
+                  </a14:m>
+                  <a:endParaRPr lang="en-US" sz="2800" dirty="0"/>
+                </a:p>
+              </p:txBody>
+            </p:sp>
+          </mc:Choice>
+          <mc:Fallback xmlns="">
+            <p:sp>
+              <p:nvSpPr>
+                <p:cNvPr id="52" name="TextBox 51">
+                  <a:extLst>
+                    <a:ext uri="{FF2B5EF4-FFF2-40B4-BE49-F238E27FC236}">
+                      <a16:creationId xmlns:a16="http://schemas.microsoft.com/office/drawing/2014/main" id="{B74501AC-23EC-5CB3-BB36-87E9A0A67006}"/>
+                    </a:ext>
+                  </a:extLst>
+                </p:cNvPr>
+                <p:cNvSpPr txBox="1">
+                  <a:spLocks noRot="1" noChangeAspect="1" noMove="1" noResize="1" noEditPoints="1" noAdjustHandles="1" noChangeArrowheads="1" noChangeShapeType="1" noTextEdit="1"/>
+                </p:cNvSpPr>
+                <p:nvPr/>
+              </p:nvSpPr>
+              <p:spPr>
+                <a:xfrm>
+                  <a:off x="5616798" y="1930480"/>
+                  <a:ext cx="812499" cy="542136"/>
+                </a:xfrm>
+                <a:prstGeom prst="rect">
+                  <a:avLst/>
+                </a:prstGeom>
+                <a:blipFill>
+                  <a:blip r:embed="rId14"/>
+                  <a:stretch>
+                    <a:fillRect r="-13534"/>
+                  </a:stretch>
+                </a:blipFill>
+              </p:spPr>
+              <p:txBody>
+                <a:bodyPr/>
+                <a:lstStyle/>
+                <a:p>
+                  <a:r>
+                    <a:rPr lang="en-US">
+                      <a:noFill/>
+                    </a:rPr>
+                    <a:t> </a:t>
+                  </a:r>
+                </a:p>
+              </p:txBody>
+            </p:sp>
+          </mc:Fallback>
+        </mc:AlternateContent>
+        <p:sp>
+          <p:nvSpPr>
+            <p:cNvPr id="53" name="Left Brace 52">
+              <a:extLst>
+                <a:ext uri="{FF2B5EF4-FFF2-40B4-BE49-F238E27FC236}">
+                  <a16:creationId xmlns:a16="http://schemas.microsoft.com/office/drawing/2014/main" id="{472DE479-7998-B53A-1FC7-5474C26E4EF5}"/>
+                </a:ext>
+              </a:extLst>
+            </p:cNvPr>
+            <p:cNvSpPr/>
+            <p:nvPr/>
+          </p:nvSpPr>
+          <p:spPr>
+            <a:xfrm rot="16200000" flipH="1">
+              <a:off x="6892915" y="1887021"/>
+              <a:ext cx="209256" cy="1307064"/>
+            </a:xfrm>
+            <a:prstGeom prst="leftBrace">
+              <a:avLst>
+                <a:gd name="adj1" fmla="val 65857"/>
+                <a:gd name="adj2" fmla="val 50000"/>
+              </a:avLst>
+            </a:prstGeom>
+            <a:ln w="25400">
+              <a:solidFill>
+                <a:schemeClr val="tx2"/>
+              </a:solidFill>
+            </a:ln>
+          </p:spPr>
+          <p:style>
+            <a:lnRef idx="1">
+              <a:schemeClr val="accent1"/>
+            </a:lnRef>
+            <a:fillRef idx="0">
+              <a:schemeClr val="accent1"/>
+            </a:fillRef>
+            <a:effectRef idx="0">
+              <a:schemeClr val="accent1"/>
+            </a:effectRef>
+            <a:fontRef idx="minor">
+              <a:schemeClr val="tx1"/>
+            </a:fontRef>
+          </p:style>
+          <p:txBody>
+            <a:bodyPr rtlCol="0" anchor="ctr"/>
+            <a:lstStyle/>
+            <a:p>
+              <a:pPr algn="ctr"/>
+              <a:endParaRPr lang="en-US"/>
+            </a:p>
+          </p:txBody>
+        </p:sp>
+        <mc:AlternateContent xmlns:mc="http://schemas.openxmlformats.org/markup-compatibility/2006" xmlns:a14="http://schemas.microsoft.com/office/drawing/2010/main">
+          <mc:Choice Requires="a14">
+            <p:sp>
+              <p:nvSpPr>
+                <p:cNvPr id="54" name="TextBox 53">
+                  <a:extLst>
+                    <a:ext uri="{FF2B5EF4-FFF2-40B4-BE49-F238E27FC236}">
+                      <a16:creationId xmlns:a16="http://schemas.microsoft.com/office/drawing/2014/main" id="{C9AFA79C-6C6C-7998-45A2-48D0D926D23E}"/>
+                    </a:ext>
+                  </a:extLst>
+                </p:cNvPr>
+                <p:cNvSpPr txBox="1"/>
+                <p:nvPr/>
+              </p:nvSpPr>
+              <p:spPr>
+                <a:xfrm>
+                  <a:off x="6738962" y="1886703"/>
+                  <a:ext cx="812499" cy="542136"/>
+                </a:xfrm>
+                <a:prstGeom prst="rect">
+                  <a:avLst/>
+                </a:prstGeom>
+                <a:noFill/>
+              </p:spPr>
+              <p:txBody>
+                <a:bodyPr wrap="square" rtlCol="0">
+                  <a:spAutoFit/>
+                </a:bodyPr>
+                <a:lstStyle/>
+                <a:p>
+                  <a:pPr/>
+                  <a14:m>
+                    <m:oMathPara xmlns:m="http://schemas.openxmlformats.org/officeDocument/2006/math">
+                      <m:oMathParaPr>
+                        <m:jc m:val="centerGroup"/>
+                      </m:oMathParaPr>
+                      <m:oMath xmlns:m="http://schemas.openxmlformats.org/officeDocument/2006/math">
+                        <m:r>
+                          <a:rPr lang="en-US" sz="2800" b="0" i="1" smtClean="0">
+                            <a:latin typeface="Cambria Math" panose="02040503050406030204" pitchFamily="18" charset="0"/>
+                          </a:rPr>
+                          <m:t>𝑏</m:t>
+                        </m:r>
+                        <m:sSup>
+                          <m:sSupPr>
+                            <m:ctrlPr>
+                              <a:rPr lang="en-US" sz="2800" b="0" i="1" smtClean="0">
+                                <a:latin typeface="Cambria Math" panose="02040503050406030204" pitchFamily="18" charset="0"/>
+                              </a:rPr>
+                            </m:ctrlPr>
+                          </m:sSupPr>
+                          <m:e>
+                            <m:r>
+                              <a:rPr lang="en-US" sz="2800" b="0" i="1" smtClean="0">
+                                <a:latin typeface="Cambria Math" panose="02040503050406030204" pitchFamily="18" charset="0"/>
+                              </a:rPr>
+                              <m:t>𝑒</m:t>
+                            </m:r>
+                          </m:e>
+                          <m:sup>
+                            <m:sSub>
+                              <m:sSubPr>
+                                <m:ctrlPr>
+                                  <a:rPr lang="en-US" sz="2800" i="1" smtClean="0">
+                                    <a:latin typeface="Cambria Math" panose="02040503050406030204" pitchFamily="18" charset="0"/>
+                                    <a:ea typeface="Cambria Math" panose="02040503050406030204" pitchFamily="18" charset="0"/>
+                                  </a:rPr>
+                                </m:ctrlPr>
+                              </m:sSubPr>
+                              <m:e>
+                                <m:r>
+                                  <a:rPr lang="en-US" sz="2800" b="0" i="1" smtClean="0">
+                                    <a:latin typeface="Cambria Math" panose="02040503050406030204" pitchFamily="18" charset="0"/>
+                                    <a:ea typeface="Cambria Math" panose="02040503050406030204" pitchFamily="18" charset="0"/>
+                                  </a:rPr>
+                                  <m:t>𝑑</m:t>
+                                </m:r>
+                                <m:r>
+                                  <a:rPr lang="en-US" sz="2800" i="1">
+                                    <a:latin typeface="Cambria Math" panose="02040503050406030204" pitchFamily="18" charset="0"/>
+                                    <a:ea typeface="Cambria Math" panose="02040503050406030204" pitchFamily="18" charset="0"/>
+                                  </a:rPr>
+                                  <m:t>𝜃</m:t>
+                                </m:r>
+                              </m:e>
+                              <m:sub>
+                                <m:r>
+                                  <a:rPr lang="en-US" sz="2800" b="0" i="1" smtClean="0">
+                                    <a:latin typeface="Cambria Math" panose="02040503050406030204" pitchFamily="18" charset="0"/>
+                                    <a:ea typeface="Cambria Math" panose="02040503050406030204" pitchFamily="18" charset="0"/>
+                                  </a:rPr>
+                                  <m:t>1</m:t>
+                                </m:r>
+                              </m:sub>
+                            </m:sSub>
+                          </m:sup>
+                        </m:sSup>
+                      </m:oMath>
+                    </m:oMathPara>
+                  </a14:m>
+                  <a:endParaRPr lang="en-US" sz="2800" dirty="0"/>
+                </a:p>
+              </p:txBody>
+            </p:sp>
+          </mc:Choice>
+          <mc:Fallback xmlns="">
+            <p:sp>
+              <p:nvSpPr>
+                <p:cNvPr id="54" name="TextBox 53">
+                  <a:extLst>
+                    <a:ext uri="{FF2B5EF4-FFF2-40B4-BE49-F238E27FC236}">
+                      <a16:creationId xmlns:a16="http://schemas.microsoft.com/office/drawing/2014/main" id="{C9AFA79C-6C6C-7998-45A2-48D0D926D23E}"/>
+                    </a:ext>
+                  </a:extLst>
+                </p:cNvPr>
+                <p:cNvSpPr txBox="1">
+                  <a:spLocks noRot="1" noChangeAspect="1" noMove="1" noResize="1" noEditPoints="1" noAdjustHandles="1" noChangeArrowheads="1" noChangeShapeType="1" noTextEdit="1"/>
+                </p:cNvSpPr>
+                <p:nvPr/>
+              </p:nvSpPr>
+              <p:spPr>
+                <a:xfrm>
+                  <a:off x="6738962" y="1886703"/>
+                  <a:ext cx="812499" cy="542136"/>
+                </a:xfrm>
+                <a:prstGeom prst="rect">
+                  <a:avLst/>
+                </a:prstGeom>
+                <a:blipFill>
+                  <a:blip r:embed="rId15"/>
+                  <a:stretch>
+                    <a:fillRect r="-13534"/>
+                  </a:stretch>
+                </a:blipFill>
+              </p:spPr>
+              <p:txBody>
+                <a:bodyPr/>
+                <a:lstStyle/>
+                <a:p>
+                  <a:r>
+                    <a:rPr lang="en-US">
+                      <a:noFill/>
+                    </a:rPr>
+                    <a:t> </a:t>
+                  </a:r>
+                </a:p>
+              </p:txBody>
+            </p:sp>
+          </mc:Fallback>
+        </mc:AlternateContent>
+        <p:cxnSp>
+          <p:nvCxnSpPr>
+            <p:cNvPr id="55" name="Straight Connector 54">
+              <a:extLst>
+                <a:ext uri="{FF2B5EF4-FFF2-40B4-BE49-F238E27FC236}">
+                  <a16:creationId xmlns:a16="http://schemas.microsoft.com/office/drawing/2014/main" id="{949CE081-E76F-B3C9-72DC-E6567A9E2BDE}"/>
+                </a:ext>
+              </a:extLst>
+            </p:cNvPr>
+            <p:cNvCxnSpPr/>
+            <p:nvPr/>
+          </p:nvCxnSpPr>
+          <p:spPr>
+            <a:xfrm>
+              <a:off x="5687801" y="2981000"/>
+              <a:ext cx="242021" cy="523219"/>
+            </a:xfrm>
+            <a:prstGeom prst="line">
+              <a:avLst/>
+            </a:prstGeom>
+            <a:ln w="38100" cap="rnd">
+              <a:solidFill>
+                <a:schemeClr val="tx1"/>
+              </a:solidFill>
+              <a:prstDash val="solid"/>
+              <a:headEnd type="none" w="lg" len="lg"/>
+              <a:tailEnd type="none" w="lg" len="lg"/>
+            </a:ln>
+          </p:spPr>
+          <p:style>
+            <a:lnRef idx="1">
+              <a:schemeClr val="accent1"/>
+            </a:lnRef>
+            <a:fillRef idx="0">
+              <a:schemeClr val="accent1"/>
+            </a:fillRef>
+            <a:effectRef idx="0">
+              <a:schemeClr val="accent1"/>
+            </a:effectRef>
+            <a:fontRef idx="minor">
+              <a:schemeClr val="tx1"/>
+            </a:fontRef>
+          </p:style>
+        </p:cxnSp>
+        <p:cxnSp>
+          <p:nvCxnSpPr>
+            <p:cNvPr id="56" name="Straight Connector 55">
+              <a:extLst>
+                <a:ext uri="{FF2B5EF4-FFF2-40B4-BE49-F238E27FC236}">
+                  <a16:creationId xmlns:a16="http://schemas.microsoft.com/office/drawing/2014/main" id="{83A30298-CF79-991B-1CD6-75E2700AD106}"/>
+                </a:ext>
+              </a:extLst>
+            </p:cNvPr>
+            <p:cNvCxnSpPr/>
+            <p:nvPr/>
+          </p:nvCxnSpPr>
+          <p:spPr>
+            <a:xfrm flipH="1">
+              <a:off x="7145212" y="2977553"/>
+              <a:ext cx="505861" cy="265056"/>
+            </a:xfrm>
+            <a:prstGeom prst="line">
+              <a:avLst/>
+            </a:prstGeom>
+            <a:ln w="38100" cap="rnd">
+              <a:solidFill>
+                <a:schemeClr val="tx1"/>
+              </a:solidFill>
+              <a:prstDash val="solid"/>
+              <a:headEnd type="none" w="lg" len="lg"/>
+              <a:tailEnd type="none" w="lg" len="lg"/>
+            </a:ln>
+          </p:spPr>
+          <p:style>
+            <a:lnRef idx="1">
+              <a:schemeClr val="accent1"/>
+            </a:lnRef>
+            <a:fillRef idx="0">
+              <a:schemeClr val="accent1"/>
+            </a:fillRef>
+            <a:effectRef idx="0">
+              <a:schemeClr val="accent1"/>
+            </a:effectRef>
+            <a:fontRef idx="minor">
+              <a:schemeClr val="tx1"/>
+            </a:fontRef>
+          </p:style>
+        </p:cxnSp>
+        <p:sp>
+          <p:nvSpPr>
+            <p:cNvPr id="57" name="Left Brace 56">
+              <a:extLst>
+                <a:ext uri="{FF2B5EF4-FFF2-40B4-BE49-F238E27FC236}">
+                  <a16:creationId xmlns:a16="http://schemas.microsoft.com/office/drawing/2014/main" id="{BB8454A9-4BB9-FD85-3937-9153B4383984}"/>
+                </a:ext>
+              </a:extLst>
+            </p:cNvPr>
+            <p:cNvSpPr/>
+            <p:nvPr/>
+          </p:nvSpPr>
+          <p:spPr>
+            <a:xfrm rot="16200000">
+              <a:off x="2101066" y="2435214"/>
+              <a:ext cx="161824" cy="1963274"/>
+            </a:xfrm>
+            <a:prstGeom prst="leftBrace">
+              <a:avLst>
+                <a:gd name="adj1" fmla="val 65857"/>
+                <a:gd name="adj2" fmla="val 50000"/>
+              </a:avLst>
+            </a:prstGeom>
+            <a:ln w="25400">
+              <a:solidFill>
+                <a:schemeClr val="tx2"/>
+              </a:solidFill>
+            </a:ln>
+          </p:spPr>
+          <p:style>
+            <a:lnRef idx="1">
+              <a:schemeClr val="accent1"/>
+            </a:lnRef>
+            <a:fillRef idx="0">
+              <a:schemeClr val="accent1"/>
+            </a:fillRef>
+            <a:effectRef idx="0">
+              <a:schemeClr val="accent1"/>
+            </a:effectRef>
+            <a:fontRef idx="minor">
+              <a:schemeClr val="tx1"/>
+            </a:fontRef>
+          </p:style>
+          <p:txBody>
+            <a:bodyPr rtlCol="0" anchor="ctr"/>
+            <a:lstStyle/>
+            <a:p>
+              <a:pPr algn="ctr"/>
+              <a:endParaRPr lang="en-US"/>
+            </a:p>
+          </p:txBody>
+        </p:sp>
+        <mc:AlternateContent xmlns:mc="http://schemas.openxmlformats.org/markup-compatibility/2006" xmlns:a14="http://schemas.microsoft.com/office/drawing/2010/main">
+          <mc:Choice Requires="a14">
+            <p:sp>
+              <p:nvSpPr>
+                <p:cNvPr id="58" name="TextBox 57">
+                  <a:extLst>
+                    <a:ext uri="{FF2B5EF4-FFF2-40B4-BE49-F238E27FC236}">
+                      <a16:creationId xmlns:a16="http://schemas.microsoft.com/office/drawing/2014/main" id="{E058B9F0-3BD2-453B-3BF0-602CEB6F7690}"/>
+                    </a:ext>
+                  </a:extLst>
+                </p:cNvPr>
+                <p:cNvSpPr txBox="1"/>
+                <p:nvPr/>
+              </p:nvSpPr>
+              <p:spPr>
+                <a:xfrm>
+                  <a:off x="1594621" y="3401095"/>
+                  <a:ext cx="1174714" cy="523220"/>
+                </a:xfrm>
+                <a:prstGeom prst="rect">
+                  <a:avLst/>
+                </a:prstGeom>
+                <a:noFill/>
+              </p:spPr>
+              <p:txBody>
+                <a:bodyPr wrap="square" rtlCol="0">
+                  <a:spAutoFit/>
+                </a:bodyPr>
+                <a:lstStyle/>
+                <a:p>
+                  <a:pPr/>
+                  <a14:m>
+                    <m:oMathPara xmlns:m="http://schemas.openxmlformats.org/officeDocument/2006/math">
+                      <m:oMathParaPr>
+                        <m:jc m:val="centerGroup"/>
+                      </m:oMathParaPr>
+                      <m:oMath xmlns:m="http://schemas.openxmlformats.org/officeDocument/2006/math">
+                        <m:r>
+                          <a:rPr lang="en-US" sz="2800" b="0" i="1" smtClean="0">
+                            <a:latin typeface="Cambria Math" panose="02040503050406030204" pitchFamily="18" charset="0"/>
+                          </a:rPr>
+                          <m:t>𝑎</m:t>
+                        </m:r>
+                        <m:r>
+                          <a:rPr lang="en-US" sz="2800" b="0" i="1" smtClean="0">
+                            <a:latin typeface="Cambria Math" panose="02040503050406030204" pitchFamily="18" charset="0"/>
+                          </a:rPr>
+                          <m:t>+</m:t>
+                        </m:r>
+                        <m:r>
+                          <a:rPr lang="en-US" sz="2800" b="0" i="1" smtClean="0">
+                            <a:latin typeface="Cambria Math" panose="02040503050406030204" pitchFamily="18" charset="0"/>
+                          </a:rPr>
+                          <m:t>𝑏</m:t>
+                        </m:r>
+                      </m:oMath>
+                    </m:oMathPara>
+                  </a14:m>
+                  <a:endParaRPr lang="en-US" sz="2800" dirty="0"/>
+                </a:p>
+              </p:txBody>
+            </p:sp>
+          </mc:Choice>
+          <mc:Fallback xmlns="">
+            <p:sp>
+              <p:nvSpPr>
+                <p:cNvPr id="58" name="TextBox 57">
+                  <a:extLst>
+                    <a:ext uri="{FF2B5EF4-FFF2-40B4-BE49-F238E27FC236}">
+                      <a16:creationId xmlns:a16="http://schemas.microsoft.com/office/drawing/2014/main" id="{E058B9F0-3BD2-453B-3BF0-602CEB6F7690}"/>
+                    </a:ext>
+                  </a:extLst>
+                </p:cNvPr>
+                <p:cNvSpPr txBox="1">
+                  <a:spLocks noRot="1" noChangeAspect="1" noMove="1" noResize="1" noEditPoints="1" noAdjustHandles="1" noChangeArrowheads="1" noChangeShapeType="1" noTextEdit="1"/>
+                </p:cNvSpPr>
+                <p:nvPr/>
+              </p:nvSpPr>
+              <p:spPr>
+                <a:xfrm>
+                  <a:off x="1594621" y="3401095"/>
+                  <a:ext cx="1174714" cy="523220"/>
+                </a:xfrm>
+                <a:prstGeom prst="rect">
+                  <a:avLst/>
+                </a:prstGeom>
+                <a:blipFill>
+                  <a:blip r:embed="rId16"/>
+                  <a:stretch>
+                    <a:fillRect/>
+                  </a:stretch>
+                </a:blipFill>
+              </p:spPr>
+              <p:txBody>
+                <a:bodyPr/>
+                <a:lstStyle/>
+                <a:p>
+                  <a:r>
+                    <a:rPr lang="en-US">
+                      <a:noFill/>
+                    </a:rPr>
+                    <a:t> </a:t>
+                  </a:r>
+                </a:p>
+              </p:txBody>
+            </p:sp>
+          </mc:Fallback>
+        </mc:AlternateContent>
+      </p:grpSp>
+      <p:sp>
+        <p:nvSpPr>
+          <p:cNvPr id="60" name="Oval 59">
+            <a:extLst>
+              <a:ext uri="{FF2B5EF4-FFF2-40B4-BE49-F238E27FC236}">
+                <a16:creationId xmlns:a16="http://schemas.microsoft.com/office/drawing/2014/main" id="{240E340B-AC3B-B66D-1DE3-CB27EA61041E}"/>
+              </a:ext>
+            </a:extLst>
+          </p:cNvPr>
+          <p:cNvSpPr/>
+          <p:nvPr/>
+        </p:nvSpPr>
+        <p:spPr>
+          <a:xfrm>
+            <a:off x="7786135" y="4680555"/>
+            <a:ext cx="116837" cy="116837"/>
+          </a:xfrm>
+          <a:prstGeom prst="ellipse">
+            <a:avLst/>
+          </a:prstGeom>
+          <a:solidFill>
+            <a:schemeClr val="tx1"/>
+          </a:solidFill>
+          <a:ln w="19050">
+            <a:noFill/>
+          </a:ln>
+        </p:spPr>
+        <p:style>
+          <a:lnRef idx="1">
+            <a:schemeClr val="accent1"/>
+          </a:lnRef>
+          <a:fillRef idx="0">
+            <a:schemeClr val="accent1"/>
+          </a:fillRef>
+          <a:effectRef idx="0">
+            <a:schemeClr val="accent1"/>
+          </a:effectRef>
+          <a:fontRef idx="minor">
+            <a:schemeClr val="tx1"/>
+          </a:fontRef>
+        </p:style>
+        <p:txBody>
+          <a:bodyPr rtlCol="0" anchor="ctr"/>
+          <a:lstStyle/>
+          <a:p>
+            <a:pPr algn="ctr"/>
+            <a:endParaRPr lang="en-US"/>
+          </a:p>
+        </p:txBody>
+      </p:sp>
+      <p:sp>
+        <p:nvSpPr>
+          <p:cNvPr id="61" name="Oval 60">
+            <a:extLst>
+              <a:ext uri="{FF2B5EF4-FFF2-40B4-BE49-F238E27FC236}">
+                <a16:creationId xmlns:a16="http://schemas.microsoft.com/office/drawing/2014/main" id="{E32E66FA-02F3-CD4D-F0D3-DD0EC27C9093}"/>
+              </a:ext>
+            </a:extLst>
+          </p:cNvPr>
+          <p:cNvSpPr/>
+          <p:nvPr/>
+        </p:nvSpPr>
+        <p:spPr>
+          <a:xfrm>
+            <a:off x="7299469" y="4941629"/>
+            <a:ext cx="116837" cy="116837"/>
+          </a:xfrm>
+          <a:prstGeom prst="ellipse">
+            <a:avLst/>
+          </a:prstGeom>
+          <a:solidFill>
+            <a:schemeClr val="tx1"/>
+          </a:solidFill>
+          <a:ln w="19050">
+            <a:noFill/>
+          </a:ln>
+        </p:spPr>
+        <p:style>
+          <a:lnRef idx="1">
+            <a:schemeClr val="accent1"/>
+          </a:lnRef>
+          <a:fillRef idx="0">
+            <a:schemeClr val="accent1"/>
+          </a:fillRef>
+          <a:effectRef idx="0">
+            <a:schemeClr val="accent1"/>
+          </a:effectRef>
+          <a:fontRef idx="minor">
+            <a:schemeClr val="tx1"/>
+          </a:fontRef>
+        </p:style>
+        <p:txBody>
+          <a:bodyPr rtlCol="0" anchor="ctr"/>
+          <a:lstStyle/>
+          <a:p>
+            <a:pPr algn="ctr"/>
+            <a:endParaRPr lang="en-US"/>
+          </a:p>
+        </p:txBody>
+      </p:sp>
+      <p:sp>
+        <p:nvSpPr>
+          <p:cNvPr id="62" name="Oval 61">
+            <a:extLst>
+              <a:ext uri="{FF2B5EF4-FFF2-40B4-BE49-F238E27FC236}">
+                <a16:creationId xmlns:a16="http://schemas.microsoft.com/office/drawing/2014/main" id="{82893B21-6E79-FCCC-6BD8-A17FBE713576}"/>
+              </a:ext>
+            </a:extLst>
+          </p:cNvPr>
+          <p:cNvSpPr/>
+          <p:nvPr/>
+        </p:nvSpPr>
+        <p:spPr>
+          <a:xfrm>
+            <a:off x="6451447" y="4680555"/>
+            <a:ext cx="116837" cy="116837"/>
+          </a:xfrm>
+          <a:prstGeom prst="ellipse">
+            <a:avLst/>
+          </a:prstGeom>
+          <a:solidFill>
+            <a:schemeClr val="tx1"/>
+          </a:solidFill>
+          <a:ln w="19050">
+            <a:noFill/>
+          </a:ln>
+        </p:spPr>
+        <p:style>
+          <a:lnRef idx="1">
+            <a:schemeClr val="accent1"/>
+          </a:lnRef>
+          <a:fillRef idx="0">
+            <a:schemeClr val="accent1"/>
+          </a:fillRef>
+          <a:effectRef idx="0">
+            <a:schemeClr val="accent1"/>
+          </a:effectRef>
+          <a:fontRef idx="minor">
+            <a:schemeClr val="tx1"/>
+          </a:fontRef>
+        </p:style>
+        <p:txBody>
+          <a:bodyPr rtlCol="0" anchor="ctr"/>
+          <a:lstStyle/>
+          <a:p>
+            <a:pPr algn="ctr"/>
+            <a:endParaRPr lang="en-US"/>
+          </a:p>
+        </p:txBody>
+      </p:sp>
+      <p:sp>
+        <p:nvSpPr>
+          <p:cNvPr id="63" name="Oval 62">
+            <a:extLst>
+              <a:ext uri="{FF2B5EF4-FFF2-40B4-BE49-F238E27FC236}">
+                <a16:creationId xmlns:a16="http://schemas.microsoft.com/office/drawing/2014/main" id="{D9F86E5B-CF8E-F7A8-4C57-BBD3319533A6}"/>
+              </a:ext>
+            </a:extLst>
+          </p:cNvPr>
+          <p:cNvSpPr/>
+          <p:nvPr/>
+        </p:nvSpPr>
+        <p:spPr>
+          <a:xfrm>
+            <a:off x="5824613" y="4680555"/>
+            <a:ext cx="116837" cy="116837"/>
+          </a:xfrm>
+          <a:prstGeom prst="ellipse">
+            <a:avLst/>
+          </a:prstGeom>
+          <a:solidFill>
+            <a:schemeClr val="tx1"/>
+          </a:solidFill>
+          <a:ln w="19050">
+            <a:noFill/>
+          </a:ln>
+        </p:spPr>
+        <p:style>
+          <a:lnRef idx="1">
+            <a:schemeClr val="accent1"/>
+          </a:lnRef>
+          <a:fillRef idx="0">
+            <a:schemeClr val="accent1"/>
+          </a:fillRef>
+          <a:effectRef idx="0">
+            <a:schemeClr val="accent1"/>
+          </a:effectRef>
+          <a:fontRef idx="minor">
+            <a:schemeClr val="tx1"/>
+          </a:fontRef>
+        </p:style>
+        <p:txBody>
+          <a:bodyPr rtlCol="0" anchor="ctr"/>
+          <a:lstStyle/>
+          <a:p>
+            <a:pPr algn="ctr"/>
+            <a:endParaRPr lang="en-US"/>
+          </a:p>
+        </p:txBody>
+      </p:sp>
+      <p:sp>
+        <p:nvSpPr>
+          <p:cNvPr id="64" name="Oval 63">
+            <a:extLst>
+              <a:ext uri="{FF2B5EF4-FFF2-40B4-BE49-F238E27FC236}">
+                <a16:creationId xmlns:a16="http://schemas.microsoft.com/office/drawing/2014/main" id="{697FF32C-9A32-CD6A-5A1E-97395C4503E4}"/>
+              </a:ext>
+            </a:extLst>
+          </p:cNvPr>
+          <p:cNvSpPr/>
+          <p:nvPr/>
+        </p:nvSpPr>
+        <p:spPr>
+          <a:xfrm>
+            <a:off x="6063776" y="5218411"/>
+            <a:ext cx="116837" cy="116837"/>
+          </a:xfrm>
+          <a:prstGeom prst="ellipse">
+            <a:avLst/>
+          </a:prstGeom>
+          <a:solidFill>
+            <a:schemeClr val="tx1"/>
+          </a:solidFill>
+          <a:ln w="19050">
+            <a:noFill/>
+          </a:ln>
+        </p:spPr>
+        <p:style>
+          <a:lnRef idx="1">
+            <a:schemeClr val="accent1"/>
+          </a:lnRef>
+          <a:fillRef idx="0">
+            <a:schemeClr val="accent1"/>
+          </a:fillRef>
+          <a:effectRef idx="0">
+            <a:schemeClr val="accent1"/>
+          </a:effectRef>
+          <a:fontRef idx="minor">
+            <a:schemeClr val="tx1"/>
+          </a:fontRef>
+        </p:style>
+        <p:txBody>
+          <a:bodyPr rtlCol="0" anchor="ctr"/>
+          <a:lstStyle/>
+          <a:p>
+            <a:pPr algn="ctr"/>
+            <a:endParaRPr lang="en-US"/>
+          </a:p>
+        </p:txBody>
+      </p:sp>
+      <p:sp>
+        <p:nvSpPr>
+          <p:cNvPr id="65" name="Oval 64">
+            <a:extLst>
+              <a:ext uri="{FF2B5EF4-FFF2-40B4-BE49-F238E27FC236}">
+                <a16:creationId xmlns:a16="http://schemas.microsoft.com/office/drawing/2014/main" id="{3B5FC02F-117B-A1DD-B5E1-AAC01E8AB461}"/>
+              </a:ext>
+            </a:extLst>
+          </p:cNvPr>
+          <p:cNvSpPr/>
+          <p:nvPr/>
+        </p:nvSpPr>
+        <p:spPr>
+          <a:xfrm>
+            <a:off x="1329483" y="4830929"/>
+            <a:ext cx="116837" cy="116837"/>
+          </a:xfrm>
+          <a:prstGeom prst="ellipse">
+            <a:avLst/>
+          </a:prstGeom>
+          <a:solidFill>
+            <a:schemeClr val="tx1"/>
+          </a:solidFill>
+          <a:ln w="19050">
+            <a:noFill/>
+          </a:ln>
+        </p:spPr>
+        <p:style>
+          <a:lnRef idx="1">
+            <a:schemeClr val="accent1"/>
+          </a:lnRef>
+          <a:fillRef idx="0">
+            <a:schemeClr val="accent1"/>
+          </a:fillRef>
+          <a:effectRef idx="0">
+            <a:schemeClr val="accent1"/>
+          </a:effectRef>
+          <a:fontRef idx="minor">
+            <a:schemeClr val="tx1"/>
+          </a:fontRef>
+        </p:style>
+        <p:txBody>
+          <a:bodyPr rtlCol="0" anchor="ctr"/>
+          <a:lstStyle/>
+          <a:p>
+            <a:pPr algn="ctr"/>
+            <a:endParaRPr lang="en-US"/>
+          </a:p>
+        </p:txBody>
+      </p:sp>
+      <p:sp>
+        <p:nvSpPr>
+          <p:cNvPr id="66" name="Oval 65">
+            <a:extLst>
+              <a:ext uri="{FF2B5EF4-FFF2-40B4-BE49-F238E27FC236}">
+                <a16:creationId xmlns:a16="http://schemas.microsoft.com/office/drawing/2014/main" id="{16E31056-59C3-A13C-D8D2-27E4E81DE03A}"/>
+              </a:ext>
+            </a:extLst>
+          </p:cNvPr>
+          <p:cNvSpPr/>
+          <p:nvPr/>
+        </p:nvSpPr>
+        <p:spPr>
+          <a:xfrm>
+            <a:off x="1868038" y="4830929"/>
+            <a:ext cx="116837" cy="116837"/>
+          </a:xfrm>
+          <a:prstGeom prst="ellipse">
+            <a:avLst/>
+          </a:prstGeom>
+          <a:solidFill>
+            <a:schemeClr val="tx1"/>
+          </a:solidFill>
+          <a:ln w="19050">
+            <a:noFill/>
+          </a:ln>
+        </p:spPr>
+        <p:style>
+          <a:lnRef idx="1">
+            <a:schemeClr val="accent1"/>
+          </a:lnRef>
+          <a:fillRef idx="0">
+            <a:schemeClr val="accent1"/>
+          </a:fillRef>
+          <a:effectRef idx="0">
+            <a:schemeClr val="accent1"/>
+          </a:effectRef>
+          <a:fontRef idx="minor">
+            <a:schemeClr val="tx1"/>
+          </a:fontRef>
+        </p:style>
+        <p:txBody>
+          <a:bodyPr rtlCol="0" anchor="ctr"/>
+          <a:lstStyle/>
+          <a:p>
+            <a:pPr algn="ctr"/>
+            <a:endParaRPr lang="en-US"/>
+          </a:p>
+        </p:txBody>
+      </p:sp>
+      <p:sp>
+        <p:nvSpPr>
+          <p:cNvPr id="67" name="Oval 66">
+            <a:extLst>
+              <a:ext uri="{FF2B5EF4-FFF2-40B4-BE49-F238E27FC236}">
+                <a16:creationId xmlns:a16="http://schemas.microsoft.com/office/drawing/2014/main" id="{263397A9-99A0-770B-86BB-767606FD9338}"/>
+              </a:ext>
+            </a:extLst>
+          </p:cNvPr>
+          <p:cNvSpPr/>
+          <p:nvPr/>
+        </p:nvSpPr>
+        <p:spPr>
+          <a:xfrm>
+            <a:off x="3294154" y="4833952"/>
+            <a:ext cx="116837" cy="116837"/>
+          </a:xfrm>
+          <a:prstGeom prst="ellipse">
+            <a:avLst/>
+          </a:prstGeom>
+          <a:solidFill>
+            <a:schemeClr val="tx1"/>
+          </a:solidFill>
+          <a:ln w="19050">
+            <a:noFill/>
+          </a:ln>
+        </p:spPr>
+        <p:style>
+          <a:lnRef idx="1">
+            <a:schemeClr val="accent1"/>
+          </a:lnRef>
+          <a:fillRef idx="0">
+            <a:schemeClr val="accent1"/>
+          </a:fillRef>
+          <a:effectRef idx="0">
+            <a:schemeClr val="accent1"/>
+          </a:effectRef>
+          <a:fontRef idx="minor">
+            <a:schemeClr val="tx1"/>
+          </a:fontRef>
+        </p:style>
+        <p:txBody>
+          <a:bodyPr rtlCol="0" anchor="ctr"/>
+          <a:lstStyle/>
+          <a:p>
+            <a:pPr algn="ctr"/>
+            <a:endParaRPr lang="en-US"/>
+          </a:p>
+        </p:txBody>
+      </p:sp>
+    </p:spTree>
+    <p:extLst>
+      <p:ext uri="{BB962C8B-B14F-4D97-AF65-F5344CB8AC3E}">
+        <p14:creationId xmlns:p14="http://schemas.microsoft.com/office/powerpoint/2010/main" val="1500136086"/>
+      </p:ext>
+    </p:extLst>
+  </p:cSld>
+  <p:clrMapOvr>
+    <a:masterClrMapping/>
+  </p:clrMapOvr>
+  <mc:AlternateContent xmlns:mc="http://schemas.openxmlformats.org/markup-compatibility/2006" xmlns:p14="http://schemas.microsoft.com/office/powerpoint/2010/main">
+    <mc:Choice Requires="p14">
+      <p:transition p14:dur="10"/>
+    </mc:Choice>
+    <mc:Fallback xmlns="">
+      <p:transition/>
+    </mc:Fallback>
+  </mc:AlternateContent>
+</p:sld>
+</file>
+
+<file path=ppt/slides/slide4.xml><?xml version="1.0" encoding="utf-8"?>
+<p:sld xmlns:a="http://schemas.openxmlformats.org/drawingml/2006/main" xmlns:r="http://schemas.openxmlformats.org/officeDocument/2006/relationships" xmlns:p="http://schemas.openxmlformats.org/presentationml/2006/main">
+  <p:cSld>
+    <p:spTree>
+      <p:nvGrpSpPr>
+        <p:cNvPr id="1" name=""/>
+        <p:cNvGrpSpPr/>
+        <p:nvPr/>
+      </p:nvGrpSpPr>
+      <p:grpSpPr>
+        <a:xfrm>
+          <a:off x="0" y="0"/>
+          <a:ext cx="0" cy="0"/>
+          <a:chOff x="0" y="0"/>
+          <a:chExt cx="0" cy="0"/>
+        </a:xfrm>
+      </p:grpSpPr>
+      <p:pic>
+        <p:nvPicPr>
+          <p:cNvPr id="5" name="Picture 4"/>
+          <p:cNvPicPr>
+            <a:picLocks noChangeAspect="1"/>
+          </p:cNvPicPr>
+          <p:nvPr/>
+        </p:nvPicPr>
+        <p:blipFill>
+          <a:blip r:embed="rId2"/>
+          <a:stretch>
+            <a:fillRect/>
+          </a:stretch>
+        </p:blipFill>
+        <p:spPr>
+          <a:xfrm>
+            <a:off x="3127885" y="1495845"/>
+            <a:ext cx="2888230" cy="3246401"/>
+          </a:xfrm>
+          <a:prstGeom prst="rect">
+            <a:avLst/>
+          </a:prstGeom>
+        </p:spPr>
+      </p:pic>
+    </p:spTree>
+    <p:extLst>
+      <p:ext uri="{BB962C8B-B14F-4D97-AF65-F5344CB8AC3E}">
+        <p14:creationId xmlns:p14="http://schemas.microsoft.com/office/powerpoint/2010/main" val="3177825950"/>
+      </p:ext>
+    </p:extLst>
+  </p:cSld>
+  <p:clrMapOvr>
+    <a:masterClrMapping/>
+  </p:clrMapOvr>
+  <mc:AlternateContent xmlns:mc="http://schemas.openxmlformats.org/markup-compatibility/2006" xmlns:p14="http://schemas.microsoft.com/office/powerpoint/2010/main">
+    <mc:Choice Requires="p14">
+      <p:transition p14:dur="10"/>
+    </mc:Choice>
+    <mc:Fallback xmlns="">
+      <p:transition/>
+    </mc:Fallback>
+  </mc:AlternateContent>
+</p:sld>
+</file>
+
+<file path=ppt/slides/slide5.xml><?xml version="1.0" encoding="utf-8"?>
+<p:sld xmlns:a="http://schemas.openxmlformats.org/drawingml/2006/main" xmlns:r="http://schemas.openxmlformats.org/officeDocument/2006/relationships" xmlns:p="http://schemas.openxmlformats.org/presentationml/2006/main">
+  <p:cSld>
+    <p:spTree>
+      <p:nvGrpSpPr>
+        <p:cNvPr id="1" name=""/>
+        <p:cNvGrpSpPr/>
+        <p:nvPr/>
+      </p:nvGrpSpPr>
+      <p:grpSpPr>
+        <a:xfrm>
+          <a:off x="0" y="0"/>
+          <a:ext cx="0" cy="0"/>
+          <a:chOff x="0" y="0"/>
+          <a:chExt cx="0" cy="0"/>
+        </a:xfrm>
+      </p:grpSpPr>
+      <p:grpSp>
+        <p:nvGrpSpPr>
+          <p:cNvPr id="41" name="Group 40">
+            <a:extLst>
+              <a:ext uri="{FF2B5EF4-FFF2-40B4-BE49-F238E27FC236}">
+                <a16:creationId xmlns:a16="http://schemas.microsoft.com/office/drawing/2014/main" id="{2D254C80-19DB-F94A-F1D6-C9E9B9F6800B}"/>
+              </a:ext>
+            </a:extLst>
+          </p:cNvPr>
+          <p:cNvGrpSpPr/>
+          <p:nvPr/>
+        </p:nvGrpSpPr>
+        <p:grpSpPr>
+          <a:xfrm>
+            <a:off x="1132363" y="2386131"/>
+            <a:ext cx="2729899" cy="1269841"/>
+            <a:chOff x="1132363" y="2386131"/>
+            <a:chExt cx="2729899" cy="1269841"/>
+          </a:xfrm>
+        </p:grpSpPr>
+        <p:sp>
+          <p:nvSpPr>
+            <p:cNvPr id="38" name="Freeform: Shape 37">
+              <a:extLst>
+                <a:ext uri="{FF2B5EF4-FFF2-40B4-BE49-F238E27FC236}">
+                  <a16:creationId xmlns:a16="http://schemas.microsoft.com/office/drawing/2014/main" id="{42E92204-3A9A-FDEC-10FC-08C4BA62CDF2}"/>
+                </a:ext>
+              </a:extLst>
+            </p:cNvPr>
+            <p:cNvSpPr/>
+            <p:nvPr/>
+          </p:nvSpPr>
+          <p:spPr>
+            <a:xfrm>
+              <a:off x="1381571" y="2723878"/>
+              <a:ext cx="670764" cy="538210"/>
+            </a:xfrm>
+            <a:custGeom>
+              <a:avLst/>
+              <a:gdLst>
+                <a:gd name="connsiteX0" fmla="*/ 15429 w 670764"/>
+                <a:gd name="connsiteY0" fmla="*/ 435882 h 538210"/>
+                <a:gd name="connsiteX1" fmla="*/ 238949 w 670764"/>
+                <a:gd name="connsiteY1" fmla="*/ 456202 h 538210"/>
+                <a:gd name="connsiteX2" fmla="*/ 421829 w 670764"/>
+                <a:gd name="connsiteY2" fmla="*/ 522242 h 538210"/>
+                <a:gd name="connsiteX3" fmla="*/ 609789 w 670764"/>
+                <a:gd name="connsiteY3" fmla="*/ 512082 h 538210"/>
+                <a:gd name="connsiteX4" fmla="*/ 660589 w 670764"/>
+                <a:gd name="connsiteY4" fmla="*/ 247922 h 538210"/>
+                <a:gd name="connsiteX5" fmla="*/ 431989 w 670764"/>
+                <a:gd name="connsiteY5" fmla="*/ 14242 h 538210"/>
+                <a:gd name="connsiteX6" fmla="*/ 208469 w 670764"/>
+                <a:gd name="connsiteY6" fmla="*/ 49802 h 538210"/>
+                <a:gd name="connsiteX7" fmla="*/ 40829 w 670764"/>
+                <a:gd name="connsiteY7" fmla="*/ 247922 h 538210"/>
+                <a:gd name="connsiteX8" fmla="*/ 15429 w 670764"/>
+                <a:gd name="connsiteY8" fmla="*/ 435882 h 538210"/>
+              </a:gdLst>
+              <a:ahLst/>
+              <a:cxnLst>
+                <a:cxn ang="0">
+                  <a:pos x="connsiteX0" y="connsiteY0"/>
+                </a:cxn>
+                <a:cxn ang="0">
+                  <a:pos x="connsiteX1" y="connsiteY1"/>
+                </a:cxn>
+                <a:cxn ang="0">
+                  <a:pos x="connsiteX2" y="connsiteY2"/>
+                </a:cxn>
+                <a:cxn ang="0">
+                  <a:pos x="connsiteX3" y="connsiteY3"/>
+                </a:cxn>
+                <a:cxn ang="0">
+                  <a:pos x="connsiteX4" y="connsiteY4"/>
+                </a:cxn>
+                <a:cxn ang="0">
+                  <a:pos x="connsiteX5" y="connsiteY5"/>
+                </a:cxn>
+                <a:cxn ang="0">
+                  <a:pos x="connsiteX6" y="connsiteY6"/>
+                </a:cxn>
+                <a:cxn ang="0">
+                  <a:pos x="connsiteX7" y="connsiteY7"/>
+                </a:cxn>
+                <a:cxn ang="0">
+                  <a:pos x="connsiteX8" y="connsiteY8"/>
+                </a:cxn>
+              </a:cxnLst>
+              <a:rect l="l" t="t" r="r" b="b"/>
+              <a:pathLst>
+                <a:path w="670764" h="538210">
+                  <a:moveTo>
+                    <a:pt x="15429" y="435882"/>
+                  </a:moveTo>
+                  <a:cubicBezTo>
+                    <a:pt x="48449" y="470595"/>
+                    <a:pt x="171216" y="441809"/>
+                    <a:pt x="238949" y="456202"/>
+                  </a:cubicBezTo>
+                  <a:cubicBezTo>
+                    <a:pt x="306682" y="470595"/>
+                    <a:pt x="360022" y="512929"/>
+                    <a:pt x="421829" y="522242"/>
+                  </a:cubicBezTo>
+                  <a:cubicBezTo>
+                    <a:pt x="483636" y="531555"/>
+                    <a:pt x="569996" y="557802"/>
+                    <a:pt x="609789" y="512082"/>
+                  </a:cubicBezTo>
+                  <a:cubicBezTo>
+                    <a:pt x="649582" y="466362"/>
+                    <a:pt x="690222" y="330895"/>
+                    <a:pt x="660589" y="247922"/>
+                  </a:cubicBezTo>
+                  <a:cubicBezTo>
+                    <a:pt x="630956" y="164949"/>
+                    <a:pt x="507342" y="47262"/>
+                    <a:pt x="431989" y="14242"/>
+                  </a:cubicBezTo>
+                  <a:cubicBezTo>
+                    <a:pt x="356636" y="-18778"/>
+                    <a:pt x="273662" y="10855"/>
+                    <a:pt x="208469" y="49802"/>
+                  </a:cubicBezTo>
+                  <a:cubicBezTo>
+                    <a:pt x="143276" y="88749"/>
+                    <a:pt x="73849" y="188655"/>
+                    <a:pt x="40829" y="247922"/>
+                  </a:cubicBezTo>
+                  <a:cubicBezTo>
+                    <a:pt x="7809" y="307189"/>
+                    <a:pt x="-17591" y="401169"/>
+                    <a:pt x="15429" y="435882"/>
+                  </a:cubicBezTo>
+                  <a:close/>
+                </a:path>
+              </a:pathLst>
+            </a:custGeom>
+            <a:solidFill>
+              <a:schemeClr val="tx1"/>
+            </a:solidFill>
+            <a:ln w="19050">
+              <a:solidFill>
+                <a:schemeClr val="tx1"/>
+              </a:solidFill>
+            </a:ln>
+          </p:spPr>
+          <p:style>
+            <a:lnRef idx="1">
+              <a:schemeClr val="accent1"/>
+            </a:lnRef>
+            <a:fillRef idx="0">
+              <a:schemeClr val="accent1"/>
+            </a:fillRef>
+            <a:effectRef idx="0">
+              <a:schemeClr val="accent1"/>
+            </a:effectRef>
+            <a:fontRef idx="minor">
+              <a:schemeClr val="tx1"/>
+            </a:fontRef>
+          </p:style>
+          <p:txBody>
+            <a:bodyPr rtlCol="0" anchor="ctr"/>
+            <a:lstStyle/>
+            <a:p>
+              <a:pPr algn="ctr"/>
+              <a:endParaRPr lang="en-US"/>
+            </a:p>
+          </p:txBody>
+        </p:sp>
+        <p:sp>
+          <p:nvSpPr>
+            <p:cNvPr id="37" name="Freeform: Shape 36">
+              <a:extLst>
+                <a:ext uri="{FF2B5EF4-FFF2-40B4-BE49-F238E27FC236}">
+                  <a16:creationId xmlns:a16="http://schemas.microsoft.com/office/drawing/2014/main" id="{8DCBB8D4-AC2C-B0CE-28AE-7269F3BED73B}"/>
+                </a:ext>
+              </a:extLst>
+            </p:cNvPr>
+            <p:cNvSpPr/>
+            <p:nvPr/>
+          </p:nvSpPr>
+          <p:spPr>
+            <a:xfrm>
+              <a:off x="3049984" y="2846182"/>
+              <a:ext cx="632989" cy="443141"/>
+            </a:xfrm>
+            <a:custGeom>
+              <a:avLst/>
+              <a:gdLst>
+                <a:gd name="connsiteX0" fmla="*/ 9733 w 632989"/>
+                <a:gd name="connsiteY0" fmla="*/ 410350 h 443141"/>
+                <a:gd name="connsiteX1" fmla="*/ 273893 w 632989"/>
+                <a:gd name="connsiteY1" fmla="*/ 415430 h 443141"/>
+                <a:gd name="connsiteX2" fmla="*/ 421213 w 632989"/>
+                <a:gd name="connsiteY2" fmla="*/ 369710 h 443141"/>
+                <a:gd name="connsiteX3" fmla="*/ 629493 w 632989"/>
+                <a:gd name="connsiteY3" fmla="*/ 303670 h 443141"/>
+                <a:gd name="connsiteX4" fmla="*/ 517733 w 632989"/>
+                <a:gd name="connsiteY4" fmla="*/ 110630 h 443141"/>
+                <a:gd name="connsiteX5" fmla="*/ 101173 w 632989"/>
+                <a:gd name="connsiteY5" fmla="*/ 14110 h 443141"/>
+                <a:gd name="connsiteX6" fmla="*/ 9733 w 632989"/>
+                <a:gd name="connsiteY6" fmla="*/ 410350 h 443141"/>
+              </a:gdLst>
+              <a:ahLst/>
+              <a:cxnLst>
+                <a:cxn ang="0">
+                  <a:pos x="connsiteX0" y="connsiteY0"/>
+                </a:cxn>
+                <a:cxn ang="0">
+                  <a:pos x="connsiteX1" y="connsiteY1"/>
+                </a:cxn>
+                <a:cxn ang="0">
+                  <a:pos x="connsiteX2" y="connsiteY2"/>
+                </a:cxn>
+                <a:cxn ang="0">
+                  <a:pos x="connsiteX3" y="connsiteY3"/>
+                </a:cxn>
+                <a:cxn ang="0">
+                  <a:pos x="connsiteX4" y="connsiteY4"/>
+                </a:cxn>
+                <a:cxn ang="0">
+                  <a:pos x="connsiteX5" y="connsiteY5"/>
+                </a:cxn>
+                <a:cxn ang="0">
+                  <a:pos x="connsiteX6" y="connsiteY6"/>
+                </a:cxn>
+              </a:cxnLst>
+              <a:rect l="l" t="t" r="r" b="b"/>
+              <a:pathLst>
+                <a:path w="632989" h="443141">
+                  <a:moveTo>
+                    <a:pt x="9733" y="410350"/>
+                  </a:moveTo>
+                  <a:cubicBezTo>
+                    <a:pt x="38520" y="477237"/>
+                    <a:pt x="205313" y="422203"/>
+                    <a:pt x="273893" y="415430"/>
+                  </a:cubicBezTo>
+                  <a:cubicBezTo>
+                    <a:pt x="342473" y="408657"/>
+                    <a:pt x="421213" y="369710"/>
+                    <a:pt x="421213" y="369710"/>
+                  </a:cubicBezTo>
+                  <a:cubicBezTo>
+                    <a:pt x="480480" y="351083"/>
+                    <a:pt x="613406" y="346850"/>
+                    <a:pt x="629493" y="303670"/>
+                  </a:cubicBezTo>
+                  <a:cubicBezTo>
+                    <a:pt x="645580" y="260490"/>
+                    <a:pt x="605786" y="158890"/>
+                    <a:pt x="517733" y="110630"/>
+                  </a:cubicBezTo>
+                  <a:cubicBezTo>
+                    <a:pt x="429680" y="62370"/>
+                    <a:pt x="184993" y="-36690"/>
+                    <a:pt x="101173" y="14110"/>
+                  </a:cubicBezTo>
+                  <a:cubicBezTo>
+                    <a:pt x="17353" y="64910"/>
+                    <a:pt x="-19054" y="343463"/>
+                    <a:pt x="9733" y="410350"/>
+                  </a:cubicBezTo>
+                  <a:close/>
+                </a:path>
+              </a:pathLst>
+            </a:custGeom>
+            <a:solidFill>
+              <a:schemeClr val="tx1"/>
+            </a:solidFill>
+            <a:ln w="19050">
+              <a:solidFill>
+                <a:schemeClr val="tx1"/>
+              </a:solidFill>
+            </a:ln>
+          </p:spPr>
+          <p:style>
+            <a:lnRef idx="1">
+              <a:schemeClr val="accent1"/>
+            </a:lnRef>
+            <a:fillRef idx="0">
+              <a:schemeClr val="accent1"/>
+            </a:fillRef>
+            <a:effectRef idx="0">
+              <a:schemeClr val="accent1"/>
+            </a:effectRef>
+            <a:fontRef idx="minor">
+              <a:schemeClr val="tx1"/>
+            </a:fontRef>
+          </p:style>
+          <p:txBody>
+            <a:bodyPr rtlCol="0" anchor="ctr"/>
+            <a:lstStyle/>
+            <a:p>
+              <a:pPr algn="ctr"/>
+              <a:endParaRPr lang="en-US"/>
+            </a:p>
+          </p:txBody>
+        </p:sp>
+        <p:sp>
+          <p:nvSpPr>
+            <p:cNvPr id="16" name="Freeform: Shape 15">
+              <a:extLst>
+                <a:ext uri="{FF2B5EF4-FFF2-40B4-BE49-F238E27FC236}">
+                  <a16:creationId xmlns:a16="http://schemas.microsoft.com/office/drawing/2014/main" id="{1CBD2E8B-3C03-311E-1855-45204A36A890}"/>
+                </a:ext>
+              </a:extLst>
+            </p:cNvPr>
+            <p:cNvSpPr/>
+            <p:nvPr/>
+          </p:nvSpPr>
+          <p:spPr>
+            <a:xfrm>
+              <a:off x="1132363" y="2386131"/>
+              <a:ext cx="2723352" cy="920102"/>
+            </a:xfrm>
+            <a:custGeom>
+              <a:avLst/>
+              <a:gdLst>
+                <a:gd name="connsiteX0" fmla="*/ 154046 w 1518044"/>
+                <a:gd name="connsiteY0" fmla="*/ 243972 h 514055"/>
+                <a:gd name="connsiteX1" fmla="*/ 238184 w 1518044"/>
+                <a:gd name="connsiteY1" fmla="*/ 155072 h 514055"/>
+                <a:gd name="connsiteX2" fmla="*/ 355659 w 1518044"/>
+                <a:gd name="connsiteY2" fmla="*/ 66172 h 514055"/>
+                <a:gd name="connsiteX3" fmla="*/ 500121 w 1518044"/>
+                <a:gd name="connsiteY3" fmla="*/ 15372 h 514055"/>
+                <a:gd name="connsiteX4" fmla="*/ 739834 w 1518044"/>
+                <a:gd name="connsiteY4" fmla="*/ 1084 h 514055"/>
+                <a:gd name="connsiteX5" fmla="*/ 922396 w 1518044"/>
+                <a:gd name="connsiteY5" fmla="*/ 39184 h 514055"/>
+                <a:gd name="connsiteX6" fmla="*/ 1009709 w 1518044"/>
+                <a:gd name="connsiteY6" fmla="*/ 161422 h 514055"/>
+                <a:gd name="connsiteX7" fmla="*/ 1073209 w 1518044"/>
+                <a:gd name="connsiteY7" fmla="*/ 182059 h 514055"/>
+                <a:gd name="connsiteX8" fmla="*/ 1273234 w 1518044"/>
+                <a:gd name="connsiteY8" fmla="*/ 224922 h 514055"/>
+                <a:gd name="connsiteX9" fmla="*/ 1384359 w 1518044"/>
+                <a:gd name="connsiteY9" fmla="*/ 286834 h 514055"/>
+                <a:gd name="connsiteX10" fmla="*/ 1419284 w 1518044"/>
+                <a:gd name="connsiteY10" fmla="*/ 321759 h 514055"/>
+                <a:gd name="connsiteX11" fmla="*/ 1447859 w 1518044"/>
+                <a:gd name="connsiteY11" fmla="*/ 315409 h 514055"/>
+                <a:gd name="connsiteX12" fmla="*/ 1511359 w 1518044"/>
+                <a:gd name="connsiteY12" fmla="*/ 367797 h 514055"/>
+                <a:gd name="connsiteX13" fmla="*/ 1514534 w 1518044"/>
+                <a:gd name="connsiteY13" fmla="*/ 412247 h 514055"/>
+                <a:gd name="connsiteX14" fmla="*/ 1497071 w 1518044"/>
+                <a:gd name="connsiteY14" fmla="*/ 448759 h 514055"/>
+                <a:gd name="connsiteX15" fmla="*/ 1471671 w 1518044"/>
+                <a:gd name="connsiteY15" fmla="*/ 470984 h 514055"/>
+                <a:gd name="connsiteX16" fmla="*/ 1451034 w 1518044"/>
+                <a:gd name="connsiteY16" fmla="*/ 458284 h 514055"/>
+                <a:gd name="connsiteX17" fmla="*/ 1441509 w 1518044"/>
+                <a:gd name="connsiteY17" fmla="*/ 469397 h 514055"/>
+                <a:gd name="connsiteX18" fmla="*/ 1389121 w 1518044"/>
+                <a:gd name="connsiteY18" fmla="*/ 453522 h 514055"/>
+                <a:gd name="connsiteX19" fmla="*/ 1357371 w 1518044"/>
+                <a:gd name="connsiteY19" fmla="*/ 417009 h 514055"/>
+                <a:gd name="connsiteX20" fmla="*/ 1284346 w 1518044"/>
+                <a:gd name="connsiteY20" fmla="*/ 355097 h 514055"/>
+                <a:gd name="connsiteX21" fmla="*/ 1212909 w 1518044"/>
+                <a:gd name="connsiteY21" fmla="*/ 347159 h 514055"/>
+                <a:gd name="connsiteX22" fmla="*/ 1155759 w 1518044"/>
+                <a:gd name="connsiteY22" fmla="*/ 375734 h 514055"/>
+                <a:gd name="connsiteX23" fmla="*/ 1098609 w 1518044"/>
+                <a:gd name="connsiteY23" fmla="*/ 458284 h 514055"/>
+                <a:gd name="connsiteX24" fmla="*/ 1090671 w 1518044"/>
+                <a:gd name="connsiteY24" fmla="*/ 497972 h 514055"/>
+                <a:gd name="connsiteX25" fmla="*/ 1079559 w 1518044"/>
+                <a:gd name="connsiteY25" fmla="*/ 512259 h 514055"/>
+                <a:gd name="connsiteX26" fmla="*/ 1062096 w 1518044"/>
+                <a:gd name="connsiteY26" fmla="*/ 513847 h 514055"/>
+                <a:gd name="connsiteX27" fmla="*/ 460434 w 1518044"/>
+                <a:gd name="connsiteY27" fmla="*/ 497972 h 514055"/>
+                <a:gd name="connsiteX28" fmla="*/ 439796 w 1518044"/>
+                <a:gd name="connsiteY28" fmla="*/ 421772 h 514055"/>
+                <a:gd name="connsiteX29" fmla="*/ 385821 w 1518044"/>
+                <a:gd name="connsiteY29" fmla="*/ 345572 h 514055"/>
+                <a:gd name="connsiteX30" fmla="*/ 293746 w 1518044"/>
+                <a:gd name="connsiteY30" fmla="*/ 324934 h 514055"/>
+                <a:gd name="connsiteX31" fmla="*/ 231834 w 1518044"/>
+                <a:gd name="connsiteY31" fmla="*/ 361447 h 514055"/>
+                <a:gd name="connsiteX32" fmla="*/ 182621 w 1518044"/>
+                <a:gd name="connsiteY32" fmla="*/ 420184 h 514055"/>
+                <a:gd name="connsiteX33" fmla="*/ 161984 w 1518044"/>
+                <a:gd name="connsiteY33" fmla="*/ 453522 h 514055"/>
+                <a:gd name="connsiteX34" fmla="*/ 130234 w 1518044"/>
+                <a:gd name="connsiteY34" fmla="*/ 459872 h 514055"/>
+                <a:gd name="connsiteX35" fmla="*/ 57209 w 1518044"/>
+                <a:gd name="connsiteY35" fmla="*/ 451934 h 514055"/>
+                <a:gd name="connsiteX36" fmla="*/ 14346 w 1518044"/>
+                <a:gd name="connsiteY36" fmla="*/ 448759 h 514055"/>
+                <a:gd name="connsiteX37" fmla="*/ 59 w 1518044"/>
+                <a:gd name="connsiteY37" fmla="*/ 423359 h 514055"/>
+                <a:gd name="connsiteX38" fmla="*/ 9584 w 1518044"/>
+                <a:gd name="connsiteY38" fmla="*/ 372559 h 514055"/>
+                <a:gd name="connsiteX39" fmla="*/ 17521 w 1518044"/>
+                <a:gd name="connsiteY39" fmla="*/ 332872 h 514055"/>
+                <a:gd name="connsiteX40" fmla="*/ 87371 w 1518044"/>
+                <a:gd name="connsiteY40" fmla="*/ 310647 h 514055"/>
+                <a:gd name="connsiteX41" fmla="*/ 115946 w 1518044"/>
+                <a:gd name="connsiteY41" fmla="*/ 278897 h 514055"/>
+                <a:gd name="connsiteX42" fmla="*/ 96896 w 1518044"/>
+                <a:gd name="connsiteY42" fmla="*/ 278897 h 514055"/>
+                <a:gd name="connsiteX43" fmla="*/ 96896 w 1518044"/>
+                <a:gd name="connsiteY43" fmla="*/ 266197 h 514055"/>
+                <a:gd name="connsiteX44" fmla="*/ 154046 w 1518044"/>
+                <a:gd name="connsiteY44" fmla="*/ 243972 h 514055"/>
+                <a:gd name="connsiteX0" fmla="*/ 154046 w 1518044"/>
+                <a:gd name="connsiteY0" fmla="*/ 243972 h 514055"/>
+                <a:gd name="connsiteX1" fmla="*/ 238184 w 1518044"/>
+                <a:gd name="connsiteY1" fmla="*/ 155072 h 514055"/>
+                <a:gd name="connsiteX2" fmla="*/ 355659 w 1518044"/>
+                <a:gd name="connsiteY2" fmla="*/ 66172 h 514055"/>
+                <a:gd name="connsiteX3" fmla="*/ 500121 w 1518044"/>
+                <a:gd name="connsiteY3" fmla="*/ 15372 h 514055"/>
+                <a:gd name="connsiteX4" fmla="*/ 739834 w 1518044"/>
+                <a:gd name="connsiteY4" fmla="*/ 1084 h 514055"/>
+                <a:gd name="connsiteX5" fmla="*/ 922396 w 1518044"/>
+                <a:gd name="connsiteY5" fmla="*/ 39184 h 514055"/>
+                <a:gd name="connsiteX6" fmla="*/ 1009709 w 1518044"/>
+                <a:gd name="connsiteY6" fmla="*/ 161422 h 514055"/>
+                <a:gd name="connsiteX7" fmla="*/ 1073209 w 1518044"/>
+                <a:gd name="connsiteY7" fmla="*/ 182059 h 514055"/>
+                <a:gd name="connsiteX8" fmla="*/ 1273234 w 1518044"/>
+                <a:gd name="connsiteY8" fmla="*/ 224922 h 514055"/>
+                <a:gd name="connsiteX9" fmla="*/ 1384359 w 1518044"/>
+                <a:gd name="connsiteY9" fmla="*/ 286834 h 514055"/>
+                <a:gd name="connsiteX10" fmla="*/ 1419284 w 1518044"/>
+                <a:gd name="connsiteY10" fmla="*/ 321759 h 514055"/>
+                <a:gd name="connsiteX11" fmla="*/ 1447859 w 1518044"/>
+                <a:gd name="connsiteY11" fmla="*/ 315409 h 514055"/>
+                <a:gd name="connsiteX12" fmla="*/ 1511359 w 1518044"/>
+                <a:gd name="connsiteY12" fmla="*/ 367797 h 514055"/>
+                <a:gd name="connsiteX13" fmla="*/ 1514534 w 1518044"/>
+                <a:gd name="connsiteY13" fmla="*/ 412247 h 514055"/>
+                <a:gd name="connsiteX14" fmla="*/ 1497071 w 1518044"/>
+                <a:gd name="connsiteY14" fmla="*/ 448759 h 514055"/>
+                <a:gd name="connsiteX15" fmla="*/ 1471671 w 1518044"/>
+                <a:gd name="connsiteY15" fmla="*/ 470984 h 514055"/>
+                <a:gd name="connsiteX16" fmla="*/ 1451034 w 1518044"/>
+                <a:gd name="connsiteY16" fmla="*/ 458284 h 514055"/>
+                <a:gd name="connsiteX17" fmla="*/ 1441509 w 1518044"/>
+                <a:gd name="connsiteY17" fmla="*/ 469397 h 514055"/>
+                <a:gd name="connsiteX18" fmla="*/ 1389121 w 1518044"/>
+                <a:gd name="connsiteY18" fmla="*/ 453522 h 514055"/>
+                <a:gd name="connsiteX19" fmla="*/ 1357371 w 1518044"/>
+                <a:gd name="connsiteY19" fmla="*/ 417009 h 514055"/>
+                <a:gd name="connsiteX20" fmla="*/ 1284346 w 1518044"/>
+                <a:gd name="connsiteY20" fmla="*/ 355097 h 514055"/>
+                <a:gd name="connsiteX21" fmla="*/ 1212909 w 1518044"/>
+                <a:gd name="connsiteY21" fmla="*/ 347159 h 514055"/>
+                <a:gd name="connsiteX22" fmla="*/ 1155759 w 1518044"/>
+                <a:gd name="connsiteY22" fmla="*/ 375734 h 514055"/>
+                <a:gd name="connsiteX23" fmla="*/ 1098609 w 1518044"/>
+                <a:gd name="connsiteY23" fmla="*/ 458284 h 514055"/>
+                <a:gd name="connsiteX24" fmla="*/ 1090671 w 1518044"/>
+                <a:gd name="connsiteY24" fmla="*/ 497972 h 514055"/>
+                <a:gd name="connsiteX25" fmla="*/ 1079559 w 1518044"/>
+                <a:gd name="connsiteY25" fmla="*/ 512259 h 514055"/>
+                <a:gd name="connsiteX26" fmla="*/ 1062096 w 1518044"/>
+                <a:gd name="connsiteY26" fmla="*/ 513847 h 514055"/>
+                <a:gd name="connsiteX27" fmla="*/ 460434 w 1518044"/>
+                <a:gd name="connsiteY27" fmla="*/ 497972 h 514055"/>
+                <a:gd name="connsiteX28" fmla="*/ 439796 w 1518044"/>
+                <a:gd name="connsiteY28" fmla="*/ 421772 h 514055"/>
+                <a:gd name="connsiteX29" fmla="*/ 385821 w 1518044"/>
+                <a:gd name="connsiteY29" fmla="*/ 345572 h 514055"/>
+                <a:gd name="connsiteX30" fmla="*/ 293746 w 1518044"/>
+                <a:gd name="connsiteY30" fmla="*/ 324934 h 514055"/>
+                <a:gd name="connsiteX31" fmla="*/ 231834 w 1518044"/>
+                <a:gd name="connsiteY31" fmla="*/ 361447 h 514055"/>
+                <a:gd name="connsiteX32" fmla="*/ 182621 w 1518044"/>
+                <a:gd name="connsiteY32" fmla="*/ 420184 h 514055"/>
+                <a:gd name="connsiteX33" fmla="*/ 161984 w 1518044"/>
+                <a:gd name="connsiteY33" fmla="*/ 453522 h 514055"/>
+                <a:gd name="connsiteX34" fmla="*/ 130234 w 1518044"/>
+                <a:gd name="connsiteY34" fmla="*/ 459872 h 514055"/>
+                <a:gd name="connsiteX35" fmla="*/ 57209 w 1518044"/>
+                <a:gd name="connsiteY35" fmla="*/ 451934 h 514055"/>
+                <a:gd name="connsiteX36" fmla="*/ 14346 w 1518044"/>
+                <a:gd name="connsiteY36" fmla="*/ 448759 h 514055"/>
+                <a:gd name="connsiteX37" fmla="*/ 59 w 1518044"/>
+                <a:gd name="connsiteY37" fmla="*/ 423359 h 514055"/>
+                <a:gd name="connsiteX38" fmla="*/ 9584 w 1518044"/>
+                <a:gd name="connsiteY38" fmla="*/ 372559 h 514055"/>
+                <a:gd name="connsiteX39" fmla="*/ 17521 w 1518044"/>
+                <a:gd name="connsiteY39" fmla="*/ 332872 h 514055"/>
+                <a:gd name="connsiteX40" fmla="*/ 87371 w 1518044"/>
+                <a:gd name="connsiteY40" fmla="*/ 310647 h 514055"/>
+                <a:gd name="connsiteX41" fmla="*/ 115946 w 1518044"/>
+                <a:gd name="connsiteY41" fmla="*/ 278897 h 514055"/>
+                <a:gd name="connsiteX42" fmla="*/ 96896 w 1518044"/>
+                <a:gd name="connsiteY42" fmla="*/ 278897 h 514055"/>
+                <a:gd name="connsiteX43" fmla="*/ 96896 w 1518044"/>
+                <a:gd name="connsiteY43" fmla="*/ 266197 h 514055"/>
+                <a:gd name="connsiteX44" fmla="*/ 154046 w 1518044"/>
+                <a:gd name="connsiteY44" fmla="*/ 243972 h 514055"/>
+                <a:gd name="connsiteX0" fmla="*/ 154046 w 1518044"/>
+                <a:gd name="connsiteY0" fmla="*/ 243972 h 528587"/>
+                <a:gd name="connsiteX1" fmla="*/ 238184 w 1518044"/>
+                <a:gd name="connsiteY1" fmla="*/ 155072 h 528587"/>
+                <a:gd name="connsiteX2" fmla="*/ 355659 w 1518044"/>
+                <a:gd name="connsiteY2" fmla="*/ 66172 h 528587"/>
+                <a:gd name="connsiteX3" fmla="*/ 500121 w 1518044"/>
+                <a:gd name="connsiteY3" fmla="*/ 15372 h 528587"/>
+                <a:gd name="connsiteX4" fmla="*/ 739834 w 1518044"/>
+                <a:gd name="connsiteY4" fmla="*/ 1084 h 528587"/>
+                <a:gd name="connsiteX5" fmla="*/ 922396 w 1518044"/>
+                <a:gd name="connsiteY5" fmla="*/ 39184 h 528587"/>
+                <a:gd name="connsiteX6" fmla="*/ 1009709 w 1518044"/>
+                <a:gd name="connsiteY6" fmla="*/ 161422 h 528587"/>
+                <a:gd name="connsiteX7" fmla="*/ 1073209 w 1518044"/>
+                <a:gd name="connsiteY7" fmla="*/ 182059 h 528587"/>
+                <a:gd name="connsiteX8" fmla="*/ 1273234 w 1518044"/>
+                <a:gd name="connsiteY8" fmla="*/ 224922 h 528587"/>
+                <a:gd name="connsiteX9" fmla="*/ 1384359 w 1518044"/>
+                <a:gd name="connsiteY9" fmla="*/ 286834 h 528587"/>
+                <a:gd name="connsiteX10" fmla="*/ 1419284 w 1518044"/>
+                <a:gd name="connsiteY10" fmla="*/ 321759 h 528587"/>
+                <a:gd name="connsiteX11" fmla="*/ 1447859 w 1518044"/>
+                <a:gd name="connsiteY11" fmla="*/ 315409 h 528587"/>
+                <a:gd name="connsiteX12" fmla="*/ 1511359 w 1518044"/>
+                <a:gd name="connsiteY12" fmla="*/ 367797 h 528587"/>
+                <a:gd name="connsiteX13" fmla="*/ 1514534 w 1518044"/>
+                <a:gd name="connsiteY13" fmla="*/ 412247 h 528587"/>
+                <a:gd name="connsiteX14" fmla="*/ 1497071 w 1518044"/>
+                <a:gd name="connsiteY14" fmla="*/ 448759 h 528587"/>
+                <a:gd name="connsiteX15" fmla="*/ 1471671 w 1518044"/>
+                <a:gd name="connsiteY15" fmla="*/ 470984 h 528587"/>
+                <a:gd name="connsiteX16" fmla="*/ 1451034 w 1518044"/>
+                <a:gd name="connsiteY16" fmla="*/ 458284 h 528587"/>
+                <a:gd name="connsiteX17" fmla="*/ 1441509 w 1518044"/>
+                <a:gd name="connsiteY17" fmla="*/ 469397 h 528587"/>
+                <a:gd name="connsiteX18" fmla="*/ 1389121 w 1518044"/>
+                <a:gd name="connsiteY18" fmla="*/ 453522 h 528587"/>
+                <a:gd name="connsiteX19" fmla="*/ 1357371 w 1518044"/>
+                <a:gd name="connsiteY19" fmla="*/ 417009 h 528587"/>
+                <a:gd name="connsiteX20" fmla="*/ 1284346 w 1518044"/>
+                <a:gd name="connsiteY20" fmla="*/ 355097 h 528587"/>
+                <a:gd name="connsiteX21" fmla="*/ 1212909 w 1518044"/>
+                <a:gd name="connsiteY21" fmla="*/ 347159 h 528587"/>
+                <a:gd name="connsiteX22" fmla="*/ 1155759 w 1518044"/>
+                <a:gd name="connsiteY22" fmla="*/ 375734 h 528587"/>
+                <a:gd name="connsiteX23" fmla="*/ 1098609 w 1518044"/>
+                <a:gd name="connsiteY23" fmla="*/ 458284 h 528587"/>
+                <a:gd name="connsiteX24" fmla="*/ 1090671 w 1518044"/>
+                <a:gd name="connsiteY24" fmla="*/ 497972 h 528587"/>
+                <a:gd name="connsiteX25" fmla="*/ 1079559 w 1518044"/>
+                <a:gd name="connsiteY25" fmla="*/ 512259 h 528587"/>
+                <a:gd name="connsiteX26" fmla="*/ 1062096 w 1518044"/>
+                <a:gd name="connsiteY26" fmla="*/ 513847 h 528587"/>
+                <a:gd name="connsiteX27" fmla="*/ 460434 w 1518044"/>
+                <a:gd name="connsiteY27" fmla="*/ 497972 h 528587"/>
+                <a:gd name="connsiteX28" fmla="*/ 439796 w 1518044"/>
+                <a:gd name="connsiteY28" fmla="*/ 421772 h 528587"/>
+                <a:gd name="connsiteX29" fmla="*/ 385821 w 1518044"/>
+                <a:gd name="connsiteY29" fmla="*/ 345572 h 528587"/>
+                <a:gd name="connsiteX30" fmla="*/ 293746 w 1518044"/>
+                <a:gd name="connsiteY30" fmla="*/ 324934 h 528587"/>
+                <a:gd name="connsiteX31" fmla="*/ 231834 w 1518044"/>
+                <a:gd name="connsiteY31" fmla="*/ 361447 h 528587"/>
+                <a:gd name="connsiteX32" fmla="*/ 182621 w 1518044"/>
+                <a:gd name="connsiteY32" fmla="*/ 420184 h 528587"/>
+                <a:gd name="connsiteX33" fmla="*/ 161984 w 1518044"/>
+                <a:gd name="connsiteY33" fmla="*/ 453522 h 528587"/>
+                <a:gd name="connsiteX34" fmla="*/ 130234 w 1518044"/>
+                <a:gd name="connsiteY34" fmla="*/ 459872 h 528587"/>
+                <a:gd name="connsiteX35" fmla="*/ 57209 w 1518044"/>
+                <a:gd name="connsiteY35" fmla="*/ 451934 h 528587"/>
+                <a:gd name="connsiteX36" fmla="*/ 14346 w 1518044"/>
+                <a:gd name="connsiteY36" fmla="*/ 448759 h 528587"/>
+                <a:gd name="connsiteX37" fmla="*/ 59 w 1518044"/>
+                <a:gd name="connsiteY37" fmla="*/ 423359 h 528587"/>
+                <a:gd name="connsiteX38" fmla="*/ 9584 w 1518044"/>
+                <a:gd name="connsiteY38" fmla="*/ 372559 h 528587"/>
+                <a:gd name="connsiteX39" fmla="*/ 17521 w 1518044"/>
+                <a:gd name="connsiteY39" fmla="*/ 332872 h 528587"/>
+                <a:gd name="connsiteX40" fmla="*/ 87371 w 1518044"/>
+                <a:gd name="connsiteY40" fmla="*/ 310647 h 528587"/>
+                <a:gd name="connsiteX41" fmla="*/ 115946 w 1518044"/>
+                <a:gd name="connsiteY41" fmla="*/ 278897 h 528587"/>
+                <a:gd name="connsiteX42" fmla="*/ 96896 w 1518044"/>
+                <a:gd name="connsiteY42" fmla="*/ 278897 h 528587"/>
+                <a:gd name="connsiteX43" fmla="*/ 96896 w 1518044"/>
+                <a:gd name="connsiteY43" fmla="*/ 266197 h 528587"/>
+                <a:gd name="connsiteX44" fmla="*/ 154046 w 1518044"/>
+                <a:gd name="connsiteY44" fmla="*/ 243972 h 528587"/>
+                <a:gd name="connsiteX0" fmla="*/ 154046 w 1518044"/>
+                <a:gd name="connsiteY0" fmla="*/ 243972 h 514055"/>
+                <a:gd name="connsiteX1" fmla="*/ 238184 w 1518044"/>
+                <a:gd name="connsiteY1" fmla="*/ 155072 h 514055"/>
+                <a:gd name="connsiteX2" fmla="*/ 355659 w 1518044"/>
+                <a:gd name="connsiteY2" fmla="*/ 66172 h 514055"/>
+                <a:gd name="connsiteX3" fmla="*/ 500121 w 1518044"/>
+                <a:gd name="connsiteY3" fmla="*/ 15372 h 514055"/>
+                <a:gd name="connsiteX4" fmla="*/ 739834 w 1518044"/>
+                <a:gd name="connsiteY4" fmla="*/ 1084 h 514055"/>
+                <a:gd name="connsiteX5" fmla="*/ 922396 w 1518044"/>
+                <a:gd name="connsiteY5" fmla="*/ 39184 h 514055"/>
+                <a:gd name="connsiteX6" fmla="*/ 1009709 w 1518044"/>
+                <a:gd name="connsiteY6" fmla="*/ 161422 h 514055"/>
+                <a:gd name="connsiteX7" fmla="*/ 1073209 w 1518044"/>
+                <a:gd name="connsiteY7" fmla="*/ 182059 h 514055"/>
+                <a:gd name="connsiteX8" fmla="*/ 1273234 w 1518044"/>
+                <a:gd name="connsiteY8" fmla="*/ 224922 h 514055"/>
+                <a:gd name="connsiteX9" fmla="*/ 1384359 w 1518044"/>
+                <a:gd name="connsiteY9" fmla="*/ 286834 h 514055"/>
+                <a:gd name="connsiteX10" fmla="*/ 1419284 w 1518044"/>
+                <a:gd name="connsiteY10" fmla="*/ 321759 h 514055"/>
+                <a:gd name="connsiteX11" fmla="*/ 1447859 w 1518044"/>
+                <a:gd name="connsiteY11" fmla="*/ 315409 h 514055"/>
+                <a:gd name="connsiteX12" fmla="*/ 1511359 w 1518044"/>
+                <a:gd name="connsiteY12" fmla="*/ 367797 h 514055"/>
+                <a:gd name="connsiteX13" fmla="*/ 1514534 w 1518044"/>
+                <a:gd name="connsiteY13" fmla="*/ 412247 h 514055"/>
+                <a:gd name="connsiteX14" fmla="*/ 1497071 w 1518044"/>
+                <a:gd name="connsiteY14" fmla="*/ 448759 h 514055"/>
+                <a:gd name="connsiteX15" fmla="*/ 1471671 w 1518044"/>
+                <a:gd name="connsiteY15" fmla="*/ 470984 h 514055"/>
+                <a:gd name="connsiteX16" fmla="*/ 1451034 w 1518044"/>
+                <a:gd name="connsiteY16" fmla="*/ 458284 h 514055"/>
+                <a:gd name="connsiteX17" fmla="*/ 1441509 w 1518044"/>
+                <a:gd name="connsiteY17" fmla="*/ 469397 h 514055"/>
+                <a:gd name="connsiteX18" fmla="*/ 1389121 w 1518044"/>
+                <a:gd name="connsiteY18" fmla="*/ 453522 h 514055"/>
+                <a:gd name="connsiteX19" fmla="*/ 1357371 w 1518044"/>
+                <a:gd name="connsiteY19" fmla="*/ 417009 h 514055"/>
+                <a:gd name="connsiteX20" fmla="*/ 1284346 w 1518044"/>
+                <a:gd name="connsiteY20" fmla="*/ 355097 h 514055"/>
+                <a:gd name="connsiteX21" fmla="*/ 1212909 w 1518044"/>
+                <a:gd name="connsiteY21" fmla="*/ 347159 h 514055"/>
+                <a:gd name="connsiteX22" fmla="*/ 1155759 w 1518044"/>
+                <a:gd name="connsiteY22" fmla="*/ 375734 h 514055"/>
+                <a:gd name="connsiteX23" fmla="*/ 1098609 w 1518044"/>
+                <a:gd name="connsiteY23" fmla="*/ 458284 h 514055"/>
+                <a:gd name="connsiteX24" fmla="*/ 1090671 w 1518044"/>
+                <a:gd name="connsiteY24" fmla="*/ 497972 h 514055"/>
+                <a:gd name="connsiteX25" fmla="*/ 1079559 w 1518044"/>
+                <a:gd name="connsiteY25" fmla="*/ 512259 h 514055"/>
+                <a:gd name="connsiteX26" fmla="*/ 1062096 w 1518044"/>
+                <a:gd name="connsiteY26" fmla="*/ 513847 h 514055"/>
+                <a:gd name="connsiteX27" fmla="*/ 460434 w 1518044"/>
+                <a:gd name="connsiteY27" fmla="*/ 497972 h 514055"/>
+                <a:gd name="connsiteX28" fmla="*/ 439796 w 1518044"/>
+                <a:gd name="connsiteY28" fmla="*/ 421772 h 514055"/>
+                <a:gd name="connsiteX29" fmla="*/ 385821 w 1518044"/>
+                <a:gd name="connsiteY29" fmla="*/ 345572 h 514055"/>
+                <a:gd name="connsiteX30" fmla="*/ 293746 w 1518044"/>
+                <a:gd name="connsiteY30" fmla="*/ 324934 h 514055"/>
+                <a:gd name="connsiteX31" fmla="*/ 231834 w 1518044"/>
+                <a:gd name="connsiteY31" fmla="*/ 361447 h 514055"/>
+                <a:gd name="connsiteX32" fmla="*/ 182621 w 1518044"/>
+                <a:gd name="connsiteY32" fmla="*/ 420184 h 514055"/>
+                <a:gd name="connsiteX33" fmla="*/ 161984 w 1518044"/>
+                <a:gd name="connsiteY33" fmla="*/ 453522 h 514055"/>
+                <a:gd name="connsiteX34" fmla="*/ 130234 w 1518044"/>
+                <a:gd name="connsiteY34" fmla="*/ 459872 h 514055"/>
+                <a:gd name="connsiteX35" fmla="*/ 57209 w 1518044"/>
+                <a:gd name="connsiteY35" fmla="*/ 451934 h 514055"/>
+                <a:gd name="connsiteX36" fmla="*/ 14346 w 1518044"/>
+                <a:gd name="connsiteY36" fmla="*/ 448759 h 514055"/>
+                <a:gd name="connsiteX37" fmla="*/ 59 w 1518044"/>
+                <a:gd name="connsiteY37" fmla="*/ 423359 h 514055"/>
+                <a:gd name="connsiteX38" fmla="*/ 9584 w 1518044"/>
+                <a:gd name="connsiteY38" fmla="*/ 372559 h 514055"/>
+                <a:gd name="connsiteX39" fmla="*/ 17521 w 1518044"/>
+                <a:gd name="connsiteY39" fmla="*/ 332872 h 514055"/>
+                <a:gd name="connsiteX40" fmla="*/ 87371 w 1518044"/>
+                <a:gd name="connsiteY40" fmla="*/ 310647 h 514055"/>
+                <a:gd name="connsiteX41" fmla="*/ 115946 w 1518044"/>
+                <a:gd name="connsiteY41" fmla="*/ 278897 h 514055"/>
+                <a:gd name="connsiteX42" fmla="*/ 96896 w 1518044"/>
+                <a:gd name="connsiteY42" fmla="*/ 278897 h 514055"/>
+                <a:gd name="connsiteX43" fmla="*/ 96896 w 1518044"/>
+                <a:gd name="connsiteY43" fmla="*/ 266197 h 514055"/>
+                <a:gd name="connsiteX44" fmla="*/ 154046 w 1518044"/>
+                <a:gd name="connsiteY44" fmla="*/ 243972 h 514055"/>
+                <a:gd name="connsiteX0" fmla="*/ 154046 w 1518044"/>
+                <a:gd name="connsiteY0" fmla="*/ 243972 h 519667"/>
+                <a:gd name="connsiteX1" fmla="*/ 238184 w 1518044"/>
+                <a:gd name="connsiteY1" fmla="*/ 155072 h 519667"/>
+                <a:gd name="connsiteX2" fmla="*/ 355659 w 1518044"/>
+                <a:gd name="connsiteY2" fmla="*/ 66172 h 519667"/>
+                <a:gd name="connsiteX3" fmla="*/ 500121 w 1518044"/>
+                <a:gd name="connsiteY3" fmla="*/ 15372 h 519667"/>
+                <a:gd name="connsiteX4" fmla="*/ 739834 w 1518044"/>
+                <a:gd name="connsiteY4" fmla="*/ 1084 h 519667"/>
+                <a:gd name="connsiteX5" fmla="*/ 922396 w 1518044"/>
+                <a:gd name="connsiteY5" fmla="*/ 39184 h 519667"/>
+                <a:gd name="connsiteX6" fmla="*/ 1009709 w 1518044"/>
+                <a:gd name="connsiteY6" fmla="*/ 161422 h 519667"/>
+                <a:gd name="connsiteX7" fmla="*/ 1073209 w 1518044"/>
+                <a:gd name="connsiteY7" fmla="*/ 182059 h 519667"/>
+                <a:gd name="connsiteX8" fmla="*/ 1273234 w 1518044"/>
+                <a:gd name="connsiteY8" fmla="*/ 224922 h 519667"/>
+                <a:gd name="connsiteX9" fmla="*/ 1384359 w 1518044"/>
+                <a:gd name="connsiteY9" fmla="*/ 286834 h 519667"/>
+                <a:gd name="connsiteX10" fmla="*/ 1419284 w 1518044"/>
+                <a:gd name="connsiteY10" fmla="*/ 321759 h 519667"/>
+                <a:gd name="connsiteX11" fmla="*/ 1447859 w 1518044"/>
+                <a:gd name="connsiteY11" fmla="*/ 315409 h 519667"/>
+                <a:gd name="connsiteX12" fmla="*/ 1511359 w 1518044"/>
+                <a:gd name="connsiteY12" fmla="*/ 367797 h 519667"/>
+                <a:gd name="connsiteX13" fmla="*/ 1514534 w 1518044"/>
+                <a:gd name="connsiteY13" fmla="*/ 412247 h 519667"/>
+                <a:gd name="connsiteX14" fmla="*/ 1497071 w 1518044"/>
+                <a:gd name="connsiteY14" fmla="*/ 448759 h 519667"/>
+                <a:gd name="connsiteX15" fmla="*/ 1471671 w 1518044"/>
+                <a:gd name="connsiteY15" fmla="*/ 470984 h 519667"/>
+                <a:gd name="connsiteX16" fmla="*/ 1451034 w 1518044"/>
+                <a:gd name="connsiteY16" fmla="*/ 458284 h 519667"/>
+                <a:gd name="connsiteX17" fmla="*/ 1441509 w 1518044"/>
+                <a:gd name="connsiteY17" fmla="*/ 469397 h 519667"/>
+                <a:gd name="connsiteX18" fmla="*/ 1389121 w 1518044"/>
+                <a:gd name="connsiteY18" fmla="*/ 453522 h 519667"/>
+                <a:gd name="connsiteX19" fmla="*/ 1357371 w 1518044"/>
+                <a:gd name="connsiteY19" fmla="*/ 417009 h 519667"/>
+                <a:gd name="connsiteX20" fmla="*/ 1284346 w 1518044"/>
+                <a:gd name="connsiteY20" fmla="*/ 355097 h 519667"/>
+                <a:gd name="connsiteX21" fmla="*/ 1212909 w 1518044"/>
+                <a:gd name="connsiteY21" fmla="*/ 347159 h 519667"/>
+                <a:gd name="connsiteX22" fmla="*/ 1155759 w 1518044"/>
+                <a:gd name="connsiteY22" fmla="*/ 375734 h 519667"/>
+                <a:gd name="connsiteX23" fmla="*/ 1098609 w 1518044"/>
+                <a:gd name="connsiteY23" fmla="*/ 458284 h 519667"/>
+                <a:gd name="connsiteX24" fmla="*/ 1090671 w 1518044"/>
+                <a:gd name="connsiteY24" fmla="*/ 497972 h 519667"/>
+                <a:gd name="connsiteX25" fmla="*/ 1079559 w 1518044"/>
+                <a:gd name="connsiteY25" fmla="*/ 512259 h 519667"/>
+                <a:gd name="connsiteX26" fmla="*/ 1062096 w 1518044"/>
+                <a:gd name="connsiteY26" fmla="*/ 513847 h 519667"/>
+                <a:gd name="connsiteX27" fmla="*/ 460434 w 1518044"/>
+                <a:gd name="connsiteY27" fmla="*/ 497972 h 519667"/>
+                <a:gd name="connsiteX28" fmla="*/ 439796 w 1518044"/>
+                <a:gd name="connsiteY28" fmla="*/ 421772 h 519667"/>
+                <a:gd name="connsiteX29" fmla="*/ 385821 w 1518044"/>
+                <a:gd name="connsiteY29" fmla="*/ 345572 h 519667"/>
+                <a:gd name="connsiteX30" fmla="*/ 293746 w 1518044"/>
+                <a:gd name="connsiteY30" fmla="*/ 324934 h 519667"/>
+                <a:gd name="connsiteX31" fmla="*/ 231834 w 1518044"/>
+                <a:gd name="connsiteY31" fmla="*/ 361447 h 519667"/>
+                <a:gd name="connsiteX32" fmla="*/ 182621 w 1518044"/>
+                <a:gd name="connsiteY32" fmla="*/ 420184 h 519667"/>
+                <a:gd name="connsiteX33" fmla="*/ 161984 w 1518044"/>
+                <a:gd name="connsiteY33" fmla="*/ 453522 h 519667"/>
+                <a:gd name="connsiteX34" fmla="*/ 130234 w 1518044"/>
+                <a:gd name="connsiteY34" fmla="*/ 459872 h 519667"/>
+                <a:gd name="connsiteX35" fmla="*/ 57209 w 1518044"/>
+                <a:gd name="connsiteY35" fmla="*/ 451934 h 519667"/>
+                <a:gd name="connsiteX36" fmla="*/ 14346 w 1518044"/>
+                <a:gd name="connsiteY36" fmla="*/ 448759 h 519667"/>
+                <a:gd name="connsiteX37" fmla="*/ 59 w 1518044"/>
+                <a:gd name="connsiteY37" fmla="*/ 423359 h 519667"/>
+                <a:gd name="connsiteX38" fmla="*/ 9584 w 1518044"/>
+                <a:gd name="connsiteY38" fmla="*/ 372559 h 519667"/>
+                <a:gd name="connsiteX39" fmla="*/ 17521 w 1518044"/>
+                <a:gd name="connsiteY39" fmla="*/ 332872 h 519667"/>
+                <a:gd name="connsiteX40" fmla="*/ 87371 w 1518044"/>
+                <a:gd name="connsiteY40" fmla="*/ 310647 h 519667"/>
+                <a:gd name="connsiteX41" fmla="*/ 115946 w 1518044"/>
+                <a:gd name="connsiteY41" fmla="*/ 278897 h 519667"/>
+                <a:gd name="connsiteX42" fmla="*/ 96896 w 1518044"/>
+                <a:gd name="connsiteY42" fmla="*/ 278897 h 519667"/>
+                <a:gd name="connsiteX43" fmla="*/ 96896 w 1518044"/>
+                <a:gd name="connsiteY43" fmla="*/ 266197 h 519667"/>
+                <a:gd name="connsiteX44" fmla="*/ 154046 w 1518044"/>
+                <a:gd name="connsiteY44" fmla="*/ 243972 h 519667"/>
+                <a:gd name="connsiteX0" fmla="*/ 154046 w 1518044"/>
+                <a:gd name="connsiteY0" fmla="*/ 243972 h 514055"/>
+                <a:gd name="connsiteX1" fmla="*/ 238184 w 1518044"/>
+                <a:gd name="connsiteY1" fmla="*/ 155072 h 514055"/>
+                <a:gd name="connsiteX2" fmla="*/ 355659 w 1518044"/>
+                <a:gd name="connsiteY2" fmla="*/ 66172 h 514055"/>
+                <a:gd name="connsiteX3" fmla="*/ 500121 w 1518044"/>
+                <a:gd name="connsiteY3" fmla="*/ 15372 h 514055"/>
+                <a:gd name="connsiteX4" fmla="*/ 739834 w 1518044"/>
+                <a:gd name="connsiteY4" fmla="*/ 1084 h 514055"/>
+                <a:gd name="connsiteX5" fmla="*/ 922396 w 1518044"/>
+                <a:gd name="connsiteY5" fmla="*/ 39184 h 514055"/>
+                <a:gd name="connsiteX6" fmla="*/ 1009709 w 1518044"/>
+                <a:gd name="connsiteY6" fmla="*/ 161422 h 514055"/>
+                <a:gd name="connsiteX7" fmla="*/ 1073209 w 1518044"/>
+                <a:gd name="connsiteY7" fmla="*/ 182059 h 514055"/>
+                <a:gd name="connsiteX8" fmla="*/ 1273234 w 1518044"/>
+                <a:gd name="connsiteY8" fmla="*/ 224922 h 514055"/>
+                <a:gd name="connsiteX9" fmla="*/ 1384359 w 1518044"/>
+                <a:gd name="connsiteY9" fmla="*/ 286834 h 514055"/>
+                <a:gd name="connsiteX10" fmla="*/ 1419284 w 1518044"/>
+                <a:gd name="connsiteY10" fmla="*/ 321759 h 514055"/>
+                <a:gd name="connsiteX11" fmla="*/ 1447859 w 1518044"/>
+                <a:gd name="connsiteY11" fmla="*/ 315409 h 514055"/>
+                <a:gd name="connsiteX12" fmla="*/ 1511359 w 1518044"/>
+                <a:gd name="connsiteY12" fmla="*/ 367797 h 514055"/>
+                <a:gd name="connsiteX13" fmla="*/ 1514534 w 1518044"/>
+                <a:gd name="connsiteY13" fmla="*/ 412247 h 514055"/>
+                <a:gd name="connsiteX14" fmla="*/ 1497071 w 1518044"/>
+                <a:gd name="connsiteY14" fmla="*/ 448759 h 514055"/>
+                <a:gd name="connsiteX15" fmla="*/ 1471671 w 1518044"/>
+                <a:gd name="connsiteY15" fmla="*/ 470984 h 514055"/>
+                <a:gd name="connsiteX16" fmla="*/ 1451034 w 1518044"/>
+                <a:gd name="connsiteY16" fmla="*/ 458284 h 514055"/>
+                <a:gd name="connsiteX17" fmla="*/ 1441509 w 1518044"/>
+                <a:gd name="connsiteY17" fmla="*/ 469397 h 514055"/>
+                <a:gd name="connsiteX18" fmla="*/ 1389121 w 1518044"/>
+                <a:gd name="connsiteY18" fmla="*/ 453522 h 514055"/>
+                <a:gd name="connsiteX19" fmla="*/ 1357371 w 1518044"/>
+                <a:gd name="connsiteY19" fmla="*/ 417009 h 514055"/>
+                <a:gd name="connsiteX20" fmla="*/ 1284346 w 1518044"/>
+                <a:gd name="connsiteY20" fmla="*/ 355097 h 514055"/>
+                <a:gd name="connsiteX21" fmla="*/ 1212909 w 1518044"/>
+                <a:gd name="connsiteY21" fmla="*/ 347159 h 514055"/>
+                <a:gd name="connsiteX22" fmla="*/ 1155759 w 1518044"/>
+                <a:gd name="connsiteY22" fmla="*/ 375734 h 514055"/>
+                <a:gd name="connsiteX23" fmla="*/ 1098609 w 1518044"/>
+                <a:gd name="connsiteY23" fmla="*/ 458284 h 514055"/>
+                <a:gd name="connsiteX24" fmla="*/ 1090671 w 1518044"/>
+                <a:gd name="connsiteY24" fmla="*/ 497972 h 514055"/>
+                <a:gd name="connsiteX25" fmla="*/ 1079559 w 1518044"/>
+                <a:gd name="connsiteY25" fmla="*/ 512259 h 514055"/>
+                <a:gd name="connsiteX26" fmla="*/ 1062096 w 1518044"/>
+                <a:gd name="connsiteY26" fmla="*/ 513847 h 514055"/>
+                <a:gd name="connsiteX27" fmla="*/ 460434 w 1518044"/>
+                <a:gd name="connsiteY27" fmla="*/ 497972 h 514055"/>
+                <a:gd name="connsiteX28" fmla="*/ 439796 w 1518044"/>
+                <a:gd name="connsiteY28" fmla="*/ 421772 h 514055"/>
+                <a:gd name="connsiteX29" fmla="*/ 385821 w 1518044"/>
+                <a:gd name="connsiteY29" fmla="*/ 345572 h 514055"/>
+                <a:gd name="connsiteX30" fmla="*/ 293746 w 1518044"/>
+                <a:gd name="connsiteY30" fmla="*/ 324934 h 514055"/>
+                <a:gd name="connsiteX31" fmla="*/ 231834 w 1518044"/>
+                <a:gd name="connsiteY31" fmla="*/ 361447 h 514055"/>
+                <a:gd name="connsiteX32" fmla="*/ 182621 w 1518044"/>
+                <a:gd name="connsiteY32" fmla="*/ 420184 h 514055"/>
+                <a:gd name="connsiteX33" fmla="*/ 161984 w 1518044"/>
+                <a:gd name="connsiteY33" fmla="*/ 453522 h 514055"/>
+                <a:gd name="connsiteX34" fmla="*/ 130234 w 1518044"/>
+                <a:gd name="connsiteY34" fmla="*/ 459872 h 514055"/>
+                <a:gd name="connsiteX35" fmla="*/ 57209 w 1518044"/>
+                <a:gd name="connsiteY35" fmla="*/ 451934 h 514055"/>
+                <a:gd name="connsiteX36" fmla="*/ 14346 w 1518044"/>
+                <a:gd name="connsiteY36" fmla="*/ 448759 h 514055"/>
+                <a:gd name="connsiteX37" fmla="*/ 59 w 1518044"/>
+                <a:gd name="connsiteY37" fmla="*/ 423359 h 514055"/>
+                <a:gd name="connsiteX38" fmla="*/ 9584 w 1518044"/>
+                <a:gd name="connsiteY38" fmla="*/ 372559 h 514055"/>
+                <a:gd name="connsiteX39" fmla="*/ 17521 w 1518044"/>
+                <a:gd name="connsiteY39" fmla="*/ 332872 h 514055"/>
+                <a:gd name="connsiteX40" fmla="*/ 87371 w 1518044"/>
+                <a:gd name="connsiteY40" fmla="*/ 310647 h 514055"/>
+                <a:gd name="connsiteX41" fmla="*/ 115946 w 1518044"/>
+                <a:gd name="connsiteY41" fmla="*/ 278897 h 514055"/>
+                <a:gd name="connsiteX42" fmla="*/ 96896 w 1518044"/>
+                <a:gd name="connsiteY42" fmla="*/ 278897 h 514055"/>
+                <a:gd name="connsiteX43" fmla="*/ 96896 w 1518044"/>
+                <a:gd name="connsiteY43" fmla="*/ 266197 h 514055"/>
+                <a:gd name="connsiteX44" fmla="*/ 154046 w 1518044"/>
+                <a:gd name="connsiteY44" fmla="*/ 243972 h 514055"/>
+                <a:gd name="connsiteX0" fmla="*/ 154046 w 1518044"/>
+                <a:gd name="connsiteY0" fmla="*/ 243972 h 518995"/>
+                <a:gd name="connsiteX1" fmla="*/ 238184 w 1518044"/>
+                <a:gd name="connsiteY1" fmla="*/ 155072 h 518995"/>
+                <a:gd name="connsiteX2" fmla="*/ 355659 w 1518044"/>
+                <a:gd name="connsiteY2" fmla="*/ 66172 h 518995"/>
+                <a:gd name="connsiteX3" fmla="*/ 500121 w 1518044"/>
+                <a:gd name="connsiteY3" fmla="*/ 15372 h 518995"/>
+                <a:gd name="connsiteX4" fmla="*/ 739834 w 1518044"/>
+                <a:gd name="connsiteY4" fmla="*/ 1084 h 518995"/>
+                <a:gd name="connsiteX5" fmla="*/ 922396 w 1518044"/>
+                <a:gd name="connsiteY5" fmla="*/ 39184 h 518995"/>
+                <a:gd name="connsiteX6" fmla="*/ 1009709 w 1518044"/>
+                <a:gd name="connsiteY6" fmla="*/ 161422 h 518995"/>
+                <a:gd name="connsiteX7" fmla="*/ 1073209 w 1518044"/>
+                <a:gd name="connsiteY7" fmla="*/ 182059 h 518995"/>
+                <a:gd name="connsiteX8" fmla="*/ 1273234 w 1518044"/>
+                <a:gd name="connsiteY8" fmla="*/ 224922 h 518995"/>
+                <a:gd name="connsiteX9" fmla="*/ 1384359 w 1518044"/>
+                <a:gd name="connsiteY9" fmla="*/ 286834 h 518995"/>
+                <a:gd name="connsiteX10" fmla="*/ 1419284 w 1518044"/>
+                <a:gd name="connsiteY10" fmla="*/ 321759 h 518995"/>
+                <a:gd name="connsiteX11" fmla="*/ 1447859 w 1518044"/>
+                <a:gd name="connsiteY11" fmla="*/ 315409 h 518995"/>
+                <a:gd name="connsiteX12" fmla="*/ 1511359 w 1518044"/>
+                <a:gd name="connsiteY12" fmla="*/ 367797 h 518995"/>
+                <a:gd name="connsiteX13" fmla="*/ 1514534 w 1518044"/>
+                <a:gd name="connsiteY13" fmla="*/ 412247 h 518995"/>
+                <a:gd name="connsiteX14" fmla="*/ 1497071 w 1518044"/>
+                <a:gd name="connsiteY14" fmla="*/ 448759 h 518995"/>
+                <a:gd name="connsiteX15" fmla="*/ 1471671 w 1518044"/>
+                <a:gd name="connsiteY15" fmla="*/ 470984 h 518995"/>
+                <a:gd name="connsiteX16" fmla="*/ 1451034 w 1518044"/>
+                <a:gd name="connsiteY16" fmla="*/ 458284 h 518995"/>
+                <a:gd name="connsiteX17" fmla="*/ 1441509 w 1518044"/>
+                <a:gd name="connsiteY17" fmla="*/ 469397 h 518995"/>
+                <a:gd name="connsiteX18" fmla="*/ 1389121 w 1518044"/>
+                <a:gd name="connsiteY18" fmla="*/ 453522 h 518995"/>
+                <a:gd name="connsiteX19" fmla="*/ 1357371 w 1518044"/>
+                <a:gd name="connsiteY19" fmla="*/ 417009 h 518995"/>
+                <a:gd name="connsiteX20" fmla="*/ 1284346 w 1518044"/>
+                <a:gd name="connsiteY20" fmla="*/ 355097 h 518995"/>
+                <a:gd name="connsiteX21" fmla="*/ 1212909 w 1518044"/>
+                <a:gd name="connsiteY21" fmla="*/ 347159 h 518995"/>
+                <a:gd name="connsiteX22" fmla="*/ 1155759 w 1518044"/>
+                <a:gd name="connsiteY22" fmla="*/ 375734 h 518995"/>
+                <a:gd name="connsiteX23" fmla="*/ 1098609 w 1518044"/>
+                <a:gd name="connsiteY23" fmla="*/ 458284 h 518995"/>
+                <a:gd name="connsiteX24" fmla="*/ 1090671 w 1518044"/>
+                <a:gd name="connsiteY24" fmla="*/ 497972 h 518995"/>
+                <a:gd name="connsiteX25" fmla="*/ 1079559 w 1518044"/>
+                <a:gd name="connsiteY25" fmla="*/ 512259 h 518995"/>
+                <a:gd name="connsiteX26" fmla="*/ 1062096 w 1518044"/>
+                <a:gd name="connsiteY26" fmla="*/ 513847 h 518995"/>
+                <a:gd name="connsiteX27" fmla="*/ 460434 w 1518044"/>
+                <a:gd name="connsiteY27" fmla="*/ 497972 h 518995"/>
+                <a:gd name="connsiteX28" fmla="*/ 439796 w 1518044"/>
+                <a:gd name="connsiteY28" fmla="*/ 421772 h 518995"/>
+                <a:gd name="connsiteX29" fmla="*/ 385821 w 1518044"/>
+                <a:gd name="connsiteY29" fmla="*/ 345572 h 518995"/>
+                <a:gd name="connsiteX30" fmla="*/ 293746 w 1518044"/>
+                <a:gd name="connsiteY30" fmla="*/ 324934 h 518995"/>
+                <a:gd name="connsiteX31" fmla="*/ 231834 w 1518044"/>
+                <a:gd name="connsiteY31" fmla="*/ 361447 h 518995"/>
+                <a:gd name="connsiteX32" fmla="*/ 182621 w 1518044"/>
+                <a:gd name="connsiteY32" fmla="*/ 420184 h 518995"/>
+                <a:gd name="connsiteX33" fmla="*/ 161984 w 1518044"/>
+                <a:gd name="connsiteY33" fmla="*/ 453522 h 518995"/>
+                <a:gd name="connsiteX34" fmla="*/ 130234 w 1518044"/>
+                <a:gd name="connsiteY34" fmla="*/ 459872 h 518995"/>
+                <a:gd name="connsiteX35" fmla="*/ 57209 w 1518044"/>
+                <a:gd name="connsiteY35" fmla="*/ 451934 h 518995"/>
+                <a:gd name="connsiteX36" fmla="*/ 14346 w 1518044"/>
+                <a:gd name="connsiteY36" fmla="*/ 448759 h 518995"/>
+                <a:gd name="connsiteX37" fmla="*/ 59 w 1518044"/>
+                <a:gd name="connsiteY37" fmla="*/ 423359 h 518995"/>
+                <a:gd name="connsiteX38" fmla="*/ 9584 w 1518044"/>
+                <a:gd name="connsiteY38" fmla="*/ 372559 h 518995"/>
+                <a:gd name="connsiteX39" fmla="*/ 17521 w 1518044"/>
+                <a:gd name="connsiteY39" fmla="*/ 332872 h 518995"/>
+                <a:gd name="connsiteX40" fmla="*/ 87371 w 1518044"/>
+                <a:gd name="connsiteY40" fmla="*/ 310647 h 518995"/>
+                <a:gd name="connsiteX41" fmla="*/ 115946 w 1518044"/>
+                <a:gd name="connsiteY41" fmla="*/ 278897 h 518995"/>
+                <a:gd name="connsiteX42" fmla="*/ 96896 w 1518044"/>
+                <a:gd name="connsiteY42" fmla="*/ 278897 h 518995"/>
+                <a:gd name="connsiteX43" fmla="*/ 96896 w 1518044"/>
+                <a:gd name="connsiteY43" fmla="*/ 266197 h 518995"/>
+                <a:gd name="connsiteX44" fmla="*/ 154046 w 1518044"/>
+                <a:gd name="connsiteY44" fmla="*/ 243972 h 518995"/>
+                <a:gd name="connsiteX0" fmla="*/ 154046 w 1518044"/>
+                <a:gd name="connsiteY0" fmla="*/ 243972 h 514055"/>
+                <a:gd name="connsiteX1" fmla="*/ 238184 w 1518044"/>
+                <a:gd name="connsiteY1" fmla="*/ 155072 h 514055"/>
+                <a:gd name="connsiteX2" fmla="*/ 355659 w 1518044"/>
+                <a:gd name="connsiteY2" fmla="*/ 66172 h 514055"/>
+                <a:gd name="connsiteX3" fmla="*/ 500121 w 1518044"/>
+                <a:gd name="connsiteY3" fmla="*/ 15372 h 514055"/>
+                <a:gd name="connsiteX4" fmla="*/ 739834 w 1518044"/>
+                <a:gd name="connsiteY4" fmla="*/ 1084 h 514055"/>
+                <a:gd name="connsiteX5" fmla="*/ 922396 w 1518044"/>
+                <a:gd name="connsiteY5" fmla="*/ 39184 h 514055"/>
+                <a:gd name="connsiteX6" fmla="*/ 1009709 w 1518044"/>
+                <a:gd name="connsiteY6" fmla="*/ 161422 h 514055"/>
+                <a:gd name="connsiteX7" fmla="*/ 1073209 w 1518044"/>
+                <a:gd name="connsiteY7" fmla="*/ 182059 h 514055"/>
+                <a:gd name="connsiteX8" fmla="*/ 1273234 w 1518044"/>
+                <a:gd name="connsiteY8" fmla="*/ 224922 h 514055"/>
+                <a:gd name="connsiteX9" fmla="*/ 1384359 w 1518044"/>
+                <a:gd name="connsiteY9" fmla="*/ 286834 h 514055"/>
+                <a:gd name="connsiteX10" fmla="*/ 1419284 w 1518044"/>
+                <a:gd name="connsiteY10" fmla="*/ 321759 h 514055"/>
+                <a:gd name="connsiteX11" fmla="*/ 1447859 w 1518044"/>
+                <a:gd name="connsiteY11" fmla="*/ 315409 h 514055"/>
+                <a:gd name="connsiteX12" fmla="*/ 1511359 w 1518044"/>
+                <a:gd name="connsiteY12" fmla="*/ 367797 h 514055"/>
+                <a:gd name="connsiteX13" fmla="*/ 1514534 w 1518044"/>
+                <a:gd name="connsiteY13" fmla="*/ 412247 h 514055"/>
+                <a:gd name="connsiteX14" fmla="*/ 1497071 w 1518044"/>
+                <a:gd name="connsiteY14" fmla="*/ 448759 h 514055"/>
+                <a:gd name="connsiteX15" fmla="*/ 1471671 w 1518044"/>
+                <a:gd name="connsiteY15" fmla="*/ 470984 h 514055"/>
+                <a:gd name="connsiteX16" fmla="*/ 1451034 w 1518044"/>
+                <a:gd name="connsiteY16" fmla="*/ 458284 h 514055"/>
+                <a:gd name="connsiteX17" fmla="*/ 1441509 w 1518044"/>
+                <a:gd name="connsiteY17" fmla="*/ 469397 h 514055"/>
+                <a:gd name="connsiteX18" fmla="*/ 1389121 w 1518044"/>
+                <a:gd name="connsiteY18" fmla="*/ 453522 h 514055"/>
+                <a:gd name="connsiteX19" fmla="*/ 1357371 w 1518044"/>
+                <a:gd name="connsiteY19" fmla="*/ 417009 h 514055"/>
+                <a:gd name="connsiteX20" fmla="*/ 1284346 w 1518044"/>
+                <a:gd name="connsiteY20" fmla="*/ 355097 h 514055"/>
+                <a:gd name="connsiteX21" fmla="*/ 1212909 w 1518044"/>
+                <a:gd name="connsiteY21" fmla="*/ 347159 h 514055"/>
+                <a:gd name="connsiteX22" fmla="*/ 1155759 w 1518044"/>
+                <a:gd name="connsiteY22" fmla="*/ 375734 h 514055"/>
+                <a:gd name="connsiteX23" fmla="*/ 1098609 w 1518044"/>
+                <a:gd name="connsiteY23" fmla="*/ 458284 h 514055"/>
+                <a:gd name="connsiteX24" fmla="*/ 1090671 w 1518044"/>
+                <a:gd name="connsiteY24" fmla="*/ 497972 h 514055"/>
+                <a:gd name="connsiteX25" fmla="*/ 1079559 w 1518044"/>
+                <a:gd name="connsiteY25" fmla="*/ 512259 h 514055"/>
+                <a:gd name="connsiteX26" fmla="*/ 1062096 w 1518044"/>
+                <a:gd name="connsiteY26" fmla="*/ 513847 h 514055"/>
+                <a:gd name="connsiteX27" fmla="*/ 460434 w 1518044"/>
+                <a:gd name="connsiteY27" fmla="*/ 497972 h 514055"/>
+                <a:gd name="connsiteX28" fmla="*/ 439796 w 1518044"/>
+                <a:gd name="connsiteY28" fmla="*/ 421772 h 514055"/>
+                <a:gd name="connsiteX29" fmla="*/ 385821 w 1518044"/>
+                <a:gd name="connsiteY29" fmla="*/ 345572 h 514055"/>
+                <a:gd name="connsiteX30" fmla="*/ 293746 w 1518044"/>
+                <a:gd name="connsiteY30" fmla="*/ 324934 h 514055"/>
+                <a:gd name="connsiteX31" fmla="*/ 231834 w 1518044"/>
+                <a:gd name="connsiteY31" fmla="*/ 361447 h 514055"/>
+                <a:gd name="connsiteX32" fmla="*/ 182621 w 1518044"/>
+                <a:gd name="connsiteY32" fmla="*/ 420184 h 514055"/>
+                <a:gd name="connsiteX33" fmla="*/ 161984 w 1518044"/>
+                <a:gd name="connsiteY33" fmla="*/ 453522 h 514055"/>
+                <a:gd name="connsiteX34" fmla="*/ 130234 w 1518044"/>
+                <a:gd name="connsiteY34" fmla="*/ 459872 h 514055"/>
+                <a:gd name="connsiteX35" fmla="*/ 57209 w 1518044"/>
+                <a:gd name="connsiteY35" fmla="*/ 451934 h 514055"/>
+                <a:gd name="connsiteX36" fmla="*/ 14346 w 1518044"/>
+                <a:gd name="connsiteY36" fmla="*/ 448759 h 514055"/>
+                <a:gd name="connsiteX37" fmla="*/ 59 w 1518044"/>
+                <a:gd name="connsiteY37" fmla="*/ 423359 h 514055"/>
+                <a:gd name="connsiteX38" fmla="*/ 9584 w 1518044"/>
+                <a:gd name="connsiteY38" fmla="*/ 372559 h 514055"/>
+                <a:gd name="connsiteX39" fmla="*/ 17521 w 1518044"/>
+                <a:gd name="connsiteY39" fmla="*/ 332872 h 514055"/>
+                <a:gd name="connsiteX40" fmla="*/ 87371 w 1518044"/>
+                <a:gd name="connsiteY40" fmla="*/ 310647 h 514055"/>
+                <a:gd name="connsiteX41" fmla="*/ 115946 w 1518044"/>
+                <a:gd name="connsiteY41" fmla="*/ 278897 h 514055"/>
+                <a:gd name="connsiteX42" fmla="*/ 96896 w 1518044"/>
+                <a:gd name="connsiteY42" fmla="*/ 278897 h 514055"/>
+                <a:gd name="connsiteX43" fmla="*/ 96896 w 1518044"/>
+                <a:gd name="connsiteY43" fmla="*/ 266197 h 514055"/>
+                <a:gd name="connsiteX44" fmla="*/ 154046 w 1518044"/>
+                <a:gd name="connsiteY44" fmla="*/ 243972 h 514055"/>
+                <a:gd name="connsiteX0" fmla="*/ 154046 w 1518044"/>
+                <a:gd name="connsiteY0" fmla="*/ 243972 h 514055"/>
+                <a:gd name="connsiteX1" fmla="*/ 238184 w 1518044"/>
+                <a:gd name="connsiteY1" fmla="*/ 155072 h 514055"/>
+                <a:gd name="connsiteX2" fmla="*/ 355659 w 1518044"/>
+                <a:gd name="connsiteY2" fmla="*/ 66172 h 514055"/>
+                <a:gd name="connsiteX3" fmla="*/ 500121 w 1518044"/>
+                <a:gd name="connsiteY3" fmla="*/ 15372 h 514055"/>
+                <a:gd name="connsiteX4" fmla="*/ 739834 w 1518044"/>
+                <a:gd name="connsiteY4" fmla="*/ 1084 h 514055"/>
+                <a:gd name="connsiteX5" fmla="*/ 922396 w 1518044"/>
+                <a:gd name="connsiteY5" fmla="*/ 39184 h 514055"/>
+                <a:gd name="connsiteX6" fmla="*/ 1009709 w 1518044"/>
+                <a:gd name="connsiteY6" fmla="*/ 161422 h 514055"/>
+                <a:gd name="connsiteX7" fmla="*/ 1073209 w 1518044"/>
+                <a:gd name="connsiteY7" fmla="*/ 182059 h 514055"/>
+                <a:gd name="connsiteX8" fmla="*/ 1273234 w 1518044"/>
+                <a:gd name="connsiteY8" fmla="*/ 224922 h 514055"/>
+                <a:gd name="connsiteX9" fmla="*/ 1384359 w 1518044"/>
+                <a:gd name="connsiteY9" fmla="*/ 286834 h 514055"/>
+                <a:gd name="connsiteX10" fmla="*/ 1419284 w 1518044"/>
+                <a:gd name="connsiteY10" fmla="*/ 321759 h 514055"/>
+                <a:gd name="connsiteX11" fmla="*/ 1447859 w 1518044"/>
+                <a:gd name="connsiteY11" fmla="*/ 315409 h 514055"/>
+                <a:gd name="connsiteX12" fmla="*/ 1511359 w 1518044"/>
+                <a:gd name="connsiteY12" fmla="*/ 367797 h 514055"/>
+                <a:gd name="connsiteX13" fmla="*/ 1514534 w 1518044"/>
+                <a:gd name="connsiteY13" fmla="*/ 412247 h 514055"/>
+                <a:gd name="connsiteX14" fmla="*/ 1497071 w 1518044"/>
+                <a:gd name="connsiteY14" fmla="*/ 448759 h 514055"/>
+                <a:gd name="connsiteX15" fmla="*/ 1471671 w 1518044"/>
+                <a:gd name="connsiteY15" fmla="*/ 470984 h 514055"/>
+                <a:gd name="connsiteX16" fmla="*/ 1451034 w 1518044"/>
+                <a:gd name="connsiteY16" fmla="*/ 458284 h 514055"/>
+                <a:gd name="connsiteX17" fmla="*/ 1441509 w 1518044"/>
+                <a:gd name="connsiteY17" fmla="*/ 469397 h 514055"/>
+                <a:gd name="connsiteX18" fmla="*/ 1389121 w 1518044"/>
+                <a:gd name="connsiteY18" fmla="*/ 453522 h 514055"/>
+                <a:gd name="connsiteX19" fmla="*/ 1357371 w 1518044"/>
+                <a:gd name="connsiteY19" fmla="*/ 417009 h 514055"/>
+                <a:gd name="connsiteX20" fmla="*/ 1284346 w 1518044"/>
+                <a:gd name="connsiteY20" fmla="*/ 355097 h 514055"/>
+                <a:gd name="connsiteX21" fmla="*/ 1212909 w 1518044"/>
+                <a:gd name="connsiteY21" fmla="*/ 347159 h 514055"/>
+                <a:gd name="connsiteX22" fmla="*/ 1155759 w 1518044"/>
+                <a:gd name="connsiteY22" fmla="*/ 375734 h 514055"/>
+                <a:gd name="connsiteX23" fmla="*/ 1098609 w 1518044"/>
+                <a:gd name="connsiteY23" fmla="*/ 458284 h 514055"/>
+                <a:gd name="connsiteX24" fmla="*/ 1090671 w 1518044"/>
+                <a:gd name="connsiteY24" fmla="*/ 497972 h 514055"/>
+                <a:gd name="connsiteX25" fmla="*/ 1079559 w 1518044"/>
+                <a:gd name="connsiteY25" fmla="*/ 512259 h 514055"/>
+                <a:gd name="connsiteX26" fmla="*/ 1062096 w 1518044"/>
+                <a:gd name="connsiteY26" fmla="*/ 513847 h 514055"/>
+                <a:gd name="connsiteX27" fmla="*/ 460434 w 1518044"/>
+                <a:gd name="connsiteY27" fmla="*/ 497972 h 514055"/>
+                <a:gd name="connsiteX28" fmla="*/ 436621 w 1518044"/>
+                <a:gd name="connsiteY28" fmla="*/ 463047 h 514055"/>
+                <a:gd name="connsiteX29" fmla="*/ 439796 w 1518044"/>
+                <a:gd name="connsiteY29" fmla="*/ 421772 h 514055"/>
+                <a:gd name="connsiteX30" fmla="*/ 385821 w 1518044"/>
+                <a:gd name="connsiteY30" fmla="*/ 345572 h 514055"/>
+                <a:gd name="connsiteX31" fmla="*/ 293746 w 1518044"/>
+                <a:gd name="connsiteY31" fmla="*/ 324934 h 514055"/>
+                <a:gd name="connsiteX32" fmla="*/ 231834 w 1518044"/>
+                <a:gd name="connsiteY32" fmla="*/ 361447 h 514055"/>
+                <a:gd name="connsiteX33" fmla="*/ 182621 w 1518044"/>
+                <a:gd name="connsiteY33" fmla="*/ 420184 h 514055"/>
+                <a:gd name="connsiteX34" fmla="*/ 161984 w 1518044"/>
+                <a:gd name="connsiteY34" fmla="*/ 453522 h 514055"/>
+                <a:gd name="connsiteX35" fmla="*/ 130234 w 1518044"/>
+                <a:gd name="connsiteY35" fmla="*/ 459872 h 514055"/>
+                <a:gd name="connsiteX36" fmla="*/ 57209 w 1518044"/>
+                <a:gd name="connsiteY36" fmla="*/ 451934 h 514055"/>
+                <a:gd name="connsiteX37" fmla="*/ 14346 w 1518044"/>
+                <a:gd name="connsiteY37" fmla="*/ 448759 h 514055"/>
+                <a:gd name="connsiteX38" fmla="*/ 59 w 1518044"/>
+                <a:gd name="connsiteY38" fmla="*/ 423359 h 514055"/>
+                <a:gd name="connsiteX39" fmla="*/ 9584 w 1518044"/>
+                <a:gd name="connsiteY39" fmla="*/ 372559 h 514055"/>
+                <a:gd name="connsiteX40" fmla="*/ 17521 w 1518044"/>
+                <a:gd name="connsiteY40" fmla="*/ 332872 h 514055"/>
+                <a:gd name="connsiteX41" fmla="*/ 87371 w 1518044"/>
+                <a:gd name="connsiteY41" fmla="*/ 310647 h 514055"/>
+                <a:gd name="connsiteX42" fmla="*/ 115946 w 1518044"/>
+                <a:gd name="connsiteY42" fmla="*/ 278897 h 514055"/>
+                <a:gd name="connsiteX43" fmla="*/ 96896 w 1518044"/>
+                <a:gd name="connsiteY43" fmla="*/ 278897 h 514055"/>
+                <a:gd name="connsiteX44" fmla="*/ 96896 w 1518044"/>
+                <a:gd name="connsiteY44" fmla="*/ 266197 h 514055"/>
+                <a:gd name="connsiteX45" fmla="*/ 154046 w 1518044"/>
+                <a:gd name="connsiteY45" fmla="*/ 243972 h 514055"/>
+                <a:gd name="connsiteX0" fmla="*/ 154046 w 1518044"/>
+                <a:gd name="connsiteY0" fmla="*/ 243972 h 514055"/>
+                <a:gd name="connsiteX1" fmla="*/ 238184 w 1518044"/>
+                <a:gd name="connsiteY1" fmla="*/ 155072 h 514055"/>
+                <a:gd name="connsiteX2" fmla="*/ 355659 w 1518044"/>
+                <a:gd name="connsiteY2" fmla="*/ 66172 h 514055"/>
+                <a:gd name="connsiteX3" fmla="*/ 500121 w 1518044"/>
+                <a:gd name="connsiteY3" fmla="*/ 15372 h 514055"/>
+                <a:gd name="connsiteX4" fmla="*/ 739834 w 1518044"/>
+                <a:gd name="connsiteY4" fmla="*/ 1084 h 514055"/>
+                <a:gd name="connsiteX5" fmla="*/ 922396 w 1518044"/>
+                <a:gd name="connsiteY5" fmla="*/ 39184 h 514055"/>
+                <a:gd name="connsiteX6" fmla="*/ 1009709 w 1518044"/>
+                <a:gd name="connsiteY6" fmla="*/ 161422 h 514055"/>
+                <a:gd name="connsiteX7" fmla="*/ 1073209 w 1518044"/>
+                <a:gd name="connsiteY7" fmla="*/ 182059 h 514055"/>
+                <a:gd name="connsiteX8" fmla="*/ 1273234 w 1518044"/>
+                <a:gd name="connsiteY8" fmla="*/ 224922 h 514055"/>
+                <a:gd name="connsiteX9" fmla="*/ 1384359 w 1518044"/>
+                <a:gd name="connsiteY9" fmla="*/ 286834 h 514055"/>
+                <a:gd name="connsiteX10" fmla="*/ 1419284 w 1518044"/>
+                <a:gd name="connsiteY10" fmla="*/ 321759 h 514055"/>
+                <a:gd name="connsiteX11" fmla="*/ 1447859 w 1518044"/>
+                <a:gd name="connsiteY11" fmla="*/ 315409 h 514055"/>
+                <a:gd name="connsiteX12" fmla="*/ 1511359 w 1518044"/>
+                <a:gd name="connsiteY12" fmla="*/ 367797 h 514055"/>
+                <a:gd name="connsiteX13" fmla="*/ 1514534 w 1518044"/>
+                <a:gd name="connsiteY13" fmla="*/ 412247 h 514055"/>
+                <a:gd name="connsiteX14" fmla="*/ 1497071 w 1518044"/>
+                <a:gd name="connsiteY14" fmla="*/ 448759 h 514055"/>
+                <a:gd name="connsiteX15" fmla="*/ 1471671 w 1518044"/>
+                <a:gd name="connsiteY15" fmla="*/ 470984 h 514055"/>
+                <a:gd name="connsiteX16" fmla="*/ 1451034 w 1518044"/>
+                <a:gd name="connsiteY16" fmla="*/ 458284 h 514055"/>
+                <a:gd name="connsiteX17" fmla="*/ 1441509 w 1518044"/>
+                <a:gd name="connsiteY17" fmla="*/ 469397 h 514055"/>
+                <a:gd name="connsiteX18" fmla="*/ 1389121 w 1518044"/>
+                <a:gd name="connsiteY18" fmla="*/ 453522 h 514055"/>
+                <a:gd name="connsiteX19" fmla="*/ 1357371 w 1518044"/>
+                <a:gd name="connsiteY19" fmla="*/ 417009 h 514055"/>
+                <a:gd name="connsiteX20" fmla="*/ 1284346 w 1518044"/>
+                <a:gd name="connsiteY20" fmla="*/ 355097 h 514055"/>
+                <a:gd name="connsiteX21" fmla="*/ 1212909 w 1518044"/>
+                <a:gd name="connsiteY21" fmla="*/ 347159 h 514055"/>
+                <a:gd name="connsiteX22" fmla="*/ 1155759 w 1518044"/>
+                <a:gd name="connsiteY22" fmla="*/ 375734 h 514055"/>
+                <a:gd name="connsiteX23" fmla="*/ 1098609 w 1518044"/>
+                <a:gd name="connsiteY23" fmla="*/ 458284 h 514055"/>
+                <a:gd name="connsiteX24" fmla="*/ 1090671 w 1518044"/>
+                <a:gd name="connsiteY24" fmla="*/ 497972 h 514055"/>
+                <a:gd name="connsiteX25" fmla="*/ 1079559 w 1518044"/>
+                <a:gd name="connsiteY25" fmla="*/ 512259 h 514055"/>
+                <a:gd name="connsiteX26" fmla="*/ 1062096 w 1518044"/>
+                <a:gd name="connsiteY26" fmla="*/ 513847 h 514055"/>
+                <a:gd name="connsiteX27" fmla="*/ 460434 w 1518044"/>
+                <a:gd name="connsiteY27" fmla="*/ 497972 h 514055"/>
+                <a:gd name="connsiteX28" fmla="*/ 436621 w 1518044"/>
+                <a:gd name="connsiteY28" fmla="*/ 463047 h 514055"/>
+                <a:gd name="connsiteX29" fmla="*/ 439796 w 1518044"/>
+                <a:gd name="connsiteY29" fmla="*/ 421772 h 514055"/>
+                <a:gd name="connsiteX30" fmla="*/ 385821 w 1518044"/>
+                <a:gd name="connsiteY30" fmla="*/ 345572 h 514055"/>
+                <a:gd name="connsiteX31" fmla="*/ 293746 w 1518044"/>
+                <a:gd name="connsiteY31" fmla="*/ 324934 h 514055"/>
+                <a:gd name="connsiteX32" fmla="*/ 231834 w 1518044"/>
+                <a:gd name="connsiteY32" fmla="*/ 361447 h 514055"/>
+                <a:gd name="connsiteX33" fmla="*/ 182621 w 1518044"/>
+                <a:gd name="connsiteY33" fmla="*/ 420184 h 514055"/>
+                <a:gd name="connsiteX34" fmla="*/ 161984 w 1518044"/>
+                <a:gd name="connsiteY34" fmla="*/ 453522 h 514055"/>
+                <a:gd name="connsiteX35" fmla="*/ 130234 w 1518044"/>
+                <a:gd name="connsiteY35" fmla="*/ 459872 h 514055"/>
+                <a:gd name="connsiteX36" fmla="*/ 57209 w 1518044"/>
+                <a:gd name="connsiteY36" fmla="*/ 451934 h 514055"/>
+                <a:gd name="connsiteX37" fmla="*/ 14346 w 1518044"/>
+                <a:gd name="connsiteY37" fmla="*/ 448759 h 514055"/>
+                <a:gd name="connsiteX38" fmla="*/ 59 w 1518044"/>
+                <a:gd name="connsiteY38" fmla="*/ 423359 h 514055"/>
+                <a:gd name="connsiteX39" fmla="*/ 9584 w 1518044"/>
+                <a:gd name="connsiteY39" fmla="*/ 372559 h 514055"/>
+                <a:gd name="connsiteX40" fmla="*/ 17521 w 1518044"/>
+                <a:gd name="connsiteY40" fmla="*/ 332872 h 514055"/>
+                <a:gd name="connsiteX41" fmla="*/ 87371 w 1518044"/>
+                <a:gd name="connsiteY41" fmla="*/ 310647 h 514055"/>
+                <a:gd name="connsiteX42" fmla="*/ 115946 w 1518044"/>
+                <a:gd name="connsiteY42" fmla="*/ 278897 h 514055"/>
+                <a:gd name="connsiteX43" fmla="*/ 96896 w 1518044"/>
+                <a:gd name="connsiteY43" fmla="*/ 278897 h 514055"/>
+                <a:gd name="connsiteX44" fmla="*/ 96896 w 1518044"/>
+                <a:gd name="connsiteY44" fmla="*/ 266197 h 514055"/>
+                <a:gd name="connsiteX45" fmla="*/ 154046 w 1518044"/>
+                <a:gd name="connsiteY45" fmla="*/ 243972 h 514055"/>
+                <a:gd name="connsiteX0" fmla="*/ 154046 w 1518044"/>
+                <a:gd name="connsiteY0" fmla="*/ 243972 h 515089"/>
+                <a:gd name="connsiteX1" fmla="*/ 238184 w 1518044"/>
+                <a:gd name="connsiteY1" fmla="*/ 155072 h 515089"/>
+                <a:gd name="connsiteX2" fmla="*/ 355659 w 1518044"/>
+                <a:gd name="connsiteY2" fmla="*/ 66172 h 515089"/>
+                <a:gd name="connsiteX3" fmla="*/ 500121 w 1518044"/>
+                <a:gd name="connsiteY3" fmla="*/ 15372 h 515089"/>
+                <a:gd name="connsiteX4" fmla="*/ 739834 w 1518044"/>
+                <a:gd name="connsiteY4" fmla="*/ 1084 h 515089"/>
+                <a:gd name="connsiteX5" fmla="*/ 922396 w 1518044"/>
+                <a:gd name="connsiteY5" fmla="*/ 39184 h 515089"/>
+                <a:gd name="connsiteX6" fmla="*/ 1009709 w 1518044"/>
+                <a:gd name="connsiteY6" fmla="*/ 161422 h 515089"/>
+                <a:gd name="connsiteX7" fmla="*/ 1073209 w 1518044"/>
+                <a:gd name="connsiteY7" fmla="*/ 182059 h 515089"/>
+                <a:gd name="connsiteX8" fmla="*/ 1273234 w 1518044"/>
+                <a:gd name="connsiteY8" fmla="*/ 224922 h 515089"/>
+                <a:gd name="connsiteX9" fmla="*/ 1384359 w 1518044"/>
+                <a:gd name="connsiteY9" fmla="*/ 286834 h 515089"/>
+                <a:gd name="connsiteX10" fmla="*/ 1419284 w 1518044"/>
+                <a:gd name="connsiteY10" fmla="*/ 321759 h 515089"/>
+                <a:gd name="connsiteX11" fmla="*/ 1447859 w 1518044"/>
+                <a:gd name="connsiteY11" fmla="*/ 315409 h 515089"/>
+                <a:gd name="connsiteX12" fmla="*/ 1511359 w 1518044"/>
+                <a:gd name="connsiteY12" fmla="*/ 367797 h 515089"/>
+                <a:gd name="connsiteX13" fmla="*/ 1514534 w 1518044"/>
+                <a:gd name="connsiteY13" fmla="*/ 412247 h 515089"/>
+                <a:gd name="connsiteX14" fmla="*/ 1497071 w 1518044"/>
+                <a:gd name="connsiteY14" fmla="*/ 448759 h 515089"/>
+                <a:gd name="connsiteX15" fmla="*/ 1471671 w 1518044"/>
+                <a:gd name="connsiteY15" fmla="*/ 470984 h 515089"/>
+                <a:gd name="connsiteX16" fmla="*/ 1451034 w 1518044"/>
+                <a:gd name="connsiteY16" fmla="*/ 458284 h 515089"/>
+                <a:gd name="connsiteX17" fmla="*/ 1441509 w 1518044"/>
+                <a:gd name="connsiteY17" fmla="*/ 469397 h 515089"/>
+                <a:gd name="connsiteX18" fmla="*/ 1389121 w 1518044"/>
+                <a:gd name="connsiteY18" fmla="*/ 453522 h 515089"/>
+                <a:gd name="connsiteX19" fmla="*/ 1357371 w 1518044"/>
+                <a:gd name="connsiteY19" fmla="*/ 417009 h 515089"/>
+                <a:gd name="connsiteX20" fmla="*/ 1284346 w 1518044"/>
+                <a:gd name="connsiteY20" fmla="*/ 355097 h 515089"/>
+                <a:gd name="connsiteX21" fmla="*/ 1212909 w 1518044"/>
+                <a:gd name="connsiteY21" fmla="*/ 347159 h 515089"/>
+                <a:gd name="connsiteX22" fmla="*/ 1155759 w 1518044"/>
+                <a:gd name="connsiteY22" fmla="*/ 375734 h 515089"/>
+                <a:gd name="connsiteX23" fmla="*/ 1098609 w 1518044"/>
+                <a:gd name="connsiteY23" fmla="*/ 458284 h 515089"/>
+                <a:gd name="connsiteX24" fmla="*/ 1090671 w 1518044"/>
+                <a:gd name="connsiteY24" fmla="*/ 497972 h 515089"/>
+                <a:gd name="connsiteX25" fmla="*/ 1079559 w 1518044"/>
+                <a:gd name="connsiteY25" fmla="*/ 512259 h 515089"/>
+                <a:gd name="connsiteX26" fmla="*/ 1062096 w 1518044"/>
+                <a:gd name="connsiteY26" fmla="*/ 513847 h 515089"/>
+                <a:gd name="connsiteX27" fmla="*/ 511234 w 1518044"/>
+                <a:gd name="connsiteY27" fmla="*/ 497972 h 515089"/>
+                <a:gd name="connsiteX28" fmla="*/ 436621 w 1518044"/>
+                <a:gd name="connsiteY28" fmla="*/ 463047 h 515089"/>
+                <a:gd name="connsiteX29" fmla="*/ 439796 w 1518044"/>
+                <a:gd name="connsiteY29" fmla="*/ 421772 h 515089"/>
+                <a:gd name="connsiteX30" fmla="*/ 385821 w 1518044"/>
+                <a:gd name="connsiteY30" fmla="*/ 345572 h 515089"/>
+                <a:gd name="connsiteX31" fmla="*/ 293746 w 1518044"/>
+                <a:gd name="connsiteY31" fmla="*/ 324934 h 515089"/>
+                <a:gd name="connsiteX32" fmla="*/ 231834 w 1518044"/>
+                <a:gd name="connsiteY32" fmla="*/ 361447 h 515089"/>
+                <a:gd name="connsiteX33" fmla="*/ 182621 w 1518044"/>
+                <a:gd name="connsiteY33" fmla="*/ 420184 h 515089"/>
+                <a:gd name="connsiteX34" fmla="*/ 161984 w 1518044"/>
+                <a:gd name="connsiteY34" fmla="*/ 453522 h 515089"/>
+                <a:gd name="connsiteX35" fmla="*/ 130234 w 1518044"/>
+                <a:gd name="connsiteY35" fmla="*/ 459872 h 515089"/>
+                <a:gd name="connsiteX36" fmla="*/ 57209 w 1518044"/>
+                <a:gd name="connsiteY36" fmla="*/ 451934 h 515089"/>
+                <a:gd name="connsiteX37" fmla="*/ 14346 w 1518044"/>
+                <a:gd name="connsiteY37" fmla="*/ 448759 h 515089"/>
+                <a:gd name="connsiteX38" fmla="*/ 59 w 1518044"/>
+                <a:gd name="connsiteY38" fmla="*/ 423359 h 515089"/>
+                <a:gd name="connsiteX39" fmla="*/ 9584 w 1518044"/>
+                <a:gd name="connsiteY39" fmla="*/ 372559 h 515089"/>
+                <a:gd name="connsiteX40" fmla="*/ 17521 w 1518044"/>
+                <a:gd name="connsiteY40" fmla="*/ 332872 h 515089"/>
+                <a:gd name="connsiteX41" fmla="*/ 87371 w 1518044"/>
+                <a:gd name="connsiteY41" fmla="*/ 310647 h 515089"/>
+                <a:gd name="connsiteX42" fmla="*/ 115946 w 1518044"/>
+                <a:gd name="connsiteY42" fmla="*/ 278897 h 515089"/>
+                <a:gd name="connsiteX43" fmla="*/ 96896 w 1518044"/>
+                <a:gd name="connsiteY43" fmla="*/ 278897 h 515089"/>
+                <a:gd name="connsiteX44" fmla="*/ 96896 w 1518044"/>
+                <a:gd name="connsiteY44" fmla="*/ 266197 h 515089"/>
+                <a:gd name="connsiteX45" fmla="*/ 154046 w 1518044"/>
+                <a:gd name="connsiteY45" fmla="*/ 243972 h 515089"/>
+                <a:gd name="connsiteX0" fmla="*/ 154046 w 1518044"/>
+                <a:gd name="connsiteY0" fmla="*/ 243972 h 515089"/>
+                <a:gd name="connsiteX1" fmla="*/ 238184 w 1518044"/>
+                <a:gd name="connsiteY1" fmla="*/ 155072 h 515089"/>
+                <a:gd name="connsiteX2" fmla="*/ 355659 w 1518044"/>
+                <a:gd name="connsiteY2" fmla="*/ 66172 h 515089"/>
+                <a:gd name="connsiteX3" fmla="*/ 500121 w 1518044"/>
+                <a:gd name="connsiteY3" fmla="*/ 15372 h 515089"/>
+                <a:gd name="connsiteX4" fmla="*/ 739834 w 1518044"/>
+                <a:gd name="connsiteY4" fmla="*/ 1084 h 515089"/>
+                <a:gd name="connsiteX5" fmla="*/ 922396 w 1518044"/>
+                <a:gd name="connsiteY5" fmla="*/ 39184 h 515089"/>
+                <a:gd name="connsiteX6" fmla="*/ 1009709 w 1518044"/>
+                <a:gd name="connsiteY6" fmla="*/ 161422 h 515089"/>
+                <a:gd name="connsiteX7" fmla="*/ 1073209 w 1518044"/>
+                <a:gd name="connsiteY7" fmla="*/ 182059 h 515089"/>
+                <a:gd name="connsiteX8" fmla="*/ 1273234 w 1518044"/>
+                <a:gd name="connsiteY8" fmla="*/ 224922 h 515089"/>
+                <a:gd name="connsiteX9" fmla="*/ 1384359 w 1518044"/>
+                <a:gd name="connsiteY9" fmla="*/ 286834 h 515089"/>
+                <a:gd name="connsiteX10" fmla="*/ 1419284 w 1518044"/>
+                <a:gd name="connsiteY10" fmla="*/ 321759 h 515089"/>
+                <a:gd name="connsiteX11" fmla="*/ 1447859 w 1518044"/>
+                <a:gd name="connsiteY11" fmla="*/ 315409 h 515089"/>
+                <a:gd name="connsiteX12" fmla="*/ 1511359 w 1518044"/>
+                <a:gd name="connsiteY12" fmla="*/ 367797 h 515089"/>
+                <a:gd name="connsiteX13" fmla="*/ 1514534 w 1518044"/>
+                <a:gd name="connsiteY13" fmla="*/ 412247 h 515089"/>
+                <a:gd name="connsiteX14" fmla="*/ 1497071 w 1518044"/>
+                <a:gd name="connsiteY14" fmla="*/ 448759 h 515089"/>
+                <a:gd name="connsiteX15" fmla="*/ 1471671 w 1518044"/>
+                <a:gd name="connsiteY15" fmla="*/ 470984 h 515089"/>
+                <a:gd name="connsiteX16" fmla="*/ 1451034 w 1518044"/>
+                <a:gd name="connsiteY16" fmla="*/ 458284 h 515089"/>
+                <a:gd name="connsiteX17" fmla="*/ 1441509 w 1518044"/>
+                <a:gd name="connsiteY17" fmla="*/ 469397 h 515089"/>
+                <a:gd name="connsiteX18" fmla="*/ 1389121 w 1518044"/>
+                <a:gd name="connsiteY18" fmla="*/ 453522 h 515089"/>
+                <a:gd name="connsiteX19" fmla="*/ 1357371 w 1518044"/>
+                <a:gd name="connsiteY19" fmla="*/ 417009 h 515089"/>
+                <a:gd name="connsiteX20" fmla="*/ 1284346 w 1518044"/>
+                <a:gd name="connsiteY20" fmla="*/ 355097 h 515089"/>
+                <a:gd name="connsiteX21" fmla="*/ 1212909 w 1518044"/>
+                <a:gd name="connsiteY21" fmla="*/ 347159 h 515089"/>
+                <a:gd name="connsiteX22" fmla="*/ 1155759 w 1518044"/>
+                <a:gd name="connsiteY22" fmla="*/ 375734 h 515089"/>
+                <a:gd name="connsiteX23" fmla="*/ 1098609 w 1518044"/>
+                <a:gd name="connsiteY23" fmla="*/ 458284 h 515089"/>
+                <a:gd name="connsiteX24" fmla="*/ 1090671 w 1518044"/>
+                <a:gd name="connsiteY24" fmla="*/ 497972 h 515089"/>
+                <a:gd name="connsiteX25" fmla="*/ 1079559 w 1518044"/>
+                <a:gd name="connsiteY25" fmla="*/ 512259 h 515089"/>
+                <a:gd name="connsiteX26" fmla="*/ 1062096 w 1518044"/>
+                <a:gd name="connsiteY26" fmla="*/ 513847 h 515089"/>
+                <a:gd name="connsiteX27" fmla="*/ 511234 w 1518044"/>
+                <a:gd name="connsiteY27" fmla="*/ 497972 h 515089"/>
+                <a:gd name="connsiteX28" fmla="*/ 433446 w 1518044"/>
+                <a:gd name="connsiteY28" fmla="*/ 485272 h 515089"/>
+                <a:gd name="connsiteX29" fmla="*/ 439796 w 1518044"/>
+                <a:gd name="connsiteY29" fmla="*/ 421772 h 515089"/>
+                <a:gd name="connsiteX30" fmla="*/ 385821 w 1518044"/>
+                <a:gd name="connsiteY30" fmla="*/ 345572 h 515089"/>
+                <a:gd name="connsiteX31" fmla="*/ 293746 w 1518044"/>
+                <a:gd name="connsiteY31" fmla="*/ 324934 h 515089"/>
+                <a:gd name="connsiteX32" fmla="*/ 231834 w 1518044"/>
+                <a:gd name="connsiteY32" fmla="*/ 361447 h 515089"/>
+                <a:gd name="connsiteX33" fmla="*/ 182621 w 1518044"/>
+                <a:gd name="connsiteY33" fmla="*/ 420184 h 515089"/>
+                <a:gd name="connsiteX34" fmla="*/ 161984 w 1518044"/>
+                <a:gd name="connsiteY34" fmla="*/ 453522 h 515089"/>
+                <a:gd name="connsiteX35" fmla="*/ 130234 w 1518044"/>
+                <a:gd name="connsiteY35" fmla="*/ 459872 h 515089"/>
+                <a:gd name="connsiteX36" fmla="*/ 57209 w 1518044"/>
+                <a:gd name="connsiteY36" fmla="*/ 451934 h 515089"/>
+                <a:gd name="connsiteX37" fmla="*/ 14346 w 1518044"/>
+                <a:gd name="connsiteY37" fmla="*/ 448759 h 515089"/>
+                <a:gd name="connsiteX38" fmla="*/ 59 w 1518044"/>
+                <a:gd name="connsiteY38" fmla="*/ 423359 h 515089"/>
+                <a:gd name="connsiteX39" fmla="*/ 9584 w 1518044"/>
+                <a:gd name="connsiteY39" fmla="*/ 372559 h 515089"/>
+                <a:gd name="connsiteX40" fmla="*/ 17521 w 1518044"/>
+                <a:gd name="connsiteY40" fmla="*/ 332872 h 515089"/>
+                <a:gd name="connsiteX41" fmla="*/ 87371 w 1518044"/>
+                <a:gd name="connsiteY41" fmla="*/ 310647 h 515089"/>
+                <a:gd name="connsiteX42" fmla="*/ 115946 w 1518044"/>
+                <a:gd name="connsiteY42" fmla="*/ 278897 h 515089"/>
+                <a:gd name="connsiteX43" fmla="*/ 96896 w 1518044"/>
+                <a:gd name="connsiteY43" fmla="*/ 278897 h 515089"/>
+                <a:gd name="connsiteX44" fmla="*/ 96896 w 1518044"/>
+                <a:gd name="connsiteY44" fmla="*/ 266197 h 515089"/>
+                <a:gd name="connsiteX45" fmla="*/ 154046 w 1518044"/>
+                <a:gd name="connsiteY45" fmla="*/ 243972 h 515089"/>
+                <a:gd name="connsiteX0" fmla="*/ 154046 w 1518044"/>
+                <a:gd name="connsiteY0" fmla="*/ 243972 h 512881"/>
+                <a:gd name="connsiteX1" fmla="*/ 238184 w 1518044"/>
+                <a:gd name="connsiteY1" fmla="*/ 155072 h 512881"/>
+                <a:gd name="connsiteX2" fmla="*/ 355659 w 1518044"/>
+                <a:gd name="connsiteY2" fmla="*/ 66172 h 512881"/>
+                <a:gd name="connsiteX3" fmla="*/ 500121 w 1518044"/>
+                <a:gd name="connsiteY3" fmla="*/ 15372 h 512881"/>
+                <a:gd name="connsiteX4" fmla="*/ 739834 w 1518044"/>
+                <a:gd name="connsiteY4" fmla="*/ 1084 h 512881"/>
+                <a:gd name="connsiteX5" fmla="*/ 922396 w 1518044"/>
+                <a:gd name="connsiteY5" fmla="*/ 39184 h 512881"/>
+                <a:gd name="connsiteX6" fmla="*/ 1009709 w 1518044"/>
+                <a:gd name="connsiteY6" fmla="*/ 161422 h 512881"/>
+                <a:gd name="connsiteX7" fmla="*/ 1073209 w 1518044"/>
+                <a:gd name="connsiteY7" fmla="*/ 182059 h 512881"/>
+                <a:gd name="connsiteX8" fmla="*/ 1273234 w 1518044"/>
+                <a:gd name="connsiteY8" fmla="*/ 224922 h 512881"/>
+                <a:gd name="connsiteX9" fmla="*/ 1384359 w 1518044"/>
+                <a:gd name="connsiteY9" fmla="*/ 286834 h 512881"/>
+                <a:gd name="connsiteX10" fmla="*/ 1419284 w 1518044"/>
+                <a:gd name="connsiteY10" fmla="*/ 321759 h 512881"/>
+                <a:gd name="connsiteX11" fmla="*/ 1447859 w 1518044"/>
+                <a:gd name="connsiteY11" fmla="*/ 315409 h 512881"/>
+                <a:gd name="connsiteX12" fmla="*/ 1511359 w 1518044"/>
+                <a:gd name="connsiteY12" fmla="*/ 367797 h 512881"/>
+                <a:gd name="connsiteX13" fmla="*/ 1514534 w 1518044"/>
+                <a:gd name="connsiteY13" fmla="*/ 412247 h 512881"/>
+                <a:gd name="connsiteX14" fmla="*/ 1497071 w 1518044"/>
+                <a:gd name="connsiteY14" fmla="*/ 448759 h 512881"/>
+                <a:gd name="connsiteX15" fmla="*/ 1471671 w 1518044"/>
+                <a:gd name="connsiteY15" fmla="*/ 470984 h 512881"/>
+                <a:gd name="connsiteX16" fmla="*/ 1451034 w 1518044"/>
+                <a:gd name="connsiteY16" fmla="*/ 458284 h 512881"/>
+                <a:gd name="connsiteX17" fmla="*/ 1441509 w 1518044"/>
+                <a:gd name="connsiteY17" fmla="*/ 469397 h 512881"/>
+                <a:gd name="connsiteX18" fmla="*/ 1389121 w 1518044"/>
+                <a:gd name="connsiteY18" fmla="*/ 453522 h 512881"/>
+                <a:gd name="connsiteX19" fmla="*/ 1357371 w 1518044"/>
+                <a:gd name="connsiteY19" fmla="*/ 417009 h 512881"/>
+                <a:gd name="connsiteX20" fmla="*/ 1284346 w 1518044"/>
+                <a:gd name="connsiteY20" fmla="*/ 355097 h 512881"/>
+                <a:gd name="connsiteX21" fmla="*/ 1212909 w 1518044"/>
+                <a:gd name="connsiteY21" fmla="*/ 347159 h 512881"/>
+                <a:gd name="connsiteX22" fmla="*/ 1155759 w 1518044"/>
+                <a:gd name="connsiteY22" fmla="*/ 375734 h 512881"/>
+                <a:gd name="connsiteX23" fmla="*/ 1098609 w 1518044"/>
+                <a:gd name="connsiteY23" fmla="*/ 458284 h 512881"/>
+                <a:gd name="connsiteX24" fmla="*/ 1090671 w 1518044"/>
+                <a:gd name="connsiteY24" fmla="*/ 497972 h 512881"/>
+                <a:gd name="connsiteX25" fmla="*/ 1079559 w 1518044"/>
+                <a:gd name="connsiteY25" fmla="*/ 512259 h 512881"/>
+                <a:gd name="connsiteX26" fmla="*/ 1008121 w 1518044"/>
+                <a:gd name="connsiteY26" fmla="*/ 509085 h 512881"/>
+                <a:gd name="connsiteX27" fmla="*/ 511234 w 1518044"/>
+                <a:gd name="connsiteY27" fmla="*/ 497972 h 512881"/>
+                <a:gd name="connsiteX28" fmla="*/ 433446 w 1518044"/>
+                <a:gd name="connsiteY28" fmla="*/ 485272 h 512881"/>
+                <a:gd name="connsiteX29" fmla="*/ 439796 w 1518044"/>
+                <a:gd name="connsiteY29" fmla="*/ 421772 h 512881"/>
+                <a:gd name="connsiteX30" fmla="*/ 385821 w 1518044"/>
+                <a:gd name="connsiteY30" fmla="*/ 345572 h 512881"/>
+                <a:gd name="connsiteX31" fmla="*/ 293746 w 1518044"/>
+                <a:gd name="connsiteY31" fmla="*/ 324934 h 512881"/>
+                <a:gd name="connsiteX32" fmla="*/ 231834 w 1518044"/>
+                <a:gd name="connsiteY32" fmla="*/ 361447 h 512881"/>
+                <a:gd name="connsiteX33" fmla="*/ 182621 w 1518044"/>
+                <a:gd name="connsiteY33" fmla="*/ 420184 h 512881"/>
+                <a:gd name="connsiteX34" fmla="*/ 161984 w 1518044"/>
+                <a:gd name="connsiteY34" fmla="*/ 453522 h 512881"/>
+                <a:gd name="connsiteX35" fmla="*/ 130234 w 1518044"/>
+                <a:gd name="connsiteY35" fmla="*/ 459872 h 512881"/>
+                <a:gd name="connsiteX36" fmla="*/ 57209 w 1518044"/>
+                <a:gd name="connsiteY36" fmla="*/ 451934 h 512881"/>
+                <a:gd name="connsiteX37" fmla="*/ 14346 w 1518044"/>
+                <a:gd name="connsiteY37" fmla="*/ 448759 h 512881"/>
+                <a:gd name="connsiteX38" fmla="*/ 59 w 1518044"/>
+                <a:gd name="connsiteY38" fmla="*/ 423359 h 512881"/>
+                <a:gd name="connsiteX39" fmla="*/ 9584 w 1518044"/>
+                <a:gd name="connsiteY39" fmla="*/ 372559 h 512881"/>
+                <a:gd name="connsiteX40" fmla="*/ 17521 w 1518044"/>
+                <a:gd name="connsiteY40" fmla="*/ 332872 h 512881"/>
+                <a:gd name="connsiteX41" fmla="*/ 87371 w 1518044"/>
+                <a:gd name="connsiteY41" fmla="*/ 310647 h 512881"/>
+                <a:gd name="connsiteX42" fmla="*/ 115946 w 1518044"/>
+                <a:gd name="connsiteY42" fmla="*/ 278897 h 512881"/>
+                <a:gd name="connsiteX43" fmla="*/ 96896 w 1518044"/>
+                <a:gd name="connsiteY43" fmla="*/ 278897 h 512881"/>
+                <a:gd name="connsiteX44" fmla="*/ 96896 w 1518044"/>
+                <a:gd name="connsiteY44" fmla="*/ 266197 h 512881"/>
+                <a:gd name="connsiteX45" fmla="*/ 154046 w 1518044"/>
+                <a:gd name="connsiteY45" fmla="*/ 243972 h 512881"/>
+                <a:gd name="connsiteX0" fmla="*/ 154046 w 1518044"/>
+                <a:gd name="connsiteY0" fmla="*/ 243972 h 512881"/>
+                <a:gd name="connsiteX1" fmla="*/ 238184 w 1518044"/>
+                <a:gd name="connsiteY1" fmla="*/ 155072 h 512881"/>
+                <a:gd name="connsiteX2" fmla="*/ 355659 w 1518044"/>
+                <a:gd name="connsiteY2" fmla="*/ 66172 h 512881"/>
+                <a:gd name="connsiteX3" fmla="*/ 500121 w 1518044"/>
+                <a:gd name="connsiteY3" fmla="*/ 15372 h 512881"/>
+                <a:gd name="connsiteX4" fmla="*/ 739834 w 1518044"/>
+                <a:gd name="connsiteY4" fmla="*/ 1084 h 512881"/>
+                <a:gd name="connsiteX5" fmla="*/ 922396 w 1518044"/>
+                <a:gd name="connsiteY5" fmla="*/ 39184 h 512881"/>
+                <a:gd name="connsiteX6" fmla="*/ 1009709 w 1518044"/>
+                <a:gd name="connsiteY6" fmla="*/ 161422 h 512881"/>
+                <a:gd name="connsiteX7" fmla="*/ 1073209 w 1518044"/>
+                <a:gd name="connsiteY7" fmla="*/ 182059 h 512881"/>
+                <a:gd name="connsiteX8" fmla="*/ 1273234 w 1518044"/>
+                <a:gd name="connsiteY8" fmla="*/ 224922 h 512881"/>
+                <a:gd name="connsiteX9" fmla="*/ 1384359 w 1518044"/>
+                <a:gd name="connsiteY9" fmla="*/ 286834 h 512881"/>
+                <a:gd name="connsiteX10" fmla="*/ 1419284 w 1518044"/>
+                <a:gd name="connsiteY10" fmla="*/ 321759 h 512881"/>
+                <a:gd name="connsiteX11" fmla="*/ 1447859 w 1518044"/>
+                <a:gd name="connsiteY11" fmla="*/ 315409 h 512881"/>
+                <a:gd name="connsiteX12" fmla="*/ 1511359 w 1518044"/>
+                <a:gd name="connsiteY12" fmla="*/ 367797 h 512881"/>
+                <a:gd name="connsiteX13" fmla="*/ 1514534 w 1518044"/>
+                <a:gd name="connsiteY13" fmla="*/ 412247 h 512881"/>
+                <a:gd name="connsiteX14" fmla="*/ 1497071 w 1518044"/>
+                <a:gd name="connsiteY14" fmla="*/ 448759 h 512881"/>
+                <a:gd name="connsiteX15" fmla="*/ 1471671 w 1518044"/>
+                <a:gd name="connsiteY15" fmla="*/ 470984 h 512881"/>
+                <a:gd name="connsiteX16" fmla="*/ 1451034 w 1518044"/>
+                <a:gd name="connsiteY16" fmla="*/ 458284 h 512881"/>
+                <a:gd name="connsiteX17" fmla="*/ 1441509 w 1518044"/>
+                <a:gd name="connsiteY17" fmla="*/ 469397 h 512881"/>
+                <a:gd name="connsiteX18" fmla="*/ 1389121 w 1518044"/>
+                <a:gd name="connsiteY18" fmla="*/ 453522 h 512881"/>
+                <a:gd name="connsiteX19" fmla="*/ 1357371 w 1518044"/>
+                <a:gd name="connsiteY19" fmla="*/ 417009 h 512881"/>
+                <a:gd name="connsiteX20" fmla="*/ 1284346 w 1518044"/>
+                <a:gd name="connsiteY20" fmla="*/ 355097 h 512881"/>
+                <a:gd name="connsiteX21" fmla="*/ 1212909 w 1518044"/>
+                <a:gd name="connsiteY21" fmla="*/ 347159 h 512881"/>
+                <a:gd name="connsiteX22" fmla="*/ 1155759 w 1518044"/>
+                <a:gd name="connsiteY22" fmla="*/ 375734 h 512881"/>
+                <a:gd name="connsiteX23" fmla="*/ 1111309 w 1518044"/>
+                <a:gd name="connsiteY23" fmla="*/ 426534 h 512881"/>
+                <a:gd name="connsiteX24" fmla="*/ 1090671 w 1518044"/>
+                <a:gd name="connsiteY24" fmla="*/ 497972 h 512881"/>
+                <a:gd name="connsiteX25" fmla="*/ 1079559 w 1518044"/>
+                <a:gd name="connsiteY25" fmla="*/ 512259 h 512881"/>
+                <a:gd name="connsiteX26" fmla="*/ 1008121 w 1518044"/>
+                <a:gd name="connsiteY26" fmla="*/ 509085 h 512881"/>
+                <a:gd name="connsiteX27" fmla="*/ 511234 w 1518044"/>
+                <a:gd name="connsiteY27" fmla="*/ 497972 h 512881"/>
+                <a:gd name="connsiteX28" fmla="*/ 433446 w 1518044"/>
+                <a:gd name="connsiteY28" fmla="*/ 485272 h 512881"/>
+                <a:gd name="connsiteX29" fmla="*/ 439796 w 1518044"/>
+                <a:gd name="connsiteY29" fmla="*/ 421772 h 512881"/>
+                <a:gd name="connsiteX30" fmla="*/ 385821 w 1518044"/>
+                <a:gd name="connsiteY30" fmla="*/ 345572 h 512881"/>
+                <a:gd name="connsiteX31" fmla="*/ 293746 w 1518044"/>
+                <a:gd name="connsiteY31" fmla="*/ 324934 h 512881"/>
+                <a:gd name="connsiteX32" fmla="*/ 231834 w 1518044"/>
+                <a:gd name="connsiteY32" fmla="*/ 361447 h 512881"/>
+                <a:gd name="connsiteX33" fmla="*/ 182621 w 1518044"/>
+                <a:gd name="connsiteY33" fmla="*/ 420184 h 512881"/>
+                <a:gd name="connsiteX34" fmla="*/ 161984 w 1518044"/>
+                <a:gd name="connsiteY34" fmla="*/ 453522 h 512881"/>
+                <a:gd name="connsiteX35" fmla="*/ 130234 w 1518044"/>
+                <a:gd name="connsiteY35" fmla="*/ 459872 h 512881"/>
+                <a:gd name="connsiteX36" fmla="*/ 57209 w 1518044"/>
+                <a:gd name="connsiteY36" fmla="*/ 451934 h 512881"/>
+                <a:gd name="connsiteX37" fmla="*/ 14346 w 1518044"/>
+                <a:gd name="connsiteY37" fmla="*/ 448759 h 512881"/>
+                <a:gd name="connsiteX38" fmla="*/ 59 w 1518044"/>
+                <a:gd name="connsiteY38" fmla="*/ 423359 h 512881"/>
+                <a:gd name="connsiteX39" fmla="*/ 9584 w 1518044"/>
+                <a:gd name="connsiteY39" fmla="*/ 372559 h 512881"/>
+                <a:gd name="connsiteX40" fmla="*/ 17521 w 1518044"/>
+                <a:gd name="connsiteY40" fmla="*/ 332872 h 512881"/>
+                <a:gd name="connsiteX41" fmla="*/ 87371 w 1518044"/>
+                <a:gd name="connsiteY41" fmla="*/ 310647 h 512881"/>
+                <a:gd name="connsiteX42" fmla="*/ 115946 w 1518044"/>
+                <a:gd name="connsiteY42" fmla="*/ 278897 h 512881"/>
+                <a:gd name="connsiteX43" fmla="*/ 96896 w 1518044"/>
+                <a:gd name="connsiteY43" fmla="*/ 278897 h 512881"/>
+                <a:gd name="connsiteX44" fmla="*/ 96896 w 1518044"/>
+                <a:gd name="connsiteY44" fmla="*/ 266197 h 512881"/>
+                <a:gd name="connsiteX45" fmla="*/ 154046 w 1518044"/>
+                <a:gd name="connsiteY45" fmla="*/ 243972 h 512881"/>
+              </a:gdLst>
+              <a:ahLst/>
+              <a:cxnLst>
+                <a:cxn ang="0">
+                  <a:pos x="connsiteX0" y="connsiteY0"/>
+                </a:cxn>
+                <a:cxn ang="0">
+                  <a:pos x="connsiteX1" y="connsiteY1"/>
+                </a:cxn>
+                <a:cxn ang="0">
+                  <a:pos x="connsiteX2" y="connsiteY2"/>
+                </a:cxn>
+                <a:cxn ang="0">
+                  <a:pos x="connsiteX3" y="connsiteY3"/>
+                </a:cxn>
+                <a:cxn ang="0">
+                  <a:pos x="connsiteX4" y="connsiteY4"/>
+                </a:cxn>
+                <a:cxn ang="0">
+                  <a:pos x="connsiteX5" y="connsiteY5"/>
+                </a:cxn>
+                <a:cxn ang="0">
+                  <a:pos x="connsiteX6" y="connsiteY6"/>
+                </a:cxn>
+                <a:cxn ang="0">
+                  <a:pos x="connsiteX7" y="connsiteY7"/>
+                </a:cxn>
+                <a:cxn ang="0">
+                  <a:pos x="connsiteX8" y="connsiteY8"/>
+                </a:cxn>
+                <a:cxn ang="0">
+                  <a:pos x="connsiteX9" y="connsiteY9"/>
+                </a:cxn>
+                <a:cxn ang="0">
+                  <a:pos x="connsiteX10" y="connsiteY10"/>
+                </a:cxn>
+                <a:cxn ang="0">
+                  <a:pos x="connsiteX11" y="connsiteY11"/>
+                </a:cxn>
+                <a:cxn ang="0">
+                  <a:pos x="connsiteX12" y="connsiteY12"/>
+                </a:cxn>
+                <a:cxn ang="0">
+                  <a:pos x="connsiteX13" y="connsiteY13"/>
+                </a:cxn>
+                <a:cxn ang="0">
+                  <a:pos x="connsiteX14" y="connsiteY14"/>
+                </a:cxn>
+                <a:cxn ang="0">
+                  <a:pos x="connsiteX15" y="connsiteY15"/>
+                </a:cxn>
+                <a:cxn ang="0">
+                  <a:pos x="connsiteX16" y="connsiteY16"/>
+                </a:cxn>
+                <a:cxn ang="0">
+                  <a:pos x="connsiteX17" y="connsiteY17"/>
+                </a:cxn>
+                <a:cxn ang="0">
+                  <a:pos x="connsiteX18" y="connsiteY18"/>
+                </a:cxn>
+                <a:cxn ang="0">
+                  <a:pos x="connsiteX19" y="connsiteY19"/>
+                </a:cxn>
+                <a:cxn ang="0">
+                  <a:pos x="connsiteX20" y="connsiteY20"/>
+                </a:cxn>
+                <a:cxn ang="0">
+                  <a:pos x="connsiteX21" y="connsiteY21"/>
+                </a:cxn>
+                <a:cxn ang="0">
+                  <a:pos x="connsiteX22" y="connsiteY22"/>
+                </a:cxn>
+                <a:cxn ang="0">
+                  <a:pos x="connsiteX23" y="connsiteY23"/>
+                </a:cxn>
+                <a:cxn ang="0">
+                  <a:pos x="connsiteX24" y="connsiteY24"/>
+                </a:cxn>
+                <a:cxn ang="0">
+                  <a:pos x="connsiteX25" y="connsiteY25"/>
+                </a:cxn>
+                <a:cxn ang="0">
+                  <a:pos x="connsiteX26" y="connsiteY26"/>
+                </a:cxn>
+                <a:cxn ang="0">
+                  <a:pos x="connsiteX27" y="connsiteY27"/>
+                </a:cxn>
+                <a:cxn ang="0">
+                  <a:pos x="connsiteX28" y="connsiteY28"/>
+                </a:cxn>
+                <a:cxn ang="0">
+                  <a:pos x="connsiteX29" y="connsiteY29"/>
+                </a:cxn>
+                <a:cxn ang="0">
+                  <a:pos x="connsiteX30" y="connsiteY30"/>
+                </a:cxn>
+                <a:cxn ang="0">
+                  <a:pos x="connsiteX31" y="connsiteY31"/>
+                </a:cxn>
+                <a:cxn ang="0">
+                  <a:pos x="connsiteX32" y="connsiteY32"/>
+                </a:cxn>
+                <a:cxn ang="0">
+                  <a:pos x="connsiteX33" y="connsiteY33"/>
+                </a:cxn>
+                <a:cxn ang="0">
+                  <a:pos x="connsiteX34" y="connsiteY34"/>
+                </a:cxn>
+                <a:cxn ang="0">
+                  <a:pos x="connsiteX35" y="connsiteY35"/>
+                </a:cxn>
+                <a:cxn ang="0">
+                  <a:pos x="connsiteX36" y="connsiteY36"/>
+                </a:cxn>
+                <a:cxn ang="0">
+                  <a:pos x="connsiteX37" y="connsiteY37"/>
+                </a:cxn>
+                <a:cxn ang="0">
+                  <a:pos x="connsiteX38" y="connsiteY38"/>
+                </a:cxn>
+                <a:cxn ang="0">
+                  <a:pos x="connsiteX39" y="connsiteY39"/>
+                </a:cxn>
+                <a:cxn ang="0">
+                  <a:pos x="connsiteX40" y="connsiteY40"/>
+                </a:cxn>
+                <a:cxn ang="0">
+                  <a:pos x="connsiteX41" y="connsiteY41"/>
+                </a:cxn>
+                <a:cxn ang="0">
+                  <a:pos x="connsiteX42" y="connsiteY42"/>
+                </a:cxn>
+                <a:cxn ang="0">
+                  <a:pos x="connsiteX43" y="connsiteY43"/>
+                </a:cxn>
+                <a:cxn ang="0">
+                  <a:pos x="connsiteX44" y="connsiteY44"/>
+                </a:cxn>
+                <a:cxn ang="0">
+                  <a:pos x="connsiteX45" y="connsiteY45"/>
+                </a:cxn>
+              </a:cxnLst>
+              <a:rect l="l" t="t" r="r" b="b"/>
+              <a:pathLst>
+                <a:path w="1518044" h="512881">
+                  <a:moveTo>
+                    <a:pt x="154046" y="243972"/>
+                  </a:moveTo>
+                  <a:cubicBezTo>
+                    <a:pt x="177594" y="225451"/>
+                    <a:pt x="204582" y="184705"/>
+                    <a:pt x="238184" y="155072"/>
+                  </a:cubicBezTo>
+                  <a:cubicBezTo>
+                    <a:pt x="271786" y="125439"/>
+                    <a:pt x="312003" y="89455"/>
+                    <a:pt x="355659" y="66172"/>
+                  </a:cubicBezTo>
+                  <a:cubicBezTo>
+                    <a:pt x="399315" y="42889"/>
+                    <a:pt x="436092" y="26220"/>
+                    <a:pt x="500121" y="15372"/>
+                  </a:cubicBezTo>
+                  <a:cubicBezTo>
+                    <a:pt x="564150" y="4524"/>
+                    <a:pt x="669455" y="-2885"/>
+                    <a:pt x="739834" y="1084"/>
+                  </a:cubicBezTo>
+                  <a:cubicBezTo>
+                    <a:pt x="810213" y="5053"/>
+                    <a:pt x="877417" y="12461"/>
+                    <a:pt x="922396" y="39184"/>
+                  </a:cubicBezTo>
+                  <a:cubicBezTo>
+                    <a:pt x="967375" y="65907"/>
+                    <a:pt x="984574" y="137610"/>
+                    <a:pt x="1009709" y="161422"/>
+                  </a:cubicBezTo>
+                  <a:cubicBezTo>
+                    <a:pt x="1034844" y="185234"/>
+                    <a:pt x="1029288" y="171476"/>
+                    <a:pt x="1073209" y="182059"/>
+                  </a:cubicBezTo>
+                  <a:cubicBezTo>
+                    <a:pt x="1117130" y="192642"/>
+                    <a:pt x="1221376" y="207459"/>
+                    <a:pt x="1273234" y="224922"/>
+                  </a:cubicBezTo>
+                  <a:cubicBezTo>
+                    <a:pt x="1325092" y="242384"/>
+                    <a:pt x="1360017" y="270695"/>
+                    <a:pt x="1384359" y="286834"/>
+                  </a:cubicBezTo>
+                  <a:cubicBezTo>
+                    <a:pt x="1408701" y="302974"/>
+                    <a:pt x="1408701" y="316997"/>
+                    <a:pt x="1419284" y="321759"/>
+                  </a:cubicBezTo>
+                  <a:cubicBezTo>
+                    <a:pt x="1429867" y="326522"/>
+                    <a:pt x="1432513" y="307736"/>
+                    <a:pt x="1447859" y="315409"/>
+                  </a:cubicBezTo>
+                  <a:cubicBezTo>
+                    <a:pt x="1463205" y="323082"/>
+                    <a:pt x="1500247" y="351657"/>
+                    <a:pt x="1511359" y="367797"/>
+                  </a:cubicBezTo>
+                  <a:cubicBezTo>
+                    <a:pt x="1522471" y="383937"/>
+                    <a:pt x="1516915" y="398753"/>
+                    <a:pt x="1514534" y="412247"/>
+                  </a:cubicBezTo>
+                  <a:cubicBezTo>
+                    <a:pt x="1512153" y="425741"/>
+                    <a:pt x="1504215" y="438970"/>
+                    <a:pt x="1497071" y="448759"/>
+                  </a:cubicBezTo>
+                  <a:cubicBezTo>
+                    <a:pt x="1489927" y="458548"/>
+                    <a:pt x="1479344" y="469397"/>
+                    <a:pt x="1471671" y="470984"/>
+                  </a:cubicBezTo>
+                  <a:cubicBezTo>
+                    <a:pt x="1463998" y="472571"/>
+                    <a:pt x="1456061" y="458549"/>
+                    <a:pt x="1451034" y="458284"/>
+                  </a:cubicBezTo>
+                  <a:cubicBezTo>
+                    <a:pt x="1446007" y="458020"/>
+                    <a:pt x="1451828" y="470191"/>
+                    <a:pt x="1441509" y="469397"/>
+                  </a:cubicBezTo>
+                  <a:cubicBezTo>
+                    <a:pt x="1431190" y="468603"/>
+                    <a:pt x="1403144" y="462253"/>
+                    <a:pt x="1389121" y="453522"/>
+                  </a:cubicBezTo>
+                  <a:cubicBezTo>
+                    <a:pt x="1375098" y="444791"/>
+                    <a:pt x="1374834" y="433413"/>
+                    <a:pt x="1357371" y="417009"/>
+                  </a:cubicBezTo>
+                  <a:cubicBezTo>
+                    <a:pt x="1339909" y="400605"/>
+                    <a:pt x="1308423" y="366739"/>
+                    <a:pt x="1284346" y="355097"/>
+                  </a:cubicBezTo>
+                  <a:cubicBezTo>
+                    <a:pt x="1260269" y="343455"/>
+                    <a:pt x="1234340" y="343720"/>
+                    <a:pt x="1212909" y="347159"/>
+                  </a:cubicBezTo>
+                  <a:cubicBezTo>
+                    <a:pt x="1191478" y="350598"/>
+                    <a:pt x="1172692" y="362505"/>
+                    <a:pt x="1155759" y="375734"/>
+                  </a:cubicBezTo>
+                  <a:cubicBezTo>
+                    <a:pt x="1138826" y="388963"/>
+                    <a:pt x="1122157" y="406161"/>
+                    <a:pt x="1111309" y="426534"/>
+                  </a:cubicBezTo>
+                  <a:cubicBezTo>
+                    <a:pt x="1100461" y="446907"/>
+                    <a:pt x="1095963" y="483685"/>
+                    <a:pt x="1090671" y="497972"/>
+                  </a:cubicBezTo>
+                  <a:cubicBezTo>
+                    <a:pt x="1085379" y="512259"/>
+                    <a:pt x="1093317" y="510407"/>
+                    <a:pt x="1079559" y="512259"/>
+                  </a:cubicBezTo>
+                  <a:cubicBezTo>
+                    <a:pt x="1065801" y="514111"/>
+                    <a:pt x="1102842" y="511466"/>
+                    <a:pt x="1008121" y="509085"/>
+                  </a:cubicBezTo>
+                  <a:lnTo>
+                    <a:pt x="511234" y="497972"/>
+                  </a:lnTo>
+                  <a:cubicBezTo>
+                    <a:pt x="415455" y="494003"/>
+                    <a:pt x="428948" y="497972"/>
+                    <a:pt x="433446" y="485272"/>
+                  </a:cubicBezTo>
+                  <a:cubicBezTo>
+                    <a:pt x="430006" y="472572"/>
+                    <a:pt x="447734" y="445055"/>
+                    <a:pt x="439796" y="421772"/>
+                  </a:cubicBezTo>
+                  <a:cubicBezTo>
+                    <a:pt x="431859" y="398489"/>
+                    <a:pt x="410163" y="361712"/>
+                    <a:pt x="385821" y="345572"/>
+                  </a:cubicBezTo>
+                  <a:cubicBezTo>
+                    <a:pt x="361479" y="329432"/>
+                    <a:pt x="319411" y="322288"/>
+                    <a:pt x="293746" y="324934"/>
+                  </a:cubicBezTo>
+                  <a:cubicBezTo>
+                    <a:pt x="268082" y="327580"/>
+                    <a:pt x="250355" y="345572"/>
+                    <a:pt x="231834" y="361447"/>
+                  </a:cubicBezTo>
+                  <a:cubicBezTo>
+                    <a:pt x="213313" y="377322"/>
+                    <a:pt x="194263" y="404838"/>
+                    <a:pt x="182621" y="420184"/>
+                  </a:cubicBezTo>
+                  <a:cubicBezTo>
+                    <a:pt x="170979" y="435530"/>
+                    <a:pt x="170715" y="446907"/>
+                    <a:pt x="161984" y="453522"/>
+                  </a:cubicBezTo>
+                  <a:cubicBezTo>
+                    <a:pt x="153253" y="460137"/>
+                    <a:pt x="147696" y="460137"/>
+                    <a:pt x="130234" y="459872"/>
+                  </a:cubicBezTo>
+                  <a:cubicBezTo>
+                    <a:pt x="112772" y="459607"/>
+                    <a:pt x="76523" y="453786"/>
+                    <a:pt x="57209" y="451934"/>
+                  </a:cubicBezTo>
+                  <a:cubicBezTo>
+                    <a:pt x="37895" y="450082"/>
+                    <a:pt x="23871" y="453522"/>
+                    <a:pt x="14346" y="448759"/>
+                  </a:cubicBezTo>
+                  <a:cubicBezTo>
+                    <a:pt x="4821" y="443996"/>
+                    <a:pt x="853" y="436059"/>
+                    <a:pt x="59" y="423359"/>
+                  </a:cubicBezTo>
+                  <a:cubicBezTo>
+                    <a:pt x="-735" y="410659"/>
+                    <a:pt x="6674" y="387640"/>
+                    <a:pt x="9584" y="372559"/>
+                  </a:cubicBezTo>
+                  <a:cubicBezTo>
+                    <a:pt x="12494" y="357478"/>
+                    <a:pt x="4556" y="343191"/>
+                    <a:pt x="17521" y="332872"/>
+                  </a:cubicBezTo>
+                  <a:cubicBezTo>
+                    <a:pt x="30486" y="322553"/>
+                    <a:pt x="70967" y="319643"/>
+                    <a:pt x="87371" y="310647"/>
+                  </a:cubicBezTo>
+                  <a:cubicBezTo>
+                    <a:pt x="103775" y="301651"/>
+                    <a:pt x="114359" y="284189"/>
+                    <a:pt x="115946" y="278897"/>
+                  </a:cubicBezTo>
+                  <a:cubicBezTo>
+                    <a:pt x="117533" y="273605"/>
+                    <a:pt x="100071" y="281014"/>
+                    <a:pt x="96896" y="278897"/>
+                  </a:cubicBezTo>
+                  <a:cubicBezTo>
+                    <a:pt x="93721" y="276780"/>
+                    <a:pt x="86577" y="272018"/>
+                    <a:pt x="96896" y="266197"/>
+                  </a:cubicBezTo>
+                  <a:cubicBezTo>
+                    <a:pt x="107215" y="260376"/>
+                    <a:pt x="130498" y="262493"/>
+                    <a:pt x="154046" y="243972"/>
+                  </a:cubicBezTo>
+                  <a:close/>
+                </a:path>
+              </a:pathLst>
+            </a:custGeom>
+            <a:solidFill>
+              <a:srgbClr val="DEDFCD"/>
+            </a:solidFill>
+            <a:ln w="25400">
+              <a:solidFill>
+                <a:schemeClr val="tx1"/>
+              </a:solidFill>
+            </a:ln>
+          </p:spPr>
+          <p:style>
+            <a:lnRef idx="1">
+              <a:schemeClr val="accent1"/>
+            </a:lnRef>
+            <a:fillRef idx="0">
+              <a:schemeClr val="accent1"/>
+            </a:fillRef>
+            <a:effectRef idx="0">
+              <a:schemeClr val="accent1"/>
+            </a:effectRef>
+            <a:fontRef idx="minor">
+              <a:schemeClr val="tx1"/>
+            </a:fontRef>
+          </p:style>
+          <p:txBody>
+            <a:bodyPr rtlCol="0" anchor="ctr"/>
+            <a:lstStyle/>
+            <a:p>
+              <a:pPr algn="ctr"/>
+              <a:endParaRPr lang="en-US" dirty="0"/>
+            </a:p>
+          </p:txBody>
+        </p:sp>
+        <p:sp>
+          <p:nvSpPr>
+            <p:cNvPr id="20" name="Oval 19">
+              <a:extLst>
+                <a:ext uri="{FF2B5EF4-FFF2-40B4-BE49-F238E27FC236}">
+                  <a16:creationId xmlns:a16="http://schemas.microsoft.com/office/drawing/2014/main" id="{32E248DD-F397-C469-487A-AF151C0F6529}"/>
+                </a:ext>
+              </a:extLst>
+            </p:cNvPr>
+            <p:cNvSpPr/>
+            <p:nvPr/>
+          </p:nvSpPr>
+          <p:spPr>
+            <a:xfrm>
+              <a:off x="1521427" y="3027235"/>
+              <a:ext cx="359386" cy="359386"/>
+            </a:xfrm>
+            <a:prstGeom prst="ellipse">
+              <a:avLst/>
+            </a:prstGeom>
+            <a:solidFill>
+              <a:srgbClr val="DEDFCD"/>
+            </a:solidFill>
+            <a:ln w="50800">
+              <a:solidFill>
+                <a:schemeClr val="tx1">
+                  <a:lumMod val="65000"/>
+                  <a:lumOff val="35000"/>
+                </a:schemeClr>
+              </a:solidFill>
+            </a:ln>
+          </p:spPr>
+          <p:style>
+            <a:lnRef idx="1">
+              <a:schemeClr val="accent1"/>
+            </a:lnRef>
+            <a:fillRef idx="0">
+              <a:schemeClr val="accent1"/>
+            </a:fillRef>
+            <a:effectRef idx="0">
+              <a:schemeClr val="accent1"/>
+            </a:effectRef>
+            <a:fontRef idx="minor">
+              <a:schemeClr val="tx1"/>
+            </a:fontRef>
+          </p:style>
+          <p:txBody>
+            <a:bodyPr rtlCol="0" anchor="ctr"/>
+            <a:lstStyle/>
+            <a:p>
+              <a:pPr algn="ctr"/>
+              <a:endParaRPr lang="en-US"/>
+            </a:p>
+          </p:txBody>
+        </p:sp>
+        <p:sp>
+          <p:nvSpPr>
+            <p:cNvPr id="21" name="Oval 20">
+              <a:extLst>
+                <a:ext uri="{FF2B5EF4-FFF2-40B4-BE49-F238E27FC236}">
+                  <a16:creationId xmlns:a16="http://schemas.microsoft.com/office/drawing/2014/main" id="{7B4DEE24-C7BE-9688-EEB1-0D13D94A6EBD}"/>
+                </a:ext>
+              </a:extLst>
+            </p:cNvPr>
+            <p:cNvSpPr/>
+            <p:nvPr/>
+          </p:nvSpPr>
+          <p:spPr>
+            <a:xfrm>
+              <a:off x="3170864" y="3045779"/>
+              <a:ext cx="359386" cy="359386"/>
+            </a:xfrm>
+            <a:prstGeom prst="ellipse">
+              <a:avLst/>
+            </a:prstGeom>
+            <a:solidFill>
+              <a:srgbClr val="DEDFCD"/>
+            </a:solidFill>
+            <a:ln w="50800">
+              <a:solidFill>
+                <a:schemeClr val="tx1">
+                  <a:lumMod val="65000"/>
+                  <a:lumOff val="35000"/>
+                </a:schemeClr>
+              </a:solidFill>
+            </a:ln>
+          </p:spPr>
+          <p:style>
+            <a:lnRef idx="1">
+              <a:schemeClr val="accent1"/>
+            </a:lnRef>
+            <a:fillRef idx="0">
+              <a:schemeClr val="accent1"/>
+            </a:fillRef>
+            <a:effectRef idx="0">
+              <a:schemeClr val="accent1"/>
+            </a:effectRef>
+            <a:fontRef idx="minor">
+              <a:schemeClr val="tx1"/>
+            </a:fontRef>
+          </p:style>
+          <p:txBody>
+            <a:bodyPr rtlCol="0" anchor="ctr"/>
+            <a:lstStyle/>
+            <a:p>
+              <a:pPr algn="ctr"/>
+              <a:endParaRPr lang="en-US"/>
+            </a:p>
+          </p:txBody>
+        </p:sp>
+        <p:sp>
+          <p:nvSpPr>
+            <p:cNvPr id="29" name="Arc 28">
+              <a:extLst>
+                <a:ext uri="{FF2B5EF4-FFF2-40B4-BE49-F238E27FC236}">
+                  <a16:creationId xmlns:a16="http://schemas.microsoft.com/office/drawing/2014/main" id="{4DD56701-C9D5-4166-DFD9-876F7D8DA24F}"/>
+                </a:ext>
+              </a:extLst>
+            </p:cNvPr>
+            <p:cNvSpPr/>
+            <p:nvPr/>
+          </p:nvSpPr>
+          <p:spPr>
+            <a:xfrm rot="10800000">
+              <a:off x="1189415" y="2614653"/>
+              <a:ext cx="1023410" cy="1041319"/>
+            </a:xfrm>
+            <a:prstGeom prst="arc">
+              <a:avLst>
+                <a:gd name="adj1" fmla="val 13598358"/>
+                <a:gd name="adj2" fmla="val 18735780"/>
+              </a:avLst>
+            </a:prstGeom>
+            <a:ln w="25400" cap="rnd">
+              <a:solidFill>
+                <a:srgbClr val="00B0F0"/>
+              </a:solidFill>
+              <a:headEnd type="arrow" w="lg" len="med"/>
+              <a:tailEnd type="arrow" w="lg" len="med"/>
+            </a:ln>
+          </p:spPr>
+          <p:style>
+            <a:lnRef idx="1">
+              <a:schemeClr val="accent1"/>
+            </a:lnRef>
+            <a:fillRef idx="0">
+              <a:schemeClr val="accent1"/>
+            </a:fillRef>
+            <a:effectRef idx="0">
+              <a:schemeClr val="accent1"/>
+            </a:effectRef>
+            <a:fontRef idx="minor">
+              <a:schemeClr val="tx1"/>
+            </a:fontRef>
+          </p:style>
+          <p:txBody>
+            <a:bodyPr rtlCol="0" anchor="ctr"/>
+            <a:lstStyle/>
+            <a:p>
+              <a:pPr marL="0" marR="0" lvl="0" indent="0" algn="ctr" defTabSz="914400" rtl="0" eaLnBrk="1" fontAlgn="auto" latinLnBrk="0" hangingPunct="1">
+                <a:lnSpc>
+                  <a:spcPct val="100000"/>
+                </a:lnSpc>
+                <a:spcBef>
+                  <a:spcPts val="0"/>
+                </a:spcBef>
+                <a:spcAft>
+                  <a:spcPts val="0"/>
+                </a:spcAft>
+                <a:buClrTx/>
+                <a:buSzTx/>
+                <a:buFontTx/>
+                <a:buNone/>
+                <a:tabLst/>
+                <a:defRPr/>
+              </a:pPr>
+              <a:endParaRPr kumimoji="0" lang="en-US" sz="1800" b="0" i="0" u="none" strike="noStrike" kern="1200" cap="none" spc="0" normalizeH="0" baseline="0" noProof="0">
+                <a:ln>
+                  <a:noFill/>
+                </a:ln>
+                <a:solidFill>
+                  <a:prstClr val="black"/>
+                </a:solidFill>
+                <a:effectLst/>
+                <a:uLnTx/>
+                <a:uFillTx/>
+                <a:latin typeface="Calibri"/>
+                <a:ea typeface="+mn-ea"/>
+                <a:cs typeface="+mn-cs"/>
+              </a:endParaRPr>
+            </a:p>
+          </p:txBody>
+        </p:sp>
+        <p:sp>
+          <p:nvSpPr>
+            <p:cNvPr id="30" name="Arc 29">
+              <a:extLst>
+                <a:ext uri="{FF2B5EF4-FFF2-40B4-BE49-F238E27FC236}">
+                  <a16:creationId xmlns:a16="http://schemas.microsoft.com/office/drawing/2014/main" id="{CCC4F574-919A-BA10-9B46-B9AF42224D2F}"/>
+                </a:ext>
+              </a:extLst>
+            </p:cNvPr>
+            <p:cNvSpPr/>
+            <p:nvPr/>
+          </p:nvSpPr>
+          <p:spPr>
+            <a:xfrm rot="10800000">
+              <a:off x="2838852" y="2614653"/>
+              <a:ext cx="1023410" cy="1041319"/>
+            </a:xfrm>
+            <a:prstGeom prst="arc">
+              <a:avLst>
+                <a:gd name="adj1" fmla="val 13598358"/>
+                <a:gd name="adj2" fmla="val 18735780"/>
+              </a:avLst>
+            </a:prstGeom>
+            <a:ln w="25400" cap="rnd">
+              <a:solidFill>
+                <a:srgbClr val="00B0F0"/>
+              </a:solidFill>
+              <a:headEnd type="arrow" w="lg" len="med"/>
+              <a:tailEnd type="arrow" w="lg" len="med"/>
+            </a:ln>
+          </p:spPr>
+          <p:style>
+            <a:lnRef idx="1">
+              <a:schemeClr val="accent1"/>
+            </a:lnRef>
+            <a:fillRef idx="0">
+              <a:schemeClr val="accent1"/>
+            </a:fillRef>
+            <a:effectRef idx="0">
+              <a:schemeClr val="accent1"/>
+            </a:effectRef>
+            <a:fontRef idx="minor">
+              <a:schemeClr val="tx1"/>
+            </a:fontRef>
+          </p:style>
+          <p:txBody>
+            <a:bodyPr rtlCol="0" anchor="ctr"/>
+            <a:lstStyle/>
+            <a:p>
+              <a:pPr marL="0" marR="0" lvl="0" indent="0" algn="ctr" defTabSz="914400" rtl="0" eaLnBrk="1" fontAlgn="auto" latinLnBrk="0" hangingPunct="1">
+                <a:lnSpc>
+                  <a:spcPct val="100000"/>
+                </a:lnSpc>
+                <a:spcBef>
+                  <a:spcPts val="0"/>
+                </a:spcBef>
+                <a:spcAft>
+                  <a:spcPts val="0"/>
+                </a:spcAft>
+                <a:buClrTx/>
+                <a:buSzTx/>
+                <a:buFontTx/>
+                <a:buNone/>
+                <a:tabLst/>
+                <a:defRPr/>
+              </a:pPr>
+              <a:endParaRPr kumimoji="0" lang="en-US" sz="1800" b="0" i="0" u="none" strike="noStrike" kern="1200" cap="none" spc="0" normalizeH="0" baseline="0" noProof="0">
+                <a:ln>
+                  <a:noFill/>
+                </a:ln>
+                <a:solidFill>
+                  <a:prstClr val="black"/>
+                </a:solidFill>
+                <a:effectLst/>
+                <a:uLnTx/>
+                <a:uFillTx/>
+                <a:latin typeface="Calibri"/>
+                <a:ea typeface="+mn-ea"/>
+                <a:cs typeface="+mn-cs"/>
+              </a:endParaRPr>
+            </a:p>
+          </p:txBody>
+        </p:sp>
+        <p:cxnSp>
+          <p:nvCxnSpPr>
+            <p:cNvPr id="33" name="Straight Arrow Connector 32">
+              <a:extLst>
+                <a:ext uri="{FF2B5EF4-FFF2-40B4-BE49-F238E27FC236}">
+                  <a16:creationId xmlns:a16="http://schemas.microsoft.com/office/drawing/2014/main" id="{1268997D-2F48-A7F5-A294-91D312A87E1A}"/>
+                </a:ext>
+              </a:extLst>
+            </p:cNvPr>
+            <p:cNvCxnSpPr>
+              <a:cxnSpLocks/>
+            </p:cNvCxnSpPr>
+            <p:nvPr/>
+          </p:nvCxnSpPr>
+          <p:spPr>
+            <a:xfrm>
+              <a:off x="3352800" y="2834640"/>
+              <a:ext cx="0" cy="420984"/>
+            </a:xfrm>
+            <a:prstGeom prst="straightConnector1">
+              <a:avLst/>
+            </a:prstGeom>
+            <a:ln w="25400">
+              <a:solidFill>
+                <a:srgbClr val="00B0F0"/>
+              </a:solidFill>
+              <a:headEnd type="arrow"/>
+              <a:tailEnd type="arrow"/>
+            </a:ln>
+          </p:spPr>
+          <p:style>
+            <a:lnRef idx="1">
+              <a:schemeClr val="accent1"/>
+            </a:lnRef>
+            <a:fillRef idx="0">
+              <a:schemeClr val="accent1"/>
+            </a:fillRef>
+            <a:effectRef idx="0">
+              <a:schemeClr val="accent1"/>
+            </a:effectRef>
+            <a:fontRef idx="minor">
+              <a:schemeClr val="tx1"/>
+            </a:fontRef>
+          </p:style>
+        </p:cxnSp>
+        <p:cxnSp>
+          <p:nvCxnSpPr>
+            <p:cNvPr id="36" name="Straight Arrow Connector 35">
+              <a:extLst>
+                <a:ext uri="{FF2B5EF4-FFF2-40B4-BE49-F238E27FC236}">
+                  <a16:creationId xmlns:a16="http://schemas.microsoft.com/office/drawing/2014/main" id="{B163840E-2EFF-1F23-56BF-FC97F1C33140}"/>
+                </a:ext>
+              </a:extLst>
+            </p:cNvPr>
+            <p:cNvCxnSpPr>
+              <a:cxnSpLocks/>
+            </p:cNvCxnSpPr>
+            <p:nvPr/>
+          </p:nvCxnSpPr>
+          <p:spPr>
+            <a:xfrm>
+              <a:off x="1696720" y="2816743"/>
+              <a:ext cx="0" cy="420984"/>
+            </a:xfrm>
+            <a:prstGeom prst="straightConnector1">
+              <a:avLst/>
+            </a:prstGeom>
+            <a:ln w="25400">
+              <a:solidFill>
+                <a:srgbClr val="00B0F0"/>
+              </a:solidFill>
+              <a:headEnd type="arrow"/>
+              <a:tailEnd type="arrow"/>
+            </a:ln>
+          </p:spPr>
+          <p:style>
+            <a:lnRef idx="1">
+              <a:schemeClr val="accent1"/>
+            </a:lnRef>
+            <a:fillRef idx="0">
+              <a:schemeClr val="accent1"/>
+            </a:fillRef>
+            <a:effectRef idx="0">
+              <a:schemeClr val="accent1"/>
+            </a:effectRef>
+            <a:fontRef idx="minor">
+              <a:schemeClr val="tx1"/>
+            </a:fontRef>
+          </p:style>
+        </p:cxnSp>
+      </p:grpSp>
+    </p:spTree>
+    <p:extLst>
+      <p:ext uri="{BB962C8B-B14F-4D97-AF65-F5344CB8AC3E}">
+        <p14:creationId xmlns:p14="http://schemas.microsoft.com/office/powerpoint/2010/main" val="1806721497"/>
+      </p:ext>
+    </p:extLst>
+  </p:cSld>
+  <p:clrMapOvr>
+    <a:masterClrMapping/>
+  </p:clrMapOvr>
+  <mc:AlternateContent xmlns:mc="http://schemas.openxmlformats.org/markup-compatibility/2006" xmlns:p14="http://schemas.microsoft.com/office/powerpoint/2010/main">
+    <mc:Choice Requires="p14">
+      <p:transition p14:dur="10"/>
+    </mc:Choice>
+    <mc:Fallback xmlns="">
+      <p:transition/>
+    </mc:Fallback>
+  </mc:AlternateContent>
+</p:sld>
+</file>
+
+<file path=ppt/slides/slide6.xml><?xml version="1.0" encoding="utf-8"?>
+<p:sld xmlns:a="http://schemas.openxmlformats.org/drawingml/2006/main" xmlns:r="http://schemas.openxmlformats.org/officeDocument/2006/relationships" xmlns:p="http://schemas.openxmlformats.org/presentationml/2006/main">
+  <p:cSld>
+    <p:spTree>
+      <p:nvGrpSpPr>
+        <p:cNvPr id="1" name=""/>
+        <p:cNvGrpSpPr/>
+        <p:nvPr/>
+      </p:nvGrpSpPr>
+      <p:grpSpPr>
+        <a:xfrm>
+          <a:off x="0" y="0"/>
+          <a:ext cx="0" cy="0"/>
+          <a:chOff x="0" y="0"/>
+          <a:chExt cx="0" cy="0"/>
+        </a:xfrm>
+      </p:grpSpPr>
+      <p:grpSp>
+        <p:nvGrpSpPr>
+          <p:cNvPr id="24" name="Group 23">
+            <a:extLst>
+              <a:ext uri="{FF2B5EF4-FFF2-40B4-BE49-F238E27FC236}">
+                <a16:creationId xmlns:a16="http://schemas.microsoft.com/office/drawing/2014/main" id="{BAFCDBDD-051B-76C3-6915-EDAE63CB9A13}"/>
+              </a:ext>
+            </a:extLst>
+          </p:cNvPr>
+          <p:cNvGrpSpPr/>
+          <p:nvPr/>
+        </p:nvGrpSpPr>
+        <p:grpSpPr>
+          <a:xfrm>
+            <a:off x="2510561" y="2934378"/>
+            <a:ext cx="1923274" cy="1704393"/>
+            <a:chOff x="1659661" y="4483778"/>
+            <a:chExt cx="1923274" cy="1704393"/>
+          </a:xfrm>
+        </p:grpSpPr>
+        <p:grpSp>
+          <p:nvGrpSpPr>
+            <p:cNvPr id="14" name="Group 13">
+              <a:extLst>
+                <a:ext uri="{FF2B5EF4-FFF2-40B4-BE49-F238E27FC236}">
+                  <a16:creationId xmlns:a16="http://schemas.microsoft.com/office/drawing/2014/main" id="{6E975417-54CD-BA01-F2EB-5FFFC510094F}"/>
+                </a:ext>
+              </a:extLst>
+            </p:cNvPr>
+            <p:cNvGrpSpPr/>
+            <p:nvPr/>
+          </p:nvGrpSpPr>
+          <p:grpSpPr>
+            <a:xfrm>
+              <a:off x="1659661" y="4483778"/>
+              <a:ext cx="609600" cy="1438232"/>
+              <a:chOff x="2511124" y="4508500"/>
+              <a:chExt cx="609600" cy="1438232"/>
+            </a:xfrm>
+          </p:grpSpPr>
+          <p:cxnSp>
+            <p:nvCxnSpPr>
+              <p:cNvPr id="9" name="Straight Connector 8">
+                <a:extLst>
+                  <a:ext uri="{FF2B5EF4-FFF2-40B4-BE49-F238E27FC236}">
+                    <a16:creationId xmlns:a16="http://schemas.microsoft.com/office/drawing/2014/main" id="{0660DC51-922A-A402-91D7-917E353A42F9}"/>
+                  </a:ext>
+                </a:extLst>
+              </p:cNvPr>
+              <p:cNvCxnSpPr>
+                <a:cxnSpLocks/>
+              </p:cNvCxnSpPr>
+              <p:nvPr/>
+            </p:nvCxnSpPr>
+            <p:spPr>
+              <a:xfrm>
+                <a:off x="2812749" y="4508500"/>
+                <a:ext cx="0" cy="1154069"/>
+              </a:xfrm>
+              <a:prstGeom prst="line">
+                <a:avLst/>
+              </a:prstGeom>
+              <a:ln w="50800">
+                <a:solidFill>
+                  <a:srgbClr val="C00000"/>
+                </a:solidFill>
+              </a:ln>
+            </p:spPr>
+            <p:style>
+              <a:lnRef idx="1">
+                <a:schemeClr val="accent1"/>
+              </a:lnRef>
+              <a:fillRef idx="0">
+                <a:schemeClr val="accent1"/>
+              </a:fillRef>
+              <a:effectRef idx="0">
+                <a:schemeClr val="accent1"/>
+              </a:effectRef>
+              <a:fontRef idx="minor">
+                <a:schemeClr val="tx1"/>
+              </a:fontRef>
+            </p:style>
+          </p:cxnSp>
+          <p:pic>
+            <p:nvPicPr>
+              <p:cNvPr id="7" name="Picture 6" descr="A close up of a football ball&#10;&#10;Description automatically generated">
+                <a:extLst>
+                  <a:ext uri="{FF2B5EF4-FFF2-40B4-BE49-F238E27FC236}">
+                    <a16:creationId xmlns:a16="http://schemas.microsoft.com/office/drawing/2014/main" id="{FE870A7D-FA15-0F0A-896E-68CBF4F75D26}"/>
+                  </a:ext>
+                </a:extLst>
+              </p:cNvPr>
+              <p:cNvPicPr>
+                <a:picLocks noChangeAspect="1"/>
+              </p:cNvPicPr>
+              <p:nvPr/>
+            </p:nvPicPr>
+            <p:blipFill>
+              <a:blip r:embed="rId2">
+                <a:extLst>
+                  <a:ext uri="{28A0092B-C50C-407E-A947-70E740481C1C}">
+                    <a14:useLocalDpi xmlns:a14="http://schemas.microsoft.com/office/drawing/2010/main" val="0"/>
+                  </a:ext>
+                </a:extLst>
+              </a:blip>
+              <a:stretch>
+                <a:fillRect/>
+              </a:stretch>
+            </p:blipFill>
+            <p:spPr>
+              <a:xfrm>
+                <a:off x="2511124" y="5337132"/>
+                <a:ext cx="609600" cy="609600"/>
+              </a:xfrm>
+              <a:prstGeom prst="rect">
+                <a:avLst/>
+              </a:prstGeom>
+            </p:spPr>
+          </p:pic>
+          <p:cxnSp>
+            <p:nvCxnSpPr>
+              <p:cNvPr id="11" name="Straight Connector 10">
+                <a:extLst>
+                  <a:ext uri="{FF2B5EF4-FFF2-40B4-BE49-F238E27FC236}">
+                    <a16:creationId xmlns:a16="http://schemas.microsoft.com/office/drawing/2014/main" id="{60060024-BD45-6CAF-7C1B-5533516D4DB0}"/>
+                  </a:ext>
+                </a:extLst>
+              </p:cNvPr>
+              <p:cNvCxnSpPr>
+                <a:cxnSpLocks/>
+              </p:cNvCxnSpPr>
+              <p:nvPr/>
+            </p:nvCxnSpPr>
+            <p:spPr>
+              <a:xfrm>
+                <a:off x="2812749" y="5337132"/>
+                <a:ext cx="0" cy="609600"/>
+              </a:xfrm>
+              <a:prstGeom prst="line">
+                <a:avLst/>
+              </a:prstGeom>
+              <a:ln w="34925">
+                <a:solidFill>
+                  <a:schemeClr val="accent5"/>
+                </a:solidFill>
+                <a:prstDash val="sysDash"/>
+              </a:ln>
+            </p:spPr>
+            <p:style>
+              <a:lnRef idx="1">
+                <a:schemeClr val="accent1"/>
+              </a:lnRef>
+              <a:fillRef idx="0">
+                <a:schemeClr val="accent1"/>
+              </a:fillRef>
+              <a:effectRef idx="0">
+                <a:schemeClr val="accent1"/>
+              </a:effectRef>
+              <a:fontRef idx="minor">
+                <a:schemeClr val="tx1"/>
+              </a:fontRef>
+            </p:style>
+          </p:cxnSp>
+        </p:grpSp>
+        <p:grpSp>
+          <p:nvGrpSpPr>
+            <p:cNvPr id="23" name="Group 22">
+              <a:extLst>
+                <a:ext uri="{FF2B5EF4-FFF2-40B4-BE49-F238E27FC236}">
+                  <a16:creationId xmlns:a16="http://schemas.microsoft.com/office/drawing/2014/main" id="{C1465393-479D-84EA-C1BF-E81E28850881}"/>
+                </a:ext>
+              </a:extLst>
+            </p:cNvPr>
+            <p:cNvGrpSpPr/>
+            <p:nvPr/>
+          </p:nvGrpSpPr>
+          <p:grpSpPr>
+            <a:xfrm>
+              <a:off x="2493686" y="4483778"/>
+              <a:ext cx="1089249" cy="1704393"/>
+              <a:chOff x="2493686" y="4483778"/>
+              <a:chExt cx="1089249" cy="1704393"/>
+            </a:xfrm>
+          </p:grpSpPr>
+          <p:cxnSp>
+            <p:nvCxnSpPr>
+              <p:cNvPr id="16" name="Straight Connector 15">
+                <a:extLst>
+                  <a:ext uri="{FF2B5EF4-FFF2-40B4-BE49-F238E27FC236}">
+                    <a16:creationId xmlns:a16="http://schemas.microsoft.com/office/drawing/2014/main" id="{B3C6BAE6-A873-E99D-020F-285D17CCB629}"/>
+                  </a:ext>
+                </a:extLst>
+              </p:cNvPr>
+              <p:cNvCxnSpPr>
+                <a:cxnSpLocks/>
+              </p:cNvCxnSpPr>
+              <p:nvPr/>
+            </p:nvCxnSpPr>
+            <p:spPr>
+              <a:xfrm>
+                <a:off x="3123899" y="4483778"/>
+                <a:ext cx="0" cy="1154069"/>
+              </a:xfrm>
+              <a:prstGeom prst="line">
+                <a:avLst/>
+              </a:prstGeom>
+              <a:ln w="50800">
+                <a:solidFill>
+                  <a:srgbClr val="C00000"/>
+                </a:solidFill>
+              </a:ln>
+            </p:spPr>
+            <p:style>
+              <a:lnRef idx="1">
+                <a:schemeClr val="accent1"/>
+              </a:lnRef>
+              <a:fillRef idx="0">
+                <a:schemeClr val="accent1"/>
+              </a:fillRef>
+              <a:effectRef idx="0">
+                <a:schemeClr val="accent1"/>
+              </a:effectRef>
+              <a:fontRef idx="minor">
+                <a:schemeClr val="tx1"/>
+              </a:fontRef>
+            </p:style>
+          </p:cxnSp>
+          <p:grpSp>
+            <p:nvGrpSpPr>
+              <p:cNvPr id="19" name="Group 18">
+                <a:extLst>
+                  <a:ext uri="{FF2B5EF4-FFF2-40B4-BE49-F238E27FC236}">
+                    <a16:creationId xmlns:a16="http://schemas.microsoft.com/office/drawing/2014/main" id="{102E15F7-93D5-7690-ADE5-AA09CA49B357}"/>
+                  </a:ext>
+                </a:extLst>
+              </p:cNvPr>
+              <p:cNvGrpSpPr/>
+              <p:nvPr/>
+            </p:nvGrpSpPr>
+            <p:grpSpPr>
+              <a:xfrm rot="1013483">
+                <a:off x="2736549" y="5312410"/>
+                <a:ext cx="609600" cy="609600"/>
+                <a:chOff x="2822274" y="5312410"/>
+                <a:chExt cx="609600" cy="609600"/>
+              </a:xfrm>
+            </p:grpSpPr>
+            <p:pic>
+              <p:nvPicPr>
+                <p:cNvPr id="17" name="Picture 16" descr="A close up of a football ball&#10;&#10;Description automatically generated">
+                  <a:extLst>
+                    <a:ext uri="{FF2B5EF4-FFF2-40B4-BE49-F238E27FC236}">
+                      <a16:creationId xmlns:a16="http://schemas.microsoft.com/office/drawing/2014/main" id="{30ADB2F4-AFD6-CBEC-C975-7A3BA7D38A3C}"/>
+                    </a:ext>
+                  </a:extLst>
+                </p:cNvPr>
+                <p:cNvPicPr>
+                  <a:picLocks noChangeAspect="1"/>
+                </p:cNvPicPr>
+                <p:nvPr/>
+              </p:nvPicPr>
+              <p:blipFill>
+                <a:blip r:embed="rId2">
+                  <a:extLst>
+                    <a:ext uri="{28A0092B-C50C-407E-A947-70E740481C1C}">
+                      <a14:useLocalDpi xmlns:a14="http://schemas.microsoft.com/office/drawing/2010/main" val="0"/>
+                    </a:ext>
+                  </a:extLst>
+                </a:blip>
+                <a:stretch>
+                  <a:fillRect/>
+                </a:stretch>
+              </p:blipFill>
+              <p:spPr>
+                <a:xfrm>
+                  <a:off x="2822274" y="5312410"/>
+                  <a:ext cx="609600" cy="609600"/>
+                </a:xfrm>
+                <a:prstGeom prst="rect">
+                  <a:avLst/>
+                </a:prstGeom>
+              </p:spPr>
+            </p:pic>
+            <p:cxnSp>
+              <p:nvCxnSpPr>
+                <p:cNvPr id="18" name="Straight Connector 17">
+                  <a:extLst>
+                    <a:ext uri="{FF2B5EF4-FFF2-40B4-BE49-F238E27FC236}">
+                      <a16:creationId xmlns:a16="http://schemas.microsoft.com/office/drawing/2014/main" id="{0501AA19-60C1-4A40-AED8-BCF36BAB5989}"/>
+                    </a:ext>
+                  </a:extLst>
+                </p:cNvPr>
+                <p:cNvCxnSpPr>
+                  <a:cxnSpLocks/>
+                </p:cNvCxnSpPr>
+                <p:nvPr/>
+              </p:nvCxnSpPr>
+              <p:spPr>
+                <a:xfrm>
+                  <a:off x="3123899" y="5312410"/>
+                  <a:ext cx="0" cy="609600"/>
+                </a:xfrm>
+                <a:prstGeom prst="line">
+                  <a:avLst/>
+                </a:prstGeom>
+                <a:ln w="34925">
+                  <a:solidFill>
+                    <a:schemeClr val="accent5"/>
+                  </a:solidFill>
+                  <a:prstDash val="sysDash"/>
+                </a:ln>
+              </p:spPr>
+              <p:style>
+                <a:lnRef idx="1">
+                  <a:schemeClr val="accent1"/>
+                </a:lnRef>
+                <a:fillRef idx="0">
+                  <a:schemeClr val="accent1"/>
+                </a:fillRef>
+                <a:effectRef idx="0">
+                  <a:schemeClr val="accent1"/>
+                </a:effectRef>
+                <a:fontRef idx="minor">
+                  <a:schemeClr val="tx1"/>
+                </a:fontRef>
+              </p:style>
+            </p:cxnSp>
+          </p:grpSp>
+          <p:sp>
+            <p:nvSpPr>
+              <p:cNvPr id="20" name="Arc 19">
+                <a:extLst>
+                  <a:ext uri="{FF2B5EF4-FFF2-40B4-BE49-F238E27FC236}">
+                    <a16:creationId xmlns:a16="http://schemas.microsoft.com/office/drawing/2014/main" id="{6F418818-9AEA-7E04-ABEE-4667936D31D8}"/>
+                  </a:ext>
+                </a:extLst>
+              </p:cNvPr>
+              <p:cNvSpPr/>
+              <p:nvPr/>
+            </p:nvSpPr>
+            <p:spPr>
+              <a:xfrm>
+                <a:off x="2493686" y="5079862"/>
+                <a:ext cx="1089249" cy="1108309"/>
+              </a:xfrm>
+              <a:prstGeom prst="arc">
+                <a:avLst>
+                  <a:gd name="adj1" fmla="val 13094743"/>
+                  <a:gd name="adj2" fmla="val 19312662"/>
+                </a:avLst>
+              </a:prstGeom>
+              <a:ln w="38100" cap="rnd">
+                <a:solidFill>
+                  <a:schemeClr val="tx1"/>
+                </a:solidFill>
+                <a:headEnd type="arrow"/>
+                <a:tailEnd type="arrow" w="med" len="med"/>
+              </a:ln>
+            </p:spPr>
+            <p:style>
+              <a:lnRef idx="1">
+                <a:schemeClr val="accent1"/>
+              </a:lnRef>
+              <a:fillRef idx="0">
+                <a:schemeClr val="accent1"/>
+              </a:fillRef>
+              <a:effectRef idx="0">
+                <a:schemeClr val="accent1"/>
+              </a:effectRef>
+              <a:fontRef idx="minor">
+                <a:schemeClr val="tx1"/>
+              </a:fontRef>
+            </p:style>
+            <p:txBody>
+              <a:bodyPr rtlCol="0" anchor="ctr"/>
+              <a:lstStyle/>
+              <a:p>
+                <a:pPr marL="0" marR="0" lvl="0" indent="0" algn="ctr" defTabSz="914400" rtl="0" eaLnBrk="1" fontAlgn="auto" latinLnBrk="0" hangingPunct="1">
+                  <a:lnSpc>
+                    <a:spcPct val="100000"/>
+                  </a:lnSpc>
+                  <a:spcBef>
+                    <a:spcPts val="0"/>
+                  </a:spcBef>
+                  <a:spcAft>
+                    <a:spcPts val="0"/>
+                  </a:spcAft>
+                  <a:buClrTx/>
+                  <a:buSzTx/>
+                  <a:buFontTx/>
+                  <a:buNone/>
+                  <a:tabLst/>
+                  <a:defRPr/>
+                </a:pPr>
+                <a:endParaRPr kumimoji="0" lang="en-US" sz="1800" b="0" i="0" u="none" strike="noStrike" kern="1200" cap="none" spc="0" normalizeH="0" baseline="0" noProof="0">
+                  <a:ln>
+                    <a:noFill/>
+                  </a:ln>
+                  <a:solidFill>
+                    <a:prstClr val="black"/>
+                  </a:solidFill>
+                  <a:effectLst/>
+                  <a:uLnTx/>
+                  <a:uFillTx/>
+                  <a:latin typeface="Calibri"/>
+                  <a:ea typeface="+mn-ea"/>
+                  <a:cs typeface="+mn-cs"/>
+                </a:endParaRPr>
+              </a:p>
+            </p:txBody>
+          </p:sp>
+        </p:grpSp>
+      </p:grpSp>
+    </p:spTree>
+    <p:extLst>
+      <p:ext uri="{BB962C8B-B14F-4D97-AF65-F5344CB8AC3E}">
+        <p14:creationId xmlns:p14="http://schemas.microsoft.com/office/powerpoint/2010/main" val="1614575091"/>
+      </p:ext>
+    </p:extLst>
+  </p:cSld>
+  <p:clrMapOvr>
+    <a:masterClrMapping/>
+  </p:clrMapOvr>
+  <mc:AlternateContent xmlns:mc="http://schemas.openxmlformats.org/markup-compatibility/2006" xmlns:p14="http://schemas.microsoft.com/office/powerpoint/2010/main">
+    <mc:Choice Requires="p14">
+      <p:transition p14:dur="10"/>
+    </mc:Choice>
+    <mc:Fallback xmlns="">
+      <p:transition/>
+    </mc:Fallback>
+  </mc:AlternateContent>
+</p:sld>
+</file>
+
+<file path=ppt/slides/slide7.xml><?xml version="1.0" encoding="utf-8"?>
+<p:sld xmlns:a="http://schemas.openxmlformats.org/drawingml/2006/main" xmlns:r="http://schemas.openxmlformats.org/officeDocument/2006/relationships" xmlns:p="http://schemas.openxmlformats.org/presentationml/2006/main">
+  <p:cSld>
+    <p:spTree>
+      <p:nvGrpSpPr>
+        <p:cNvPr id="1" name=""/>
+        <p:cNvGrpSpPr/>
+        <p:nvPr/>
+      </p:nvGrpSpPr>
+      <p:grpSpPr>
+        <a:xfrm>
+          <a:off x="0" y="0"/>
+          <a:ext cx="0" cy="0"/>
+          <a:chOff x="0" y="0"/>
+          <a:chExt cx="0" cy="0"/>
+        </a:xfrm>
+      </p:grpSpPr>
+      <p:pic>
+        <p:nvPicPr>
+          <p:cNvPr id="5" name="Picture 4"/>
+          <p:cNvPicPr>
+            <a:picLocks noChangeAspect="1"/>
+          </p:cNvPicPr>
+          <p:nvPr/>
+        </p:nvPicPr>
+        <p:blipFill>
+          <a:blip r:embed="rId2">
+            <a:extLst>
+              <a:ext uri="{28A0092B-C50C-407E-A947-70E740481C1C}">
+                <a14:useLocalDpi xmlns:a14="http://schemas.microsoft.com/office/drawing/2010/main" val="0"/>
+              </a:ext>
+            </a:extLst>
+          </a:blip>
+          <a:stretch>
+            <a:fillRect/>
+          </a:stretch>
+        </p:blipFill>
+        <p:spPr>
+          <a:xfrm>
+            <a:off x="1488321" y="762000"/>
+            <a:ext cx="6167357" cy="5257800"/>
+          </a:xfrm>
+          <a:prstGeom prst="rect">
+            <a:avLst/>
+          </a:prstGeom>
+        </p:spPr>
+      </p:pic>
+    </p:spTree>
+    <p:extLst>
+      <p:ext uri="{BB962C8B-B14F-4D97-AF65-F5344CB8AC3E}">
+        <p14:creationId xmlns:p14="http://schemas.microsoft.com/office/powerpoint/2010/main" val="809903824"/>
+      </p:ext>
+    </p:extLst>
+  </p:cSld>
+  <p:clrMapOvr>
+    <a:masterClrMapping/>
+  </p:clrMapOvr>
+  <mc:AlternateContent xmlns:mc="http://schemas.openxmlformats.org/markup-compatibility/2006" xmlns:p14="http://schemas.microsoft.com/office/powerpoint/2010/main">
+    <mc:Choice Requires="p14">
+      <p:transition p14:dur="10"/>
+    </mc:Choice>
+    <mc:Fallback xmlns="">
+      <p:transition/>
+    </mc:Fallback>
+  </mc:AlternateContent>
+</p:sld>
+</file>
+
+<file path=ppt/slides/slide8.xml><?xml version="1.0" encoding="utf-8"?>
+<p:sld xmlns:a="http://schemas.openxmlformats.org/drawingml/2006/main" xmlns:r="http://schemas.openxmlformats.org/officeDocument/2006/relationships" xmlns:p="http://schemas.openxmlformats.org/presentationml/2006/main">
+  <p:cSld>
+    <p:spTree>
+      <p:nvGrpSpPr>
+        <p:cNvPr id="1" name=""/>
+        <p:cNvGrpSpPr/>
+        <p:nvPr/>
+      </p:nvGrpSpPr>
+      <p:grpSpPr>
+        <a:xfrm>
+          <a:off x="0" y="0"/>
+          <a:ext cx="0" cy="0"/>
+          <a:chOff x="0" y="0"/>
+          <a:chExt cx="0" cy="0"/>
+        </a:xfrm>
+      </p:grpSpPr>
+      <p:grpSp>
+        <p:nvGrpSpPr>
+          <p:cNvPr id="4" name="Group 3">
+            <a:extLst>
+              <a:ext uri="{FF2B5EF4-FFF2-40B4-BE49-F238E27FC236}">
+                <a16:creationId xmlns:a16="http://schemas.microsoft.com/office/drawing/2014/main" id="{7C604BB9-E73D-5697-1DA4-54607747E48A}"/>
+              </a:ext>
+            </a:extLst>
+          </p:cNvPr>
+          <p:cNvGrpSpPr/>
+          <p:nvPr/>
+        </p:nvGrpSpPr>
+        <p:grpSpPr>
+          <a:xfrm>
+            <a:off x="454152" y="3718015"/>
+            <a:ext cx="2198935" cy="2585525"/>
+            <a:chOff x="323298" y="3548732"/>
+            <a:chExt cx="2198935" cy="2585525"/>
+          </a:xfrm>
+        </p:grpSpPr>
+        <p:sp>
+          <p:nvSpPr>
+            <p:cNvPr id="5" name="Arc 4">
+              <a:extLst>
+                <a:ext uri="{FF2B5EF4-FFF2-40B4-BE49-F238E27FC236}">
+                  <a16:creationId xmlns:a16="http://schemas.microsoft.com/office/drawing/2014/main" id="{50269E7F-DF48-CC3F-9649-3CC2719B2CA8}"/>
+                </a:ext>
+              </a:extLst>
+            </p:cNvPr>
+            <p:cNvSpPr/>
+            <p:nvPr/>
+          </p:nvSpPr>
+          <p:spPr>
+            <a:xfrm rot="5400000">
+              <a:off x="323298" y="3548732"/>
+              <a:ext cx="2198935" cy="2198935"/>
+            </a:xfrm>
+            <a:prstGeom prst="arc">
+              <a:avLst>
+                <a:gd name="adj1" fmla="val 18979528"/>
+                <a:gd name="adj2" fmla="val 0"/>
+              </a:avLst>
+            </a:prstGeom>
+            <a:ln w="25400">
+              <a:solidFill>
+                <a:schemeClr val="tx1"/>
+              </a:solidFill>
+              <a:headEnd type="arrow" w="med" len="lg"/>
+              <a:tailEnd type="arrow" w="med" len="lg"/>
+            </a:ln>
+            <a:effectLst>
+              <a:outerShdw blurRad="50800" dist="38100" dir="2700000" algn="tl" rotWithShape="0">
+                <a:prstClr val="black">
+                  <a:alpha val="40000"/>
+                </a:prstClr>
+              </a:outerShdw>
+            </a:effectLst>
+          </p:spPr>
+          <p:style>
+            <a:lnRef idx="1">
+              <a:schemeClr val="accent1"/>
+            </a:lnRef>
+            <a:fillRef idx="0">
+              <a:schemeClr val="accent1"/>
+            </a:fillRef>
+            <a:effectRef idx="0">
+              <a:schemeClr val="accent1"/>
+            </a:effectRef>
+            <a:fontRef idx="minor">
+              <a:schemeClr val="tx1"/>
+            </a:fontRef>
+          </p:style>
+          <p:txBody>
+            <a:bodyPr rtlCol="0" anchor="ctr"/>
+            <a:lstStyle/>
+            <a:p>
+              <a:pPr algn="ctr"/>
+              <a:endParaRPr lang="en-US"/>
+            </a:p>
+          </p:txBody>
+        </p:sp>
+        <p:sp>
+          <p:nvSpPr>
+            <p:cNvPr id="6" name="Oval 5">
+              <a:extLst>
+                <a:ext uri="{FF2B5EF4-FFF2-40B4-BE49-F238E27FC236}">
+                  <a16:creationId xmlns:a16="http://schemas.microsoft.com/office/drawing/2014/main" id="{94DAF57A-4DA3-0732-BB50-B1874DE5711C}"/>
+                </a:ext>
+              </a:extLst>
+            </p:cNvPr>
+            <p:cNvSpPr/>
+            <p:nvPr/>
+          </p:nvSpPr>
+          <p:spPr>
+            <a:xfrm>
+              <a:off x="525147" y="3753624"/>
+              <a:ext cx="1795238" cy="1795238"/>
+            </a:xfrm>
+            <a:prstGeom prst="ellipse">
+              <a:avLst/>
+            </a:prstGeom>
+            <a:solidFill>
+              <a:srgbClr val="FFFF99"/>
+            </a:solidFill>
+            <a:ln w="25400">
+              <a:solidFill>
+                <a:schemeClr val="tx1"/>
+              </a:solidFill>
+            </a:ln>
+          </p:spPr>
+          <p:style>
+            <a:lnRef idx="1">
+              <a:schemeClr val="accent1"/>
+            </a:lnRef>
+            <a:fillRef idx="0">
+              <a:schemeClr val="accent1"/>
+            </a:fillRef>
+            <a:effectRef idx="0">
+              <a:schemeClr val="accent1"/>
+            </a:effectRef>
+            <a:fontRef idx="minor">
+              <a:schemeClr val="tx1"/>
+            </a:fontRef>
+          </p:style>
+          <p:txBody>
+            <a:bodyPr rtlCol="0" anchor="ctr"/>
+            <a:lstStyle/>
+            <a:p>
+              <a:pPr algn="ctr"/>
+              <a:endParaRPr lang="en-US"/>
+            </a:p>
+          </p:txBody>
+        </p:sp>
+        <p:cxnSp>
+          <p:nvCxnSpPr>
+            <p:cNvPr id="7" name="Straight Connector 6">
+              <a:extLst>
+                <a:ext uri="{FF2B5EF4-FFF2-40B4-BE49-F238E27FC236}">
+                  <a16:creationId xmlns:a16="http://schemas.microsoft.com/office/drawing/2014/main" id="{17B8C484-AC17-1170-D54E-84794FB5E5AC}"/>
+                </a:ext>
+              </a:extLst>
+            </p:cNvPr>
+            <p:cNvCxnSpPr>
+              <a:endCxn id="6" idx="4"/>
+            </p:cNvCxnSpPr>
+            <p:nvPr/>
+          </p:nvCxnSpPr>
+          <p:spPr>
+            <a:xfrm>
+              <a:off x="1422766" y="4648200"/>
+              <a:ext cx="0" cy="900662"/>
+            </a:xfrm>
+            <a:prstGeom prst="line">
+              <a:avLst/>
+            </a:prstGeom>
+            <a:ln w="25400" cap="rnd">
+              <a:solidFill>
+                <a:schemeClr val="tx1"/>
+              </a:solidFill>
+            </a:ln>
+          </p:spPr>
+          <p:style>
+            <a:lnRef idx="1">
+              <a:schemeClr val="accent1"/>
+            </a:lnRef>
+            <a:fillRef idx="0">
+              <a:schemeClr val="accent1"/>
+            </a:fillRef>
+            <a:effectRef idx="0">
+              <a:schemeClr val="accent1"/>
+            </a:effectRef>
+            <a:fontRef idx="minor">
+              <a:schemeClr val="tx1"/>
+            </a:fontRef>
+          </p:style>
+        </p:cxnSp>
+        <p:cxnSp>
+          <p:nvCxnSpPr>
+            <p:cNvPr id="8" name="Straight Connector 7">
+              <a:extLst>
+                <a:ext uri="{FF2B5EF4-FFF2-40B4-BE49-F238E27FC236}">
+                  <a16:creationId xmlns:a16="http://schemas.microsoft.com/office/drawing/2014/main" id="{A693A54F-CD42-B5F4-304A-7758A6834EC7}"/>
+                </a:ext>
+              </a:extLst>
+            </p:cNvPr>
+            <p:cNvCxnSpPr>
+              <a:endCxn id="6" idx="5"/>
+            </p:cNvCxnSpPr>
+            <p:nvPr/>
+          </p:nvCxnSpPr>
+          <p:spPr>
+            <a:xfrm>
+              <a:off x="1422766" y="4648200"/>
+              <a:ext cx="634712" cy="637755"/>
+            </a:xfrm>
+            <a:prstGeom prst="line">
+              <a:avLst/>
+            </a:prstGeom>
+            <a:ln w="25400" cap="rnd">
+              <a:solidFill>
+                <a:schemeClr val="tx1"/>
+              </a:solidFill>
+            </a:ln>
+          </p:spPr>
+          <p:style>
+            <a:lnRef idx="1">
+              <a:schemeClr val="accent1"/>
+            </a:lnRef>
+            <a:fillRef idx="0">
+              <a:schemeClr val="accent1"/>
+            </a:fillRef>
+            <a:effectRef idx="0">
+              <a:schemeClr val="accent1"/>
+            </a:effectRef>
+            <a:fontRef idx="minor">
+              <a:schemeClr val="tx1"/>
+            </a:fontRef>
+          </p:style>
+        </p:cxnSp>
+        <mc:AlternateContent xmlns:mc="http://schemas.openxmlformats.org/markup-compatibility/2006">
+          <mc:Choice xmlns:a14="http://schemas.microsoft.com/office/drawing/2010/main" Requires="a14">
+            <p:sp>
+              <p:nvSpPr>
+                <p:cNvPr id="9" name="TextBox 8">
+                  <a:extLst>
+                    <a:ext uri="{FF2B5EF4-FFF2-40B4-BE49-F238E27FC236}">
+                      <a16:creationId xmlns:a16="http://schemas.microsoft.com/office/drawing/2014/main" id="{69848FE8-6C0D-07FD-9867-8D17363ED48A}"/>
+                    </a:ext>
+                  </a:extLst>
+                </p:cNvPr>
+                <p:cNvSpPr txBox="1"/>
+                <p:nvPr/>
+              </p:nvSpPr>
+              <p:spPr>
+                <a:xfrm>
+                  <a:off x="1620522" y="5681120"/>
+                  <a:ext cx="533400" cy="453137"/>
+                </a:xfrm>
+                <a:prstGeom prst="rect">
+                  <a:avLst/>
+                </a:prstGeom>
+                <a:noFill/>
+              </p:spPr>
+              <p:txBody>
+                <a:bodyPr wrap="square" rtlCol="0">
+                  <a:spAutoFit/>
+                </a:bodyPr>
+                <a:lstStyle/>
+                <a:p>
+                  <a:pPr algn="ctr"/>
+                  <a14:m>
+                    <m:oMath xmlns:m="http://schemas.openxmlformats.org/officeDocument/2006/math">
+                      <m:r>
+                        <a:rPr lang="en-US" sz="2400" b="0" i="1" smtClean="0">
+                          <a:latin typeface="Cambria Math" panose="02040503050406030204" pitchFamily="18" charset="0"/>
+                        </a:rPr>
+                        <m:t>𝑑</m:t>
+                      </m:r>
+                    </m:oMath>
+                  </a14:m>
+                  <a:r>
+                    <a:rPr lang="en-US" dirty="0"/>
+                    <a:t> </a:t>
+                  </a:r>
+                </a:p>
+              </p:txBody>
+            </p:sp>
+          </mc:Choice>
+          <mc:Fallback>
+            <p:sp>
+              <p:nvSpPr>
+                <p:cNvPr id="9" name="TextBox 8">
+                  <a:extLst>
+                    <a:ext uri="{FF2B5EF4-FFF2-40B4-BE49-F238E27FC236}">
+                      <a16:creationId xmlns:a16="http://schemas.microsoft.com/office/drawing/2014/main" id="{69848FE8-6C0D-07FD-9867-8D17363ED48A}"/>
+                    </a:ext>
+                  </a:extLst>
+                </p:cNvPr>
+                <p:cNvSpPr txBox="1">
+                  <a:spLocks noRot="1" noChangeAspect="1" noMove="1" noResize="1" noEditPoints="1" noAdjustHandles="1" noChangeArrowheads="1" noChangeShapeType="1" noTextEdit="1"/>
+                </p:cNvSpPr>
+                <p:nvPr/>
+              </p:nvSpPr>
+              <p:spPr>
+                <a:xfrm>
+                  <a:off x="1620522" y="5681120"/>
+                  <a:ext cx="533400" cy="453137"/>
+                </a:xfrm>
+                <a:prstGeom prst="rect">
+                  <a:avLst/>
+                </a:prstGeom>
+                <a:blipFill>
+                  <a:blip r:embed="rId2"/>
+                  <a:stretch>
+                    <a:fillRect/>
+                  </a:stretch>
+                </a:blipFill>
+              </p:spPr>
+              <p:txBody>
+                <a:bodyPr/>
+                <a:lstStyle/>
+                <a:p>
+                  <a:r>
+                    <a:rPr lang="en-US">
+                      <a:noFill/>
+                    </a:rPr>
+                    <a:t> </a:t>
+                  </a:r>
+                </a:p>
+              </p:txBody>
+            </p:sp>
+          </mc:Fallback>
+        </mc:AlternateContent>
+        <mc:AlternateContent xmlns:mc="http://schemas.openxmlformats.org/markup-compatibility/2006">
+          <mc:Choice xmlns:a14="http://schemas.microsoft.com/office/drawing/2010/main" Requires="a14">
+            <p:sp>
+              <p:nvSpPr>
+                <p:cNvPr id="10" name="TextBox 9">
+                  <a:extLst>
+                    <a:ext uri="{FF2B5EF4-FFF2-40B4-BE49-F238E27FC236}">
+                      <a16:creationId xmlns:a16="http://schemas.microsoft.com/office/drawing/2014/main" id="{F41E5177-27A4-ADC7-AE35-2B2712768B5B}"/>
+                    </a:ext>
+                  </a:extLst>
+                </p:cNvPr>
+                <p:cNvSpPr txBox="1"/>
+                <p:nvPr/>
+              </p:nvSpPr>
+              <p:spPr>
+                <a:xfrm>
+                  <a:off x="1365092" y="4824290"/>
+                  <a:ext cx="533400" cy="461665"/>
+                </a:xfrm>
+                <a:prstGeom prst="rect">
+                  <a:avLst/>
+                </a:prstGeom>
+                <a:noFill/>
+              </p:spPr>
+              <p:txBody>
+                <a:bodyPr wrap="square" rtlCol="0">
+                  <a:spAutoFit/>
+                </a:bodyPr>
+                <a:lstStyle/>
+                <a:p>
+                  <a:pPr algn="ctr"/>
+                  <a14:m>
+                    <m:oMathPara xmlns:m="http://schemas.openxmlformats.org/officeDocument/2006/math">
+                      <m:oMathParaPr>
+                        <m:jc m:val="centerGroup"/>
+                      </m:oMathParaPr>
+                      <m:oMath xmlns:m="http://schemas.openxmlformats.org/officeDocument/2006/math">
+                        <m:r>
+                          <a:rPr lang="en-US" sz="2400" b="0" i="1" smtClean="0">
+                            <a:latin typeface="Cambria Math" panose="02040503050406030204" pitchFamily="18" charset="0"/>
+                            <a:ea typeface="Cambria Math" panose="02040503050406030204" pitchFamily="18" charset="0"/>
+                          </a:rPr>
+                          <m:t>𝜃</m:t>
+                        </m:r>
+                      </m:oMath>
+                    </m:oMathPara>
+                  </a14:m>
+                  <a:endParaRPr lang="en-US" dirty="0"/>
+                </a:p>
+              </p:txBody>
+            </p:sp>
+          </mc:Choice>
+          <mc:Fallback>
+            <p:sp>
+              <p:nvSpPr>
+                <p:cNvPr id="10" name="TextBox 9">
+                  <a:extLst>
+                    <a:ext uri="{FF2B5EF4-FFF2-40B4-BE49-F238E27FC236}">
+                      <a16:creationId xmlns:a16="http://schemas.microsoft.com/office/drawing/2014/main" id="{F41E5177-27A4-ADC7-AE35-2B2712768B5B}"/>
+                    </a:ext>
+                  </a:extLst>
+                </p:cNvPr>
+                <p:cNvSpPr txBox="1">
+                  <a:spLocks noRot="1" noChangeAspect="1" noMove="1" noResize="1" noEditPoints="1" noAdjustHandles="1" noChangeArrowheads="1" noChangeShapeType="1" noTextEdit="1"/>
+                </p:cNvSpPr>
+                <p:nvPr/>
+              </p:nvSpPr>
+              <p:spPr>
+                <a:xfrm>
+                  <a:off x="1365092" y="4824290"/>
+                  <a:ext cx="533400" cy="461665"/>
+                </a:xfrm>
+                <a:prstGeom prst="rect">
+                  <a:avLst/>
+                </a:prstGeom>
+                <a:blipFill>
+                  <a:blip r:embed="rId3"/>
+                  <a:stretch>
+                    <a:fillRect/>
+                  </a:stretch>
+                </a:blipFill>
+              </p:spPr>
+              <p:txBody>
+                <a:bodyPr/>
+                <a:lstStyle/>
+                <a:p>
+                  <a:r>
+                    <a:rPr lang="en-US">
+                      <a:noFill/>
+                    </a:rPr>
+                    <a:t> </a:t>
+                  </a:r>
+                </a:p>
+              </p:txBody>
+            </p:sp>
+          </mc:Fallback>
+        </mc:AlternateContent>
+      </p:grpSp>
+      <p:sp>
+        <p:nvSpPr>
+          <p:cNvPr id="13" name="Arc 12">
+            <a:extLst>
+              <a:ext uri="{FF2B5EF4-FFF2-40B4-BE49-F238E27FC236}">
+                <a16:creationId xmlns:a16="http://schemas.microsoft.com/office/drawing/2014/main" id="{5D4C1231-FBBA-56A9-2EC2-EB3AAD4EF8CC}"/>
+              </a:ext>
+            </a:extLst>
+          </p:cNvPr>
+          <p:cNvSpPr/>
+          <p:nvPr/>
+        </p:nvSpPr>
+        <p:spPr>
+          <a:xfrm>
+            <a:off x="1290713" y="4562552"/>
+            <a:ext cx="517607" cy="526664"/>
+          </a:xfrm>
+          <a:prstGeom prst="arc">
+            <a:avLst>
+              <a:gd name="adj1" fmla="val 2735580"/>
+              <a:gd name="adj2" fmla="val 5283305"/>
+            </a:avLst>
+          </a:prstGeom>
+          <a:ln w="22225" cap="sq">
+            <a:solidFill>
+              <a:schemeClr val="tx1"/>
+            </a:solidFill>
+            <a:bevel/>
+            <a:headEnd type="none"/>
+            <a:tailEnd type="none" w="med" len="lg"/>
+          </a:ln>
+        </p:spPr>
+        <p:style>
+          <a:lnRef idx="1">
+            <a:schemeClr val="accent1"/>
+          </a:lnRef>
+          <a:fillRef idx="0">
+            <a:schemeClr val="accent1"/>
+          </a:fillRef>
+          <a:effectRef idx="0">
+            <a:schemeClr val="accent1"/>
+          </a:effectRef>
+          <a:fontRef idx="minor">
+            <a:schemeClr val="tx1"/>
+          </a:fontRef>
+        </p:style>
+        <p:txBody>
+          <a:bodyPr rtlCol="0" anchor="ctr"/>
+          <a:lstStyle/>
+          <a:p>
+            <a:pPr marL="0" marR="0" lvl="0" indent="0" algn="ctr" defTabSz="914400" rtl="0" eaLnBrk="1" fontAlgn="auto" latinLnBrk="0" hangingPunct="1">
+              <a:lnSpc>
+                <a:spcPct val="100000"/>
+              </a:lnSpc>
+              <a:spcBef>
+                <a:spcPts val="0"/>
+              </a:spcBef>
+              <a:spcAft>
+                <a:spcPts val="0"/>
+              </a:spcAft>
+              <a:buClrTx/>
+              <a:buSzTx/>
+              <a:buFontTx/>
+              <a:buNone/>
+              <a:tabLst/>
+              <a:defRPr/>
+            </a:pPr>
+            <a:endParaRPr kumimoji="0" lang="en-US" sz="1800" b="0" i="0" u="none" strike="noStrike" kern="1200" cap="none" spc="0" normalizeH="0" baseline="0" noProof="0">
+              <a:ln>
+                <a:noFill/>
+              </a:ln>
+              <a:solidFill>
+                <a:prstClr val="black"/>
+              </a:solidFill>
+              <a:effectLst/>
+              <a:uLnTx/>
+              <a:uFillTx/>
+              <a:latin typeface="Calibri"/>
+              <a:ea typeface="+mn-ea"/>
+              <a:cs typeface="+mn-cs"/>
+            </a:endParaRPr>
+          </a:p>
+        </p:txBody>
+      </p:sp>
+    </p:spTree>
+    <p:extLst>
+      <p:ext uri="{BB962C8B-B14F-4D97-AF65-F5344CB8AC3E}">
+        <p14:creationId xmlns:p14="http://schemas.microsoft.com/office/powerpoint/2010/main" val="3769759890"/>
+      </p:ext>
+    </p:extLst>
+  </p:cSld>
+  <p:clrMapOvr>
+    <a:masterClrMapping/>
+  </p:clrMapOvr>
+  <mc:AlternateContent xmlns:mc="http://schemas.openxmlformats.org/markup-compatibility/2006" xmlns:p14="http://schemas.microsoft.com/office/powerpoint/2010/main">
+    <mc:Choice Requires="p14">
+      <p:transition p14:dur="10"/>
+    </mc:Choice>
+    <mc:Fallback xmlns="">
+      <p:transition/>
+    </mc:Fallback>
+  </mc:AlternateContent>
+</p:sld>
+</file>
+
 <file path=ppt/theme/theme1.xml><?xml version="1.0" encoding="utf-8"?>
 <a:theme xmlns:a="http://schemas.openxmlformats.org/drawingml/2006/main" name="1_Office Theme">
   <a:themeElements>

--- a/Doxygen/physics/8. Box2D Joint Toy/figures.pptx
+++ b/Doxygen/physics/8. Box2D Joint Toy/figures.pptx
@@ -204,7 +204,7 @@
           <a:p>
             <a:fld id="{E54D3832-E819-4F21-A702-2A3BF11FDE4B}" type="datetimeFigureOut">
               <a:rPr lang="en-US" smtClean="0"/>
-              <a:t>4/8/2024</a:t>
+              <a:t>9/16/2024</a:t>
             </a:fld>
             <a:endParaRPr lang="en-US"/>
           </a:p>
@@ -13149,417 +13149,396 @@
           <a:chExt cx="0" cy="0"/>
         </a:xfrm>
       </p:grpSpPr>
-      <p:grpSp>
-        <p:nvGrpSpPr>
-          <p:cNvPr id="4" name="Group 3">
+      <p:sp>
+        <p:nvSpPr>
+          <p:cNvPr id="5" name="Arc 4">
             <a:extLst>
               <a:ext uri="{FF2B5EF4-FFF2-40B4-BE49-F238E27FC236}">
-                <a16:creationId xmlns:a16="http://schemas.microsoft.com/office/drawing/2014/main" id="{7C604BB9-E73D-5697-1DA4-54607747E48A}"/>
+                <a16:creationId xmlns:a16="http://schemas.microsoft.com/office/drawing/2014/main" id="{50269E7F-DF48-CC3F-9649-3CC2719B2CA8}"/>
               </a:ext>
             </a:extLst>
           </p:cNvPr>
-          <p:cNvGrpSpPr/>
+          <p:cNvSpPr/>
           <p:nvPr/>
-        </p:nvGrpSpPr>
-        <p:grpSpPr>
+        </p:nvSpPr>
+        <p:spPr>
+          <a:xfrm rot="5400000">
+            <a:off x="454152" y="3718015"/>
+            <a:ext cx="2198935" cy="2198935"/>
+          </a:xfrm>
+          <a:prstGeom prst="arc">
+            <a:avLst>
+              <a:gd name="adj1" fmla="val 18979528"/>
+              <a:gd name="adj2" fmla="val 0"/>
+            </a:avLst>
+          </a:prstGeom>
+          <a:ln w="25400">
+            <a:solidFill>
+              <a:schemeClr val="tx1"/>
+            </a:solidFill>
+            <a:headEnd type="arrow" w="med" len="lg"/>
+            <a:tailEnd type="arrow" w="med" len="lg"/>
+          </a:ln>
+          <a:effectLst>
+            <a:outerShdw blurRad="50800" dist="38100" dir="2700000" algn="tl" rotWithShape="0">
+              <a:prstClr val="black">
+                <a:alpha val="40000"/>
+              </a:prstClr>
+            </a:outerShdw>
+          </a:effectLst>
+        </p:spPr>
+        <p:style>
+          <a:lnRef idx="1">
+            <a:schemeClr val="accent1"/>
+          </a:lnRef>
+          <a:fillRef idx="0">
+            <a:schemeClr val="accent1"/>
+          </a:fillRef>
+          <a:effectRef idx="0">
+            <a:schemeClr val="accent1"/>
+          </a:effectRef>
+          <a:fontRef idx="minor">
+            <a:schemeClr val="tx1"/>
+          </a:fontRef>
+        </p:style>
+        <p:txBody>
+          <a:bodyPr rtlCol="0" anchor="ctr"/>
+          <a:lstStyle/>
+          <a:p>
+            <a:pPr algn="ctr"/>
+            <a:endParaRPr lang="en-US"/>
+          </a:p>
+        </p:txBody>
+      </p:sp>
+      <p:sp>
+        <p:nvSpPr>
+          <p:cNvPr id="6" name="Oval 5">
+            <a:extLst>
+              <a:ext uri="{FF2B5EF4-FFF2-40B4-BE49-F238E27FC236}">
+                <a16:creationId xmlns:a16="http://schemas.microsoft.com/office/drawing/2014/main" id="{94DAF57A-4DA3-0732-BB50-B1874DE5711C}"/>
+              </a:ext>
+            </a:extLst>
+          </p:cNvPr>
+          <p:cNvSpPr/>
+          <p:nvPr/>
+        </p:nvSpPr>
+        <p:spPr>
           <a:xfrm>
-            <a:off x="454152" y="3718015"/>
-            <a:ext cx="2198935" cy="2585525"/>
-            <a:chOff x="323298" y="3548732"/>
-            <a:chExt cx="2198935" cy="2585525"/>
+            <a:off x="656001" y="3922907"/>
+            <a:ext cx="1795238" cy="1795238"/>
           </a:xfrm>
-        </p:grpSpPr>
-        <p:sp>
-          <p:nvSpPr>
-            <p:cNvPr id="5" name="Arc 4">
-              <a:extLst>
-                <a:ext uri="{FF2B5EF4-FFF2-40B4-BE49-F238E27FC236}">
-                  <a16:creationId xmlns:a16="http://schemas.microsoft.com/office/drawing/2014/main" id="{50269E7F-DF48-CC3F-9649-3CC2719B2CA8}"/>
-                </a:ext>
-              </a:extLst>
-            </p:cNvPr>
-            <p:cNvSpPr/>
-            <p:nvPr/>
-          </p:nvSpPr>
-          <p:spPr>
-            <a:xfrm rot="5400000">
-              <a:off x="323298" y="3548732"/>
-              <a:ext cx="2198935" cy="2198935"/>
-            </a:xfrm>
-            <a:prstGeom prst="arc">
-              <a:avLst>
-                <a:gd name="adj1" fmla="val 18979528"/>
-                <a:gd name="adj2" fmla="val 0"/>
-              </a:avLst>
-            </a:prstGeom>
-            <a:ln w="25400">
-              <a:solidFill>
-                <a:schemeClr val="tx1"/>
-              </a:solidFill>
-              <a:headEnd type="arrow" w="med" len="lg"/>
-              <a:tailEnd type="arrow" w="med" len="lg"/>
-            </a:ln>
-            <a:effectLst>
-              <a:outerShdw blurRad="50800" dist="38100" dir="2700000" algn="tl" rotWithShape="0">
-                <a:prstClr val="black">
-                  <a:alpha val="40000"/>
-                </a:prstClr>
-              </a:outerShdw>
-            </a:effectLst>
-          </p:spPr>
-          <p:style>
-            <a:lnRef idx="1">
-              <a:schemeClr val="accent1"/>
-            </a:lnRef>
-            <a:fillRef idx="0">
-              <a:schemeClr val="accent1"/>
-            </a:fillRef>
-            <a:effectRef idx="0">
-              <a:schemeClr val="accent1"/>
-            </a:effectRef>
-            <a:fontRef idx="minor">
+          <a:prstGeom prst="ellipse">
+            <a:avLst/>
+          </a:prstGeom>
+          <a:solidFill>
+            <a:srgbClr val="FFFF99"/>
+          </a:solidFill>
+          <a:ln w="25400">
+            <a:solidFill>
               <a:schemeClr val="tx1"/>
-            </a:fontRef>
-          </p:style>
-          <p:txBody>
-            <a:bodyPr rtlCol="0" anchor="ctr"/>
-            <a:lstStyle/>
-            <a:p>
-              <a:pPr algn="ctr"/>
-              <a:endParaRPr lang="en-US"/>
-            </a:p>
-          </p:txBody>
-        </p:sp>
-        <p:sp>
-          <p:nvSpPr>
-            <p:cNvPr id="6" name="Oval 5">
-              <a:extLst>
-                <a:ext uri="{FF2B5EF4-FFF2-40B4-BE49-F238E27FC236}">
-                  <a16:creationId xmlns:a16="http://schemas.microsoft.com/office/drawing/2014/main" id="{94DAF57A-4DA3-0732-BB50-B1874DE5711C}"/>
-                </a:ext>
-              </a:extLst>
-            </p:cNvPr>
-            <p:cNvSpPr/>
-            <p:nvPr/>
-          </p:nvSpPr>
-          <p:spPr>
-            <a:xfrm>
-              <a:off x="525147" y="3753624"/>
-              <a:ext cx="1795238" cy="1795238"/>
-            </a:xfrm>
-            <a:prstGeom prst="ellipse">
-              <a:avLst/>
-            </a:prstGeom>
+            </a:solidFill>
+          </a:ln>
+        </p:spPr>
+        <p:style>
+          <a:lnRef idx="1">
+            <a:schemeClr val="accent1"/>
+          </a:lnRef>
+          <a:fillRef idx="0">
+            <a:schemeClr val="accent1"/>
+          </a:fillRef>
+          <a:effectRef idx="0">
+            <a:schemeClr val="accent1"/>
+          </a:effectRef>
+          <a:fontRef idx="minor">
+            <a:schemeClr val="tx1"/>
+          </a:fontRef>
+        </p:style>
+        <p:txBody>
+          <a:bodyPr rtlCol="0" anchor="ctr"/>
+          <a:lstStyle/>
+          <a:p>
+            <a:pPr algn="ctr"/>
+            <a:endParaRPr lang="en-US"/>
+          </a:p>
+        </p:txBody>
+      </p:sp>
+      <p:cxnSp>
+        <p:nvCxnSpPr>
+          <p:cNvPr id="7" name="Straight Connector 6">
+            <a:extLst>
+              <a:ext uri="{FF2B5EF4-FFF2-40B4-BE49-F238E27FC236}">
+                <a16:creationId xmlns:a16="http://schemas.microsoft.com/office/drawing/2014/main" id="{17B8C484-AC17-1170-D54E-84794FB5E5AC}"/>
+              </a:ext>
+            </a:extLst>
+          </p:cNvPr>
+          <p:cNvCxnSpPr>
+            <a:endCxn id="6" idx="4"/>
+          </p:cNvCxnSpPr>
+          <p:nvPr/>
+        </p:nvCxnSpPr>
+        <p:spPr>
+          <a:xfrm>
+            <a:off x="1553620" y="4817483"/>
+            <a:ext cx="0" cy="900662"/>
+          </a:xfrm>
+          <a:prstGeom prst="line">
+            <a:avLst/>
+          </a:prstGeom>
+          <a:ln w="25400" cap="rnd">
             <a:solidFill>
-              <a:srgbClr val="FFFF99"/>
+              <a:schemeClr val="tx1"/>
             </a:solidFill>
-            <a:ln w="25400">
-              <a:solidFill>
-                <a:schemeClr val="tx1"/>
-              </a:solidFill>
-            </a:ln>
-          </p:spPr>
-          <p:style>
-            <a:lnRef idx="1">
-              <a:schemeClr val="accent1"/>
-            </a:lnRef>
-            <a:fillRef idx="0">
-              <a:schemeClr val="accent1"/>
-            </a:fillRef>
-            <a:effectRef idx="0">
-              <a:schemeClr val="accent1"/>
-            </a:effectRef>
-            <a:fontRef idx="minor">
+          </a:ln>
+        </p:spPr>
+        <p:style>
+          <a:lnRef idx="1">
+            <a:schemeClr val="accent1"/>
+          </a:lnRef>
+          <a:fillRef idx="0">
+            <a:schemeClr val="accent1"/>
+          </a:fillRef>
+          <a:effectRef idx="0">
+            <a:schemeClr val="accent1"/>
+          </a:effectRef>
+          <a:fontRef idx="minor">
+            <a:schemeClr val="tx1"/>
+          </a:fontRef>
+        </p:style>
+      </p:cxnSp>
+      <p:cxnSp>
+        <p:nvCxnSpPr>
+          <p:cNvPr id="8" name="Straight Connector 7">
+            <a:extLst>
+              <a:ext uri="{FF2B5EF4-FFF2-40B4-BE49-F238E27FC236}">
+                <a16:creationId xmlns:a16="http://schemas.microsoft.com/office/drawing/2014/main" id="{A693A54F-CD42-B5F4-304A-7758A6834EC7}"/>
+              </a:ext>
+            </a:extLst>
+          </p:cNvPr>
+          <p:cNvCxnSpPr>
+            <a:endCxn id="6" idx="5"/>
+          </p:cNvCxnSpPr>
+          <p:nvPr/>
+        </p:nvCxnSpPr>
+        <p:spPr>
+          <a:xfrm>
+            <a:off x="1553620" y="4817483"/>
+            <a:ext cx="634712" cy="637755"/>
+          </a:xfrm>
+          <a:prstGeom prst="line">
+            <a:avLst/>
+          </a:prstGeom>
+          <a:ln w="25400" cap="rnd">
+            <a:solidFill>
               <a:schemeClr val="tx1"/>
-            </a:fontRef>
-          </p:style>
-          <p:txBody>
-            <a:bodyPr rtlCol="0" anchor="ctr"/>
-            <a:lstStyle/>
-            <a:p>
-              <a:pPr algn="ctr"/>
-              <a:endParaRPr lang="en-US"/>
-            </a:p>
-          </p:txBody>
-        </p:sp>
-        <p:cxnSp>
-          <p:nvCxnSpPr>
-            <p:cNvPr id="7" name="Straight Connector 6">
-              <a:extLst>
-                <a:ext uri="{FF2B5EF4-FFF2-40B4-BE49-F238E27FC236}">
-                  <a16:creationId xmlns:a16="http://schemas.microsoft.com/office/drawing/2014/main" id="{17B8C484-AC17-1170-D54E-84794FB5E5AC}"/>
-                </a:ext>
-              </a:extLst>
-            </p:cNvPr>
-            <p:cNvCxnSpPr>
-              <a:endCxn id="6" idx="4"/>
-            </p:cNvCxnSpPr>
-            <p:nvPr/>
-          </p:nvCxnSpPr>
-          <p:spPr>
-            <a:xfrm>
-              <a:off x="1422766" y="4648200"/>
-              <a:ext cx="0" cy="900662"/>
-            </a:xfrm>
-            <a:prstGeom prst="line">
-              <a:avLst/>
-            </a:prstGeom>
-            <a:ln w="25400" cap="rnd">
-              <a:solidFill>
-                <a:schemeClr val="tx1"/>
-              </a:solidFill>
-            </a:ln>
-          </p:spPr>
-          <p:style>
-            <a:lnRef idx="1">
-              <a:schemeClr val="accent1"/>
-            </a:lnRef>
-            <a:fillRef idx="0">
-              <a:schemeClr val="accent1"/>
-            </a:fillRef>
-            <a:effectRef idx="0">
-              <a:schemeClr val="accent1"/>
-            </a:effectRef>
-            <a:fontRef idx="minor">
-              <a:schemeClr val="tx1"/>
-            </a:fontRef>
-          </p:style>
-        </p:cxnSp>
-        <p:cxnSp>
-          <p:nvCxnSpPr>
-            <p:cNvPr id="8" name="Straight Connector 7">
-              <a:extLst>
-                <a:ext uri="{FF2B5EF4-FFF2-40B4-BE49-F238E27FC236}">
-                  <a16:creationId xmlns:a16="http://schemas.microsoft.com/office/drawing/2014/main" id="{A693A54F-CD42-B5F4-304A-7758A6834EC7}"/>
-                </a:ext>
-              </a:extLst>
-            </p:cNvPr>
-            <p:cNvCxnSpPr>
-              <a:endCxn id="6" idx="5"/>
-            </p:cNvCxnSpPr>
-            <p:nvPr/>
-          </p:nvCxnSpPr>
-          <p:spPr>
-            <a:xfrm>
-              <a:off x="1422766" y="4648200"/>
-              <a:ext cx="634712" cy="637755"/>
-            </a:xfrm>
-            <a:prstGeom prst="line">
-              <a:avLst/>
-            </a:prstGeom>
-            <a:ln w="25400" cap="rnd">
-              <a:solidFill>
-                <a:schemeClr val="tx1"/>
-              </a:solidFill>
-            </a:ln>
-          </p:spPr>
-          <p:style>
-            <a:lnRef idx="1">
-              <a:schemeClr val="accent1"/>
-            </a:lnRef>
-            <a:fillRef idx="0">
-              <a:schemeClr val="accent1"/>
-            </a:fillRef>
-            <a:effectRef idx="0">
-              <a:schemeClr val="accent1"/>
-            </a:effectRef>
-            <a:fontRef idx="minor">
-              <a:schemeClr val="tx1"/>
-            </a:fontRef>
-          </p:style>
-        </p:cxnSp>
-        <mc:AlternateContent xmlns:mc="http://schemas.openxmlformats.org/markup-compatibility/2006">
-          <mc:Choice xmlns:a14="http://schemas.microsoft.com/office/drawing/2010/main" Requires="a14">
-            <p:sp>
-              <p:nvSpPr>
-                <p:cNvPr id="9" name="TextBox 8">
-                  <a:extLst>
-                    <a:ext uri="{FF2B5EF4-FFF2-40B4-BE49-F238E27FC236}">
-                      <a16:creationId xmlns:a16="http://schemas.microsoft.com/office/drawing/2014/main" id="{69848FE8-6C0D-07FD-9867-8D17363ED48A}"/>
-                    </a:ext>
-                  </a:extLst>
-                </p:cNvPr>
-                <p:cNvSpPr txBox="1"/>
-                <p:nvPr/>
-              </p:nvSpPr>
-              <p:spPr>
-                <a:xfrm>
-                  <a:off x="1620522" y="5681120"/>
-                  <a:ext cx="533400" cy="453137"/>
-                </a:xfrm>
-                <a:prstGeom prst="rect">
-                  <a:avLst/>
-                </a:prstGeom>
-                <a:noFill/>
-              </p:spPr>
-              <p:txBody>
-                <a:bodyPr wrap="square" rtlCol="0">
-                  <a:spAutoFit/>
-                </a:bodyPr>
-                <a:lstStyle/>
-                <a:p>
-                  <a:pPr algn="ctr"/>
-                  <a14:m>
+            </a:solidFill>
+          </a:ln>
+        </p:spPr>
+        <p:style>
+          <a:lnRef idx="1">
+            <a:schemeClr val="accent1"/>
+          </a:lnRef>
+          <a:fillRef idx="0">
+            <a:schemeClr val="accent1"/>
+          </a:fillRef>
+          <a:effectRef idx="0">
+            <a:schemeClr val="accent1"/>
+          </a:effectRef>
+          <a:fontRef idx="minor">
+            <a:schemeClr val="tx1"/>
+          </a:fontRef>
+        </p:style>
+      </p:cxnSp>
+      <mc:AlternateContent xmlns:mc="http://schemas.openxmlformats.org/markup-compatibility/2006">
+        <mc:Choice xmlns:a14="http://schemas.microsoft.com/office/drawing/2010/main" Requires="a14">
+          <p:sp>
+            <p:nvSpPr>
+              <p:cNvPr id="9" name="TextBox 8">
+                <a:extLst>
+                  <a:ext uri="{FF2B5EF4-FFF2-40B4-BE49-F238E27FC236}">
+                    <a16:creationId xmlns:a16="http://schemas.microsoft.com/office/drawing/2014/main" id="{69848FE8-6C0D-07FD-9867-8D17363ED48A}"/>
+                  </a:ext>
+                </a:extLst>
+              </p:cNvPr>
+              <p:cNvSpPr txBox="1"/>
+              <p:nvPr/>
+            </p:nvSpPr>
+            <p:spPr>
+              <a:xfrm>
+                <a:off x="1751376" y="5850403"/>
+                <a:ext cx="533400" cy="453137"/>
+              </a:xfrm>
+              <a:prstGeom prst="rect">
+                <a:avLst/>
+              </a:prstGeom>
+              <a:noFill/>
+            </p:spPr>
+            <p:txBody>
+              <a:bodyPr wrap="square" rtlCol="0">
+                <a:spAutoFit/>
+              </a:bodyPr>
+              <a:lstStyle/>
+              <a:p>
+                <a:pPr algn="ctr"/>
+                <a14:m>
+                  <m:oMath xmlns:m="http://schemas.openxmlformats.org/officeDocument/2006/math">
+                    <m:r>
+                      <a:rPr lang="en-US" sz="2400" b="0" i="1" smtClean="0">
+                        <a:latin typeface="Cambria Math" panose="02040503050406030204" pitchFamily="18" charset="0"/>
+                      </a:rPr>
+                      <m:t>𝑑</m:t>
+                    </m:r>
+                  </m:oMath>
+                </a14:m>
+                <a:r>
+                  <a:rPr lang="en-US" dirty="0"/>
+                  <a:t> </a:t>
+                </a:r>
+              </a:p>
+            </p:txBody>
+          </p:sp>
+        </mc:Choice>
+        <mc:Fallback>
+          <p:sp>
+            <p:nvSpPr>
+              <p:cNvPr id="9" name="TextBox 8">
+                <a:extLst>
+                  <a:ext uri="{FF2B5EF4-FFF2-40B4-BE49-F238E27FC236}">
+                    <a16:creationId xmlns:a16="http://schemas.microsoft.com/office/drawing/2014/main" id="{69848FE8-6C0D-07FD-9867-8D17363ED48A}"/>
+                  </a:ext>
+                </a:extLst>
+              </p:cNvPr>
+              <p:cNvSpPr txBox="1">
+                <a:spLocks noRot="1" noChangeAspect="1" noMove="1" noResize="1" noEditPoints="1" noAdjustHandles="1" noChangeArrowheads="1" noChangeShapeType="1" noTextEdit="1"/>
+              </p:cNvSpPr>
+              <p:nvPr/>
+            </p:nvSpPr>
+            <p:spPr>
+              <a:xfrm>
+                <a:off x="1751376" y="5850403"/>
+                <a:ext cx="533400" cy="453137"/>
+              </a:xfrm>
+              <a:prstGeom prst="rect">
+                <a:avLst/>
+              </a:prstGeom>
+              <a:blipFill>
+                <a:blip r:embed="rId2"/>
+                <a:stretch>
+                  <a:fillRect/>
+                </a:stretch>
+              </a:blipFill>
+            </p:spPr>
+            <p:txBody>
+              <a:bodyPr/>
+              <a:lstStyle/>
+              <a:p>
+                <a:r>
+                  <a:rPr lang="en-US">
+                    <a:noFill/>
+                  </a:rPr>
+                  <a:t> </a:t>
+                </a:r>
+              </a:p>
+            </p:txBody>
+          </p:sp>
+        </mc:Fallback>
+      </mc:AlternateContent>
+      <mc:AlternateContent xmlns:mc="http://schemas.openxmlformats.org/markup-compatibility/2006">
+        <mc:Choice xmlns:a14="http://schemas.microsoft.com/office/drawing/2010/main" Requires="a14">
+          <p:sp>
+            <p:nvSpPr>
+              <p:cNvPr id="10" name="TextBox 9">
+                <a:extLst>
+                  <a:ext uri="{FF2B5EF4-FFF2-40B4-BE49-F238E27FC236}">
+                    <a16:creationId xmlns:a16="http://schemas.microsoft.com/office/drawing/2014/main" id="{F41E5177-27A4-ADC7-AE35-2B2712768B5B}"/>
+                  </a:ext>
+                </a:extLst>
+              </p:cNvPr>
+              <p:cNvSpPr txBox="1"/>
+              <p:nvPr/>
+            </p:nvSpPr>
+            <p:spPr>
+              <a:xfrm>
+                <a:off x="1495946" y="4993573"/>
+                <a:ext cx="533400" cy="461665"/>
+              </a:xfrm>
+              <a:prstGeom prst="rect">
+                <a:avLst/>
+              </a:prstGeom>
+              <a:noFill/>
+            </p:spPr>
+            <p:txBody>
+              <a:bodyPr wrap="square" rtlCol="0">
+                <a:spAutoFit/>
+              </a:bodyPr>
+              <a:lstStyle/>
+              <a:p>
+                <a:pPr algn="ctr"/>
+                <a14:m>
+                  <m:oMathPara xmlns:m="http://schemas.openxmlformats.org/officeDocument/2006/math">
+                    <m:oMathParaPr>
+                      <m:jc m:val="centerGroup"/>
+                    </m:oMathParaPr>
                     <m:oMath xmlns:m="http://schemas.openxmlformats.org/officeDocument/2006/math">
                       <m:r>
                         <a:rPr lang="en-US" sz="2400" b="0" i="1" smtClean="0">
                           <a:latin typeface="Cambria Math" panose="02040503050406030204" pitchFamily="18" charset="0"/>
+                          <a:ea typeface="Cambria Math" panose="02040503050406030204" pitchFamily="18" charset="0"/>
                         </a:rPr>
-                        <m:t>𝑑</m:t>
+                        <m:t>𝜃</m:t>
                       </m:r>
                     </m:oMath>
-                  </a14:m>
-                  <a:r>
-                    <a:rPr lang="en-US" dirty="0"/>
-                    <a:t> </a:t>
-                  </a:r>
-                </a:p>
-              </p:txBody>
-            </p:sp>
-          </mc:Choice>
-          <mc:Fallback>
-            <p:sp>
-              <p:nvSpPr>
-                <p:cNvPr id="9" name="TextBox 8">
-                  <a:extLst>
-                    <a:ext uri="{FF2B5EF4-FFF2-40B4-BE49-F238E27FC236}">
-                      <a16:creationId xmlns:a16="http://schemas.microsoft.com/office/drawing/2014/main" id="{69848FE8-6C0D-07FD-9867-8D17363ED48A}"/>
-                    </a:ext>
-                  </a:extLst>
-                </p:cNvPr>
-                <p:cNvSpPr txBox="1">
-                  <a:spLocks noRot="1" noChangeAspect="1" noMove="1" noResize="1" noEditPoints="1" noAdjustHandles="1" noChangeArrowheads="1" noChangeShapeType="1" noTextEdit="1"/>
-                </p:cNvSpPr>
-                <p:nvPr/>
-              </p:nvSpPr>
-              <p:spPr>
-                <a:xfrm>
-                  <a:off x="1620522" y="5681120"/>
-                  <a:ext cx="533400" cy="453137"/>
-                </a:xfrm>
-                <a:prstGeom prst="rect">
-                  <a:avLst/>
-                </a:prstGeom>
-                <a:blipFill>
-                  <a:blip r:embed="rId2"/>
-                  <a:stretch>
-                    <a:fillRect/>
-                  </a:stretch>
-                </a:blipFill>
-              </p:spPr>
-              <p:txBody>
-                <a:bodyPr/>
-                <a:lstStyle/>
-                <a:p>
-                  <a:r>
-                    <a:rPr lang="en-US">
-                      <a:noFill/>
-                    </a:rPr>
-                    <a:t> </a:t>
-                  </a:r>
-                </a:p>
-              </p:txBody>
-            </p:sp>
-          </mc:Fallback>
-        </mc:AlternateContent>
-        <mc:AlternateContent xmlns:mc="http://schemas.openxmlformats.org/markup-compatibility/2006">
-          <mc:Choice xmlns:a14="http://schemas.microsoft.com/office/drawing/2010/main" Requires="a14">
-            <p:sp>
-              <p:nvSpPr>
-                <p:cNvPr id="10" name="TextBox 9">
-                  <a:extLst>
-                    <a:ext uri="{FF2B5EF4-FFF2-40B4-BE49-F238E27FC236}">
-                      <a16:creationId xmlns:a16="http://schemas.microsoft.com/office/drawing/2014/main" id="{F41E5177-27A4-ADC7-AE35-2B2712768B5B}"/>
-                    </a:ext>
-                  </a:extLst>
-                </p:cNvPr>
-                <p:cNvSpPr txBox="1"/>
-                <p:nvPr/>
-              </p:nvSpPr>
-              <p:spPr>
-                <a:xfrm>
-                  <a:off x="1365092" y="4824290"/>
-                  <a:ext cx="533400" cy="461665"/>
-                </a:xfrm>
-                <a:prstGeom prst="rect">
-                  <a:avLst/>
-                </a:prstGeom>
-                <a:noFill/>
-              </p:spPr>
-              <p:txBody>
-                <a:bodyPr wrap="square" rtlCol="0">
-                  <a:spAutoFit/>
-                </a:bodyPr>
-                <a:lstStyle/>
-                <a:p>
-                  <a:pPr algn="ctr"/>
-                  <a14:m>
-                    <m:oMathPara xmlns:m="http://schemas.openxmlformats.org/officeDocument/2006/math">
-                      <m:oMathParaPr>
-                        <m:jc m:val="centerGroup"/>
-                      </m:oMathParaPr>
-                      <m:oMath xmlns:m="http://schemas.openxmlformats.org/officeDocument/2006/math">
-                        <m:r>
-                          <a:rPr lang="en-US" sz="2400" b="0" i="1" smtClean="0">
-                            <a:latin typeface="Cambria Math" panose="02040503050406030204" pitchFamily="18" charset="0"/>
-                            <a:ea typeface="Cambria Math" panose="02040503050406030204" pitchFamily="18" charset="0"/>
-                          </a:rPr>
-                          <m:t>𝜃</m:t>
-                        </m:r>
-                      </m:oMath>
-                    </m:oMathPara>
-                  </a14:m>
-                  <a:endParaRPr lang="en-US" dirty="0"/>
-                </a:p>
-              </p:txBody>
-            </p:sp>
-          </mc:Choice>
-          <mc:Fallback>
-            <p:sp>
-              <p:nvSpPr>
-                <p:cNvPr id="10" name="TextBox 9">
-                  <a:extLst>
-                    <a:ext uri="{FF2B5EF4-FFF2-40B4-BE49-F238E27FC236}">
-                      <a16:creationId xmlns:a16="http://schemas.microsoft.com/office/drawing/2014/main" id="{F41E5177-27A4-ADC7-AE35-2B2712768B5B}"/>
-                    </a:ext>
-                  </a:extLst>
-                </p:cNvPr>
-                <p:cNvSpPr txBox="1">
-                  <a:spLocks noRot="1" noChangeAspect="1" noMove="1" noResize="1" noEditPoints="1" noAdjustHandles="1" noChangeArrowheads="1" noChangeShapeType="1" noTextEdit="1"/>
-                </p:cNvSpPr>
-                <p:nvPr/>
-              </p:nvSpPr>
-              <p:spPr>
-                <a:xfrm>
-                  <a:off x="1365092" y="4824290"/>
-                  <a:ext cx="533400" cy="461665"/>
-                </a:xfrm>
-                <a:prstGeom prst="rect">
-                  <a:avLst/>
-                </a:prstGeom>
-                <a:blipFill>
-                  <a:blip r:embed="rId3"/>
-                  <a:stretch>
-                    <a:fillRect/>
-                  </a:stretch>
-                </a:blipFill>
-              </p:spPr>
-              <p:txBody>
-                <a:bodyPr/>
-                <a:lstStyle/>
-                <a:p>
-                  <a:r>
-                    <a:rPr lang="en-US">
-                      <a:noFill/>
-                    </a:rPr>
-                    <a:t> </a:t>
-                  </a:r>
-                </a:p>
-              </p:txBody>
-            </p:sp>
-          </mc:Fallback>
-        </mc:AlternateContent>
-      </p:grpSp>
+                  </m:oMathPara>
+                </a14:m>
+                <a:endParaRPr lang="en-US" dirty="0"/>
+              </a:p>
+            </p:txBody>
+          </p:sp>
+        </mc:Choice>
+        <mc:Fallback>
+          <p:sp>
+            <p:nvSpPr>
+              <p:cNvPr id="10" name="TextBox 9">
+                <a:extLst>
+                  <a:ext uri="{FF2B5EF4-FFF2-40B4-BE49-F238E27FC236}">
+                    <a16:creationId xmlns:a16="http://schemas.microsoft.com/office/drawing/2014/main" id="{F41E5177-27A4-ADC7-AE35-2B2712768B5B}"/>
+                  </a:ext>
+                </a:extLst>
+              </p:cNvPr>
+              <p:cNvSpPr txBox="1">
+                <a:spLocks noRot="1" noChangeAspect="1" noMove="1" noResize="1" noEditPoints="1" noAdjustHandles="1" noChangeArrowheads="1" noChangeShapeType="1" noTextEdit="1"/>
+              </p:cNvSpPr>
+              <p:nvPr/>
+            </p:nvSpPr>
+            <p:spPr>
+              <a:xfrm>
+                <a:off x="1495946" y="4993573"/>
+                <a:ext cx="533400" cy="461665"/>
+              </a:xfrm>
+              <a:prstGeom prst="rect">
+                <a:avLst/>
+              </a:prstGeom>
+              <a:blipFill>
+                <a:blip r:embed="rId3"/>
+                <a:stretch>
+                  <a:fillRect/>
+                </a:stretch>
+              </a:blipFill>
+            </p:spPr>
+            <p:txBody>
+              <a:bodyPr/>
+              <a:lstStyle/>
+              <a:p>
+                <a:r>
+                  <a:rPr lang="en-US">
+                    <a:noFill/>
+                  </a:rPr>
+                  <a:t> </a:t>
+                </a:r>
+              </a:p>
+            </p:txBody>
+          </p:sp>
+        </mc:Fallback>
+      </mc:AlternateContent>
       <p:sp>
         <p:nvSpPr>
           <p:cNvPr id="13" name="Arc 12">
@@ -13644,6 +13623,100 @@
           </a:p>
         </p:txBody>
       </p:sp>
+      <mc:AlternateContent xmlns:mc="http://schemas.openxmlformats.org/markup-compatibility/2006">
+        <mc:Choice xmlns:a14="http://schemas.microsoft.com/office/drawing/2010/main" Requires="a14">
+          <p:sp>
+            <p:nvSpPr>
+              <p:cNvPr id="2" name="TextBox 1">
+                <a:extLst>
+                  <a:ext uri="{FF2B5EF4-FFF2-40B4-BE49-F238E27FC236}">
+                    <a16:creationId xmlns:a16="http://schemas.microsoft.com/office/drawing/2014/main" id="{80C721A1-6BF9-7625-B03F-ED019E61ABBB}"/>
+                  </a:ext>
+                </a:extLst>
+              </p:cNvPr>
+              <p:cNvSpPr txBox="1"/>
+              <p:nvPr/>
+            </p:nvSpPr>
+            <p:spPr>
+              <a:xfrm>
+                <a:off x="1707374" y="4730666"/>
+                <a:ext cx="533400" cy="453137"/>
+              </a:xfrm>
+              <a:prstGeom prst="rect">
+                <a:avLst/>
+              </a:prstGeom>
+              <a:noFill/>
+            </p:spPr>
+            <p:txBody>
+              <a:bodyPr wrap="square" rtlCol="0">
+                <a:spAutoFit/>
+              </a:bodyPr>
+              <a:lstStyle/>
+              <a:p>
+                <a:pPr algn="ctr"/>
+                <a14:m>
+                  <m:oMath xmlns:m="http://schemas.openxmlformats.org/officeDocument/2006/math">
+                    <m:r>
+                      <a:rPr lang="en-US" sz="2400" b="0" i="1" smtClean="0">
+                        <a:latin typeface="Cambria Math" panose="02040503050406030204" pitchFamily="18" charset="0"/>
+                      </a:rPr>
+                      <m:t>𝑟</m:t>
+                    </m:r>
+                  </m:oMath>
+                </a14:m>
+                <a:r>
+                  <a:rPr lang="en-US" dirty="0"/>
+                  <a:t> </a:t>
+                </a:r>
+              </a:p>
+            </p:txBody>
+          </p:sp>
+        </mc:Choice>
+        <mc:Fallback>
+          <p:sp>
+            <p:nvSpPr>
+              <p:cNvPr id="2" name="TextBox 1">
+                <a:extLst>
+                  <a:ext uri="{FF2B5EF4-FFF2-40B4-BE49-F238E27FC236}">
+                    <a16:creationId xmlns:a16="http://schemas.microsoft.com/office/drawing/2014/main" id="{80C721A1-6BF9-7625-B03F-ED019E61ABBB}"/>
+                  </a:ext>
+                </a:extLst>
+              </p:cNvPr>
+              <p:cNvSpPr txBox="1">
+                <a:spLocks noRot="1" noChangeAspect="1" noMove="1" noResize="1" noEditPoints="1" noAdjustHandles="1" noChangeArrowheads="1" noChangeShapeType="1" noTextEdit="1"/>
+              </p:cNvSpPr>
+              <p:nvPr/>
+            </p:nvSpPr>
+            <p:spPr>
+              <a:xfrm>
+                <a:off x="1707374" y="4730666"/>
+                <a:ext cx="533400" cy="453137"/>
+              </a:xfrm>
+              <a:prstGeom prst="rect">
+                <a:avLst/>
+              </a:prstGeom>
+              <a:blipFill>
+                <a:blip r:embed="rId4"/>
+                <a:stretch>
+                  <a:fillRect/>
+                </a:stretch>
+              </a:blipFill>
+            </p:spPr>
+            <p:txBody>
+              <a:bodyPr/>
+              <a:lstStyle/>
+              <a:p>
+                <a:r>
+                  <a:rPr lang="en-US">
+                    <a:noFill/>
+                  </a:rPr>
+                  <a:t> </a:t>
+                </a:r>
+              </a:p>
+            </p:txBody>
+          </p:sp>
+        </mc:Fallback>
+      </mc:AlternateContent>
     </p:spTree>
     <p:extLst>
       <p:ext uri="{BB962C8B-B14F-4D97-AF65-F5344CB8AC3E}">
